--- a/ITP/Von der Projektidee zum Projektauftrag.pptx
+++ b/ITP/Von der Projektidee zum Projektauftrag.pptx
@@ -4,9 +4,29 @@
   <p:sldMasterIdLst>
     <p:sldMasterId id="2147483648" r:id="rId1"/>
   </p:sldMasterIdLst>
+  <p:notesMasterIdLst>
+    <p:notesMasterId r:id="rId21"/>
+  </p:notesMasterIdLst>
   <p:sldIdLst>
     <p:sldId id="256" r:id="rId2"/>
     <p:sldId id="257" r:id="rId3"/>
+    <p:sldId id="273" r:id="rId4"/>
+    <p:sldId id="258" r:id="rId5"/>
+    <p:sldId id="259" r:id="rId6"/>
+    <p:sldId id="260" r:id="rId7"/>
+    <p:sldId id="271" r:id="rId8"/>
+    <p:sldId id="263" r:id="rId9"/>
+    <p:sldId id="265" r:id="rId10"/>
+    <p:sldId id="266" r:id="rId11"/>
+    <p:sldId id="267" r:id="rId12"/>
+    <p:sldId id="275" r:id="rId13"/>
+    <p:sldId id="274" r:id="rId14"/>
+    <p:sldId id="272" r:id="rId15"/>
+    <p:sldId id="269" r:id="rId16"/>
+    <p:sldId id="270" r:id="rId17"/>
+    <p:sldId id="277" r:id="rId18"/>
+    <p:sldId id="276" r:id="rId19"/>
+    <p:sldId id="278" r:id="rId20"/>
   </p:sldIdLst>
   <p:sldSz cx="12192000" cy="6858000"/>
   <p:notesSz cx="6858000" cy="9144000"/>
@@ -105,7 +125,894 @@
       </a:defRPr>
     </a:lvl9pPr>
   </p:defaultTextStyle>
+  <p:extLst>
+    <p:ext uri="{EFAFB233-063F-42B5-8137-9DF3F51BA10A}">
+      <p15:sldGuideLst xmlns:p15="http://schemas.microsoft.com/office/powerpoint/2012/main"/>
+    </p:ext>
+  </p:extLst>
 </p:presentation>
+</file>
+
+<file path=ppt/notesMasters/notesMaster1.xml><?xml version="1.0" encoding="utf-8"?>
+<p:notesMaster xmlns:a="http://schemas.openxmlformats.org/drawingml/2006/main" xmlns:r="http://schemas.openxmlformats.org/officeDocument/2006/relationships" xmlns:p="http://schemas.openxmlformats.org/presentationml/2006/main">
+  <p:cSld>
+    <p:bg>
+      <p:bgRef idx="1001">
+        <a:schemeClr val="bg1"/>
+      </p:bgRef>
+    </p:bg>
+    <p:spTree>
+      <p:nvGrpSpPr>
+        <p:cNvPr id="1" name=""/>
+        <p:cNvGrpSpPr/>
+        <p:nvPr/>
+      </p:nvGrpSpPr>
+      <p:grpSpPr>
+        <a:xfrm>
+          <a:off x="0" y="0"/>
+          <a:ext cx="0" cy="0"/>
+          <a:chOff x="0" y="0"/>
+          <a:chExt cx="0" cy="0"/>
+        </a:xfrm>
+      </p:grpSpPr>
+      <p:sp>
+        <p:nvSpPr>
+          <p:cNvPr id="2" name="Kopfzeilenplatzhalter 1"/>
+          <p:cNvSpPr>
+            <a:spLocks noGrp="1"/>
+          </p:cNvSpPr>
+          <p:nvPr>
+            <p:ph type="hdr" sz="quarter"/>
+          </p:nvPr>
+        </p:nvSpPr>
+        <p:spPr>
+          <a:xfrm>
+            <a:off x="0" y="0"/>
+            <a:ext cx="2971800" cy="458788"/>
+          </a:xfrm>
+          <a:prstGeom prst="rect">
+            <a:avLst/>
+          </a:prstGeom>
+        </p:spPr>
+        <p:txBody>
+          <a:bodyPr vert="horz" lIns="91440" tIns="45720" rIns="91440" bIns="45720" rtlCol="0"/>
+          <a:lstStyle>
+            <a:lvl1pPr algn="l">
+              <a:defRPr sz="1200"/>
+            </a:lvl1pPr>
+          </a:lstStyle>
+          <a:p>
+            <a:endParaRPr lang="de-AT"/>
+          </a:p>
+        </p:txBody>
+      </p:sp>
+      <p:sp>
+        <p:nvSpPr>
+          <p:cNvPr id="3" name="Datumsplatzhalter 2"/>
+          <p:cNvSpPr>
+            <a:spLocks noGrp="1"/>
+          </p:cNvSpPr>
+          <p:nvPr>
+            <p:ph type="dt" idx="1"/>
+          </p:nvPr>
+        </p:nvSpPr>
+        <p:spPr>
+          <a:xfrm>
+            <a:off x="3884613" y="0"/>
+            <a:ext cx="2971800" cy="458788"/>
+          </a:xfrm>
+          <a:prstGeom prst="rect">
+            <a:avLst/>
+          </a:prstGeom>
+        </p:spPr>
+        <p:txBody>
+          <a:bodyPr vert="horz" lIns="91440" tIns="45720" rIns="91440" bIns="45720" rtlCol="0"/>
+          <a:lstStyle>
+            <a:lvl1pPr algn="r">
+              <a:defRPr sz="1200"/>
+            </a:lvl1pPr>
+          </a:lstStyle>
+          <a:p>
+            <a:fld id="{D22B782B-7635-4CFD-8DEB-E3047850B87B}" type="datetimeFigureOut">
+              <a:rPr lang="de-AT" smtClean="0"/>
+              <a:t>04.03.2025</a:t>
+            </a:fld>
+            <a:endParaRPr lang="de-AT"/>
+          </a:p>
+        </p:txBody>
+      </p:sp>
+      <p:sp>
+        <p:nvSpPr>
+          <p:cNvPr id="4" name="Folienbildplatzhalter 3"/>
+          <p:cNvSpPr>
+            <a:spLocks noGrp="1" noRot="1" noChangeAspect="1"/>
+          </p:cNvSpPr>
+          <p:nvPr>
+            <p:ph type="sldImg" idx="2"/>
+          </p:nvPr>
+        </p:nvSpPr>
+        <p:spPr>
+          <a:xfrm>
+            <a:off x="685800" y="1143000"/>
+            <a:ext cx="5486400" cy="3086100"/>
+          </a:xfrm>
+          <a:prstGeom prst="rect">
+            <a:avLst/>
+          </a:prstGeom>
+          <a:noFill/>
+          <a:ln w="12700">
+            <a:solidFill>
+              <a:prstClr val="black"/>
+            </a:solidFill>
+          </a:ln>
+        </p:spPr>
+        <p:txBody>
+          <a:bodyPr vert="horz" lIns="91440" tIns="45720" rIns="91440" bIns="45720" rtlCol="0" anchor="ctr"/>
+          <a:lstStyle/>
+          <a:p>
+            <a:endParaRPr lang="de-AT"/>
+          </a:p>
+        </p:txBody>
+      </p:sp>
+      <p:sp>
+        <p:nvSpPr>
+          <p:cNvPr id="5" name="Notizenplatzhalter 4"/>
+          <p:cNvSpPr>
+            <a:spLocks noGrp="1"/>
+          </p:cNvSpPr>
+          <p:nvPr>
+            <p:ph type="body" sz="quarter" idx="3"/>
+          </p:nvPr>
+        </p:nvSpPr>
+        <p:spPr>
+          <a:xfrm>
+            <a:off x="685800" y="4400550"/>
+            <a:ext cx="5486400" cy="3600450"/>
+          </a:xfrm>
+          <a:prstGeom prst="rect">
+            <a:avLst/>
+          </a:prstGeom>
+        </p:spPr>
+        <p:txBody>
+          <a:bodyPr vert="horz" lIns="91440" tIns="45720" rIns="91440" bIns="45720" rtlCol="0"/>
+          <a:lstStyle/>
+          <a:p>
+            <a:pPr lvl="0"/>
+            <a:r>
+              <a:rPr lang="de-DE"/>
+              <a:t>Mastertextformat bearbeiten</a:t>
+            </a:r>
+          </a:p>
+          <a:p>
+            <a:pPr lvl="1"/>
+            <a:r>
+              <a:rPr lang="de-DE"/>
+              <a:t>Zweite Ebene</a:t>
+            </a:r>
+          </a:p>
+          <a:p>
+            <a:pPr lvl="2"/>
+            <a:r>
+              <a:rPr lang="de-DE"/>
+              <a:t>Dritte Ebene</a:t>
+            </a:r>
+          </a:p>
+          <a:p>
+            <a:pPr lvl="3"/>
+            <a:r>
+              <a:rPr lang="de-DE"/>
+              <a:t>Vierte Ebene</a:t>
+            </a:r>
+          </a:p>
+          <a:p>
+            <a:pPr lvl="4"/>
+            <a:r>
+              <a:rPr lang="de-DE"/>
+              <a:t>Fünfte Ebene</a:t>
+            </a:r>
+            <a:endParaRPr lang="de-AT"/>
+          </a:p>
+        </p:txBody>
+      </p:sp>
+      <p:sp>
+        <p:nvSpPr>
+          <p:cNvPr id="6" name="Fußzeilenplatzhalter 5"/>
+          <p:cNvSpPr>
+            <a:spLocks noGrp="1"/>
+          </p:cNvSpPr>
+          <p:nvPr>
+            <p:ph type="ftr" sz="quarter" idx="4"/>
+          </p:nvPr>
+        </p:nvSpPr>
+        <p:spPr>
+          <a:xfrm>
+            <a:off x="0" y="8685213"/>
+            <a:ext cx="2971800" cy="458787"/>
+          </a:xfrm>
+          <a:prstGeom prst="rect">
+            <a:avLst/>
+          </a:prstGeom>
+        </p:spPr>
+        <p:txBody>
+          <a:bodyPr vert="horz" lIns="91440" tIns="45720" rIns="91440" bIns="45720" rtlCol="0" anchor="b"/>
+          <a:lstStyle>
+            <a:lvl1pPr algn="l">
+              <a:defRPr sz="1200"/>
+            </a:lvl1pPr>
+          </a:lstStyle>
+          <a:p>
+            <a:endParaRPr lang="de-AT"/>
+          </a:p>
+        </p:txBody>
+      </p:sp>
+      <p:sp>
+        <p:nvSpPr>
+          <p:cNvPr id="7" name="Foliennummernplatzhalter 6"/>
+          <p:cNvSpPr>
+            <a:spLocks noGrp="1"/>
+          </p:cNvSpPr>
+          <p:nvPr>
+            <p:ph type="sldNum" sz="quarter" idx="5"/>
+          </p:nvPr>
+        </p:nvSpPr>
+        <p:spPr>
+          <a:xfrm>
+            <a:off x="3884613" y="8685213"/>
+            <a:ext cx="2971800" cy="458787"/>
+          </a:xfrm>
+          <a:prstGeom prst="rect">
+            <a:avLst/>
+          </a:prstGeom>
+        </p:spPr>
+        <p:txBody>
+          <a:bodyPr vert="horz" lIns="91440" tIns="45720" rIns="91440" bIns="45720" rtlCol="0" anchor="b"/>
+          <a:lstStyle>
+            <a:lvl1pPr algn="r">
+              <a:defRPr sz="1200"/>
+            </a:lvl1pPr>
+          </a:lstStyle>
+          <a:p>
+            <a:fld id="{42F1E68F-BF1A-45B0-841D-982DA2AC4570}" type="slidenum">
+              <a:rPr lang="de-AT" smtClean="0"/>
+              <a:t>‹Nr.›</a:t>
+            </a:fld>
+            <a:endParaRPr lang="de-AT"/>
+          </a:p>
+        </p:txBody>
+      </p:sp>
+    </p:spTree>
+    <p:extLst>
+      <p:ext uri="{BB962C8B-B14F-4D97-AF65-F5344CB8AC3E}">
+        <p14:creationId xmlns:p14="http://schemas.microsoft.com/office/powerpoint/2010/main" val="2438195074"/>
+      </p:ext>
+    </p:extLst>
+  </p:cSld>
+  <p:clrMap bg1="lt1" tx1="dk1" bg2="lt2" tx2="dk2" accent1="accent1" accent2="accent2" accent3="accent3" accent4="accent4" accent5="accent5" accent6="accent6" hlink="hlink" folHlink="folHlink"/>
+  <p:notesStyle>
+    <a:lvl1pPr marL="0" algn="l" defTabSz="914400" rtl="0" eaLnBrk="1" latinLnBrk="0" hangingPunct="1">
+      <a:defRPr sz="1200" kern="1200">
+        <a:solidFill>
+          <a:schemeClr val="tx1"/>
+        </a:solidFill>
+        <a:latin typeface="+mn-lt"/>
+        <a:ea typeface="+mn-ea"/>
+        <a:cs typeface="+mn-cs"/>
+      </a:defRPr>
+    </a:lvl1pPr>
+    <a:lvl2pPr marL="457200" algn="l" defTabSz="914400" rtl="0" eaLnBrk="1" latinLnBrk="0" hangingPunct="1">
+      <a:defRPr sz="1200" kern="1200">
+        <a:solidFill>
+          <a:schemeClr val="tx1"/>
+        </a:solidFill>
+        <a:latin typeface="+mn-lt"/>
+        <a:ea typeface="+mn-ea"/>
+        <a:cs typeface="+mn-cs"/>
+      </a:defRPr>
+    </a:lvl2pPr>
+    <a:lvl3pPr marL="914400" algn="l" defTabSz="914400" rtl="0" eaLnBrk="1" latinLnBrk="0" hangingPunct="1">
+      <a:defRPr sz="1200" kern="1200">
+        <a:solidFill>
+          <a:schemeClr val="tx1"/>
+        </a:solidFill>
+        <a:latin typeface="+mn-lt"/>
+        <a:ea typeface="+mn-ea"/>
+        <a:cs typeface="+mn-cs"/>
+      </a:defRPr>
+    </a:lvl3pPr>
+    <a:lvl4pPr marL="1371600" algn="l" defTabSz="914400" rtl="0" eaLnBrk="1" latinLnBrk="0" hangingPunct="1">
+      <a:defRPr sz="1200" kern="1200">
+        <a:solidFill>
+          <a:schemeClr val="tx1"/>
+        </a:solidFill>
+        <a:latin typeface="+mn-lt"/>
+        <a:ea typeface="+mn-ea"/>
+        <a:cs typeface="+mn-cs"/>
+      </a:defRPr>
+    </a:lvl4pPr>
+    <a:lvl5pPr marL="1828800" algn="l" defTabSz="914400" rtl="0" eaLnBrk="1" latinLnBrk="0" hangingPunct="1">
+      <a:defRPr sz="1200" kern="1200">
+        <a:solidFill>
+          <a:schemeClr val="tx1"/>
+        </a:solidFill>
+        <a:latin typeface="+mn-lt"/>
+        <a:ea typeface="+mn-ea"/>
+        <a:cs typeface="+mn-cs"/>
+      </a:defRPr>
+    </a:lvl5pPr>
+    <a:lvl6pPr marL="2286000" algn="l" defTabSz="914400" rtl="0" eaLnBrk="1" latinLnBrk="0" hangingPunct="1">
+      <a:defRPr sz="1200" kern="1200">
+        <a:solidFill>
+          <a:schemeClr val="tx1"/>
+        </a:solidFill>
+        <a:latin typeface="+mn-lt"/>
+        <a:ea typeface="+mn-ea"/>
+        <a:cs typeface="+mn-cs"/>
+      </a:defRPr>
+    </a:lvl6pPr>
+    <a:lvl7pPr marL="2743200" algn="l" defTabSz="914400" rtl="0" eaLnBrk="1" latinLnBrk="0" hangingPunct="1">
+      <a:defRPr sz="1200" kern="1200">
+        <a:solidFill>
+          <a:schemeClr val="tx1"/>
+        </a:solidFill>
+        <a:latin typeface="+mn-lt"/>
+        <a:ea typeface="+mn-ea"/>
+        <a:cs typeface="+mn-cs"/>
+      </a:defRPr>
+    </a:lvl7pPr>
+    <a:lvl8pPr marL="3200400" algn="l" defTabSz="914400" rtl="0" eaLnBrk="1" latinLnBrk="0" hangingPunct="1">
+      <a:defRPr sz="1200" kern="1200">
+        <a:solidFill>
+          <a:schemeClr val="tx1"/>
+        </a:solidFill>
+        <a:latin typeface="+mn-lt"/>
+        <a:ea typeface="+mn-ea"/>
+        <a:cs typeface="+mn-cs"/>
+      </a:defRPr>
+    </a:lvl8pPr>
+    <a:lvl9pPr marL="3657600" algn="l" defTabSz="914400" rtl="0" eaLnBrk="1" latinLnBrk="0" hangingPunct="1">
+      <a:defRPr sz="1200" kern="1200">
+        <a:solidFill>
+          <a:schemeClr val="tx1"/>
+        </a:solidFill>
+        <a:latin typeface="+mn-lt"/>
+        <a:ea typeface="+mn-ea"/>
+        <a:cs typeface="+mn-cs"/>
+      </a:defRPr>
+    </a:lvl9pPr>
+  </p:notesStyle>
+</p:notesMaster>
+</file>
+
+<file path=ppt/notesSlides/notesSlide1.xml><?xml version="1.0" encoding="utf-8"?>
+<p:notes xmlns:a="http://schemas.openxmlformats.org/drawingml/2006/main" xmlns:r="http://schemas.openxmlformats.org/officeDocument/2006/relationships" xmlns:p="http://schemas.openxmlformats.org/presentationml/2006/main">
+  <p:cSld>
+    <p:spTree>
+      <p:nvGrpSpPr>
+        <p:cNvPr id="1" name="">
+          <a:extLst>
+            <a:ext uri="{FF2B5EF4-FFF2-40B4-BE49-F238E27FC236}">
+              <a16:creationId xmlns:a16="http://schemas.microsoft.com/office/drawing/2014/main" id="{123126B3-88DB-4ED6-79A0-3E8C21E49A7A}"/>
+            </a:ext>
+          </a:extLst>
+        </p:cNvPr>
+        <p:cNvGrpSpPr/>
+        <p:nvPr/>
+      </p:nvGrpSpPr>
+      <p:grpSpPr>
+        <a:xfrm>
+          <a:off x="0" y="0"/>
+          <a:ext cx="0" cy="0"/>
+          <a:chOff x="0" y="0"/>
+          <a:chExt cx="0" cy="0"/>
+        </a:xfrm>
+      </p:grpSpPr>
+      <p:sp>
+        <p:nvSpPr>
+          <p:cNvPr id="2" name="Folienbildplatzhalter 1">
+            <a:extLst>
+              <a:ext uri="{FF2B5EF4-FFF2-40B4-BE49-F238E27FC236}">
+                <a16:creationId xmlns:a16="http://schemas.microsoft.com/office/drawing/2014/main" id="{E4C7F0CA-0527-1672-B1BE-2121C1E053BD}"/>
+              </a:ext>
+            </a:extLst>
+          </p:cNvPr>
+          <p:cNvSpPr>
+            <a:spLocks noGrp="1" noRot="1" noChangeAspect="1"/>
+          </p:cNvSpPr>
+          <p:nvPr>
+            <p:ph type="sldImg"/>
+          </p:nvPr>
+        </p:nvSpPr>
+        <p:spPr/>
+      </p:sp>
+      <p:sp>
+        <p:nvSpPr>
+          <p:cNvPr id="3" name="Notizenplatzhalter 2">
+            <a:extLst>
+              <a:ext uri="{FF2B5EF4-FFF2-40B4-BE49-F238E27FC236}">
+                <a16:creationId xmlns:a16="http://schemas.microsoft.com/office/drawing/2014/main" id="{4093CABF-E1E2-6C2C-6DE1-85D0B7D1F2EA}"/>
+              </a:ext>
+            </a:extLst>
+          </p:cNvPr>
+          <p:cNvSpPr>
+            <a:spLocks noGrp="1"/>
+          </p:cNvSpPr>
+          <p:nvPr>
+            <p:ph type="body" idx="1"/>
+          </p:nvPr>
+        </p:nvSpPr>
+        <p:spPr/>
+        <p:txBody>
+          <a:bodyPr/>
+          <a:lstStyle/>
+          <a:p>
+            <a:r>
+              <a:rPr lang="de-AT" sz="1800" dirty="0">
+                <a:effectLst/>
+                <a:latin typeface="Aptos" panose="020B0004020202020204" pitchFamily="34" charset="0"/>
+                <a:ea typeface="Aptos" panose="020B0004020202020204" pitchFamily="34" charset="0"/>
+                <a:cs typeface="Times New Roman" panose="02020603050405020304" pitchFamily="18" charset="0"/>
+              </a:rPr>
+              <a:t>In der Machbarkeitsstudie werden Fakten analysiert, um herauszufinden, ob ein Projekt generell realistisch umgesetzt werden kann. Dabei werden folgende Punkte in Betracht gezogen</a:t>
+            </a:r>
+            <a:endParaRPr lang="de-AT" dirty="0"/>
+          </a:p>
+        </p:txBody>
+      </p:sp>
+      <p:sp>
+        <p:nvSpPr>
+          <p:cNvPr id="4" name="Foliennummernplatzhalter 3">
+            <a:extLst>
+              <a:ext uri="{FF2B5EF4-FFF2-40B4-BE49-F238E27FC236}">
+                <a16:creationId xmlns:a16="http://schemas.microsoft.com/office/drawing/2014/main" id="{DE4966A7-1037-9F7A-E741-77937AE8ACE9}"/>
+              </a:ext>
+            </a:extLst>
+          </p:cNvPr>
+          <p:cNvSpPr>
+            <a:spLocks noGrp="1"/>
+          </p:cNvSpPr>
+          <p:nvPr>
+            <p:ph type="sldNum" sz="quarter" idx="5"/>
+          </p:nvPr>
+        </p:nvSpPr>
+        <p:spPr/>
+        <p:txBody>
+          <a:bodyPr/>
+          <a:lstStyle/>
+          <a:p>
+            <a:fld id="{42F1E68F-BF1A-45B0-841D-982DA2AC4570}" type="slidenum">
+              <a:rPr lang="de-AT" smtClean="0"/>
+              <a:t>3</a:t>
+            </a:fld>
+            <a:endParaRPr lang="de-AT"/>
+          </a:p>
+        </p:txBody>
+      </p:sp>
+    </p:spTree>
+    <p:extLst>
+      <p:ext uri="{BB962C8B-B14F-4D97-AF65-F5344CB8AC3E}">
+        <p14:creationId xmlns:p14="http://schemas.microsoft.com/office/powerpoint/2010/main" val="435398935"/>
+      </p:ext>
+    </p:extLst>
+  </p:cSld>
+  <p:clrMapOvr>
+    <a:masterClrMapping/>
+  </p:clrMapOvr>
+</p:notes>
+</file>
+
+<file path=ppt/notesSlides/notesSlide2.xml><?xml version="1.0" encoding="utf-8"?>
+<p:notes xmlns:a="http://schemas.openxmlformats.org/drawingml/2006/main" xmlns:r="http://schemas.openxmlformats.org/officeDocument/2006/relationships" xmlns:p="http://schemas.openxmlformats.org/presentationml/2006/main">
+  <p:cSld>
+    <p:spTree>
+      <p:nvGrpSpPr>
+        <p:cNvPr id="1" name=""/>
+        <p:cNvGrpSpPr/>
+        <p:nvPr/>
+      </p:nvGrpSpPr>
+      <p:grpSpPr>
+        <a:xfrm>
+          <a:off x="0" y="0"/>
+          <a:ext cx="0" cy="0"/>
+          <a:chOff x="0" y="0"/>
+          <a:chExt cx="0" cy="0"/>
+        </a:xfrm>
+      </p:grpSpPr>
+      <p:sp>
+        <p:nvSpPr>
+          <p:cNvPr id="2" name="Folienbildplatzhalter 1"/>
+          <p:cNvSpPr>
+            <a:spLocks noGrp="1" noRot="1" noChangeAspect="1"/>
+          </p:cNvSpPr>
+          <p:nvPr>
+            <p:ph type="sldImg"/>
+          </p:nvPr>
+        </p:nvSpPr>
+        <p:spPr/>
+      </p:sp>
+      <p:sp>
+        <p:nvSpPr>
+          <p:cNvPr id="3" name="Notizenplatzhalter 2"/>
+          <p:cNvSpPr>
+            <a:spLocks noGrp="1"/>
+          </p:cNvSpPr>
+          <p:nvPr>
+            <p:ph type="body" idx="1"/>
+          </p:nvPr>
+        </p:nvSpPr>
+        <p:spPr/>
+        <p:txBody>
+          <a:bodyPr/>
+          <a:lstStyle/>
+          <a:p>
+            <a:r>
+              <a:rPr lang="de-DE" dirty="0"/>
+              <a:t>1. Frage ans Publikum</a:t>
+            </a:r>
+            <a:endParaRPr lang="de-AT" dirty="0"/>
+          </a:p>
+        </p:txBody>
+      </p:sp>
+      <p:sp>
+        <p:nvSpPr>
+          <p:cNvPr id="4" name="Foliennummernplatzhalter 3"/>
+          <p:cNvSpPr>
+            <a:spLocks noGrp="1"/>
+          </p:cNvSpPr>
+          <p:nvPr>
+            <p:ph type="sldNum" sz="quarter" idx="5"/>
+          </p:nvPr>
+        </p:nvSpPr>
+        <p:spPr/>
+        <p:txBody>
+          <a:bodyPr/>
+          <a:lstStyle/>
+          <a:p>
+            <a:fld id="{42F1E68F-BF1A-45B0-841D-982DA2AC4570}" type="slidenum">
+              <a:rPr lang="de-AT" smtClean="0"/>
+              <a:t>4</a:t>
+            </a:fld>
+            <a:endParaRPr lang="de-AT"/>
+          </a:p>
+        </p:txBody>
+      </p:sp>
+    </p:spTree>
+    <p:extLst>
+      <p:ext uri="{BB962C8B-B14F-4D97-AF65-F5344CB8AC3E}">
+        <p14:creationId xmlns:p14="http://schemas.microsoft.com/office/powerpoint/2010/main" val="765281024"/>
+      </p:ext>
+    </p:extLst>
+  </p:cSld>
+  <p:clrMapOvr>
+    <a:masterClrMapping/>
+  </p:clrMapOvr>
+</p:notes>
+</file>
+
+<file path=ppt/notesSlides/notesSlide3.xml><?xml version="1.0" encoding="utf-8"?>
+<p:notes xmlns:a="http://schemas.openxmlformats.org/drawingml/2006/main" xmlns:r="http://schemas.openxmlformats.org/officeDocument/2006/relationships" xmlns:p="http://schemas.openxmlformats.org/presentationml/2006/main">
+  <p:cSld>
+    <p:spTree>
+      <p:nvGrpSpPr>
+        <p:cNvPr id="1" name="">
+          <a:extLst>
+            <a:ext uri="{FF2B5EF4-FFF2-40B4-BE49-F238E27FC236}">
+              <a16:creationId xmlns:a16="http://schemas.microsoft.com/office/drawing/2014/main" id="{B95F5056-B21A-3425-B8B0-52FEAD9884AC}"/>
+            </a:ext>
+          </a:extLst>
+        </p:cNvPr>
+        <p:cNvGrpSpPr/>
+        <p:nvPr/>
+      </p:nvGrpSpPr>
+      <p:grpSpPr>
+        <a:xfrm>
+          <a:off x="0" y="0"/>
+          <a:ext cx="0" cy="0"/>
+          <a:chOff x="0" y="0"/>
+          <a:chExt cx="0" cy="0"/>
+        </a:xfrm>
+      </p:grpSpPr>
+      <p:sp>
+        <p:nvSpPr>
+          <p:cNvPr id="2" name="Folienbildplatzhalter 1">
+            <a:extLst>
+              <a:ext uri="{FF2B5EF4-FFF2-40B4-BE49-F238E27FC236}">
+                <a16:creationId xmlns:a16="http://schemas.microsoft.com/office/drawing/2014/main" id="{DC9CB6E2-7F88-1A38-FB9F-C200AFE918AF}"/>
+              </a:ext>
+            </a:extLst>
+          </p:cNvPr>
+          <p:cNvSpPr>
+            <a:spLocks noGrp="1" noRot="1" noChangeAspect="1"/>
+          </p:cNvSpPr>
+          <p:nvPr>
+            <p:ph type="sldImg"/>
+          </p:nvPr>
+        </p:nvSpPr>
+        <p:spPr/>
+      </p:sp>
+      <p:sp>
+        <p:nvSpPr>
+          <p:cNvPr id="3" name="Notizenplatzhalter 2">
+            <a:extLst>
+              <a:ext uri="{FF2B5EF4-FFF2-40B4-BE49-F238E27FC236}">
+                <a16:creationId xmlns:a16="http://schemas.microsoft.com/office/drawing/2014/main" id="{7A38E658-1CCE-0EA9-4E3B-B2599D3AA992}"/>
+              </a:ext>
+            </a:extLst>
+          </p:cNvPr>
+          <p:cNvSpPr>
+            <a:spLocks noGrp="1"/>
+          </p:cNvSpPr>
+          <p:nvPr>
+            <p:ph type="body" idx="1"/>
+          </p:nvPr>
+        </p:nvSpPr>
+        <p:spPr/>
+        <p:txBody>
+          <a:bodyPr/>
+          <a:lstStyle/>
+          <a:p>
+            <a:r>
+              <a:rPr lang="de-AT" sz="1800" dirty="0">
+                <a:effectLst/>
+                <a:latin typeface="Aptos" panose="020B0004020202020204" pitchFamily="34" charset="0"/>
+                <a:ea typeface="Aptos" panose="020B0004020202020204" pitchFamily="34" charset="0"/>
+                <a:cs typeface="Times New Roman" panose="02020603050405020304" pitchFamily="18" charset="0"/>
+              </a:rPr>
+              <a:t>In der Machbarkeitsstudie werden Fakten analysiert, um herauszufinden, ob ein Projekt generell realistisch umgesetzt werden kann. Dabei werden folgende Punkte in Betracht gezogen</a:t>
+            </a:r>
+            <a:endParaRPr lang="de-AT" dirty="0"/>
+          </a:p>
+        </p:txBody>
+      </p:sp>
+      <p:sp>
+        <p:nvSpPr>
+          <p:cNvPr id="4" name="Foliennummernplatzhalter 3">
+            <a:extLst>
+              <a:ext uri="{FF2B5EF4-FFF2-40B4-BE49-F238E27FC236}">
+                <a16:creationId xmlns:a16="http://schemas.microsoft.com/office/drawing/2014/main" id="{26A621C2-C67D-D873-D188-1356615A9AC2}"/>
+              </a:ext>
+            </a:extLst>
+          </p:cNvPr>
+          <p:cNvSpPr>
+            <a:spLocks noGrp="1"/>
+          </p:cNvSpPr>
+          <p:nvPr>
+            <p:ph type="sldNum" sz="quarter" idx="5"/>
+          </p:nvPr>
+        </p:nvSpPr>
+        <p:spPr/>
+        <p:txBody>
+          <a:bodyPr/>
+          <a:lstStyle/>
+          <a:p>
+            <a:fld id="{42F1E68F-BF1A-45B0-841D-982DA2AC4570}" type="slidenum">
+              <a:rPr lang="de-AT" smtClean="0"/>
+              <a:t>7</a:t>
+            </a:fld>
+            <a:endParaRPr lang="de-AT"/>
+          </a:p>
+        </p:txBody>
+      </p:sp>
+    </p:spTree>
+    <p:extLst>
+      <p:ext uri="{BB962C8B-B14F-4D97-AF65-F5344CB8AC3E}">
+        <p14:creationId xmlns:p14="http://schemas.microsoft.com/office/powerpoint/2010/main" val="2963785576"/>
+      </p:ext>
+    </p:extLst>
+  </p:cSld>
+  <p:clrMapOvr>
+    <a:masterClrMapping/>
+  </p:clrMapOvr>
+</p:notes>
+</file>
+
+<file path=ppt/notesSlides/notesSlide4.xml><?xml version="1.0" encoding="utf-8"?>
+<p:notes xmlns:a="http://schemas.openxmlformats.org/drawingml/2006/main" xmlns:r="http://schemas.openxmlformats.org/officeDocument/2006/relationships" xmlns:p="http://schemas.openxmlformats.org/presentationml/2006/main">
+  <p:cSld>
+    <p:spTree>
+      <p:nvGrpSpPr>
+        <p:cNvPr id="1" name=""/>
+        <p:cNvGrpSpPr/>
+        <p:nvPr/>
+      </p:nvGrpSpPr>
+      <p:grpSpPr>
+        <a:xfrm>
+          <a:off x="0" y="0"/>
+          <a:ext cx="0" cy="0"/>
+          <a:chOff x="0" y="0"/>
+          <a:chExt cx="0" cy="0"/>
+        </a:xfrm>
+      </p:grpSpPr>
+      <p:sp>
+        <p:nvSpPr>
+          <p:cNvPr id="2" name="Folienbildplatzhalter 1"/>
+          <p:cNvSpPr>
+            <a:spLocks noGrp="1" noRot="1" noChangeAspect="1"/>
+          </p:cNvSpPr>
+          <p:nvPr>
+            <p:ph type="sldImg"/>
+          </p:nvPr>
+        </p:nvSpPr>
+        <p:spPr/>
+      </p:sp>
+      <p:sp>
+        <p:nvSpPr>
+          <p:cNvPr id="3" name="Notizenplatzhalter 2"/>
+          <p:cNvSpPr>
+            <a:spLocks noGrp="1"/>
+          </p:cNvSpPr>
+          <p:nvPr>
+            <p:ph type="body" idx="1"/>
+          </p:nvPr>
+        </p:nvSpPr>
+        <p:spPr/>
+        <p:txBody>
+          <a:bodyPr/>
+          <a:lstStyle/>
+          <a:p>
+            <a:r>
+              <a:rPr lang="de-AT" sz="1800" dirty="0">
+                <a:effectLst/>
+                <a:latin typeface="Aptos" panose="020B0004020202020204" pitchFamily="34" charset="0"/>
+                <a:ea typeface="Aptos" panose="020B0004020202020204" pitchFamily="34" charset="0"/>
+                <a:cs typeface="Times New Roman" panose="02020603050405020304" pitchFamily="18" charset="0"/>
+              </a:rPr>
+              <a:t>In der Machbarkeitsstudie werden Fakten analysiert, um herauszufinden, ob ein Projekt generell realistisch umgesetzt werden kann. Dabei werden folgende Punkte in Betracht gezogen</a:t>
+            </a:r>
+            <a:endParaRPr lang="de-AT" dirty="0"/>
+          </a:p>
+        </p:txBody>
+      </p:sp>
+      <p:sp>
+        <p:nvSpPr>
+          <p:cNvPr id="4" name="Foliennummernplatzhalter 3"/>
+          <p:cNvSpPr>
+            <a:spLocks noGrp="1"/>
+          </p:cNvSpPr>
+          <p:nvPr>
+            <p:ph type="sldNum" sz="quarter" idx="5"/>
+          </p:nvPr>
+        </p:nvSpPr>
+        <p:spPr/>
+        <p:txBody>
+          <a:bodyPr/>
+          <a:lstStyle/>
+          <a:p>
+            <a:fld id="{42F1E68F-BF1A-45B0-841D-982DA2AC4570}" type="slidenum">
+              <a:rPr lang="de-AT" smtClean="0"/>
+              <a:t>9</a:t>
+            </a:fld>
+            <a:endParaRPr lang="de-AT"/>
+          </a:p>
+        </p:txBody>
+      </p:sp>
+    </p:spTree>
+    <p:extLst>
+      <p:ext uri="{BB962C8B-B14F-4D97-AF65-F5344CB8AC3E}">
+        <p14:creationId xmlns:p14="http://schemas.microsoft.com/office/powerpoint/2010/main" val="3833934984"/>
+      </p:ext>
+    </p:extLst>
+  </p:cSld>
+  <p:clrMapOvr>
+    <a:masterClrMapping/>
+  </p:clrMapOvr>
+</p:notes>
+</file>
+
+<file path=ppt/notesSlides/notesSlide5.xml><?xml version="1.0" encoding="utf-8"?>
+<p:notes xmlns:a="http://schemas.openxmlformats.org/drawingml/2006/main" xmlns:r="http://schemas.openxmlformats.org/officeDocument/2006/relationships" xmlns:p="http://schemas.openxmlformats.org/presentationml/2006/main">
+  <p:cSld>
+    <p:spTree>
+      <p:nvGrpSpPr>
+        <p:cNvPr id="1" name="">
+          <a:extLst>
+            <a:ext uri="{FF2B5EF4-FFF2-40B4-BE49-F238E27FC236}">
+              <a16:creationId xmlns:a16="http://schemas.microsoft.com/office/drawing/2014/main" id="{624AD420-192D-88F4-8FEF-720D723D40A9}"/>
+            </a:ext>
+          </a:extLst>
+        </p:cNvPr>
+        <p:cNvGrpSpPr/>
+        <p:nvPr/>
+      </p:nvGrpSpPr>
+      <p:grpSpPr>
+        <a:xfrm>
+          <a:off x="0" y="0"/>
+          <a:ext cx="0" cy="0"/>
+          <a:chOff x="0" y="0"/>
+          <a:chExt cx="0" cy="0"/>
+        </a:xfrm>
+      </p:grpSpPr>
+      <p:sp>
+        <p:nvSpPr>
+          <p:cNvPr id="2" name="Folienbildplatzhalter 1">
+            <a:extLst>
+              <a:ext uri="{FF2B5EF4-FFF2-40B4-BE49-F238E27FC236}">
+                <a16:creationId xmlns:a16="http://schemas.microsoft.com/office/drawing/2014/main" id="{C81F994F-A1C4-D6F9-EB78-40228E9E4B3B}"/>
+              </a:ext>
+            </a:extLst>
+          </p:cNvPr>
+          <p:cNvSpPr>
+            <a:spLocks noGrp="1" noRot="1" noChangeAspect="1"/>
+          </p:cNvSpPr>
+          <p:nvPr>
+            <p:ph type="sldImg"/>
+          </p:nvPr>
+        </p:nvSpPr>
+        <p:spPr/>
+      </p:sp>
+      <p:sp>
+        <p:nvSpPr>
+          <p:cNvPr id="3" name="Notizenplatzhalter 2">
+            <a:extLst>
+              <a:ext uri="{FF2B5EF4-FFF2-40B4-BE49-F238E27FC236}">
+                <a16:creationId xmlns:a16="http://schemas.microsoft.com/office/drawing/2014/main" id="{C98AA98B-315A-C925-B0DB-3BECD93A52EC}"/>
+              </a:ext>
+            </a:extLst>
+          </p:cNvPr>
+          <p:cNvSpPr>
+            <a:spLocks noGrp="1"/>
+          </p:cNvSpPr>
+          <p:nvPr>
+            <p:ph type="body" idx="1"/>
+          </p:nvPr>
+        </p:nvSpPr>
+        <p:spPr/>
+        <p:txBody>
+          <a:bodyPr/>
+          <a:lstStyle/>
+          <a:p>
+            <a:r>
+              <a:rPr lang="de-AT" sz="1800" dirty="0">
+                <a:effectLst/>
+                <a:latin typeface="Aptos" panose="020B0004020202020204" pitchFamily="34" charset="0"/>
+                <a:ea typeface="Aptos" panose="020B0004020202020204" pitchFamily="34" charset="0"/>
+                <a:cs typeface="Times New Roman" panose="02020603050405020304" pitchFamily="18" charset="0"/>
+              </a:rPr>
+              <a:t>In der Machbarkeitsstudie werden Fakten analysiert, um herauszufinden, ob ein Projekt generell realistisch umgesetzt werden kann. Dabei werden folgende Punkte in Betracht gezogen</a:t>
+            </a:r>
+            <a:endParaRPr lang="de-AT" dirty="0"/>
+          </a:p>
+        </p:txBody>
+      </p:sp>
+      <p:sp>
+        <p:nvSpPr>
+          <p:cNvPr id="4" name="Foliennummernplatzhalter 3">
+            <a:extLst>
+              <a:ext uri="{FF2B5EF4-FFF2-40B4-BE49-F238E27FC236}">
+                <a16:creationId xmlns:a16="http://schemas.microsoft.com/office/drawing/2014/main" id="{D313DD06-8F52-3807-E4B2-EC1CC62FD497}"/>
+              </a:ext>
+            </a:extLst>
+          </p:cNvPr>
+          <p:cNvSpPr>
+            <a:spLocks noGrp="1"/>
+          </p:cNvSpPr>
+          <p:nvPr>
+            <p:ph type="sldNum" sz="quarter" idx="5"/>
+          </p:nvPr>
+        </p:nvSpPr>
+        <p:spPr/>
+        <p:txBody>
+          <a:bodyPr/>
+          <a:lstStyle/>
+          <a:p>
+            <a:fld id="{42F1E68F-BF1A-45B0-841D-982DA2AC4570}" type="slidenum">
+              <a:rPr lang="de-AT" smtClean="0"/>
+              <a:t>14</a:t>
+            </a:fld>
+            <a:endParaRPr lang="de-AT"/>
+          </a:p>
+        </p:txBody>
+      </p:sp>
+    </p:spTree>
+    <p:extLst>
+      <p:ext uri="{BB962C8B-B14F-4D97-AF65-F5344CB8AC3E}">
+        <p14:creationId xmlns:p14="http://schemas.microsoft.com/office/powerpoint/2010/main" val="2136513470"/>
+      </p:ext>
+    </p:extLst>
+  </p:cSld>
+  <p:clrMapOvr>
+    <a:masterClrMapping/>
+  </p:clrMapOvr>
+</p:notes>
 </file>
 
 <file path=ppt/slideLayouts/slideLayout1.xml><?xml version="1.0" encoding="utf-8"?>
@@ -2760,8 +3667,8 @@
 <p:sldMaster xmlns:a="http://schemas.openxmlformats.org/drawingml/2006/main" xmlns:r="http://schemas.openxmlformats.org/officeDocument/2006/relationships" xmlns:p="http://schemas.openxmlformats.org/presentationml/2006/main">
   <p:cSld>
     <p:bg>
-      <p:bgRef idx="1001">
-        <a:schemeClr val="bg1"/>
+      <p:bgRef idx="1003">
+        <a:schemeClr val="bg2"/>
       </p:bgRef>
     </p:bg>
     <p:spTree>
@@ -3329,14 +4236,6 @@
 <file path=ppt/slides/slide1.xml><?xml version="1.0" encoding="utf-8"?>
 <p:sld xmlns:a="http://schemas.openxmlformats.org/drawingml/2006/main" xmlns:r="http://schemas.openxmlformats.org/officeDocument/2006/relationships" xmlns:p="http://schemas.openxmlformats.org/presentationml/2006/main">
   <p:cSld>
-    <p:bg>
-      <p:bgPr>
-        <a:solidFill>
-          <a:schemeClr val="bg1"/>
-        </a:solidFill>
-        <a:effectLst/>
-      </p:bgPr>
-    </p:bg>
     <p:spTree>
       <p:nvGrpSpPr>
         <p:cNvPr id="1" name=""/>
@@ -3440,10 +4339,10 @@
           <a:lstStyle/>
           <a:p>
             <a:r>
-              <a:rPr lang="de-DE" sz="5600" dirty="0"/>
+              <a:rPr lang="de-DE" sz="4800" dirty="0"/>
               <a:t>Von der Projektidee zum Projektauftrag</a:t>
             </a:r>
-            <a:endParaRPr lang="en-GB" sz="5600" dirty="0"/>
+            <a:endParaRPr lang="en-GB" sz="4800" dirty="0"/>
           </a:p>
         </p:txBody>
       </p:sp>
@@ -3854,7 +4753,7 @@
         </p:blipFill>
         <p:spPr>
           <a:xfrm>
-            <a:off x="801441" y="-769423"/>
+            <a:off x="638881" y="-477684"/>
             <a:ext cx="10918712" cy="5459356"/>
           </a:xfrm>
           <a:prstGeom prst="rect">
@@ -3883,7 +4782,7 @@
         </p:nvSpPr>
         <p:spPr>
           <a:xfrm>
-            <a:off x="4745251" y="1624589"/>
+            <a:off x="4582691" y="1916328"/>
             <a:ext cx="2696902" cy="671332"/>
           </a:xfrm>
           <a:prstGeom prst="rightArrow">
@@ -3949,6 +4848,3507 @@
   <p:clrMapOvr>
     <a:masterClrMapping/>
   </p:clrMapOvr>
+</p:sld>
+</file>
+
+<file path=ppt/slides/slide10.xml><?xml version="1.0" encoding="utf-8"?>
+<p:sld xmlns:a="http://schemas.openxmlformats.org/drawingml/2006/main" xmlns:r="http://schemas.openxmlformats.org/officeDocument/2006/relationships" xmlns:p="http://schemas.openxmlformats.org/presentationml/2006/main">
+  <p:cSld>
+    <p:spTree>
+      <p:nvGrpSpPr>
+        <p:cNvPr id="1" name=""/>
+        <p:cNvGrpSpPr/>
+        <p:nvPr/>
+      </p:nvGrpSpPr>
+      <p:grpSpPr>
+        <a:xfrm>
+          <a:off x="0" y="0"/>
+          <a:ext cx="0" cy="0"/>
+          <a:chOff x="0" y="0"/>
+          <a:chExt cx="0" cy="0"/>
+        </a:xfrm>
+      </p:grpSpPr>
+      <p:sp>
+        <p:nvSpPr>
+          <p:cNvPr id="2" name="Titel 1">
+            <a:extLst>
+              <a:ext uri="{FF2B5EF4-FFF2-40B4-BE49-F238E27FC236}">
+                <a16:creationId xmlns:a16="http://schemas.microsoft.com/office/drawing/2014/main" id="{7191FF04-583B-9CF3-1787-1BA41691376F}"/>
+              </a:ext>
+            </a:extLst>
+          </p:cNvPr>
+          <p:cNvSpPr>
+            <a:spLocks noGrp="1"/>
+          </p:cNvSpPr>
+          <p:nvPr>
+            <p:ph type="title"/>
+          </p:nvPr>
+        </p:nvSpPr>
+        <p:spPr/>
+        <p:txBody>
+          <a:bodyPr/>
+          <a:lstStyle/>
+          <a:p>
+            <a:r>
+              <a:rPr lang="de-DE" dirty="0"/>
+              <a:t>Machbarkeitsstudie</a:t>
+            </a:r>
+            <a:endParaRPr lang="de-AT" dirty="0"/>
+          </a:p>
+        </p:txBody>
+      </p:sp>
+      <p:sp>
+        <p:nvSpPr>
+          <p:cNvPr id="4" name="Textfeld 3">
+            <a:extLst>
+              <a:ext uri="{FF2B5EF4-FFF2-40B4-BE49-F238E27FC236}">
+                <a16:creationId xmlns:a16="http://schemas.microsoft.com/office/drawing/2014/main" id="{FCACD444-A191-2BAD-F2D7-E9FB851FAEEE}"/>
+              </a:ext>
+            </a:extLst>
+          </p:cNvPr>
+          <p:cNvSpPr txBox="1"/>
+          <p:nvPr/>
+        </p:nvSpPr>
+        <p:spPr>
+          <a:xfrm>
+            <a:off x="838200" y="1975842"/>
+            <a:ext cx="2962656" cy="461665"/>
+          </a:xfrm>
+          <a:prstGeom prst="rect">
+            <a:avLst/>
+          </a:prstGeom>
+          <a:noFill/>
+        </p:spPr>
+        <p:txBody>
+          <a:bodyPr wrap="square" rtlCol="0">
+            <a:spAutoFit/>
+          </a:bodyPr>
+          <a:lstStyle/>
+          <a:p>
+            <a:pPr algn="ctr"/>
+            <a:r>
+              <a:rPr lang="de-DE" sz="2400" dirty="0"/>
+              <a:t>Technisch</a:t>
+            </a:r>
+            <a:endParaRPr lang="de-AT" dirty="0"/>
+          </a:p>
+        </p:txBody>
+      </p:sp>
+      <p:sp>
+        <p:nvSpPr>
+          <p:cNvPr id="5" name="Textfeld 4">
+            <a:extLst>
+              <a:ext uri="{FF2B5EF4-FFF2-40B4-BE49-F238E27FC236}">
+                <a16:creationId xmlns:a16="http://schemas.microsoft.com/office/drawing/2014/main" id="{2E62A1B2-5F01-1733-4325-02FDDCB2F2F8}"/>
+              </a:ext>
+            </a:extLst>
+          </p:cNvPr>
+          <p:cNvSpPr txBox="1"/>
+          <p:nvPr/>
+        </p:nvSpPr>
+        <p:spPr>
+          <a:xfrm>
+            <a:off x="6909816" y="4103874"/>
+            <a:ext cx="2962656" cy="461665"/>
+          </a:xfrm>
+          <a:prstGeom prst="rect">
+            <a:avLst/>
+          </a:prstGeom>
+          <a:noFill/>
+        </p:spPr>
+        <p:txBody>
+          <a:bodyPr wrap="square" rtlCol="0">
+            <a:spAutoFit/>
+          </a:bodyPr>
+          <a:lstStyle/>
+          <a:p>
+            <a:pPr algn="ctr"/>
+            <a:r>
+              <a:rPr lang="de-DE" sz="2400" dirty="0"/>
+              <a:t>Zeitlich</a:t>
+            </a:r>
+            <a:endParaRPr lang="de-AT" dirty="0"/>
+          </a:p>
+        </p:txBody>
+      </p:sp>
+      <p:sp>
+        <p:nvSpPr>
+          <p:cNvPr id="6" name="Textfeld 5">
+            <a:extLst>
+              <a:ext uri="{FF2B5EF4-FFF2-40B4-BE49-F238E27FC236}">
+                <a16:creationId xmlns:a16="http://schemas.microsoft.com/office/drawing/2014/main" id="{1C4E8901-3CE6-1644-25B6-17C51A00F4C0}"/>
+              </a:ext>
+            </a:extLst>
+          </p:cNvPr>
+          <p:cNvSpPr txBox="1"/>
+          <p:nvPr/>
+        </p:nvSpPr>
+        <p:spPr>
+          <a:xfrm>
+            <a:off x="2200656" y="4103874"/>
+            <a:ext cx="2962656" cy="461665"/>
+          </a:xfrm>
+          <a:prstGeom prst="rect">
+            <a:avLst/>
+          </a:prstGeom>
+          <a:noFill/>
+        </p:spPr>
+        <p:txBody>
+          <a:bodyPr wrap="square" rtlCol="0">
+            <a:spAutoFit/>
+          </a:bodyPr>
+          <a:lstStyle/>
+          <a:p>
+            <a:pPr algn="ctr"/>
+            <a:r>
+              <a:rPr lang="de-DE" sz="2400" dirty="0"/>
+              <a:t>Betrieblich</a:t>
+            </a:r>
+            <a:endParaRPr lang="de-AT" dirty="0"/>
+          </a:p>
+        </p:txBody>
+      </p:sp>
+      <p:sp>
+        <p:nvSpPr>
+          <p:cNvPr id="7" name="Textfeld 6">
+            <a:extLst>
+              <a:ext uri="{FF2B5EF4-FFF2-40B4-BE49-F238E27FC236}">
+                <a16:creationId xmlns:a16="http://schemas.microsoft.com/office/drawing/2014/main" id="{B5AAE50C-50BC-7FE4-3E99-9489F4315A15}"/>
+              </a:ext>
+            </a:extLst>
+          </p:cNvPr>
+          <p:cNvSpPr txBox="1"/>
+          <p:nvPr/>
+        </p:nvSpPr>
+        <p:spPr>
+          <a:xfrm>
+            <a:off x="4614672" y="1975841"/>
+            <a:ext cx="2962656" cy="461665"/>
+          </a:xfrm>
+          <a:prstGeom prst="rect">
+            <a:avLst/>
+          </a:prstGeom>
+          <a:noFill/>
+        </p:spPr>
+        <p:txBody>
+          <a:bodyPr wrap="square" rtlCol="0">
+            <a:spAutoFit/>
+          </a:bodyPr>
+          <a:lstStyle/>
+          <a:p>
+            <a:pPr algn="ctr"/>
+            <a:r>
+              <a:rPr lang="de-DE" sz="2400" dirty="0"/>
+              <a:t>Wirtschaftlich</a:t>
+            </a:r>
+            <a:endParaRPr lang="de-AT" dirty="0"/>
+          </a:p>
+        </p:txBody>
+      </p:sp>
+      <p:sp>
+        <p:nvSpPr>
+          <p:cNvPr id="8" name="Textfeld 7">
+            <a:extLst>
+              <a:ext uri="{FF2B5EF4-FFF2-40B4-BE49-F238E27FC236}">
+                <a16:creationId xmlns:a16="http://schemas.microsoft.com/office/drawing/2014/main" id="{A25FAC8B-76D9-8995-3390-126059059282}"/>
+              </a:ext>
+            </a:extLst>
+          </p:cNvPr>
+          <p:cNvSpPr txBox="1"/>
+          <p:nvPr/>
+        </p:nvSpPr>
+        <p:spPr>
+          <a:xfrm>
+            <a:off x="8391144" y="1953611"/>
+            <a:ext cx="2962656" cy="461665"/>
+          </a:xfrm>
+          <a:prstGeom prst="rect">
+            <a:avLst/>
+          </a:prstGeom>
+          <a:noFill/>
+        </p:spPr>
+        <p:txBody>
+          <a:bodyPr wrap="square" rtlCol="0">
+            <a:spAutoFit/>
+          </a:bodyPr>
+          <a:lstStyle/>
+          <a:p>
+            <a:pPr algn="ctr"/>
+            <a:r>
+              <a:rPr lang="de-DE" sz="2400" dirty="0"/>
+              <a:t>Rechtlich</a:t>
+            </a:r>
+            <a:endParaRPr lang="de-AT" dirty="0"/>
+          </a:p>
+        </p:txBody>
+      </p:sp>
+      <p:pic>
+        <p:nvPicPr>
+          <p:cNvPr id="4098" name="Picture 2" descr="Technisch - Kostenlose sonstiges-Icons">
+            <a:extLst>
+              <a:ext uri="{FF2B5EF4-FFF2-40B4-BE49-F238E27FC236}">
+                <a16:creationId xmlns:a16="http://schemas.microsoft.com/office/drawing/2014/main" id="{14D42F4A-5D49-C0E8-0E09-82BA60A232AD}"/>
+              </a:ext>
+            </a:extLst>
+          </p:cNvPr>
+          <p:cNvPicPr>
+            <a:picLocks noChangeAspect="1" noChangeArrowheads="1"/>
+          </p:cNvPicPr>
+          <p:nvPr/>
+        </p:nvPicPr>
+        <p:blipFill>
+          <a:blip r:embed="rId2">
+            <a:extLst>
+              <a:ext uri="{28A0092B-C50C-407E-A947-70E740481C1C}">
+                <a14:useLocalDpi xmlns:a14="http://schemas.microsoft.com/office/drawing/2010/main" val="0"/>
+              </a:ext>
+            </a:extLst>
+          </a:blip>
+          <a:srcRect/>
+          <a:stretch>
+            <a:fillRect/>
+          </a:stretch>
+        </p:blipFill>
+        <p:spPr bwMode="auto">
+          <a:xfrm>
+            <a:off x="1637658" y="2505456"/>
+            <a:ext cx="1363740" cy="1363740"/>
+          </a:xfrm>
+          <a:prstGeom prst="rect">
+            <a:avLst/>
+          </a:prstGeom>
+          <a:noFill/>
+          <a:extLst>
+            <a:ext uri="{909E8E84-426E-40DD-AFC4-6F175D3DCCD1}">
+              <a14:hiddenFill xmlns:a14="http://schemas.microsoft.com/office/drawing/2010/main">
+                <a:solidFill>
+                  <a:srgbClr val="FFFFFF"/>
+                </a:solidFill>
+              </a14:hiddenFill>
+            </a:ext>
+          </a:extLst>
+        </p:spPr>
+      </p:pic>
+      <p:pic>
+        <p:nvPicPr>
+          <p:cNvPr id="4100" name="Picture 4" descr="Wirtschaftlich - Kostenlose geschäft und finanzen-Icons">
+            <a:extLst>
+              <a:ext uri="{FF2B5EF4-FFF2-40B4-BE49-F238E27FC236}">
+                <a16:creationId xmlns:a16="http://schemas.microsoft.com/office/drawing/2014/main" id="{9D12EB46-705D-AFBC-F961-1392A610876E}"/>
+              </a:ext>
+            </a:extLst>
+          </p:cNvPr>
+          <p:cNvPicPr>
+            <a:picLocks noChangeAspect="1" noChangeArrowheads="1"/>
+          </p:cNvPicPr>
+          <p:nvPr/>
+        </p:nvPicPr>
+        <p:blipFill>
+          <a:blip r:embed="rId3">
+            <a:extLst>
+              <a:ext uri="{28A0092B-C50C-407E-A947-70E740481C1C}">
+                <a14:useLocalDpi xmlns:a14="http://schemas.microsoft.com/office/drawing/2010/main" val="0"/>
+              </a:ext>
+            </a:extLst>
+          </a:blip>
+          <a:srcRect/>
+          <a:stretch>
+            <a:fillRect/>
+          </a:stretch>
+        </p:blipFill>
+        <p:spPr bwMode="auto">
+          <a:xfrm>
+            <a:off x="5414130" y="2612389"/>
+            <a:ext cx="1363740" cy="1363740"/>
+          </a:xfrm>
+          <a:prstGeom prst="rect">
+            <a:avLst/>
+          </a:prstGeom>
+          <a:noFill/>
+          <a:extLst>
+            <a:ext uri="{909E8E84-426E-40DD-AFC4-6F175D3DCCD1}">
+              <a14:hiddenFill xmlns:a14="http://schemas.microsoft.com/office/drawing/2010/main">
+                <a:solidFill>
+                  <a:srgbClr val="FFFFFF"/>
+                </a:solidFill>
+              </a14:hiddenFill>
+            </a:ext>
+          </a:extLst>
+        </p:spPr>
+      </p:pic>
+      <p:pic>
+        <p:nvPicPr>
+          <p:cNvPr id="10" name="Grafik 9">
+            <a:extLst>
+              <a:ext uri="{FF2B5EF4-FFF2-40B4-BE49-F238E27FC236}">
+                <a16:creationId xmlns:a16="http://schemas.microsoft.com/office/drawing/2014/main" id="{691848B6-5F45-A67A-1919-075D7404E66F}"/>
+              </a:ext>
+            </a:extLst>
+          </p:cNvPr>
+          <p:cNvPicPr>
+            <a:picLocks noChangeAspect="1"/>
+          </p:cNvPicPr>
+          <p:nvPr/>
+        </p:nvPicPr>
+        <p:blipFill>
+          <a:blip r:embed="rId4"/>
+          <a:stretch>
+            <a:fillRect/>
+          </a:stretch>
+        </p:blipFill>
+        <p:spPr>
+          <a:xfrm>
+            <a:off x="9363455" y="2505456"/>
+            <a:ext cx="1202571" cy="1202571"/>
+          </a:xfrm>
+          <a:prstGeom prst="rect">
+            <a:avLst/>
+          </a:prstGeom>
+        </p:spPr>
+      </p:pic>
+      <p:pic>
+        <p:nvPicPr>
+          <p:cNvPr id="12" name="Grafik 11">
+            <a:extLst>
+              <a:ext uri="{FF2B5EF4-FFF2-40B4-BE49-F238E27FC236}">
+                <a16:creationId xmlns:a16="http://schemas.microsoft.com/office/drawing/2014/main" id="{144FBDC4-2E0A-0B6F-FC58-CE374DC8D348}"/>
+              </a:ext>
+            </a:extLst>
+          </p:cNvPr>
+          <p:cNvPicPr>
+            <a:picLocks noChangeAspect="1"/>
+          </p:cNvPicPr>
+          <p:nvPr/>
+        </p:nvPicPr>
+        <p:blipFill>
+          <a:blip r:embed="rId5"/>
+          <a:stretch>
+            <a:fillRect/>
+          </a:stretch>
+        </p:blipFill>
+        <p:spPr>
+          <a:xfrm>
+            <a:off x="3062416" y="4850691"/>
+            <a:ext cx="1476879" cy="1476879"/>
+          </a:xfrm>
+          <a:prstGeom prst="rect">
+            <a:avLst/>
+          </a:prstGeom>
+        </p:spPr>
+      </p:pic>
+      <p:pic>
+        <p:nvPicPr>
+          <p:cNvPr id="14" name="Grafik 13">
+            <a:extLst>
+              <a:ext uri="{FF2B5EF4-FFF2-40B4-BE49-F238E27FC236}">
+                <a16:creationId xmlns:a16="http://schemas.microsoft.com/office/drawing/2014/main" id="{C4CF6844-E182-E731-95CD-AA8FFAE2DB58}"/>
+              </a:ext>
+            </a:extLst>
+          </p:cNvPr>
+          <p:cNvPicPr>
+            <a:picLocks noChangeAspect="1"/>
+          </p:cNvPicPr>
+          <p:nvPr/>
+        </p:nvPicPr>
+        <p:blipFill>
+          <a:blip r:embed="rId6"/>
+          <a:stretch>
+            <a:fillRect/>
+          </a:stretch>
+        </p:blipFill>
+        <p:spPr>
+          <a:xfrm>
+            <a:off x="7617087" y="4749406"/>
+            <a:ext cx="1679448" cy="1679448"/>
+          </a:xfrm>
+          <a:prstGeom prst="rect">
+            <a:avLst/>
+          </a:prstGeom>
+        </p:spPr>
+      </p:pic>
+    </p:spTree>
+    <p:extLst>
+      <p:ext uri="{BB962C8B-B14F-4D97-AF65-F5344CB8AC3E}">
+        <p14:creationId xmlns:p14="http://schemas.microsoft.com/office/powerpoint/2010/main" val="1449584952"/>
+      </p:ext>
+    </p:extLst>
+  </p:cSld>
+  <p:clrMapOvr>
+    <a:masterClrMapping/>
+  </p:clrMapOvr>
+</p:sld>
+</file>
+
+<file path=ppt/slides/slide11.xml><?xml version="1.0" encoding="utf-8"?>
+<p:sld xmlns:a="http://schemas.openxmlformats.org/drawingml/2006/main" xmlns:r="http://schemas.openxmlformats.org/officeDocument/2006/relationships" xmlns:p="http://schemas.openxmlformats.org/presentationml/2006/main">
+  <p:cSld>
+    <p:spTree>
+      <p:nvGrpSpPr>
+        <p:cNvPr id="1" name=""/>
+        <p:cNvGrpSpPr/>
+        <p:nvPr/>
+      </p:nvGrpSpPr>
+      <p:grpSpPr>
+        <a:xfrm>
+          <a:off x="0" y="0"/>
+          <a:ext cx="0" cy="0"/>
+          <a:chOff x="0" y="0"/>
+          <a:chExt cx="0" cy="0"/>
+        </a:xfrm>
+      </p:grpSpPr>
+      <p:sp>
+        <p:nvSpPr>
+          <p:cNvPr id="2" name="Titel 1">
+            <a:extLst>
+              <a:ext uri="{FF2B5EF4-FFF2-40B4-BE49-F238E27FC236}">
+                <a16:creationId xmlns:a16="http://schemas.microsoft.com/office/drawing/2014/main" id="{E0F55C7A-C1EC-DF77-5E09-DD0DBDBA7826}"/>
+              </a:ext>
+            </a:extLst>
+          </p:cNvPr>
+          <p:cNvSpPr>
+            <a:spLocks noGrp="1"/>
+          </p:cNvSpPr>
+          <p:nvPr>
+            <p:ph type="title"/>
+          </p:nvPr>
+        </p:nvSpPr>
+        <p:spPr/>
+        <p:txBody>
+          <a:bodyPr/>
+          <a:lstStyle/>
+          <a:p>
+            <a:r>
+              <a:rPr lang="de-DE" dirty="0"/>
+              <a:t>Machbarkeitsstudie</a:t>
+            </a:r>
+            <a:endParaRPr lang="de-AT" dirty="0"/>
+          </a:p>
+        </p:txBody>
+      </p:sp>
+      <p:pic>
+        <p:nvPicPr>
+          <p:cNvPr id="5" name="Grafik 4">
+            <a:extLst>
+              <a:ext uri="{FF2B5EF4-FFF2-40B4-BE49-F238E27FC236}">
+                <a16:creationId xmlns:a16="http://schemas.microsoft.com/office/drawing/2014/main" id="{4AC057D9-1243-3DF6-A7D8-9BC4556DC66B}"/>
+              </a:ext>
+            </a:extLst>
+          </p:cNvPr>
+          <p:cNvPicPr>
+            <a:picLocks noChangeAspect="1"/>
+          </p:cNvPicPr>
+          <p:nvPr/>
+        </p:nvPicPr>
+        <p:blipFill>
+          <a:blip r:embed="rId2"/>
+          <a:stretch>
+            <a:fillRect/>
+          </a:stretch>
+        </p:blipFill>
+        <p:spPr>
+          <a:xfrm>
+            <a:off x="911733" y="2124646"/>
+            <a:ext cx="2520696" cy="2520696"/>
+          </a:xfrm>
+          <a:prstGeom prst="rect">
+            <a:avLst/>
+          </a:prstGeom>
+        </p:spPr>
+      </p:pic>
+      <p:pic>
+        <p:nvPicPr>
+          <p:cNvPr id="7" name="Grafik 6">
+            <a:extLst>
+              <a:ext uri="{FF2B5EF4-FFF2-40B4-BE49-F238E27FC236}">
+                <a16:creationId xmlns:a16="http://schemas.microsoft.com/office/drawing/2014/main" id="{CD192D45-B7DA-A548-E7DA-798AA0CF77B0}"/>
+              </a:ext>
+            </a:extLst>
+          </p:cNvPr>
+          <p:cNvPicPr>
+            <a:picLocks noChangeAspect="1"/>
+          </p:cNvPicPr>
+          <p:nvPr/>
+        </p:nvPicPr>
+        <p:blipFill>
+          <a:blip r:embed="rId3"/>
+          <a:stretch>
+            <a:fillRect/>
+          </a:stretch>
+        </p:blipFill>
+        <p:spPr>
+          <a:xfrm>
+            <a:off x="4835652" y="2168652"/>
+            <a:ext cx="2520696" cy="2520696"/>
+          </a:xfrm>
+          <a:prstGeom prst="rect">
+            <a:avLst/>
+          </a:prstGeom>
+        </p:spPr>
+      </p:pic>
+      <p:pic>
+        <p:nvPicPr>
+          <p:cNvPr id="9" name="Grafik 8">
+            <a:extLst>
+              <a:ext uri="{FF2B5EF4-FFF2-40B4-BE49-F238E27FC236}">
+                <a16:creationId xmlns:a16="http://schemas.microsoft.com/office/drawing/2014/main" id="{876EDC2D-133A-308D-B531-9C29FD5E2365}"/>
+              </a:ext>
+            </a:extLst>
+          </p:cNvPr>
+          <p:cNvPicPr>
+            <a:picLocks noChangeAspect="1"/>
+          </p:cNvPicPr>
+          <p:nvPr/>
+        </p:nvPicPr>
+        <p:blipFill>
+          <a:blip r:embed="rId4"/>
+          <a:stretch>
+            <a:fillRect/>
+          </a:stretch>
+        </p:blipFill>
+        <p:spPr>
+          <a:xfrm>
+            <a:off x="9288463" y="2433098"/>
+            <a:ext cx="1991804" cy="1991804"/>
+          </a:xfrm>
+          <a:prstGeom prst="rect">
+            <a:avLst/>
+          </a:prstGeom>
+        </p:spPr>
+      </p:pic>
+      <p:sp>
+        <p:nvSpPr>
+          <p:cNvPr id="10" name="Textfeld 9">
+            <a:extLst>
+              <a:ext uri="{FF2B5EF4-FFF2-40B4-BE49-F238E27FC236}">
+                <a16:creationId xmlns:a16="http://schemas.microsoft.com/office/drawing/2014/main" id="{BCC79305-442B-DDF5-28F0-7B7378F627DA}"/>
+              </a:ext>
+            </a:extLst>
+          </p:cNvPr>
+          <p:cNvSpPr txBox="1"/>
+          <p:nvPr/>
+        </p:nvSpPr>
+        <p:spPr>
+          <a:xfrm>
+            <a:off x="667672" y="4841780"/>
+            <a:ext cx="2619375" cy="523220"/>
+          </a:xfrm>
+          <a:prstGeom prst="rect">
+            <a:avLst/>
+          </a:prstGeom>
+          <a:noFill/>
+        </p:spPr>
+        <p:txBody>
+          <a:bodyPr wrap="square" rtlCol="0">
+            <a:spAutoFit/>
+          </a:bodyPr>
+          <a:lstStyle/>
+          <a:p>
+            <a:pPr algn="ctr"/>
+            <a:r>
+              <a:rPr lang="de-DE" sz="2800" dirty="0"/>
+              <a:t>GO</a:t>
+            </a:r>
+            <a:endParaRPr lang="de-AT" dirty="0"/>
+          </a:p>
+        </p:txBody>
+      </p:sp>
+      <p:sp>
+        <p:nvSpPr>
+          <p:cNvPr id="12" name="Textfeld 11">
+            <a:extLst>
+              <a:ext uri="{FF2B5EF4-FFF2-40B4-BE49-F238E27FC236}">
+                <a16:creationId xmlns:a16="http://schemas.microsoft.com/office/drawing/2014/main" id="{7F64D84B-283C-1ADB-9693-D43215B1C9E5}"/>
+              </a:ext>
+            </a:extLst>
+          </p:cNvPr>
+          <p:cNvSpPr txBox="1"/>
+          <p:nvPr/>
+        </p:nvSpPr>
+        <p:spPr>
+          <a:xfrm>
+            <a:off x="4835652" y="4841780"/>
+            <a:ext cx="2619375" cy="523220"/>
+          </a:xfrm>
+          <a:prstGeom prst="rect">
+            <a:avLst/>
+          </a:prstGeom>
+          <a:noFill/>
+        </p:spPr>
+        <p:txBody>
+          <a:bodyPr wrap="square" rtlCol="0">
+            <a:spAutoFit/>
+          </a:bodyPr>
+          <a:lstStyle/>
+          <a:p>
+            <a:pPr algn="ctr"/>
+            <a:r>
+              <a:rPr lang="de-DE" sz="2800" dirty="0"/>
+              <a:t>NO-GO</a:t>
+            </a:r>
+            <a:endParaRPr lang="de-AT" dirty="0"/>
+          </a:p>
+        </p:txBody>
+      </p:sp>
+      <p:sp>
+        <p:nvSpPr>
+          <p:cNvPr id="13" name="Textfeld 12">
+            <a:extLst>
+              <a:ext uri="{FF2B5EF4-FFF2-40B4-BE49-F238E27FC236}">
+                <a16:creationId xmlns:a16="http://schemas.microsoft.com/office/drawing/2014/main" id="{78E93373-BBCB-03FA-9B81-E0DEB4E32255}"/>
+              </a:ext>
+            </a:extLst>
+          </p:cNvPr>
+          <p:cNvSpPr txBox="1"/>
+          <p:nvPr/>
+        </p:nvSpPr>
+        <p:spPr>
+          <a:xfrm>
+            <a:off x="8882475" y="4841780"/>
+            <a:ext cx="2803779" cy="954107"/>
+          </a:xfrm>
+          <a:prstGeom prst="rect">
+            <a:avLst/>
+          </a:prstGeom>
+          <a:noFill/>
+        </p:spPr>
+        <p:txBody>
+          <a:bodyPr wrap="square" rtlCol="0">
+            <a:spAutoFit/>
+          </a:bodyPr>
+          <a:lstStyle/>
+          <a:p>
+            <a:pPr algn="ctr"/>
+            <a:r>
+              <a:rPr lang="de-DE" sz="2800" dirty="0"/>
+              <a:t>Modifikation</a:t>
+            </a:r>
+            <a:br>
+              <a:rPr lang="de-DE" sz="2800" dirty="0"/>
+            </a:br>
+            <a:r>
+              <a:rPr lang="de-DE" sz="2800" dirty="0"/>
+              <a:t>benötigt</a:t>
+            </a:r>
+            <a:endParaRPr lang="de-AT" dirty="0"/>
+          </a:p>
+        </p:txBody>
+      </p:sp>
+    </p:spTree>
+    <p:extLst>
+      <p:ext uri="{BB962C8B-B14F-4D97-AF65-F5344CB8AC3E}">
+        <p14:creationId xmlns:p14="http://schemas.microsoft.com/office/powerpoint/2010/main" val="1647376977"/>
+      </p:ext>
+    </p:extLst>
+  </p:cSld>
+  <p:clrMapOvr>
+    <a:masterClrMapping/>
+  </p:clrMapOvr>
+</p:sld>
+</file>
+
+<file path=ppt/slides/slide12.xml><?xml version="1.0" encoding="utf-8"?>
+<p:sld xmlns:a="http://schemas.openxmlformats.org/drawingml/2006/main" xmlns:r="http://schemas.openxmlformats.org/officeDocument/2006/relationships" xmlns:p="http://schemas.openxmlformats.org/presentationml/2006/main">
+  <p:cSld>
+    <p:spTree>
+      <p:nvGrpSpPr>
+        <p:cNvPr id="1" name=""/>
+        <p:cNvGrpSpPr/>
+        <p:nvPr/>
+      </p:nvGrpSpPr>
+      <p:grpSpPr>
+        <a:xfrm>
+          <a:off x="0" y="0"/>
+          <a:ext cx="0" cy="0"/>
+          <a:chOff x="0" y="0"/>
+          <a:chExt cx="0" cy="0"/>
+        </a:xfrm>
+      </p:grpSpPr>
+      <p:sp>
+        <p:nvSpPr>
+          <p:cNvPr id="2" name="Titel 1">
+            <a:extLst>
+              <a:ext uri="{FF2B5EF4-FFF2-40B4-BE49-F238E27FC236}">
+                <a16:creationId xmlns:a16="http://schemas.microsoft.com/office/drawing/2014/main" id="{B8AE0C51-4A08-A744-9EB1-6809936D87D7}"/>
+              </a:ext>
+            </a:extLst>
+          </p:cNvPr>
+          <p:cNvSpPr>
+            <a:spLocks noGrp="1"/>
+          </p:cNvSpPr>
+          <p:nvPr>
+            <p:ph type="ctrTitle"/>
+          </p:nvPr>
+        </p:nvSpPr>
+        <p:spPr>
+          <a:xfrm>
+            <a:off x="1524000" y="3141663"/>
+            <a:ext cx="9144000" cy="2387600"/>
+          </a:xfrm>
+        </p:spPr>
+        <p:txBody>
+          <a:bodyPr/>
+          <a:lstStyle/>
+          <a:p>
+            <a:r>
+              <a:rPr lang="de-DE" dirty="0"/>
+              <a:t>Meilensteine</a:t>
+            </a:r>
+            <a:endParaRPr lang="de-AT" dirty="0"/>
+          </a:p>
+        </p:txBody>
+      </p:sp>
+      <p:pic>
+        <p:nvPicPr>
+          <p:cNvPr id="5" name="Grafik 4">
+            <a:extLst>
+              <a:ext uri="{FF2B5EF4-FFF2-40B4-BE49-F238E27FC236}">
+                <a16:creationId xmlns:a16="http://schemas.microsoft.com/office/drawing/2014/main" id="{4DD54ACB-F9C6-4C6F-9DB2-39AB66A2CD14}"/>
+              </a:ext>
+            </a:extLst>
+          </p:cNvPr>
+          <p:cNvPicPr>
+            <a:picLocks noChangeAspect="1"/>
+          </p:cNvPicPr>
+          <p:nvPr/>
+        </p:nvPicPr>
+        <p:blipFill>
+          <a:blip r:embed="rId2"/>
+          <a:stretch>
+            <a:fillRect/>
+          </a:stretch>
+        </p:blipFill>
+        <p:spPr>
+          <a:xfrm>
+            <a:off x="4676775" y="838200"/>
+            <a:ext cx="2838450" cy="2838450"/>
+          </a:xfrm>
+          <a:prstGeom prst="rect">
+            <a:avLst/>
+          </a:prstGeom>
+        </p:spPr>
+      </p:pic>
+    </p:spTree>
+    <p:extLst>
+      <p:ext uri="{BB962C8B-B14F-4D97-AF65-F5344CB8AC3E}">
+        <p14:creationId xmlns:p14="http://schemas.microsoft.com/office/powerpoint/2010/main" val="855973088"/>
+      </p:ext>
+    </p:extLst>
+  </p:cSld>
+  <p:clrMapOvr>
+    <a:masterClrMapping/>
+  </p:clrMapOvr>
+</p:sld>
+</file>
+
+<file path=ppt/slides/slide13.xml><?xml version="1.0" encoding="utf-8"?>
+<p:sld xmlns:a="http://schemas.openxmlformats.org/drawingml/2006/main" xmlns:r="http://schemas.openxmlformats.org/officeDocument/2006/relationships" xmlns:p="http://schemas.openxmlformats.org/presentationml/2006/main">
+  <p:cSld>
+    <p:spTree>
+      <p:nvGrpSpPr>
+        <p:cNvPr id="1" name=""/>
+        <p:cNvGrpSpPr/>
+        <p:nvPr/>
+      </p:nvGrpSpPr>
+      <p:grpSpPr>
+        <a:xfrm>
+          <a:off x="0" y="0"/>
+          <a:ext cx="0" cy="0"/>
+          <a:chOff x="0" y="0"/>
+          <a:chExt cx="0" cy="0"/>
+        </a:xfrm>
+      </p:grpSpPr>
+      <p:sp>
+        <p:nvSpPr>
+          <p:cNvPr id="2" name="Titel 1">
+            <a:extLst>
+              <a:ext uri="{FF2B5EF4-FFF2-40B4-BE49-F238E27FC236}">
+                <a16:creationId xmlns:a16="http://schemas.microsoft.com/office/drawing/2014/main" id="{2720C9CA-9326-F1A3-CAB2-CF4AB632321D}"/>
+              </a:ext>
+            </a:extLst>
+          </p:cNvPr>
+          <p:cNvSpPr>
+            <a:spLocks noGrp="1"/>
+          </p:cNvSpPr>
+          <p:nvPr>
+            <p:ph type="title"/>
+          </p:nvPr>
+        </p:nvSpPr>
+        <p:spPr/>
+        <p:txBody>
+          <a:bodyPr/>
+          <a:lstStyle/>
+          <a:p>
+            <a:r>
+              <a:rPr lang="de-DE" dirty="0"/>
+              <a:t>Meilensteine</a:t>
+            </a:r>
+            <a:endParaRPr lang="de-AT" dirty="0"/>
+          </a:p>
+        </p:txBody>
+      </p:sp>
+      <p:grpSp>
+        <p:nvGrpSpPr>
+          <p:cNvPr id="17" name="Gruppieren 16">
+            <a:extLst>
+              <a:ext uri="{FF2B5EF4-FFF2-40B4-BE49-F238E27FC236}">
+                <a16:creationId xmlns:a16="http://schemas.microsoft.com/office/drawing/2014/main" id="{968DAE3E-BAEA-D0B1-2847-24B06840C5BE}"/>
+              </a:ext>
+            </a:extLst>
+          </p:cNvPr>
+          <p:cNvGrpSpPr/>
+          <p:nvPr/>
+        </p:nvGrpSpPr>
+        <p:grpSpPr>
+          <a:xfrm>
+            <a:off x="1738986" y="3429000"/>
+            <a:ext cx="8714028" cy="2154595"/>
+            <a:chOff x="1738986" y="1690688"/>
+            <a:chExt cx="8714028" cy="2154595"/>
+          </a:xfrm>
+        </p:grpSpPr>
+        <p:pic>
+          <p:nvPicPr>
+            <p:cNvPr id="6" name="Grafik 5" descr="Ein Bild, das Text, Screenshot, Reihe, Diagramm enthält.&#10;&#10;KI-generierte Inhalte können fehlerhaft sein.">
+              <a:extLst>
+                <a:ext uri="{FF2B5EF4-FFF2-40B4-BE49-F238E27FC236}">
+                  <a16:creationId xmlns:a16="http://schemas.microsoft.com/office/drawing/2014/main" id="{19A550D2-FDEC-817E-C4AF-A20006E1FDA3}"/>
+                </a:ext>
+              </a:extLst>
+            </p:cNvPr>
+            <p:cNvPicPr>
+              <a:picLocks noChangeAspect="1"/>
+            </p:cNvPicPr>
+            <p:nvPr/>
+          </p:nvPicPr>
+          <p:blipFill>
+            <a:blip r:embed="rId2">
+              <a:extLst>
+                <a:ext uri="{28A0092B-C50C-407E-A947-70E740481C1C}">
+                  <a14:useLocalDpi xmlns:a14="http://schemas.microsoft.com/office/drawing/2010/main" val="0"/>
+                </a:ext>
+              </a:extLst>
+            </a:blip>
+            <a:stretch>
+              <a:fillRect/>
+            </a:stretch>
+          </p:blipFill>
+          <p:spPr>
+            <a:xfrm>
+              <a:off x="1738986" y="1690688"/>
+              <a:ext cx="8714028" cy="2154595"/>
+            </a:xfrm>
+            <a:prstGeom prst="rect">
+              <a:avLst/>
+            </a:prstGeom>
+          </p:spPr>
+        </p:pic>
+        <p:sp>
+          <p:nvSpPr>
+            <p:cNvPr id="7" name="Textfeld 6">
+              <a:extLst>
+                <a:ext uri="{FF2B5EF4-FFF2-40B4-BE49-F238E27FC236}">
+                  <a16:creationId xmlns:a16="http://schemas.microsoft.com/office/drawing/2014/main" id="{CCCC23FD-D79F-534B-BF71-7EDD1D2BF175}"/>
+                </a:ext>
+              </a:extLst>
+            </p:cNvPr>
+            <p:cNvSpPr txBox="1"/>
+            <p:nvPr/>
+          </p:nvSpPr>
+          <p:spPr>
+            <a:xfrm>
+              <a:off x="3188208" y="2356892"/>
+              <a:ext cx="4626864" cy="353943"/>
+            </a:xfrm>
+            <a:prstGeom prst="rect">
+              <a:avLst/>
+            </a:prstGeom>
+            <a:noFill/>
+          </p:spPr>
+          <p:txBody>
+            <a:bodyPr wrap="square" rtlCol="0">
+              <a:spAutoFit/>
+            </a:bodyPr>
+            <a:lstStyle/>
+            <a:p>
+              <a:r>
+                <a:rPr lang="de-DE" sz="1700" dirty="0"/>
+                <a:t>Abschluss der Konzeptphase</a:t>
+              </a:r>
+              <a:endParaRPr lang="de-AT" sz="1700" dirty="0"/>
+            </a:p>
+          </p:txBody>
+        </p:sp>
+        <p:sp>
+          <p:nvSpPr>
+            <p:cNvPr id="8" name="Textfeld 7">
+              <a:extLst>
+                <a:ext uri="{FF2B5EF4-FFF2-40B4-BE49-F238E27FC236}">
+                  <a16:creationId xmlns:a16="http://schemas.microsoft.com/office/drawing/2014/main" id="{AB9BE3D7-AE37-C9B5-2582-BD6EBC6DB63A}"/>
+                </a:ext>
+              </a:extLst>
+            </p:cNvPr>
+            <p:cNvSpPr txBox="1"/>
+            <p:nvPr/>
+          </p:nvSpPr>
+          <p:spPr>
+            <a:xfrm>
+              <a:off x="3188208" y="2689994"/>
+              <a:ext cx="4626864" cy="353943"/>
+            </a:xfrm>
+            <a:prstGeom prst="rect">
+              <a:avLst/>
+            </a:prstGeom>
+            <a:noFill/>
+          </p:spPr>
+          <p:txBody>
+            <a:bodyPr wrap="square" rtlCol="0">
+              <a:spAutoFit/>
+            </a:bodyPr>
+            <a:lstStyle/>
+            <a:p>
+              <a:r>
+                <a:rPr lang="de-DE" sz="1700" dirty="0"/>
+                <a:t>Abschluss der Softwareentwicklung</a:t>
+              </a:r>
+              <a:endParaRPr lang="de-AT" sz="1700" dirty="0"/>
+            </a:p>
+          </p:txBody>
+        </p:sp>
+        <p:sp>
+          <p:nvSpPr>
+            <p:cNvPr id="9" name="Textfeld 8">
+              <a:extLst>
+                <a:ext uri="{FF2B5EF4-FFF2-40B4-BE49-F238E27FC236}">
+                  <a16:creationId xmlns:a16="http://schemas.microsoft.com/office/drawing/2014/main" id="{3434775D-D677-B5E4-427C-69DFCCB3207A}"/>
+                </a:ext>
+              </a:extLst>
+            </p:cNvPr>
+            <p:cNvSpPr txBox="1"/>
+            <p:nvPr/>
+          </p:nvSpPr>
+          <p:spPr>
+            <a:xfrm>
+              <a:off x="3188208" y="3023096"/>
+              <a:ext cx="4626864" cy="353943"/>
+            </a:xfrm>
+            <a:prstGeom prst="rect">
+              <a:avLst/>
+            </a:prstGeom>
+            <a:noFill/>
+          </p:spPr>
+          <p:txBody>
+            <a:bodyPr wrap="square" rtlCol="0">
+              <a:spAutoFit/>
+            </a:bodyPr>
+            <a:lstStyle/>
+            <a:p>
+              <a:r>
+                <a:rPr lang="de-DE" sz="1700" dirty="0"/>
+                <a:t>Go-Live der neuen Webseite</a:t>
+              </a:r>
+              <a:endParaRPr lang="de-AT" sz="1700" dirty="0"/>
+            </a:p>
+          </p:txBody>
+        </p:sp>
+        <p:sp>
+          <p:nvSpPr>
+            <p:cNvPr id="11" name="Textfeld 10">
+              <a:extLst>
+                <a:ext uri="{FF2B5EF4-FFF2-40B4-BE49-F238E27FC236}">
+                  <a16:creationId xmlns:a16="http://schemas.microsoft.com/office/drawing/2014/main" id="{37FBC423-21BC-7448-B8E9-83A200FD83DA}"/>
+                </a:ext>
+              </a:extLst>
+            </p:cNvPr>
+            <p:cNvSpPr txBox="1"/>
+            <p:nvPr/>
+          </p:nvSpPr>
+          <p:spPr>
+            <a:xfrm>
+              <a:off x="7639050" y="2356892"/>
+              <a:ext cx="1346200" cy="353943"/>
+            </a:xfrm>
+            <a:prstGeom prst="rect">
+              <a:avLst/>
+            </a:prstGeom>
+            <a:noFill/>
+          </p:spPr>
+          <p:txBody>
+            <a:bodyPr wrap="square" rtlCol="0">
+              <a:spAutoFit/>
+            </a:bodyPr>
+            <a:lstStyle/>
+            <a:p>
+              <a:r>
+                <a:rPr lang="de-DE" sz="1700" dirty="0"/>
+                <a:t>15-03-25</a:t>
+              </a:r>
+              <a:endParaRPr lang="de-AT" sz="1700" dirty="0"/>
+            </a:p>
+          </p:txBody>
+        </p:sp>
+        <p:sp>
+          <p:nvSpPr>
+            <p:cNvPr id="12" name="Textfeld 11">
+              <a:extLst>
+                <a:ext uri="{FF2B5EF4-FFF2-40B4-BE49-F238E27FC236}">
+                  <a16:creationId xmlns:a16="http://schemas.microsoft.com/office/drawing/2014/main" id="{F672CBEA-3484-4ED6-925E-799D81DE9469}"/>
+                </a:ext>
+              </a:extLst>
+            </p:cNvPr>
+            <p:cNvSpPr txBox="1"/>
+            <p:nvPr/>
+          </p:nvSpPr>
+          <p:spPr>
+            <a:xfrm>
+              <a:off x="7639050" y="2689993"/>
+              <a:ext cx="1346200" cy="353943"/>
+            </a:xfrm>
+            <a:prstGeom prst="rect">
+              <a:avLst/>
+            </a:prstGeom>
+            <a:noFill/>
+          </p:spPr>
+          <p:txBody>
+            <a:bodyPr wrap="square" rtlCol="0">
+              <a:spAutoFit/>
+            </a:bodyPr>
+            <a:lstStyle/>
+            <a:p>
+              <a:r>
+                <a:rPr lang="de-DE" sz="1700" dirty="0"/>
+                <a:t>30-06-25</a:t>
+              </a:r>
+              <a:endParaRPr lang="de-AT" sz="1700" dirty="0"/>
+            </a:p>
+          </p:txBody>
+        </p:sp>
+        <p:sp>
+          <p:nvSpPr>
+            <p:cNvPr id="13" name="Textfeld 12">
+              <a:extLst>
+                <a:ext uri="{FF2B5EF4-FFF2-40B4-BE49-F238E27FC236}">
+                  <a16:creationId xmlns:a16="http://schemas.microsoft.com/office/drawing/2014/main" id="{BC204D50-093F-7C92-DC1F-A37848B5CFA4}"/>
+                </a:ext>
+              </a:extLst>
+            </p:cNvPr>
+            <p:cNvSpPr txBox="1"/>
+            <p:nvPr/>
+          </p:nvSpPr>
+          <p:spPr>
+            <a:xfrm>
+              <a:off x="7639050" y="3018068"/>
+              <a:ext cx="1346200" cy="353943"/>
+            </a:xfrm>
+            <a:prstGeom prst="rect">
+              <a:avLst/>
+            </a:prstGeom>
+            <a:noFill/>
+          </p:spPr>
+          <p:txBody>
+            <a:bodyPr wrap="square" rtlCol="0">
+              <a:spAutoFit/>
+            </a:bodyPr>
+            <a:lstStyle/>
+            <a:p>
+              <a:r>
+                <a:rPr lang="de-DE" sz="1700" dirty="0"/>
+                <a:t>14-08-25</a:t>
+              </a:r>
+              <a:endParaRPr lang="de-AT" sz="1700" dirty="0"/>
+            </a:p>
+          </p:txBody>
+        </p:sp>
+        <p:sp>
+          <p:nvSpPr>
+            <p:cNvPr id="14" name="Textfeld 13">
+              <a:extLst>
+                <a:ext uri="{FF2B5EF4-FFF2-40B4-BE49-F238E27FC236}">
+                  <a16:creationId xmlns:a16="http://schemas.microsoft.com/office/drawing/2014/main" id="{9AF75D9C-C1A5-C124-70CD-40BF48EC5092}"/>
+                </a:ext>
+              </a:extLst>
+            </p:cNvPr>
+            <p:cNvSpPr txBox="1"/>
+            <p:nvPr/>
+          </p:nvSpPr>
+          <p:spPr>
+            <a:xfrm>
+              <a:off x="9086513" y="2356892"/>
+              <a:ext cx="1346200" cy="353943"/>
+            </a:xfrm>
+            <a:prstGeom prst="rect">
+              <a:avLst/>
+            </a:prstGeom>
+            <a:noFill/>
+          </p:spPr>
+          <p:txBody>
+            <a:bodyPr wrap="square" rtlCol="0">
+              <a:spAutoFit/>
+            </a:bodyPr>
+            <a:lstStyle/>
+            <a:p>
+              <a:r>
+                <a:rPr lang="de-DE" sz="1700" dirty="0"/>
+                <a:t>18-03-25</a:t>
+              </a:r>
+              <a:endParaRPr lang="de-AT" sz="1700" dirty="0"/>
+            </a:p>
+          </p:txBody>
+        </p:sp>
+        <p:sp>
+          <p:nvSpPr>
+            <p:cNvPr id="15" name="Textfeld 14">
+              <a:extLst>
+                <a:ext uri="{FF2B5EF4-FFF2-40B4-BE49-F238E27FC236}">
+                  <a16:creationId xmlns:a16="http://schemas.microsoft.com/office/drawing/2014/main" id="{1B222198-497A-804C-A200-C6AE46E9D0BA}"/>
+                </a:ext>
+              </a:extLst>
+            </p:cNvPr>
+            <p:cNvSpPr txBox="1"/>
+            <p:nvPr/>
+          </p:nvSpPr>
+          <p:spPr>
+            <a:xfrm>
+              <a:off x="9086513" y="2689992"/>
+              <a:ext cx="1346200" cy="353943"/>
+            </a:xfrm>
+            <a:prstGeom prst="rect">
+              <a:avLst/>
+            </a:prstGeom>
+            <a:noFill/>
+          </p:spPr>
+          <p:txBody>
+            <a:bodyPr wrap="square" rtlCol="0">
+              <a:spAutoFit/>
+            </a:bodyPr>
+            <a:lstStyle/>
+            <a:p>
+              <a:r>
+                <a:rPr lang="de-DE" sz="1700" dirty="0"/>
+                <a:t>02-07-25</a:t>
+              </a:r>
+              <a:endParaRPr lang="de-AT" sz="1700" dirty="0"/>
+            </a:p>
+          </p:txBody>
+        </p:sp>
+        <p:sp>
+          <p:nvSpPr>
+            <p:cNvPr id="16" name="Textfeld 15">
+              <a:extLst>
+                <a:ext uri="{FF2B5EF4-FFF2-40B4-BE49-F238E27FC236}">
+                  <a16:creationId xmlns:a16="http://schemas.microsoft.com/office/drawing/2014/main" id="{008F67FD-67DF-6A87-60D2-779C04BA3E71}"/>
+                </a:ext>
+              </a:extLst>
+            </p:cNvPr>
+            <p:cNvSpPr txBox="1"/>
+            <p:nvPr/>
+          </p:nvSpPr>
+          <p:spPr>
+            <a:xfrm>
+              <a:off x="9086513" y="3016251"/>
+              <a:ext cx="1346200" cy="353943"/>
+            </a:xfrm>
+            <a:prstGeom prst="rect">
+              <a:avLst/>
+            </a:prstGeom>
+            <a:noFill/>
+          </p:spPr>
+          <p:txBody>
+            <a:bodyPr wrap="square" rtlCol="0">
+              <a:spAutoFit/>
+            </a:bodyPr>
+            <a:lstStyle/>
+            <a:p>
+              <a:r>
+                <a:rPr lang="de-DE" sz="1700" dirty="0"/>
+                <a:t>14-08-25</a:t>
+              </a:r>
+              <a:endParaRPr lang="de-AT" sz="1700" dirty="0"/>
+            </a:p>
+          </p:txBody>
+        </p:sp>
+      </p:grpSp>
+      <p:sp>
+        <p:nvSpPr>
+          <p:cNvPr id="18" name="Textfeld 17">
+            <a:extLst>
+              <a:ext uri="{FF2B5EF4-FFF2-40B4-BE49-F238E27FC236}">
+                <a16:creationId xmlns:a16="http://schemas.microsoft.com/office/drawing/2014/main" id="{09CF7B8E-8390-64F8-1B88-F8634223EC82}"/>
+              </a:ext>
+            </a:extLst>
+          </p:cNvPr>
+          <p:cNvSpPr txBox="1"/>
+          <p:nvPr/>
+        </p:nvSpPr>
+        <p:spPr>
+          <a:xfrm>
+            <a:off x="838200" y="1690688"/>
+            <a:ext cx="10515600" cy="1200329"/>
+          </a:xfrm>
+          <a:prstGeom prst="rect">
+            <a:avLst/>
+          </a:prstGeom>
+          <a:noFill/>
+        </p:spPr>
+        <p:txBody>
+          <a:bodyPr wrap="square" rtlCol="0">
+            <a:spAutoFit/>
+          </a:bodyPr>
+          <a:lstStyle/>
+          <a:p>
+            <a:r>
+              <a:rPr lang="de-DE" sz="2400" dirty="0"/>
+              <a:t>Meilensteine sind essenziell, um den </a:t>
+            </a:r>
+            <a:r>
+              <a:rPr lang="de-DE" sz="2400" b="1" dirty="0"/>
+              <a:t>Projektfortschritt</a:t>
+            </a:r>
+            <a:r>
+              <a:rPr lang="de-DE" sz="2400" dirty="0"/>
+              <a:t> zu kontrollieren, </a:t>
+            </a:r>
+            <a:r>
+              <a:rPr lang="de-DE" sz="2400" b="1" dirty="0"/>
+              <a:t>Risiken</a:t>
+            </a:r>
+            <a:r>
+              <a:rPr lang="de-DE" sz="2400" dirty="0"/>
+              <a:t> frühzeitig zu erkennen und eine </a:t>
+            </a:r>
+            <a:r>
+              <a:rPr lang="de-DE" sz="2400" b="1" dirty="0"/>
+              <a:t>klare Struktur</a:t>
+            </a:r>
+            <a:r>
+              <a:rPr lang="de-DE" sz="2400" dirty="0"/>
+              <a:t> für alle Beteiligten zu schaffen.</a:t>
+            </a:r>
+            <a:endParaRPr lang="de-AT" sz="2400" dirty="0"/>
+          </a:p>
+        </p:txBody>
+      </p:sp>
+    </p:spTree>
+    <p:extLst>
+      <p:ext uri="{BB962C8B-B14F-4D97-AF65-F5344CB8AC3E}">
+        <p14:creationId xmlns:p14="http://schemas.microsoft.com/office/powerpoint/2010/main" val="1623346372"/>
+      </p:ext>
+    </p:extLst>
+  </p:cSld>
+  <p:clrMapOvr>
+    <a:masterClrMapping/>
+  </p:clrMapOvr>
+</p:sld>
+</file>
+
+<file path=ppt/slides/slide14.xml><?xml version="1.0" encoding="utf-8"?>
+<p:sld xmlns:a="http://schemas.openxmlformats.org/drawingml/2006/main" xmlns:r="http://schemas.openxmlformats.org/officeDocument/2006/relationships" xmlns:p="http://schemas.openxmlformats.org/presentationml/2006/main">
+  <p:cSld>
+    <p:spTree>
+      <p:nvGrpSpPr>
+        <p:cNvPr id="1" name="">
+          <a:extLst>
+            <a:ext uri="{FF2B5EF4-FFF2-40B4-BE49-F238E27FC236}">
+              <a16:creationId xmlns:a16="http://schemas.microsoft.com/office/drawing/2014/main" id="{9197832C-E9B9-0F6C-A124-1B709A343B12}"/>
+            </a:ext>
+          </a:extLst>
+        </p:cNvPr>
+        <p:cNvGrpSpPr/>
+        <p:nvPr/>
+      </p:nvGrpSpPr>
+      <p:grpSpPr>
+        <a:xfrm>
+          <a:off x="0" y="0"/>
+          <a:ext cx="0" cy="0"/>
+          <a:chOff x="0" y="0"/>
+          <a:chExt cx="0" cy="0"/>
+        </a:xfrm>
+      </p:grpSpPr>
+      <p:sp>
+        <p:nvSpPr>
+          <p:cNvPr id="2" name="Titel 1">
+            <a:extLst>
+              <a:ext uri="{FF2B5EF4-FFF2-40B4-BE49-F238E27FC236}">
+                <a16:creationId xmlns:a16="http://schemas.microsoft.com/office/drawing/2014/main" id="{1B3B5ED8-CD50-93B0-7F30-C25DCC082610}"/>
+              </a:ext>
+            </a:extLst>
+          </p:cNvPr>
+          <p:cNvSpPr>
+            <a:spLocks noGrp="1"/>
+          </p:cNvSpPr>
+          <p:nvPr>
+            <p:ph type="ctrTitle"/>
+          </p:nvPr>
+        </p:nvSpPr>
+        <p:spPr>
+          <a:xfrm>
+            <a:off x="1524000" y="2941638"/>
+            <a:ext cx="9144000" cy="2387600"/>
+          </a:xfrm>
+        </p:spPr>
+        <p:txBody>
+          <a:bodyPr/>
+          <a:lstStyle/>
+          <a:p>
+            <a:r>
+              <a:rPr lang="de-DE" dirty="0"/>
+              <a:t>Projektauftrag</a:t>
+            </a:r>
+            <a:endParaRPr lang="de-AT" dirty="0"/>
+          </a:p>
+        </p:txBody>
+      </p:sp>
+      <p:pic>
+        <p:nvPicPr>
+          <p:cNvPr id="3" name="Grafik 2">
+            <a:extLst>
+              <a:ext uri="{FF2B5EF4-FFF2-40B4-BE49-F238E27FC236}">
+                <a16:creationId xmlns:a16="http://schemas.microsoft.com/office/drawing/2014/main" id="{475F2F72-AC16-7F03-988F-847943E8C5EF}"/>
+              </a:ext>
+            </a:extLst>
+          </p:cNvPr>
+          <p:cNvPicPr>
+            <a:picLocks noChangeAspect="1"/>
+          </p:cNvPicPr>
+          <p:nvPr/>
+        </p:nvPicPr>
+        <p:blipFill>
+          <a:blip r:embed="rId3"/>
+          <a:stretch>
+            <a:fillRect/>
+          </a:stretch>
+        </p:blipFill>
+        <p:spPr>
+          <a:xfrm>
+            <a:off x="4733925" y="704850"/>
+            <a:ext cx="2724150" cy="2724150"/>
+          </a:xfrm>
+          <a:prstGeom prst="rect">
+            <a:avLst/>
+          </a:prstGeom>
+        </p:spPr>
+      </p:pic>
+    </p:spTree>
+    <p:extLst>
+      <p:ext uri="{BB962C8B-B14F-4D97-AF65-F5344CB8AC3E}">
+        <p14:creationId xmlns:p14="http://schemas.microsoft.com/office/powerpoint/2010/main" val="682910162"/>
+      </p:ext>
+    </p:extLst>
+  </p:cSld>
+  <p:clrMapOvr>
+    <a:masterClrMapping/>
+  </p:clrMapOvr>
+</p:sld>
+</file>
+
+<file path=ppt/slides/slide15.xml><?xml version="1.0" encoding="utf-8"?>
+<p:sld xmlns:a="http://schemas.openxmlformats.org/drawingml/2006/main" xmlns:r="http://schemas.openxmlformats.org/officeDocument/2006/relationships" xmlns:p="http://schemas.openxmlformats.org/presentationml/2006/main">
+  <p:cSld>
+    <p:spTree>
+      <p:nvGrpSpPr>
+        <p:cNvPr id="1" name=""/>
+        <p:cNvGrpSpPr/>
+        <p:nvPr/>
+      </p:nvGrpSpPr>
+      <p:grpSpPr>
+        <a:xfrm>
+          <a:off x="0" y="0"/>
+          <a:ext cx="0" cy="0"/>
+          <a:chOff x="0" y="0"/>
+          <a:chExt cx="0" cy="0"/>
+        </a:xfrm>
+      </p:grpSpPr>
+      <p:sp>
+        <p:nvSpPr>
+          <p:cNvPr id="2" name="Titel 1">
+            <a:extLst>
+              <a:ext uri="{FF2B5EF4-FFF2-40B4-BE49-F238E27FC236}">
+                <a16:creationId xmlns:a16="http://schemas.microsoft.com/office/drawing/2014/main" id="{BFA06DFB-CE53-DF7B-F259-257DAAF19979}"/>
+              </a:ext>
+            </a:extLst>
+          </p:cNvPr>
+          <p:cNvSpPr>
+            <a:spLocks noGrp="1"/>
+          </p:cNvSpPr>
+          <p:nvPr>
+            <p:ph type="title"/>
+          </p:nvPr>
+        </p:nvSpPr>
+        <p:spPr/>
+        <p:txBody>
+          <a:bodyPr/>
+          <a:lstStyle/>
+          <a:p>
+            <a:r>
+              <a:rPr lang="de-DE" dirty="0"/>
+              <a:t>Projektauftrag</a:t>
+            </a:r>
+            <a:endParaRPr lang="de-AT" dirty="0"/>
+          </a:p>
+        </p:txBody>
+      </p:sp>
+      <p:sp>
+        <p:nvSpPr>
+          <p:cNvPr id="3" name="Inhaltsplatzhalter 2">
+            <a:extLst>
+              <a:ext uri="{FF2B5EF4-FFF2-40B4-BE49-F238E27FC236}">
+                <a16:creationId xmlns:a16="http://schemas.microsoft.com/office/drawing/2014/main" id="{54951F68-C2A7-0B30-B600-C9BC417D9F6F}"/>
+              </a:ext>
+            </a:extLst>
+          </p:cNvPr>
+          <p:cNvSpPr>
+            <a:spLocks noGrp="1"/>
+          </p:cNvSpPr>
+          <p:nvPr>
+            <p:ph idx="1"/>
+          </p:nvPr>
+        </p:nvSpPr>
+        <p:spPr>
+          <a:xfrm>
+            <a:off x="838200" y="1690688"/>
+            <a:ext cx="10655808" cy="4351338"/>
+          </a:xfrm>
+        </p:spPr>
+        <p:txBody>
+          <a:bodyPr/>
+          <a:lstStyle/>
+          <a:p>
+            <a:pPr marL="0" indent="0">
+              <a:buNone/>
+            </a:pPr>
+            <a:r>
+              <a:rPr lang="de-DE" dirty="0"/>
+              <a:t>Ein Projektauftrag ist das erste offizielle Schriftstück zwischen Auftraggeber und Auftragnehmer.</a:t>
+            </a:r>
+            <a:endParaRPr lang="de-AT" dirty="0"/>
+          </a:p>
+        </p:txBody>
+      </p:sp>
+      <p:pic>
+        <p:nvPicPr>
+          <p:cNvPr id="5" name="Grafik 4">
+            <a:extLst>
+              <a:ext uri="{FF2B5EF4-FFF2-40B4-BE49-F238E27FC236}">
+                <a16:creationId xmlns:a16="http://schemas.microsoft.com/office/drawing/2014/main" id="{B0BD8208-6DA1-F3FD-8C89-1098F081B05B}"/>
+              </a:ext>
+            </a:extLst>
+          </p:cNvPr>
+          <p:cNvPicPr>
+            <a:picLocks noChangeAspect="1"/>
+          </p:cNvPicPr>
+          <p:nvPr/>
+        </p:nvPicPr>
+        <p:blipFill>
+          <a:blip r:embed="rId2"/>
+          <a:stretch>
+            <a:fillRect/>
+          </a:stretch>
+        </p:blipFill>
+        <p:spPr>
+          <a:xfrm>
+            <a:off x="1076428" y="3266624"/>
+            <a:ext cx="1854016" cy="1854016"/>
+          </a:xfrm>
+          <a:prstGeom prst="rect">
+            <a:avLst/>
+          </a:prstGeom>
+        </p:spPr>
+      </p:pic>
+      <p:pic>
+        <p:nvPicPr>
+          <p:cNvPr id="7" name="Grafik 6">
+            <a:extLst>
+              <a:ext uri="{FF2B5EF4-FFF2-40B4-BE49-F238E27FC236}">
+                <a16:creationId xmlns:a16="http://schemas.microsoft.com/office/drawing/2014/main" id="{7C41276C-711F-1EB7-F274-6D3965EAC3E5}"/>
+              </a:ext>
+            </a:extLst>
+          </p:cNvPr>
+          <p:cNvPicPr>
+            <a:picLocks noChangeAspect="1"/>
+          </p:cNvPicPr>
+          <p:nvPr/>
+        </p:nvPicPr>
+        <p:blipFill>
+          <a:blip r:embed="rId3"/>
+          <a:stretch>
+            <a:fillRect/>
+          </a:stretch>
+        </p:blipFill>
+        <p:spPr>
+          <a:xfrm>
+            <a:off x="5095840" y="3266624"/>
+            <a:ext cx="1854016" cy="1854016"/>
+          </a:xfrm>
+          <a:prstGeom prst="rect">
+            <a:avLst/>
+          </a:prstGeom>
+        </p:spPr>
+      </p:pic>
+      <p:pic>
+        <p:nvPicPr>
+          <p:cNvPr id="9" name="Grafik 8">
+            <a:extLst>
+              <a:ext uri="{FF2B5EF4-FFF2-40B4-BE49-F238E27FC236}">
+                <a16:creationId xmlns:a16="http://schemas.microsoft.com/office/drawing/2014/main" id="{789BD99B-FD68-98B1-E787-1B04A93165D4}"/>
+              </a:ext>
+            </a:extLst>
+          </p:cNvPr>
+          <p:cNvPicPr>
+            <a:picLocks noChangeAspect="1"/>
+          </p:cNvPicPr>
+          <p:nvPr/>
+        </p:nvPicPr>
+        <p:blipFill>
+          <a:blip r:embed="rId4"/>
+          <a:stretch>
+            <a:fillRect/>
+          </a:stretch>
+        </p:blipFill>
+        <p:spPr>
+          <a:xfrm>
+            <a:off x="9115252" y="3266624"/>
+            <a:ext cx="1854016" cy="1854016"/>
+          </a:xfrm>
+          <a:prstGeom prst="rect">
+            <a:avLst/>
+          </a:prstGeom>
+        </p:spPr>
+      </p:pic>
+      <p:sp>
+        <p:nvSpPr>
+          <p:cNvPr id="10" name="Textfeld 9">
+            <a:extLst>
+              <a:ext uri="{FF2B5EF4-FFF2-40B4-BE49-F238E27FC236}">
+                <a16:creationId xmlns:a16="http://schemas.microsoft.com/office/drawing/2014/main" id="{EC48FC25-307F-C8DD-A795-5CEF463CC627}"/>
+              </a:ext>
+            </a:extLst>
+          </p:cNvPr>
+          <p:cNvSpPr txBox="1"/>
+          <p:nvPr/>
+        </p:nvSpPr>
+        <p:spPr>
+          <a:xfrm>
+            <a:off x="357515" y="5464135"/>
+            <a:ext cx="3538209" cy="400110"/>
+          </a:xfrm>
+          <a:prstGeom prst="rect">
+            <a:avLst/>
+          </a:prstGeom>
+          <a:noFill/>
+        </p:spPr>
+        <p:txBody>
+          <a:bodyPr wrap="square" rtlCol="0">
+            <a:spAutoFit/>
+          </a:bodyPr>
+          <a:lstStyle/>
+          <a:p>
+            <a:pPr algn="ctr"/>
+            <a:r>
+              <a:rPr lang="de-DE" sz="2000" dirty="0"/>
+              <a:t>Verbindliche Grundlage</a:t>
+            </a:r>
+            <a:endParaRPr lang="de-AT" sz="2000" dirty="0"/>
+          </a:p>
+        </p:txBody>
+      </p:sp>
+      <p:sp>
+        <p:nvSpPr>
+          <p:cNvPr id="11" name="Textfeld 10">
+            <a:extLst>
+              <a:ext uri="{FF2B5EF4-FFF2-40B4-BE49-F238E27FC236}">
+                <a16:creationId xmlns:a16="http://schemas.microsoft.com/office/drawing/2014/main" id="{C854946A-C654-4328-A9D6-57C08A088D15}"/>
+              </a:ext>
+            </a:extLst>
+          </p:cNvPr>
+          <p:cNvSpPr txBox="1"/>
+          <p:nvPr/>
+        </p:nvSpPr>
+        <p:spPr>
+          <a:xfrm>
+            <a:off x="4376928" y="5464135"/>
+            <a:ext cx="3291840" cy="400110"/>
+          </a:xfrm>
+          <a:prstGeom prst="rect">
+            <a:avLst/>
+          </a:prstGeom>
+          <a:noFill/>
+        </p:spPr>
+        <p:txBody>
+          <a:bodyPr wrap="square" rtlCol="0">
+            <a:spAutoFit/>
+          </a:bodyPr>
+          <a:lstStyle/>
+          <a:p>
+            <a:pPr algn="ctr"/>
+            <a:r>
+              <a:rPr lang="de-DE" sz="2000" dirty="0"/>
+              <a:t>Klare Ziele</a:t>
+            </a:r>
+            <a:endParaRPr lang="de-AT" sz="2000" dirty="0"/>
+          </a:p>
+        </p:txBody>
+      </p:sp>
+      <p:sp>
+        <p:nvSpPr>
+          <p:cNvPr id="12" name="Textfeld 11">
+            <a:extLst>
+              <a:ext uri="{FF2B5EF4-FFF2-40B4-BE49-F238E27FC236}">
+                <a16:creationId xmlns:a16="http://schemas.microsoft.com/office/drawing/2014/main" id="{862552BC-4A9B-F281-32B3-FC149A4FF7AE}"/>
+              </a:ext>
+            </a:extLst>
+          </p:cNvPr>
+          <p:cNvSpPr txBox="1"/>
+          <p:nvPr/>
+        </p:nvSpPr>
+        <p:spPr>
+          <a:xfrm>
+            <a:off x="8396340" y="5464135"/>
+            <a:ext cx="3291840" cy="400110"/>
+          </a:xfrm>
+          <a:prstGeom prst="rect">
+            <a:avLst/>
+          </a:prstGeom>
+          <a:noFill/>
+        </p:spPr>
+        <p:txBody>
+          <a:bodyPr wrap="square" rtlCol="0">
+            <a:spAutoFit/>
+          </a:bodyPr>
+          <a:lstStyle/>
+          <a:p>
+            <a:pPr algn="ctr"/>
+            <a:r>
+              <a:rPr lang="de-DE" sz="2000" dirty="0"/>
+              <a:t>Ressourcenfreigabe</a:t>
+            </a:r>
+            <a:endParaRPr lang="de-AT" dirty="0"/>
+          </a:p>
+        </p:txBody>
+      </p:sp>
+    </p:spTree>
+    <p:extLst>
+      <p:ext uri="{BB962C8B-B14F-4D97-AF65-F5344CB8AC3E}">
+        <p14:creationId xmlns:p14="http://schemas.microsoft.com/office/powerpoint/2010/main" val="258163019"/>
+      </p:ext>
+    </p:extLst>
+  </p:cSld>
+  <p:clrMapOvr>
+    <a:masterClrMapping/>
+  </p:clrMapOvr>
+</p:sld>
+</file>
+
+<file path=ppt/slides/slide16.xml><?xml version="1.0" encoding="utf-8"?>
+<p:sld xmlns:a="http://schemas.openxmlformats.org/drawingml/2006/main" xmlns:r="http://schemas.openxmlformats.org/officeDocument/2006/relationships" xmlns:p="http://schemas.openxmlformats.org/presentationml/2006/main">
+  <p:cSld>
+    <p:spTree>
+      <p:nvGrpSpPr>
+        <p:cNvPr id="1" name=""/>
+        <p:cNvGrpSpPr/>
+        <p:nvPr/>
+      </p:nvGrpSpPr>
+      <p:grpSpPr>
+        <a:xfrm>
+          <a:off x="0" y="0"/>
+          <a:ext cx="0" cy="0"/>
+          <a:chOff x="0" y="0"/>
+          <a:chExt cx="0" cy="0"/>
+        </a:xfrm>
+      </p:grpSpPr>
+      <p:sp>
+        <p:nvSpPr>
+          <p:cNvPr id="2" name="Titel 1">
+            <a:extLst>
+              <a:ext uri="{FF2B5EF4-FFF2-40B4-BE49-F238E27FC236}">
+                <a16:creationId xmlns:a16="http://schemas.microsoft.com/office/drawing/2014/main" id="{23ED4481-2AEB-3CEA-9E22-F18B9B73DEBA}"/>
+              </a:ext>
+            </a:extLst>
+          </p:cNvPr>
+          <p:cNvSpPr>
+            <a:spLocks noGrp="1"/>
+          </p:cNvSpPr>
+          <p:nvPr>
+            <p:ph type="title"/>
+          </p:nvPr>
+        </p:nvSpPr>
+        <p:spPr>
+          <a:xfrm>
+            <a:off x="838200" y="264683"/>
+            <a:ext cx="10515600" cy="1325563"/>
+          </a:xfrm>
+        </p:spPr>
+        <p:txBody>
+          <a:bodyPr/>
+          <a:lstStyle/>
+          <a:p>
+            <a:r>
+              <a:rPr lang="de-DE" dirty="0"/>
+              <a:t>Bestandteile eines PA</a:t>
+            </a:r>
+            <a:endParaRPr lang="de-AT" dirty="0"/>
+          </a:p>
+        </p:txBody>
+      </p:sp>
+      <p:sp>
+        <p:nvSpPr>
+          <p:cNvPr id="4" name="Textfeld 3">
+            <a:extLst>
+              <a:ext uri="{FF2B5EF4-FFF2-40B4-BE49-F238E27FC236}">
+                <a16:creationId xmlns:a16="http://schemas.microsoft.com/office/drawing/2014/main" id="{1C387E12-8EF7-F8A6-A81B-654837EA3B8F}"/>
+              </a:ext>
+            </a:extLst>
+          </p:cNvPr>
+          <p:cNvSpPr txBox="1"/>
+          <p:nvPr/>
+        </p:nvSpPr>
+        <p:spPr>
+          <a:xfrm>
+            <a:off x="1362075" y="1435656"/>
+            <a:ext cx="2947416" cy="400110"/>
+          </a:xfrm>
+          <a:prstGeom prst="rect">
+            <a:avLst/>
+          </a:prstGeom>
+          <a:noFill/>
+        </p:spPr>
+        <p:txBody>
+          <a:bodyPr wrap="square" rtlCol="0">
+            <a:spAutoFit/>
+          </a:bodyPr>
+          <a:lstStyle/>
+          <a:p>
+            <a:pPr algn="ctr"/>
+            <a:r>
+              <a:rPr lang="de-DE" sz="2000" dirty="0"/>
+              <a:t>Bezeichnung</a:t>
+            </a:r>
+            <a:endParaRPr lang="de-AT" sz="2000" dirty="0"/>
+          </a:p>
+        </p:txBody>
+      </p:sp>
+      <p:sp>
+        <p:nvSpPr>
+          <p:cNvPr id="6" name="Textfeld 5">
+            <a:extLst>
+              <a:ext uri="{FF2B5EF4-FFF2-40B4-BE49-F238E27FC236}">
+                <a16:creationId xmlns:a16="http://schemas.microsoft.com/office/drawing/2014/main" id="{1C5ADA99-AFCF-75FC-EC0F-2D0084550435}"/>
+              </a:ext>
+            </a:extLst>
+          </p:cNvPr>
+          <p:cNvSpPr txBox="1"/>
+          <p:nvPr/>
+        </p:nvSpPr>
+        <p:spPr>
+          <a:xfrm>
+            <a:off x="4705731" y="1435656"/>
+            <a:ext cx="2947416" cy="400110"/>
+          </a:xfrm>
+          <a:prstGeom prst="rect">
+            <a:avLst/>
+          </a:prstGeom>
+          <a:noFill/>
+        </p:spPr>
+        <p:txBody>
+          <a:bodyPr wrap="square" rtlCol="0">
+            <a:spAutoFit/>
+          </a:bodyPr>
+          <a:lstStyle/>
+          <a:p>
+            <a:pPr algn="ctr"/>
+            <a:r>
+              <a:rPr lang="de-DE" sz="2000" dirty="0"/>
+              <a:t>Ziele (SMART)</a:t>
+            </a:r>
+            <a:endParaRPr lang="de-AT" sz="2000" dirty="0"/>
+          </a:p>
+        </p:txBody>
+      </p:sp>
+      <p:sp>
+        <p:nvSpPr>
+          <p:cNvPr id="7" name="Textfeld 6">
+            <a:extLst>
+              <a:ext uri="{FF2B5EF4-FFF2-40B4-BE49-F238E27FC236}">
+                <a16:creationId xmlns:a16="http://schemas.microsoft.com/office/drawing/2014/main" id="{656B9DDC-4860-4D60-212C-5B8164370AAE}"/>
+              </a:ext>
+            </a:extLst>
+          </p:cNvPr>
+          <p:cNvSpPr txBox="1"/>
+          <p:nvPr/>
+        </p:nvSpPr>
+        <p:spPr>
+          <a:xfrm>
+            <a:off x="8116443" y="1435656"/>
+            <a:ext cx="2947416" cy="400110"/>
+          </a:xfrm>
+          <a:prstGeom prst="rect">
+            <a:avLst/>
+          </a:prstGeom>
+          <a:noFill/>
+        </p:spPr>
+        <p:txBody>
+          <a:bodyPr wrap="square" rtlCol="0">
+            <a:spAutoFit/>
+          </a:bodyPr>
+          <a:lstStyle/>
+          <a:p>
+            <a:pPr algn="ctr"/>
+            <a:r>
+              <a:rPr lang="de-DE" sz="2000" dirty="0"/>
+              <a:t>Umfang</a:t>
+            </a:r>
+            <a:endParaRPr lang="de-AT" sz="2000" dirty="0"/>
+          </a:p>
+        </p:txBody>
+      </p:sp>
+      <p:sp>
+        <p:nvSpPr>
+          <p:cNvPr id="8" name="Textfeld 7">
+            <a:extLst>
+              <a:ext uri="{FF2B5EF4-FFF2-40B4-BE49-F238E27FC236}">
+                <a16:creationId xmlns:a16="http://schemas.microsoft.com/office/drawing/2014/main" id="{CA338A08-0DFE-047D-4C60-E6E9D24305C1}"/>
+              </a:ext>
+            </a:extLst>
+          </p:cNvPr>
+          <p:cNvSpPr txBox="1"/>
+          <p:nvPr/>
+        </p:nvSpPr>
+        <p:spPr>
+          <a:xfrm>
+            <a:off x="1362075" y="3028890"/>
+            <a:ext cx="2947416" cy="400110"/>
+          </a:xfrm>
+          <a:prstGeom prst="rect">
+            <a:avLst/>
+          </a:prstGeom>
+          <a:noFill/>
+        </p:spPr>
+        <p:txBody>
+          <a:bodyPr wrap="square" rtlCol="0">
+            <a:spAutoFit/>
+          </a:bodyPr>
+          <a:lstStyle/>
+          <a:p>
+            <a:pPr algn="ctr"/>
+            <a:r>
+              <a:rPr lang="de-DE" sz="2000" dirty="0"/>
+              <a:t>Rahmenbedingungen</a:t>
+            </a:r>
+            <a:endParaRPr lang="de-AT" sz="2000" dirty="0"/>
+          </a:p>
+        </p:txBody>
+      </p:sp>
+      <p:sp>
+        <p:nvSpPr>
+          <p:cNvPr id="9" name="Textfeld 8">
+            <a:extLst>
+              <a:ext uri="{FF2B5EF4-FFF2-40B4-BE49-F238E27FC236}">
+                <a16:creationId xmlns:a16="http://schemas.microsoft.com/office/drawing/2014/main" id="{DF282566-E85D-0F4F-1D44-C90174FCA419}"/>
+              </a:ext>
+            </a:extLst>
+          </p:cNvPr>
+          <p:cNvSpPr txBox="1"/>
+          <p:nvPr/>
+        </p:nvSpPr>
+        <p:spPr>
+          <a:xfrm>
+            <a:off x="4705731" y="3028890"/>
+            <a:ext cx="2947416" cy="400110"/>
+          </a:xfrm>
+          <a:prstGeom prst="rect">
+            <a:avLst/>
+          </a:prstGeom>
+          <a:noFill/>
+        </p:spPr>
+        <p:txBody>
+          <a:bodyPr wrap="square" rtlCol="0">
+            <a:spAutoFit/>
+          </a:bodyPr>
+          <a:lstStyle/>
+          <a:p>
+            <a:pPr algn="ctr"/>
+            <a:r>
+              <a:rPr lang="de-DE" sz="2000" dirty="0"/>
+              <a:t>Rollen</a:t>
+            </a:r>
+            <a:endParaRPr lang="de-AT" sz="2000" dirty="0"/>
+          </a:p>
+        </p:txBody>
+      </p:sp>
+      <p:sp>
+        <p:nvSpPr>
+          <p:cNvPr id="10" name="Textfeld 9">
+            <a:extLst>
+              <a:ext uri="{FF2B5EF4-FFF2-40B4-BE49-F238E27FC236}">
+                <a16:creationId xmlns:a16="http://schemas.microsoft.com/office/drawing/2014/main" id="{5420D7E0-B390-E4E8-B525-9AA80C1F8A5E}"/>
+              </a:ext>
+            </a:extLst>
+          </p:cNvPr>
+          <p:cNvSpPr txBox="1"/>
+          <p:nvPr/>
+        </p:nvSpPr>
+        <p:spPr>
+          <a:xfrm>
+            <a:off x="8116443" y="3028890"/>
+            <a:ext cx="2947416" cy="400110"/>
+          </a:xfrm>
+          <a:prstGeom prst="rect">
+            <a:avLst/>
+          </a:prstGeom>
+          <a:noFill/>
+        </p:spPr>
+        <p:txBody>
+          <a:bodyPr wrap="square" rtlCol="0">
+            <a:spAutoFit/>
+          </a:bodyPr>
+          <a:lstStyle/>
+          <a:p>
+            <a:pPr algn="ctr"/>
+            <a:r>
+              <a:rPr lang="de-DE" sz="2000" dirty="0"/>
+              <a:t>Meilensteine</a:t>
+            </a:r>
+            <a:endParaRPr lang="de-AT" sz="2000" dirty="0"/>
+          </a:p>
+        </p:txBody>
+      </p:sp>
+      <p:sp>
+        <p:nvSpPr>
+          <p:cNvPr id="11" name="Textfeld 10">
+            <a:extLst>
+              <a:ext uri="{FF2B5EF4-FFF2-40B4-BE49-F238E27FC236}">
+                <a16:creationId xmlns:a16="http://schemas.microsoft.com/office/drawing/2014/main" id="{EF982CE6-0921-65AA-D4D2-C7FDE71ED2D3}"/>
+              </a:ext>
+            </a:extLst>
+          </p:cNvPr>
+          <p:cNvSpPr txBox="1"/>
+          <p:nvPr/>
+        </p:nvSpPr>
+        <p:spPr>
+          <a:xfrm>
+            <a:off x="1409700" y="4680173"/>
+            <a:ext cx="2947416" cy="400110"/>
+          </a:xfrm>
+          <a:prstGeom prst="rect">
+            <a:avLst/>
+          </a:prstGeom>
+          <a:noFill/>
+        </p:spPr>
+        <p:txBody>
+          <a:bodyPr wrap="square" rtlCol="0">
+            <a:spAutoFit/>
+          </a:bodyPr>
+          <a:lstStyle/>
+          <a:p>
+            <a:pPr algn="ctr"/>
+            <a:r>
+              <a:rPr lang="de-DE" sz="2000" dirty="0"/>
+              <a:t>Risikoeinschätzung</a:t>
+            </a:r>
+            <a:endParaRPr lang="de-AT" sz="2000" dirty="0"/>
+          </a:p>
+        </p:txBody>
+      </p:sp>
+      <p:sp>
+        <p:nvSpPr>
+          <p:cNvPr id="12" name="Textfeld 11">
+            <a:extLst>
+              <a:ext uri="{FF2B5EF4-FFF2-40B4-BE49-F238E27FC236}">
+                <a16:creationId xmlns:a16="http://schemas.microsoft.com/office/drawing/2014/main" id="{723E4AA6-7A03-FFE6-9EE2-434B4C3393EF}"/>
+              </a:ext>
+            </a:extLst>
+          </p:cNvPr>
+          <p:cNvSpPr txBox="1"/>
+          <p:nvPr/>
+        </p:nvSpPr>
+        <p:spPr>
+          <a:xfrm>
+            <a:off x="4555236" y="4680173"/>
+            <a:ext cx="3410712" cy="400110"/>
+          </a:xfrm>
+          <a:prstGeom prst="rect">
+            <a:avLst/>
+          </a:prstGeom>
+          <a:noFill/>
+        </p:spPr>
+        <p:txBody>
+          <a:bodyPr wrap="square" rtlCol="0">
+            <a:spAutoFit/>
+          </a:bodyPr>
+          <a:lstStyle/>
+          <a:p>
+            <a:pPr algn="ctr"/>
+            <a:r>
+              <a:rPr lang="de-DE" sz="2000" dirty="0"/>
+              <a:t>Kommunikationsregeln</a:t>
+            </a:r>
+            <a:endParaRPr lang="de-AT" sz="2000" dirty="0"/>
+          </a:p>
+        </p:txBody>
+      </p:sp>
+      <p:sp>
+        <p:nvSpPr>
+          <p:cNvPr id="13" name="Textfeld 12">
+            <a:extLst>
+              <a:ext uri="{FF2B5EF4-FFF2-40B4-BE49-F238E27FC236}">
+                <a16:creationId xmlns:a16="http://schemas.microsoft.com/office/drawing/2014/main" id="{58DF88C4-580D-90E8-1445-331F29C66D5D}"/>
+              </a:ext>
+            </a:extLst>
+          </p:cNvPr>
+          <p:cNvSpPr txBox="1"/>
+          <p:nvPr/>
+        </p:nvSpPr>
+        <p:spPr>
+          <a:xfrm>
+            <a:off x="8164068" y="4680173"/>
+            <a:ext cx="2947416" cy="400110"/>
+          </a:xfrm>
+          <a:prstGeom prst="rect">
+            <a:avLst/>
+          </a:prstGeom>
+          <a:noFill/>
+        </p:spPr>
+        <p:txBody>
+          <a:bodyPr wrap="square" rtlCol="0">
+            <a:spAutoFit/>
+          </a:bodyPr>
+          <a:lstStyle/>
+          <a:p>
+            <a:pPr algn="ctr"/>
+            <a:r>
+              <a:rPr lang="de-DE" sz="2000" dirty="0"/>
+              <a:t>Freigabe</a:t>
+            </a:r>
+            <a:endParaRPr lang="de-AT" sz="2000" dirty="0"/>
+          </a:p>
+        </p:txBody>
+      </p:sp>
+      <p:pic>
+        <p:nvPicPr>
+          <p:cNvPr id="15" name="Grafik 14">
+            <a:extLst>
+              <a:ext uri="{FF2B5EF4-FFF2-40B4-BE49-F238E27FC236}">
+                <a16:creationId xmlns:a16="http://schemas.microsoft.com/office/drawing/2014/main" id="{1F79C70A-EDB4-16E4-DD4B-74F755AD0685}"/>
+              </a:ext>
+            </a:extLst>
+          </p:cNvPr>
+          <p:cNvPicPr>
+            <a:picLocks noChangeAspect="1"/>
+          </p:cNvPicPr>
+          <p:nvPr/>
+        </p:nvPicPr>
+        <p:blipFill>
+          <a:blip r:embed="rId2"/>
+          <a:stretch>
+            <a:fillRect/>
+          </a:stretch>
+        </p:blipFill>
+        <p:spPr>
+          <a:xfrm>
+            <a:off x="2245954" y="1835765"/>
+            <a:ext cx="1074635" cy="1074635"/>
+          </a:xfrm>
+          <a:prstGeom prst="rect">
+            <a:avLst/>
+          </a:prstGeom>
+        </p:spPr>
+      </p:pic>
+      <p:pic>
+        <p:nvPicPr>
+          <p:cNvPr id="19" name="Grafik 18">
+            <a:extLst>
+              <a:ext uri="{FF2B5EF4-FFF2-40B4-BE49-F238E27FC236}">
+                <a16:creationId xmlns:a16="http://schemas.microsoft.com/office/drawing/2014/main" id="{1FA366A7-92B0-DE7D-A860-84F279969249}"/>
+              </a:ext>
+            </a:extLst>
+          </p:cNvPr>
+          <p:cNvPicPr>
+            <a:picLocks noChangeAspect="1"/>
+          </p:cNvPicPr>
+          <p:nvPr/>
+        </p:nvPicPr>
+        <p:blipFill>
+          <a:blip r:embed="rId3"/>
+          <a:stretch>
+            <a:fillRect/>
+          </a:stretch>
+        </p:blipFill>
+        <p:spPr>
+          <a:xfrm>
+            <a:off x="5675650" y="1924057"/>
+            <a:ext cx="1074634" cy="1074634"/>
+          </a:xfrm>
+          <a:prstGeom prst="rect">
+            <a:avLst/>
+          </a:prstGeom>
+        </p:spPr>
+      </p:pic>
+      <p:pic>
+        <p:nvPicPr>
+          <p:cNvPr id="21" name="Grafik 20">
+            <a:extLst>
+              <a:ext uri="{FF2B5EF4-FFF2-40B4-BE49-F238E27FC236}">
+                <a16:creationId xmlns:a16="http://schemas.microsoft.com/office/drawing/2014/main" id="{E62949AF-3327-5895-F6B7-5CA9E570A28E}"/>
+              </a:ext>
+            </a:extLst>
+          </p:cNvPr>
+          <p:cNvPicPr>
+            <a:picLocks noChangeAspect="1"/>
+          </p:cNvPicPr>
+          <p:nvPr/>
+        </p:nvPicPr>
+        <p:blipFill>
+          <a:blip r:embed="rId4"/>
+          <a:stretch>
+            <a:fillRect/>
+          </a:stretch>
+        </p:blipFill>
+        <p:spPr>
+          <a:xfrm>
+            <a:off x="9052834" y="1835766"/>
+            <a:ext cx="1074634" cy="1074634"/>
+          </a:xfrm>
+          <a:prstGeom prst="rect">
+            <a:avLst/>
+          </a:prstGeom>
+        </p:spPr>
+      </p:pic>
+      <p:pic>
+        <p:nvPicPr>
+          <p:cNvPr id="23" name="Grafik 22">
+            <a:extLst>
+              <a:ext uri="{FF2B5EF4-FFF2-40B4-BE49-F238E27FC236}">
+                <a16:creationId xmlns:a16="http://schemas.microsoft.com/office/drawing/2014/main" id="{E2955B68-03EE-B192-5859-D36CE17801D2}"/>
+              </a:ext>
+            </a:extLst>
+          </p:cNvPr>
+          <p:cNvPicPr>
+            <a:picLocks noChangeAspect="1"/>
+          </p:cNvPicPr>
+          <p:nvPr/>
+        </p:nvPicPr>
+        <p:blipFill>
+          <a:blip r:embed="rId5"/>
+          <a:stretch>
+            <a:fillRect/>
+          </a:stretch>
+        </p:blipFill>
+        <p:spPr>
+          <a:xfrm>
+            <a:off x="2090354" y="3468699"/>
+            <a:ext cx="1196340" cy="1196340"/>
+          </a:xfrm>
+          <a:prstGeom prst="rect">
+            <a:avLst/>
+          </a:prstGeom>
+        </p:spPr>
+      </p:pic>
+      <p:pic>
+        <p:nvPicPr>
+          <p:cNvPr id="27" name="Grafik 26">
+            <a:extLst>
+              <a:ext uri="{FF2B5EF4-FFF2-40B4-BE49-F238E27FC236}">
+                <a16:creationId xmlns:a16="http://schemas.microsoft.com/office/drawing/2014/main" id="{543C886F-4FEA-9C47-C996-04BAC2E764F5}"/>
+              </a:ext>
+            </a:extLst>
+          </p:cNvPr>
+          <p:cNvPicPr>
+            <a:picLocks noChangeAspect="1"/>
+          </p:cNvPicPr>
+          <p:nvPr/>
+        </p:nvPicPr>
+        <p:blipFill>
+          <a:blip r:embed="rId6"/>
+          <a:stretch>
+            <a:fillRect/>
+          </a:stretch>
+        </p:blipFill>
+        <p:spPr>
+          <a:xfrm>
+            <a:off x="9072183" y="3468699"/>
+            <a:ext cx="1093389" cy="1093389"/>
+          </a:xfrm>
+          <a:prstGeom prst="rect">
+            <a:avLst/>
+          </a:prstGeom>
+        </p:spPr>
+      </p:pic>
+      <p:pic>
+        <p:nvPicPr>
+          <p:cNvPr id="29" name="Grafik 28">
+            <a:extLst>
+              <a:ext uri="{FF2B5EF4-FFF2-40B4-BE49-F238E27FC236}">
+                <a16:creationId xmlns:a16="http://schemas.microsoft.com/office/drawing/2014/main" id="{3BD6EC98-8F74-4565-7D02-943DF194C897}"/>
+              </a:ext>
+            </a:extLst>
+          </p:cNvPr>
+          <p:cNvPicPr>
+            <a:picLocks noChangeAspect="1"/>
+          </p:cNvPicPr>
+          <p:nvPr/>
+        </p:nvPicPr>
+        <p:blipFill>
+          <a:blip r:embed="rId7"/>
+          <a:stretch>
+            <a:fillRect/>
+          </a:stretch>
+        </p:blipFill>
+        <p:spPr>
+          <a:xfrm>
+            <a:off x="2090354" y="5172151"/>
+            <a:ext cx="1121664" cy="1121664"/>
+          </a:xfrm>
+          <a:prstGeom prst="rect">
+            <a:avLst/>
+          </a:prstGeom>
+        </p:spPr>
+      </p:pic>
+      <p:pic>
+        <p:nvPicPr>
+          <p:cNvPr id="31" name="Grafik 30">
+            <a:extLst>
+              <a:ext uri="{FF2B5EF4-FFF2-40B4-BE49-F238E27FC236}">
+                <a16:creationId xmlns:a16="http://schemas.microsoft.com/office/drawing/2014/main" id="{7D4380CD-2B6E-C6CE-F5DB-C38DC9314B06}"/>
+              </a:ext>
+            </a:extLst>
+          </p:cNvPr>
+          <p:cNvPicPr>
+            <a:picLocks noChangeAspect="1"/>
+          </p:cNvPicPr>
+          <p:nvPr/>
+        </p:nvPicPr>
+        <p:blipFill>
+          <a:blip r:embed="rId8"/>
+          <a:stretch>
+            <a:fillRect/>
+          </a:stretch>
+        </p:blipFill>
+        <p:spPr>
+          <a:xfrm>
+            <a:off x="5758761" y="5172151"/>
+            <a:ext cx="1131678" cy="1131678"/>
+          </a:xfrm>
+          <a:prstGeom prst="rect">
+            <a:avLst/>
+          </a:prstGeom>
+        </p:spPr>
+      </p:pic>
+      <p:pic>
+        <p:nvPicPr>
+          <p:cNvPr id="33" name="Grafik 32">
+            <a:extLst>
+              <a:ext uri="{FF2B5EF4-FFF2-40B4-BE49-F238E27FC236}">
+                <a16:creationId xmlns:a16="http://schemas.microsoft.com/office/drawing/2014/main" id="{7A9BE164-77EE-788F-8327-F8D22CA7DF92}"/>
+              </a:ext>
+            </a:extLst>
+          </p:cNvPr>
+          <p:cNvPicPr>
+            <a:picLocks noChangeAspect="1"/>
+          </p:cNvPicPr>
+          <p:nvPr/>
+        </p:nvPicPr>
+        <p:blipFill>
+          <a:blip r:embed="rId9"/>
+          <a:stretch>
+            <a:fillRect/>
+          </a:stretch>
+        </p:blipFill>
+        <p:spPr>
+          <a:xfrm>
+            <a:off x="8930818" y="5172151"/>
+            <a:ext cx="1325563" cy="1325563"/>
+          </a:xfrm>
+          <a:prstGeom prst="rect">
+            <a:avLst/>
+          </a:prstGeom>
+        </p:spPr>
+      </p:pic>
+      <p:pic>
+        <p:nvPicPr>
+          <p:cNvPr id="35" name="Grafik 34">
+            <a:extLst>
+              <a:ext uri="{FF2B5EF4-FFF2-40B4-BE49-F238E27FC236}">
+                <a16:creationId xmlns:a16="http://schemas.microsoft.com/office/drawing/2014/main" id="{2DAB8279-961F-183E-5D4A-916B880C0347}"/>
+              </a:ext>
+            </a:extLst>
+          </p:cNvPr>
+          <p:cNvPicPr>
+            <a:picLocks noChangeAspect="1"/>
+          </p:cNvPicPr>
+          <p:nvPr/>
+        </p:nvPicPr>
+        <p:blipFill>
+          <a:blip r:embed="rId10"/>
+          <a:stretch>
+            <a:fillRect/>
+          </a:stretch>
+        </p:blipFill>
+        <p:spPr>
+          <a:xfrm>
+            <a:off x="5584685" y="3425730"/>
+            <a:ext cx="1196341" cy="1196341"/>
+          </a:xfrm>
+          <a:prstGeom prst="rect">
+            <a:avLst/>
+          </a:prstGeom>
+        </p:spPr>
+      </p:pic>
+    </p:spTree>
+    <p:extLst>
+      <p:ext uri="{BB962C8B-B14F-4D97-AF65-F5344CB8AC3E}">
+        <p14:creationId xmlns:p14="http://schemas.microsoft.com/office/powerpoint/2010/main" val="2063534286"/>
+      </p:ext>
+    </p:extLst>
+  </p:cSld>
+  <p:clrMapOvr>
+    <a:masterClrMapping/>
+  </p:clrMapOvr>
+</p:sld>
+</file>
+
+<file path=ppt/slides/slide17.xml><?xml version="1.0" encoding="utf-8"?>
+<p:sld xmlns:a="http://schemas.openxmlformats.org/drawingml/2006/main" xmlns:r="http://schemas.openxmlformats.org/officeDocument/2006/relationships" xmlns:p="http://schemas.openxmlformats.org/presentationml/2006/main">
+  <p:cSld>
+    <p:spTree>
+      <p:nvGrpSpPr>
+        <p:cNvPr id="1" name=""/>
+        <p:cNvGrpSpPr/>
+        <p:nvPr/>
+      </p:nvGrpSpPr>
+      <p:grpSpPr>
+        <a:xfrm>
+          <a:off x="0" y="0"/>
+          <a:ext cx="0" cy="0"/>
+          <a:chOff x="0" y="0"/>
+          <a:chExt cx="0" cy="0"/>
+        </a:xfrm>
+      </p:grpSpPr>
+      <p:sp>
+        <p:nvSpPr>
+          <p:cNvPr id="2" name="Titel 1">
+            <a:extLst>
+              <a:ext uri="{FF2B5EF4-FFF2-40B4-BE49-F238E27FC236}">
+                <a16:creationId xmlns:a16="http://schemas.microsoft.com/office/drawing/2014/main" id="{39B24520-EFFD-BF30-90B0-79CB6D103E44}"/>
+              </a:ext>
+            </a:extLst>
+          </p:cNvPr>
+          <p:cNvSpPr>
+            <a:spLocks noGrp="1"/>
+          </p:cNvSpPr>
+          <p:nvPr>
+            <p:ph type="title"/>
+          </p:nvPr>
+        </p:nvSpPr>
+        <p:spPr/>
+        <p:txBody>
+          <a:bodyPr/>
+          <a:lstStyle/>
+          <a:p>
+            <a:r>
+              <a:rPr lang="de-DE" dirty="0"/>
+              <a:t>Wann wird ein PA gebraucht?</a:t>
+            </a:r>
+            <a:endParaRPr lang="de-AT" dirty="0"/>
+          </a:p>
+        </p:txBody>
+      </p:sp>
+      <p:sp>
+        <p:nvSpPr>
+          <p:cNvPr id="4" name="Textfeld 3">
+            <a:extLst>
+              <a:ext uri="{FF2B5EF4-FFF2-40B4-BE49-F238E27FC236}">
+                <a16:creationId xmlns:a16="http://schemas.microsoft.com/office/drawing/2014/main" id="{00F25BC4-5743-1942-9936-CA656ACEB9DA}"/>
+              </a:ext>
+            </a:extLst>
+          </p:cNvPr>
+          <p:cNvSpPr txBox="1"/>
+          <p:nvPr/>
+        </p:nvSpPr>
+        <p:spPr>
+          <a:xfrm>
+            <a:off x="1586213" y="1826391"/>
+            <a:ext cx="3776472" cy="400110"/>
+          </a:xfrm>
+          <a:prstGeom prst="rect">
+            <a:avLst/>
+          </a:prstGeom>
+          <a:noFill/>
+        </p:spPr>
+        <p:txBody>
+          <a:bodyPr wrap="square" rtlCol="0">
+            <a:spAutoFit/>
+          </a:bodyPr>
+          <a:lstStyle/>
+          <a:p>
+            <a:pPr algn="ctr"/>
+            <a:r>
+              <a:rPr lang="de-DE" sz="2000" dirty="0"/>
+              <a:t>Projektbeginn</a:t>
+            </a:r>
+            <a:endParaRPr lang="de-AT" sz="2000" dirty="0"/>
+          </a:p>
+        </p:txBody>
+      </p:sp>
+      <p:sp>
+        <p:nvSpPr>
+          <p:cNvPr id="5" name="Textfeld 4">
+            <a:extLst>
+              <a:ext uri="{FF2B5EF4-FFF2-40B4-BE49-F238E27FC236}">
+                <a16:creationId xmlns:a16="http://schemas.microsoft.com/office/drawing/2014/main" id="{AB06EDDE-AD35-12A9-2311-81134FC27F83}"/>
+              </a:ext>
+            </a:extLst>
+          </p:cNvPr>
+          <p:cNvSpPr txBox="1"/>
+          <p:nvPr/>
+        </p:nvSpPr>
+        <p:spPr>
+          <a:xfrm>
+            <a:off x="1586213" y="4161681"/>
+            <a:ext cx="3776472" cy="400110"/>
+          </a:xfrm>
+          <a:prstGeom prst="rect">
+            <a:avLst/>
+          </a:prstGeom>
+          <a:noFill/>
+        </p:spPr>
+        <p:txBody>
+          <a:bodyPr wrap="square" rtlCol="0">
+            <a:spAutoFit/>
+          </a:bodyPr>
+          <a:lstStyle/>
+          <a:p>
+            <a:pPr algn="ctr"/>
+            <a:r>
+              <a:rPr lang="de-DE" sz="2000" dirty="0"/>
+              <a:t>Stakeholder-Management</a:t>
+            </a:r>
+            <a:endParaRPr lang="de-AT" sz="2000" dirty="0"/>
+          </a:p>
+        </p:txBody>
+      </p:sp>
+      <p:sp>
+        <p:nvSpPr>
+          <p:cNvPr id="6" name="Textfeld 5">
+            <a:extLst>
+              <a:ext uri="{FF2B5EF4-FFF2-40B4-BE49-F238E27FC236}">
+                <a16:creationId xmlns:a16="http://schemas.microsoft.com/office/drawing/2014/main" id="{4A4BA7BE-2E61-E4CF-E6E7-E673B2BBD053}"/>
+              </a:ext>
+            </a:extLst>
+          </p:cNvPr>
+          <p:cNvSpPr txBox="1"/>
+          <p:nvPr/>
+        </p:nvSpPr>
+        <p:spPr>
+          <a:xfrm>
+            <a:off x="6829316" y="4165204"/>
+            <a:ext cx="3776472" cy="400110"/>
+          </a:xfrm>
+          <a:prstGeom prst="rect">
+            <a:avLst/>
+          </a:prstGeom>
+          <a:noFill/>
+        </p:spPr>
+        <p:txBody>
+          <a:bodyPr wrap="square" rtlCol="0">
+            <a:spAutoFit/>
+          </a:bodyPr>
+          <a:lstStyle/>
+          <a:p>
+            <a:pPr algn="ctr"/>
+            <a:r>
+              <a:rPr lang="de-DE" sz="2000" dirty="0"/>
+              <a:t>Externe Auftragnehmer</a:t>
+            </a:r>
+            <a:endParaRPr lang="de-AT" sz="2000" dirty="0"/>
+          </a:p>
+        </p:txBody>
+      </p:sp>
+      <p:sp>
+        <p:nvSpPr>
+          <p:cNvPr id="7" name="Textfeld 6">
+            <a:extLst>
+              <a:ext uri="{FF2B5EF4-FFF2-40B4-BE49-F238E27FC236}">
+                <a16:creationId xmlns:a16="http://schemas.microsoft.com/office/drawing/2014/main" id="{94D3236F-9C7F-79FF-BC4B-32277C5437ED}"/>
+              </a:ext>
+            </a:extLst>
+          </p:cNvPr>
+          <p:cNvSpPr txBox="1"/>
+          <p:nvPr/>
+        </p:nvSpPr>
+        <p:spPr>
+          <a:xfrm>
+            <a:off x="6644640" y="1829914"/>
+            <a:ext cx="3776472" cy="400110"/>
+          </a:xfrm>
+          <a:prstGeom prst="rect">
+            <a:avLst/>
+          </a:prstGeom>
+          <a:noFill/>
+        </p:spPr>
+        <p:txBody>
+          <a:bodyPr wrap="square" rtlCol="0">
+            <a:spAutoFit/>
+          </a:bodyPr>
+          <a:lstStyle/>
+          <a:p>
+            <a:pPr algn="ctr"/>
+            <a:r>
+              <a:rPr lang="de-DE" sz="2000" dirty="0"/>
+              <a:t>Größere Änderungen</a:t>
+            </a:r>
+            <a:endParaRPr lang="de-AT" sz="2000" dirty="0"/>
+          </a:p>
+        </p:txBody>
+      </p:sp>
+      <p:pic>
+        <p:nvPicPr>
+          <p:cNvPr id="9" name="Grafik 8">
+            <a:extLst>
+              <a:ext uri="{FF2B5EF4-FFF2-40B4-BE49-F238E27FC236}">
+                <a16:creationId xmlns:a16="http://schemas.microsoft.com/office/drawing/2014/main" id="{2D92A97C-63DE-B57F-B6E8-86F4B1449B1F}"/>
+              </a:ext>
+            </a:extLst>
+          </p:cNvPr>
+          <p:cNvPicPr>
+            <a:picLocks noChangeAspect="1"/>
+          </p:cNvPicPr>
+          <p:nvPr/>
+        </p:nvPicPr>
+        <p:blipFill>
+          <a:blip r:embed="rId2"/>
+          <a:stretch>
+            <a:fillRect/>
+          </a:stretch>
+        </p:blipFill>
+        <p:spPr>
+          <a:xfrm>
+            <a:off x="2758931" y="2405646"/>
+            <a:ext cx="1431036" cy="1431036"/>
+          </a:xfrm>
+          <a:prstGeom prst="rect">
+            <a:avLst/>
+          </a:prstGeom>
+        </p:spPr>
+      </p:pic>
+      <p:pic>
+        <p:nvPicPr>
+          <p:cNvPr id="11" name="Grafik 10">
+            <a:extLst>
+              <a:ext uri="{FF2B5EF4-FFF2-40B4-BE49-F238E27FC236}">
+                <a16:creationId xmlns:a16="http://schemas.microsoft.com/office/drawing/2014/main" id="{68D8DEFD-D42A-86CF-41B7-9C400B492731}"/>
+              </a:ext>
+            </a:extLst>
+          </p:cNvPr>
+          <p:cNvPicPr>
+            <a:picLocks noChangeAspect="1"/>
+          </p:cNvPicPr>
+          <p:nvPr/>
+        </p:nvPicPr>
+        <p:blipFill>
+          <a:blip r:embed="rId3"/>
+          <a:stretch>
+            <a:fillRect/>
+          </a:stretch>
+        </p:blipFill>
+        <p:spPr>
+          <a:xfrm>
+            <a:off x="7817358" y="2409169"/>
+            <a:ext cx="1431036" cy="1431036"/>
+          </a:xfrm>
+          <a:prstGeom prst="rect">
+            <a:avLst/>
+          </a:prstGeom>
+        </p:spPr>
+      </p:pic>
+      <p:pic>
+        <p:nvPicPr>
+          <p:cNvPr id="13" name="Grafik 12">
+            <a:extLst>
+              <a:ext uri="{FF2B5EF4-FFF2-40B4-BE49-F238E27FC236}">
+                <a16:creationId xmlns:a16="http://schemas.microsoft.com/office/drawing/2014/main" id="{B437F4FA-976C-0051-48E3-356ABA97A9C7}"/>
+              </a:ext>
+            </a:extLst>
+          </p:cNvPr>
+          <p:cNvPicPr>
+            <a:picLocks noChangeAspect="1"/>
+          </p:cNvPicPr>
+          <p:nvPr/>
+        </p:nvPicPr>
+        <p:blipFill>
+          <a:blip r:embed="rId4"/>
+          <a:stretch>
+            <a:fillRect/>
+          </a:stretch>
+        </p:blipFill>
+        <p:spPr>
+          <a:xfrm>
+            <a:off x="2758931" y="4767918"/>
+            <a:ext cx="1431036" cy="1431036"/>
+          </a:xfrm>
+          <a:prstGeom prst="rect">
+            <a:avLst/>
+          </a:prstGeom>
+        </p:spPr>
+      </p:pic>
+      <p:pic>
+        <p:nvPicPr>
+          <p:cNvPr id="15" name="Grafik 14">
+            <a:extLst>
+              <a:ext uri="{FF2B5EF4-FFF2-40B4-BE49-F238E27FC236}">
+                <a16:creationId xmlns:a16="http://schemas.microsoft.com/office/drawing/2014/main" id="{9EB9D4F5-D76E-CAEB-8DF3-ED0E87917B9A}"/>
+              </a:ext>
+            </a:extLst>
+          </p:cNvPr>
+          <p:cNvPicPr>
+            <a:picLocks noChangeAspect="1"/>
+          </p:cNvPicPr>
+          <p:nvPr/>
+        </p:nvPicPr>
+        <p:blipFill>
+          <a:blip r:embed="rId5"/>
+          <a:stretch>
+            <a:fillRect/>
+          </a:stretch>
+        </p:blipFill>
+        <p:spPr>
+          <a:xfrm>
+            <a:off x="7817358" y="4586765"/>
+            <a:ext cx="1800387" cy="1800387"/>
+          </a:xfrm>
+          <a:prstGeom prst="rect">
+            <a:avLst/>
+          </a:prstGeom>
+        </p:spPr>
+      </p:pic>
+    </p:spTree>
+    <p:extLst>
+      <p:ext uri="{BB962C8B-B14F-4D97-AF65-F5344CB8AC3E}">
+        <p14:creationId xmlns:p14="http://schemas.microsoft.com/office/powerpoint/2010/main" val="2416694181"/>
+      </p:ext>
+    </p:extLst>
+  </p:cSld>
+  <p:clrMapOvr>
+    <a:masterClrMapping/>
+  </p:clrMapOvr>
+</p:sld>
+</file>
+
+<file path=ppt/slides/slide18.xml><?xml version="1.0" encoding="utf-8"?>
+<p:sld xmlns:a="http://schemas.openxmlformats.org/drawingml/2006/main" xmlns:r="http://schemas.openxmlformats.org/officeDocument/2006/relationships" xmlns:p="http://schemas.openxmlformats.org/presentationml/2006/main">
+  <p:cSld>
+    <p:spTree>
+      <p:nvGrpSpPr>
+        <p:cNvPr id="1" name=""/>
+        <p:cNvGrpSpPr/>
+        <p:nvPr/>
+      </p:nvGrpSpPr>
+      <p:grpSpPr>
+        <a:xfrm>
+          <a:off x="0" y="0"/>
+          <a:ext cx="0" cy="0"/>
+          <a:chOff x="0" y="0"/>
+          <a:chExt cx="0" cy="0"/>
+        </a:xfrm>
+      </p:grpSpPr>
+      <p:sp>
+        <p:nvSpPr>
+          <p:cNvPr id="2" name="Titel 1">
+            <a:extLst>
+              <a:ext uri="{FF2B5EF4-FFF2-40B4-BE49-F238E27FC236}">
+                <a16:creationId xmlns:a16="http://schemas.microsoft.com/office/drawing/2014/main" id="{CAA33AAB-9655-490C-1600-60E6D06F0A8E}"/>
+              </a:ext>
+            </a:extLst>
+          </p:cNvPr>
+          <p:cNvSpPr>
+            <a:spLocks noGrp="1"/>
+          </p:cNvSpPr>
+          <p:nvPr>
+            <p:ph type="title"/>
+          </p:nvPr>
+        </p:nvSpPr>
+        <p:spPr/>
+        <p:txBody>
+          <a:bodyPr/>
+          <a:lstStyle/>
+          <a:p>
+            <a:r>
+              <a:rPr lang="de-DE" dirty="0"/>
+              <a:t>Warum ist ein PA so wichtig?</a:t>
+            </a:r>
+            <a:endParaRPr lang="de-AT" dirty="0"/>
+          </a:p>
+        </p:txBody>
+      </p:sp>
+      <p:sp>
+        <p:nvSpPr>
+          <p:cNvPr id="4" name="Textfeld 3">
+            <a:extLst>
+              <a:ext uri="{FF2B5EF4-FFF2-40B4-BE49-F238E27FC236}">
+                <a16:creationId xmlns:a16="http://schemas.microsoft.com/office/drawing/2014/main" id="{11D2A411-45F2-E857-AD6C-D78587D276A7}"/>
+              </a:ext>
+            </a:extLst>
+          </p:cNvPr>
+          <p:cNvSpPr txBox="1"/>
+          <p:nvPr/>
+        </p:nvSpPr>
+        <p:spPr>
+          <a:xfrm>
+            <a:off x="838200" y="2348221"/>
+            <a:ext cx="3776472" cy="400110"/>
+          </a:xfrm>
+          <a:prstGeom prst="rect">
+            <a:avLst/>
+          </a:prstGeom>
+          <a:noFill/>
+        </p:spPr>
+        <p:txBody>
+          <a:bodyPr wrap="square" rtlCol="0">
+            <a:spAutoFit/>
+          </a:bodyPr>
+          <a:lstStyle/>
+          <a:p>
+            <a:pPr algn="ctr"/>
+            <a:r>
+              <a:rPr lang="de-DE" sz="2000" dirty="0"/>
+              <a:t>Gemeinsames Verständnis</a:t>
+            </a:r>
+            <a:endParaRPr lang="de-AT" sz="2000" dirty="0"/>
+          </a:p>
+        </p:txBody>
+      </p:sp>
+      <p:sp>
+        <p:nvSpPr>
+          <p:cNvPr id="5" name="Textfeld 4">
+            <a:extLst>
+              <a:ext uri="{FF2B5EF4-FFF2-40B4-BE49-F238E27FC236}">
+                <a16:creationId xmlns:a16="http://schemas.microsoft.com/office/drawing/2014/main" id="{4EB8AD7B-D9BF-5723-55BD-0C09B82F2688}"/>
+              </a:ext>
+            </a:extLst>
+          </p:cNvPr>
+          <p:cNvSpPr txBox="1"/>
+          <p:nvPr/>
+        </p:nvSpPr>
+        <p:spPr>
+          <a:xfrm>
+            <a:off x="4207764" y="5522976"/>
+            <a:ext cx="3776472" cy="707886"/>
+          </a:xfrm>
+          <a:prstGeom prst="rect">
+            <a:avLst/>
+          </a:prstGeom>
+          <a:noFill/>
+        </p:spPr>
+        <p:txBody>
+          <a:bodyPr wrap="square" rtlCol="0">
+            <a:spAutoFit/>
+          </a:bodyPr>
+          <a:lstStyle/>
+          <a:p>
+            <a:pPr algn="ctr"/>
+            <a:r>
+              <a:rPr lang="de-DE" sz="2000" dirty="0"/>
+              <a:t>Ausrichtung der Erwartungen</a:t>
+            </a:r>
+            <a:endParaRPr lang="de-AT" sz="2000" dirty="0"/>
+          </a:p>
+        </p:txBody>
+      </p:sp>
+      <p:sp>
+        <p:nvSpPr>
+          <p:cNvPr id="8" name="Textfeld 7">
+            <a:extLst>
+              <a:ext uri="{FF2B5EF4-FFF2-40B4-BE49-F238E27FC236}">
+                <a16:creationId xmlns:a16="http://schemas.microsoft.com/office/drawing/2014/main" id="{FF367764-4259-D761-D298-5DE0DDD2497F}"/>
+              </a:ext>
+            </a:extLst>
+          </p:cNvPr>
+          <p:cNvSpPr txBox="1"/>
+          <p:nvPr/>
+        </p:nvSpPr>
+        <p:spPr>
+          <a:xfrm>
+            <a:off x="7577328" y="2209721"/>
+            <a:ext cx="3776472" cy="707886"/>
+          </a:xfrm>
+          <a:prstGeom prst="rect">
+            <a:avLst/>
+          </a:prstGeom>
+          <a:noFill/>
+        </p:spPr>
+        <p:txBody>
+          <a:bodyPr wrap="square" rtlCol="0">
+            <a:spAutoFit/>
+          </a:bodyPr>
+          <a:lstStyle/>
+          <a:p>
+            <a:pPr algn="ctr"/>
+            <a:r>
+              <a:rPr lang="de-DE" sz="2000" dirty="0"/>
+              <a:t>Vermeidung von Umfangserweiterung</a:t>
+            </a:r>
+            <a:endParaRPr lang="de-AT" sz="2000" dirty="0"/>
+          </a:p>
+        </p:txBody>
+      </p:sp>
+      <p:pic>
+        <p:nvPicPr>
+          <p:cNvPr id="10" name="Grafik 9">
+            <a:extLst>
+              <a:ext uri="{FF2B5EF4-FFF2-40B4-BE49-F238E27FC236}">
+                <a16:creationId xmlns:a16="http://schemas.microsoft.com/office/drawing/2014/main" id="{C96E24D6-1727-5A33-AD39-BD7236929484}"/>
+              </a:ext>
+            </a:extLst>
+          </p:cNvPr>
+          <p:cNvPicPr>
+            <a:picLocks noChangeAspect="1"/>
+          </p:cNvPicPr>
+          <p:nvPr/>
+        </p:nvPicPr>
+        <p:blipFill>
+          <a:blip r:embed="rId2"/>
+          <a:stretch>
+            <a:fillRect/>
+          </a:stretch>
+        </p:blipFill>
+        <p:spPr>
+          <a:xfrm>
+            <a:off x="1755648" y="3164865"/>
+            <a:ext cx="1941576" cy="1941576"/>
+          </a:xfrm>
+          <a:prstGeom prst="rect">
+            <a:avLst/>
+          </a:prstGeom>
+        </p:spPr>
+      </p:pic>
+      <p:pic>
+        <p:nvPicPr>
+          <p:cNvPr id="12" name="Grafik 11">
+            <a:extLst>
+              <a:ext uri="{FF2B5EF4-FFF2-40B4-BE49-F238E27FC236}">
+                <a16:creationId xmlns:a16="http://schemas.microsoft.com/office/drawing/2014/main" id="{D480C41E-9D44-510D-DE8C-28E34C880AAE}"/>
+              </a:ext>
+            </a:extLst>
+          </p:cNvPr>
+          <p:cNvPicPr>
+            <a:picLocks noChangeAspect="1"/>
+          </p:cNvPicPr>
+          <p:nvPr/>
+        </p:nvPicPr>
+        <p:blipFill>
+          <a:blip r:embed="rId3"/>
+          <a:stretch>
+            <a:fillRect/>
+          </a:stretch>
+        </p:blipFill>
+        <p:spPr>
+          <a:xfrm>
+            <a:off x="5125212" y="3164865"/>
+            <a:ext cx="1941576" cy="1941576"/>
+          </a:xfrm>
+          <a:prstGeom prst="rect">
+            <a:avLst/>
+          </a:prstGeom>
+        </p:spPr>
+      </p:pic>
+      <p:pic>
+        <p:nvPicPr>
+          <p:cNvPr id="14" name="Grafik 13">
+            <a:extLst>
+              <a:ext uri="{FF2B5EF4-FFF2-40B4-BE49-F238E27FC236}">
+                <a16:creationId xmlns:a16="http://schemas.microsoft.com/office/drawing/2014/main" id="{FC78DBF2-6CCE-4A40-7964-1C3B761D33F1}"/>
+              </a:ext>
+            </a:extLst>
+          </p:cNvPr>
+          <p:cNvPicPr>
+            <a:picLocks noChangeAspect="1"/>
+          </p:cNvPicPr>
+          <p:nvPr/>
+        </p:nvPicPr>
+        <p:blipFill>
+          <a:blip r:embed="rId4"/>
+          <a:stretch>
+            <a:fillRect/>
+          </a:stretch>
+        </p:blipFill>
+        <p:spPr>
+          <a:xfrm>
+            <a:off x="8494776" y="3164865"/>
+            <a:ext cx="1941576" cy="1941576"/>
+          </a:xfrm>
+          <a:prstGeom prst="rect">
+            <a:avLst/>
+          </a:prstGeom>
+        </p:spPr>
+      </p:pic>
+    </p:spTree>
+    <p:extLst>
+      <p:ext uri="{BB962C8B-B14F-4D97-AF65-F5344CB8AC3E}">
+        <p14:creationId xmlns:p14="http://schemas.microsoft.com/office/powerpoint/2010/main" val="3768644693"/>
+      </p:ext>
+    </p:extLst>
+  </p:cSld>
+  <p:clrMapOvr>
+    <a:masterClrMapping/>
+  </p:clrMapOvr>
+</p:sld>
+</file>
+
+<file path=ppt/slides/slide19.xml><?xml version="1.0" encoding="utf-8"?>
+<p:sld xmlns:a="http://schemas.openxmlformats.org/drawingml/2006/main" xmlns:r="http://schemas.openxmlformats.org/officeDocument/2006/relationships" xmlns:p="http://schemas.openxmlformats.org/presentationml/2006/main">
+  <p:cSld>
+    <p:bg>
+      <p:bgPr>
+        <a:solidFill>
+          <a:schemeClr val="bg1"/>
+        </a:solidFill>
+        <a:effectLst/>
+      </p:bgPr>
+    </p:bg>
+    <p:spTree>
+      <p:nvGrpSpPr>
+        <p:cNvPr id="1" name=""/>
+        <p:cNvGrpSpPr/>
+        <p:nvPr/>
+      </p:nvGrpSpPr>
+      <p:grpSpPr>
+        <a:xfrm>
+          <a:off x="0" y="0"/>
+          <a:ext cx="0" cy="0"/>
+          <a:chOff x="0" y="0"/>
+          <a:chExt cx="0" cy="0"/>
+        </a:xfrm>
+      </p:grpSpPr>
+      <p:sp useBgFill="1">
+        <p:nvSpPr>
+          <p:cNvPr id="5136" name="Rectangle 5135">
+            <a:extLst>
+              <a:ext uri="{FF2B5EF4-FFF2-40B4-BE49-F238E27FC236}">
+                <a16:creationId xmlns:a16="http://schemas.microsoft.com/office/drawing/2014/main" id="{FFCDD23B-75C8-427B-BD08-53C8156CD7CD}"/>
+              </a:ext>
+              <a:ext uri="{C183D7F6-B498-43B3-948B-1728B52AA6E4}">
+                <adec:decorative xmlns:adec="http://schemas.microsoft.com/office/drawing/2017/decorative" val="1"/>
+              </a:ext>
+            </a:extLst>
+          </p:cNvPr>
+          <p:cNvSpPr>
+            <a:spLocks noGrp="1" noRot="1" noChangeAspect="1" noMove="1" noResize="1" noEditPoints="1" noAdjustHandles="1" noChangeArrowheads="1" noChangeShapeType="1" noTextEdit="1"/>
+          </p:cNvSpPr>
+          <p:nvPr>
+            <p:extLst>
+              <p:ext uri="{386F3935-93C4-4BCD-93E2-E3B085C9AB24}">
+                <p16:designElem xmlns:p16="http://schemas.microsoft.com/office/powerpoint/2015/main" val="1"/>
+              </p:ext>
+            </p:extLst>
+          </p:nvPr>
+        </p:nvSpPr>
+        <p:spPr>
+          <a:xfrm>
+            <a:off x="-2" y="0"/>
+            <a:ext cx="12192000" cy="6858000"/>
+          </a:xfrm>
+          <a:prstGeom prst="rect">
+            <a:avLst/>
+          </a:prstGeom>
+          <a:ln w="12700" cap="flat" cmpd="sng" algn="ctr">
+            <a:noFill/>
+            <a:prstDash val="solid"/>
+            <a:miter lim="800000"/>
+          </a:ln>
+          <a:effectLst/>
+          <a:extLst>
+            <a:ext uri="{91240B29-F687-4F45-9708-019B960494DF}">
+              <a14:hiddenLine xmlns:a14="http://schemas.microsoft.com/office/drawing/2010/main" w="12700" cap="flat" cmpd="sng" algn="ctr">
+                <a:solidFill>
+                  <a:schemeClr val="accent1">
+                    <a:shade val="50000"/>
+                  </a:schemeClr>
+                </a:solidFill>
+                <a:prstDash val="solid"/>
+                <a:miter lim="800000"/>
+              </a14:hiddenLine>
+            </a:ext>
+          </a:extLst>
+        </p:spPr>
+        <p:style>
+          <a:lnRef idx="2">
+            <a:schemeClr val="accent1">
+              <a:shade val="50000"/>
+            </a:schemeClr>
+          </a:lnRef>
+          <a:fillRef idx="1">
+            <a:schemeClr val="accent1"/>
+          </a:fillRef>
+          <a:effectRef idx="0">
+            <a:schemeClr val="accent1"/>
+          </a:effectRef>
+          <a:fontRef idx="minor">
+            <a:schemeClr val="lt1"/>
+          </a:fontRef>
+        </p:style>
+        <p:txBody>
+          <a:bodyPr rtlCol="0" anchor="ctr"/>
+          <a:lstStyle/>
+          <a:p>
+            <a:pPr algn="ctr"/>
+            <a:endParaRPr lang="en-US"/>
+          </a:p>
+        </p:txBody>
+      </p:sp>
+      <p:pic>
+        <p:nvPicPr>
+          <p:cNvPr id="5122" name="Picture 2" descr="Vielen dank für eure aufmerksamkeit -Fotos und -Bildmaterial in hoher  Auflösung – Alamy">
+            <a:extLst>
+              <a:ext uri="{FF2B5EF4-FFF2-40B4-BE49-F238E27FC236}">
+                <a16:creationId xmlns:a16="http://schemas.microsoft.com/office/drawing/2014/main" id="{1539A5E9-3318-6B83-0CA0-DD1E7A5E48B9}"/>
+              </a:ext>
+            </a:extLst>
+          </p:cNvPr>
+          <p:cNvPicPr>
+            <a:picLocks noChangeAspect="1" noChangeArrowheads="1"/>
+          </p:cNvPicPr>
+          <p:nvPr/>
+        </p:nvPicPr>
+        <p:blipFill>
+          <a:blip r:embed="rId2">
+            <a:extLst>
+              <a:ext uri="{28A0092B-C50C-407E-A947-70E740481C1C}">
+                <a14:useLocalDpi xmlns:a14="http://schemas.microsoft.com/office/drawing/2010/main" val="0"/>
+              </a:ext>
+            </a:extLst>
+          </a:blip>
+          <a:srcRect t="3873" r="-1" b="15766"/>
+          <a:stretch/>
+        </p:blipFill>
+        <p:spPr bwMode="auto">
+          <a:xfrm>
+            <a:off x="-1" y="190"/>
+            <a:ext cx="8128855" cy="5291194"/>
+          </a:xfrm>
+          <a:prstGeom prst="rect">
+            <a:avLst/>
+          </a:prstGeom>
+          <a:noFill/>
+          <a:extLst>
+            <a:ext uri="{909E8E84-426E-40DD-AFC4-6F175D3DCCD1}">
+              <a14:hiddenFill xmlns:a14="http://schemas.microsoft.com/office/drawing/2010/main">
+                <a:solidFill>
+                  <a:srgbClr val="FFFFFF"/>
+                </a:solidFill>
+              </a14:hiddenFill>
+            </a:ext>
+          </a:extLst>
+        </p:spPr>
+      </p:pic>
+      <p:sp>
+        <p:nvSpPr>
+          <p:cNvPr id="5138" name="Rectangle 5137">
+            <a:extLst>
+              <a:ext uri="{FF2B5EF4-FFF2-40B4-BE49-F238E27FC236}">
+                <a16:creationId xmlns:a16="http://schemas.microsoft.com/office/drawing/2014/main" id="{AFFC87AC-C919-4FE5-BAC3-39509E001152}"/>
+              </a:ext>
+              <a:ext uri="{C183D7F6-B498-43B3-948B-1728B52AA6E4}">
+                <adec:decorative xmlns:adec="http://schemas.microsoft.com/office/drawing/2017/decorative" val="1"/>
+              </a:ext>
+            </a:extLst>
+          </p:cNvPr>
+          <p:cNvSpPr>
+            <a:spLocks noGrp="1" noRot="1" noChangeAspect="1" noMove="1" noResize="1" noEditPoints="1" noAdjustHandles="1" noChangeArrowheads="1" noChangeShapeType="1" noTextEdit="1"/>
+          </p:cNvSpPr>
+          <p:nvPr>
+            <p:extLst>
+              <p:ext uri="{386F3935-93C4-4BCD-93E2-E3B085C9AB24}">
+                <p16:designElem xmlns:p16="http://schemas.microsoft.com/office/powerpoint/2015/main" val="1"/>
+              </p:ext>
+            </p:extLst>
+          </p:nvPr>
+        </p:nvSpPr>
+        <p:spPr>
+          <a:xfrm flipH="1">
+            <a:off x="-264" y="5282206"/>
+            <a:ext cx="12192264" cy="1163844"/>
+          </a:xfrm>
+          <a:prstGeom prst="rect">
+            <a:avLst/>
+          </a:prstGeom>
+          <a:gradFill>
+            <a:gsLst>
+              <a:gs pos="28000">
+                <a:schemeClr val="accent1">
+                  <a:lumMod val="75000"/>
+                  <a:alpha val="11000"/>
+                </a:schemeClr>
+              </a:gs>
+              <a:gs pos="100000">
+                <a:srgbClr val="000000">
+                  <a:alpha val="77000"/>
+                </a:srgbClr>
+              </a:gs>
+            </a:gsLst>
+            <a:lin ang="12600000" scaled="0"/>
+          </a:gradFill>
+          <a:ln>
+            <a:noFill/>
+          </a:ln>
+        </p:spPr>
+        <p:style>
+          <a:lnRef idx="2">
+            <a:schemeClr val="accent1">
+              <a:shade val="50000"/>
+            </a:schemeClr>
+          </a:lnRef>
+          <a:fillRef idx="1">
+            <a:schemeClr val="accent1"/>
+          </a:fillRef>
+          <a:effectRef idx="0">
+            <a:schemeClr val="accent1"/>
+          </a:effectRef>
+          <a:fontRef idx="minor">
+            <a:schemeClr val="lt1"/>
+          </a:fontRef>
+        </p:style>
+        <p:txBody>
+          <a:bodyPr rtlCol="0" anchor="ctr"/>
+          <a:lstStyle/>
+          <a:p>
+            <a:pPr algn="ctr"/>
+            <a:endParaRPr lang="en-US" dirty="0"/>
+          </a:p>
+        </p:txBody>
+      </p:sp>
+      <p:sp>
+        <p:nvSpPr>
+          <p:cNvPr id="5140" name="Rectangle 5139">
+            <a:extLst>
+              <a:ext uri="{FF2B5EF4-FFF2-40B4-BE49-F238E27FC236}">
+                <a16:creationId xmlns:a16="http://schemas.microsoft.com/office/drawing/2014/main" id="{AB5E08C4-8CDD-4623-A5B8-E998C6DEE3B7}"/>
+              </a:ext>
+              <a:ext uri="{C183D7F6-B498-43B3-948B-1728B52AA6E4}">
+                <adec:decorative xmlns:adec="http://schemas.microsoft.com/office/drawing/2017/decorative" val="1"/>
+              </a:ext>
+            </a:extLst>
+          </p:cNvPr>
+          <p:cNvSpPr>
+            <a:spLocks noGrp="1" noRot="1" noChangeAspect="1" noMove="1" noResize="1" noEditPoints="1" noAdjustHandles="1" noChangeArrowheads="1" noChangeShapeType="1" noTextEdit="1"/>
+          </p:cNvSpPr>
+          <p:nvPr>
+            <p:extLst>
+              <p:ext uri="{386F3935-93C4-4BCD-93E2-E3B085C9AB24}">
+                <p16:designElem xmlns:p16="http://schemas.microsoft.com/office/powerpoint/2015/main" val="1"/>
+              </p:ext>
+            </p:extLst>
+          </p:nvPr>
+        </p:nvSpPr>
+        <p:spPr>
+          <a:xfrm flipH="1">
+            <a:off x="2" y="5282206"/>
+            <a:ext cx="12191998" cy="1586485"/>
+          </a:xfrm>
+          <a:prstGeom prst="rect">
+            <a:avLst/>
+          </a:prstGeom>
+          <a:gradFill>
+            <a:gsLst>
+              <a:gs pos="0">
+                <a:srgbClr val="000000">
+                  <a:alpha val="96000"/>
+                </a:srgbClr>
+              </a:gs>
+              <a:gs pos="100000">
+                <a:schemeClr val="accent1"/>
+              </a:gs>
+            </a:gsLst>
+            <a:lin ang="8400000" scaled="0"/>
+          </a:gradFill>
+          <a:ln>
+            <a:noFill/>
+          </a:ln>
+        </p:spPr>
+        <p:style>
+          <a:lnRef idx="2">
+            <a:schemeClr val="accent1">
+              <a:shade val="50000"/>
+            </a:schemeClr>
+          </a:lnRef>
+          <a:fillRef idx="1">
+            <a:schemeClr val="accent1"/>
+          </a:fillRef>
+          <a:effectRef idx="0">
+            <a:schemeClr val="accent1"/>
+          </a:effectRef>
+          <a:fontRef idx="minor">
+            <a:schemeClr val="lt1"/>
+          </a:fontRef>
+        </p:style>
+        <p:txBody>
+          <a:bodyPr rtlCol="0" anchor="ctr"/>
+          <a:lstStyle/>
+          <a:p>
+            <a:pPr algn="ctr"/>
+            <a:endParaRPr lang="en-US"/>
+          </a:p>
+        </p:txBody>
+      </p:sp>
+      <p:sp>
+        <p:nvSpPr>
+          <p:cNvPr id="2" name="Titel 1">
+            <a:extLst>
+              <a:ext uri="{FF2B5EF4-FFF2-40B4-BE49-F238E27FC236}">
+                <a16:creationId xmlns:a16="http://schemas.microsoft.com/office/drawing/2014/main" id="{60993971-D976-35BC-95C2-636643BEE66D}"/>
+              </a:ext>
+            </a:extLst>
+          </p:cNvPr>
+          <p:cNvSpPr>
+            <a:spLocks noGrp="1"/>
+          </p:cNvSpPr>
+          <p:nvPr>
+            <p:ph type="ctrTitle"/>
+          </p:nvPr>
+        </p:nvSpPr>
+        <p:spPr>
+          <a:xfrm>
+            <a:off x="699715" y="5635366"/>
+            <a:ext cx="7091299" cy="898581"/>
+          </a:xfrm>
+        </p:spPr>
+        <p:txBody>
+          <a:bodyPr vert="horz" lIns="91440" tIns="45720" rIns="91440" bIns="45720" rtlCol="0" anchor="ctr">
+            <a:normAutofit fontScale="90000"/>
+          </a:bodyPr>
+          <a:lstStyle/>
+          <a:p>
+            <a:pPr algn="l"/>
+            <a:r>
+              <a:rPr lang="en-US" sz="3400">
+                <a:solidFill>
+                  <a:srgbClr val="FFFFFF"/>
+                </a:solidFill>
+              </a:rPr>
+              <a:t>Vielen Dank für eure Aufmerksamkeit!</a:t>
+            </a:r>
+          </a:p>
+        </p:txBody>
+      </p:sp>
+      <p:sp>
+        <p:nvSpPr>
+          <p:cNvPr id="5142" name="Rectangle 5141">
+            <a:extLst>
+              <a:ext uri="{FF2B5EF4-FFF2-40B4-BE49-F238E27FC236}">
+                <a16:creationId xmlns:a16="http://schemas.microsoft.com/office/drawing/2014/main" id="{15F33878-D502-4FFA-8ACE-F2AECDB2A23F}"/>
+              </a:ext>
+              <a:ext uri="{C183D7F6-B498-43B3-948B-1728B52AA6E4}">
+                <adec:decorative xmlns:adec="http://schemas.microsoft.com/office/drawing/2017/decorative" val="1"/>
+              </a:ext>
+            </a:extLst>
+          </p:cNvPr>
+          <p:cNvSpPr>
+            <a:spLocks noGrp="1" noRot="1" noChangeAspect="1" noMove="1" noResize="1" noEditPoints="1" noAdjustHandles="1" noChangeArrowheads="1" noChangeShapeType="1" noTextEdit="1"/>
+          </p:cNvSpPr>
+          <p:nvPr>
+            <p:extLst>
+              <p:ext uri="{386F3935-93C4-4BCD-93E2-E3B085C9AB24}">
+                <p16:designElem xmlns:p16="http://schemas.microsoft.com/office/powerpoint/2015/main" val="1"/>
+              </p:ext>
+            </p:extLst>
+          </p:nvPr>
+        </p:nvSpPr>
+        <p:spPr>
+          <a:xfrm rot="10800000" flipH="1">
+            <a:off x="8128857" y="5282206"/>
+            <a:ext cx="4063143" cy="1576412"/>
+          </a:xfrm>
+          <a:prstGeom prst="rect">
+            <a:avLst/>
+          </a:prstGeom>
+          <a:gradFill>
+            <a:gsLst>
+              <a:gs pos="19000">
+                <a:schemeClr val="accent1">
+                  <a:lumMod val="50000"/>
+                  <a:alpha val="68000"/>
+                </a:schemeClr>
+              </a:gs>
+              <a:gs pos="100000">
+                <a:schemeClr val="accent1">
+                  <a:alpha val="79000"/>
+                </a:schemeClr>
+              </a:gs>
+            </a:gsLst>
+            <a:lin ang="19200000" scaled="0"/>
+          </a:gradFill>
+          <a:ln>
+            <a:noFill/>
+          </a:ln>
+        </p:spPr>
+        <p:style>
+          <a:lnRef idx="2">
+            <a:schemeClr val="accent1">
+              <a:shade val="50000"/>
+            </a:schemeClr>
+          </a:lnRef>
+          <a:fillRef idx="1">
+            <a:schemeClr val="accent1"/>
+          </a:fillRef>
+          <a:effectRef idx="0">
+            <a:schemeClr val="accent1"/>
+          </a:effectRef>
+          <a:fontRef idx="minor">
+            <a:schemeClr val="lt1"/>
+          </a:fontRef>
+        </p:style>
+        <p:txBody>
+          <a:bodyPr rtlCol="0" anchor="ctr"/>
+          <a:lstStyle/>
+          <a:p>
+            <a:pPr algn="ctr"/>
+            <a:endParaRPr lang="en-US"/>
+          </a:p>
+        </p:txBody>
+      </p:sp>
+      <p:pic>
+        <p:nvPicPr>
+          <p:cNvPr id="5124" name="Picture 4" descr="Poster, Print Portrait of a Sleazy Businessman Showing Contract, 40x33.9 cm">
+            <a:extLst>
+              <a:ext uri="{FF2B5EF4-FFF2-40B4-BE49-F238E27FC236}">
+                <a16:creationId xmlns:a16="http://schemas.microsoft.com/office/drawing/2014/main" id="{56ECA197-22ED-7560-10CD-E0A689A33AB5}"/>
+              </a:ext>
+            </a:extLst>
+          </p:cNvPr>
+          <p:cNvPicPr>
+            <a:picLocks noChangeAspect="1" noChangeArrowheads="1"/>
+          </p:cNvPicPr>
+          <p:nvPr/>
+        </p:nvPicPr>
+        <p:blipFill>
+          <a:blip r:embed="rId3">
+            <a:extLst>
+              <a:ext uri="{28A0092B-C50C-407E-A947-70E740481C1C}">
+                <a14:useLocalDpi xmlns:a14="http://schemas.microsoft.com/office/drawing/2010/main" val="0"/>
+              </a:ext>
+            </a:extLst>
+          </a:blip>
+          <a:srcRect l="21211" r="13712" b="1"/>
+          <a:stretch/>
+        </p:blipFill>
+        <p:spPr bwMode="auto">
+          <a:xfrm>
+            <a:off x="8128856" y="1"/>
+            <a:ext cx="4063143" cy="5291384"/>
+          </a:xfrm>
+          <a:prstGeom prst="rect">
+            <a:avLst/>
+          </a:prstGeom>
+          <a:noFill/>
+          <a:extLst>
+            <a:ext uri="{909E8E84-426E-40DD-AFC4-6F175D3DCCD1}">
+              <a14:hiddenFill xmlns:a14="http://schemas.microsoft.com/office/drawing/2010/main">
+                <a:solidFill>
+                  <a:srgbClr val="FFFFFF"/>
+                </a:solidFill>
+              </a14:hiddenFill>
+            </a:ext>
+          </a:extLst>
+        </p:spPr>
+      </p:pic>
+    </p:spTree>
+    <p:extLst>
+      <p:ext uri="{BB962C8B-B14F-4D97-AF65-F5344CB8AC3E}">
+        <p14:creationId xmlns:p14="http://schemas.microsoft.com/office/powerpoint/2010/main" val="2936329153"/>
+      </p:ext>
+    </p:extLst>
+  </p:cSld>
+  <p:clrMapOvr>
+    <a:masterClrMapping/>
+  </p:clrMapOvr>
+  <p:timing>
+    <p:tnLst>
+      <p:par>
+        <p:cTn id="1" dur="indefinite" restart="never" nodeType="tmRoot">
+          <p:childTnLst>
+            <p:seq concurrent="1" nextAc="seek">
+              <p:cTn id="2" dur="indefinite" nodeType="mainSeq">
+                <p:childTnLst>
+                  <p:par>
+                    <p:cTn id="3" fill="hold">
+                      <p:stCondLst>
+                        <p:cond delay="indefinite"/>
+                        <p:cond evt="onBegin" delay="0">
+                          <p:tn val="2"/>
+                        </p:cond>
+                      </p:stCondLst>
+                      <p:childTnLst>
+                        <p:par>
+                          <p:cTn id="4" fill="hold">
+                            <p:stCondLst>
+                              <p:cond delay="0"/>
+                            </p:stCondLst>
+                            <p:childTnLst>
+                              <p:par>
+                                <p:cTn id="5" presetID="10" presetClass="entr" presetSubtype="0" fill="hold" grpId="0" nodeType="withEffect">
+                                  <p:stCondLst>
+                                    <p:cond delay="1000"/>
+                                  </p:stCondLst>
+                                  <p:iterate type="lt">
+                                    <p:tmPct val="10000"/>
+                                  </p:iterate>
+                                  <p:childTnLst>
+                                    <p:set>
+                                      <p:cBhvr>
+                                        <p:cTn id="6" dur="1" fill="hold">
+                                          <p:stCondLst>
+                                            <p:cond delay="0"/>
+                                          </p:stCondLst>
+                                        </p:cTn>
+                                        <p:tgtEl>
+                                          <p:spTgt spid="2"/>
+                                        </p:tgtEl>
+                                        <p:attrNameLst>
+                                          <p:attrName>style.visibility</p:attrName>
+                                        </p:attrNameLst>
+                                      </p:cBhvr>
+                                      <p:to>
+                                        <p:strVal val="visible"/>
+                                      </p:to>
+                                    </p:set>
+                                    <p:animEffect transition="in" filter="fade">
+                                      <p:cBhvr>
+                                        <p:cTn id="7" dur="400"/>
+                                        <p:tgtEl>
+                                          <p:spTgt spid="2"/>
+                                        </p:tgtEl>
+                                      </p:cBhvr>
+                                    </p:animEffect>
+                                  </p:childTnLst>
+                                </p:cTn>
+                              </p:par>
+                            </p:childTnLst>
+                          </p:cTn>
+                        </p:par>
+                      </p:childTnLst>
+                    </p:cTn>
+                  </p:par>
+                </p:childTnLst>
+              </p:cTn>
+              <p:prevCondLst>
+                <p:cond evt="onPrev" delay="0">
+                  <p:tgtEl>
+                    <p:sldTgt/>
+                  </p:tgtEl>
+                </p:cond>
+              </p:prevCondLst>
+              <p:nextCondLst>
+                <p:cond evt="onNext" delay="0">
+                  <p:tgtEl>
+                    <p:sldTgt/>
+                  </p:tgtEl>
+                </p:cond>
+              </p:nextCondLst>
+            </p:seq>
+          </p:childTnLst>
+        </p:cTn>
+      </p:par>
+    </p:tnLst>
+    <p:bldLst>
+      <p:bldP spid="2" grpId="0"/>
+    </p:bldLst>
+  </p:timing>
 </p:sld>
 </file>
 
@@ -4000,10 +8400,10 @@
       </p:sp>
       <p:sp>
         <p:nvSpPr>
-          <p:cNvPr id="3" name="Textfeld 2">
-            <a:extLst>
-              <a:ext uri="{FF2B5EF4-FFF2-40B4-BE49-F238E27FC236}">
-                <a16:creationId xmlns:a16="http://schemas.microsoft.com/office/drawing/2014/main" id="{F82AD36F-24C9-98F6-52F3-1F8D27E935CC}"/>
+          <p:cNvPr id="4" name="Textfeld 3">
+            <a:extLst>
+              <a:ext uri="{FF2B5EF4-FFF2-40B4-BE49-F238E27FC236}">
+                <a16:creationId xmlns:a16="http://schemas.microsoft.com/office/drawing/2014/main" id="{211FEB65-3A8C-573C-9FA1-209471774B67}"/>
               </a:ext>
             </a:extLst>
           </p:cNvPr>
@@ -4012,8 +8412,8 @@
         </p:nvSpPr>
         <p:spPr>
           <a:xfrm>
-            <a:off x="914400" y="2245360"/>
-            <a:ext cx="3901440" cy="3416320"/>
+            <a:off x="838200" y="1948177"/>
+            <a:ext cx="8886371" cy="3700308"/>
           </a:xfrm>
           <a:prstGeom prst="rect">
             <a:avLst/>
@@ -4026,146 +8426,103 @@
           </a:bodyPr>
           <a:lstStyle/>
           <a:p>
-            <a:pPr marL="285750" indent="-285750">
-              <a:buFont typeface="Arial" panose="020B0604020202020204" pitchFamily="34" charset="0"/>
-              <a:buChar char="•"/>
+            <a:pPr marL="742950" indent="-742950">
+              <a:lnSpc>
+                <a:spcPct val="150000"/>
+              </a:lnSpc>
+              <a:buFont typeface="+mj-lt"/>
+              <a:buAutoNum type="arabicPeriod"/>
             </a:pPr>
             <a:r>
-              <a:rPr lang="de-DE" dirty="0" err="1"/>
-              <a:t>Nigga</a:t>
-            </a:r>
-            <a:endParaRPr lang="de-DE" dirty="0"/>
-          </a:p>
-          <a:p>
-            <a:pPr marL="285750" indent="-285750">
-              <a:buFont typeface="Arial" panose="020B0604020202020204" pitchFamily="34" charset="0"/>
-              <a:buChar char="•"/>
+              <a:rPr lang="de-DE" sz="3200" dirty="0"/>
+              <a:t>Projektidee</a:t>
+            </a:r>
+          </a:p>
+          <a:p>
+            <a:pPr marL="742950" indent="-742950">
+              <a:lnSpc>
+                <a:spcPct val="150000"/>
+              </a:lnSpc>
+              <a:buFont typeface="+mj-lt"/>
+              <a:buAutoNum type="arabicPeriod"/>
             </a:pPr>
             <a:r>
-              <a:rPr lang="de-DE" dirty="0" err="1"/>
-              <a:t>Nigga</a:t>
-            </a:r>
-            <a:endParaRPr lang="de-DE" dirty="0"/>
-          </a:p>
-          <a:p>
-            <a:pPr marL="285750" indent="-285750">
-              <a:buFont typeface="Arial" panose="020B0604020202020204" pitchFamily="34" charset="0"/>
-              <a:buChar char="•"/>
+              <a:rPr lang="de-DE" sz="3200" dirty="0"/>
+              <a:t>Projektantrag</a:t>
+            </a:r>
+          </a:p>
+          <a:p>
+            <a:pPr marL="742950" indent="-742950">
+              <a:lnSpc>
+                <a:spcPct val="150000"/>
+              </a:lnSpc>
+              <a:buFont typeface="+mj-lt"/>
+              <a:buAutoNum type="arabicPeriod"/>
             </a:pPr>
             <a:r>
-              <a:rPr lang="de-DE" dirty="0" err="1"/>
-              <a:t>Nigga</a:t>
-            </a:r>
-            <a:endParaRPr lang="de-DE" dirty="0"/>
-          </a:p>
-          <a:p>
-            <a:pPr marL="285750" indent="-285750">
-              <a:buFont typeface="Arial" panose="020B0604020202020204" pitchFamily="34" charset="0"/>
-              <a:buChar char="•"/>
+              <a:rPr lang="de-DE" sz="3200" dirty="0"/>
+              <a:t>Machbarkeitsstudie</a:t>
+            </a:r>
+          </a:p>
+          <a:p>
+            <a:pPr marL="742950" indent="-742950">
+              <a:lnSpc>
+                <a:spcPct val="150000"/>
+              </a:lnSpc>
+              <a:buFont typeface="+mj-lt"/>
+              <a:buAutoNum type="arabicPeriod"/>
             </a:pPr>
             <a:r>
-              <a:rPr lang="de-DE" dirty="0" err="1"/>
-              <a:t>Nigga</a:t>
-            </a:r>
-            <a:endParaRPr lang="de-DE" dirty="0"/>
-          </a:p>
-          <a:p>
-            <a:pPr marL="285750" indent="-285750">
-              <a:buFont typeface="Arial" panose="020B0604020202020204" pitchFamily="34" charset="0"/>
-              <a:buChar char="•"/>
+              <a:rPr lang="de-DE" sz="3200" dirty="0"/>
+              <a:t>Meilensteine</a:t>
+            </a:r>
+          </a:p>
+          <a:p>
+            <a:pPr marL="742950" indent="-742950">
+              <a:lnSpc>
+                <a:spcPct val="150000"/>
+              </a:lnSpc>
+              <a:buFont typeface="+mj-lt"/>
+              <a:buAutoNum type="arabicPeriod"/>
             </a:pPr>
             <a:r>
-              <a:rPr lang="de-DE" dirty="0" err="1"/>
-              <a:t>Nigga</a:t>
-            </a:r>
-            <a:endParaRPr lang="de-DE" dirty="0"/>
-          </a:p>
-          <a:p>
-            <a:pPr marL="285750" indent="-285750">
-              <a:buFont typeface="Arial" panose="020B0604020202020204" pitchFamily="34" charset="0"/>
-              <a:buChar char="•"/>
-            </a:pPr>
-            <a:r>
-              <a:rPr lang="de-DE" dirty="0"/>
-              <a:t>Im 100% </a:t>
-            </a:r>
-            <a:r>
-              <a:rPr lang="de-DE" dirty="0" err="1"/>
-              <a:t>Nigga</a:t>
-            </a:r>
-            <a:endParaRPr lang="de-DE" dirty="0"/>
-          </a:p>
-          <a:p>
-            <a:pPr marL="285750" indent="-285750">
-              <a:buFont typeface="Arial" panose="020B0604020202020204" pitchFamily="34" charset="0"/>
-              <a:buChar char="•"/>
-            </a:pPr>
-            <a:r>
-              <a:rPr lang="de-DE" dirty="0" err="1"/>
-              <a:t>Nigga</a:t>
-            </a:r>
-            <a:endParaRPr lang="de-DE" dirty="0"/>
-          </a:p>
-          <a:p>
-            <a:pPr marL="285750" indent="-285750">
-              <a:buFont typeface="Arial" panose="020B0604020202020204" pitchFamily="34" charset="0"/>
-              <a:buChar char="•"/>
-            </a:pPr>
-            <a:r>
-              <a:rPr lang="de-DE" dirty="0" err="1"/>
-              <a:t>Nigga</a:t>
-            </a:r>
-            <a:endParaRPr lang="de-DE" dirty="0"/>
-          </a:p>
-          <a:p>
-            <a:pPr marL="285750" indent="-285750">
-              <a:buFont typeface="Arial" panose="020B0604020202020204" pitchFamily="34" charset="0"/>
-              <a:buChar char="•"/>
-            </a:pPr>
-            <a:r>
-              <a:rPr lang="de-DE" dirty="0" err="1"/>
-              <a:t>Nigga</a:t>
-            </a:r>
-            <a:endParaRPr lang="de-DE" dirty="0"/>
-          </a:p>
-          <a:p>
-            <a:pPr marL="285750" indent="-285750">
-              <a:buFont typeface="Arial" panose="020B0604020202020204" pitchFamily="34" charset="0"/>
-              <a:buChar char="•"/>
-            </a:pPr>
-            <a:r>
-              <a:rPr lang="de-DE" dirty="0" err="1"/>
-              <a:t>Nigga</a:t>
-            </a:r>
-            <a:endParaRPr lang="de-DE" dirty="0"/>
-          </a:p>
-          <a:p>
-            <a:pPr marL="285750" indent="-285750">
-              <a:buFont typeface="Arial" panose="020B0604020202020204" pitchFamily="34" charset="0"/>
-              <a:buChar char="•"/>
-            </a:pPr>
-            <a:r>
-              <a:rPr lang="de-DE" dirty="0" err="1"/>
-              <a:t>Nigga</a:t>
-            </a:r>
-            <a:endParaRPr lang="de-DE" dirty="0"/>
-          </a:p>
-          <a:p>
-            <a:pPr marL="285750" indent="-285750">
-              <a:buFont typeface="Arial" panose="020B0604020202020204" pitchFamily="34" charset="0"/>
-              <a:buChar char="•"/>
-            </a:pPr>
-            <a:r>
-              <a:rPr lang="en-GB" dirty="0" err="1"/>
-              <a:t>Im</a:t>
-            </a:r>
-            <a:r>
-              <a:rPr lang="en-GB" dirty="0"/>
-              <a:t> 200% Nigga</a:t>
-            </a:r>
-          </a:p>
-        </p:txBody>
-      </p:sp>
+              <a:rPr lang="de-DE" sz="3200" dirty="0"/>
+              <a:t>Projektauftrag</a:t>
+            </a:r>
+            <a:endParaRPr lang="de-AT" sz="3200" dirty="0"/>
+          </a:p>
+        </p:txBody>
+      </p:sp>
+      <p:pic>
+        <p:nvPicPr>
+          <p:cNvPr id="6" name="Grafik 5">
+            <a:extLst>
+              <a:ext uri="{FF2B5EF4-FFF2-40B4-BE49-F238E27FC236}">
+                <a16:creationId xmlns:a16="http://schemas.microsoft.com/office/drawing/2014/main" id="{B0AE11C7-0A82-61DB-1C7C-E7DD642DC528}"/>
+              </a:ext>
+            </a:extLst>
+          </p:cNvPr>
+          <p:cNvPicPr>
+            <a:picLocks noChangeAspect="1"/>
+          </p:cNvPicPr>
+          <p:nvPr/>
+        </p:nvPicPr>
+        <p:blipFill>
+          <a:blip r:embed="rId2"/>
+          <a:stretch>
+            <a:fillRect/>
+          </a:stretch>
+        </p:blipFill>
+        <p:spPr>
+          <a:xfrm>
+            <a:off x="6982618" y="1755615"/>
+            <a:ext cx="4085431" cy="4085431"/>
+          </a:xfrm>
+          <a:prstGeom prst="rect">
+            <a:avLst/>
+          </a:prstGeom>
+        </p:spPr>
+      </p:pic>
     </p:spTree>
     <p:extLst>
       <p:ext uri="{BB962C8B-B14F-4D97-AF65-F5344CB8AC3E}">
@@ -4179,7 +8536,1909 @@
 </p:sld>
 </file>
 
+<file path=ppt/slides/slide3.xml><?xml version="1.0" encoding="utf-8"?>
+<p:sld xmlns:a="http://schemas.openxmlformats.org/drawingml/2006/main" xmlns:r="http://schemas.openxmlformats.org/officeDocument/2006/relationships" xmlns:p="http://schemas.openxmlformats.org/presentationml/2006/main">
+  <p:cSld>
+    <p:spTree>
+      <p:nvGrpSpPr>
+        <p:cNvPr id="1" name="">
+          <a:extLst>
+            <a:ext uri="{FF2B5EF4-FFF2-40B4-BE49-F238E27FC236}">
+              <a16:creationId xmlns:a16="http://schemas.microsoft.com/office/drawing/2014/main" id="{D2A962FE-2C44-1B65-EB4A-4F50B6E37EC8}"/>
+            </a:ext>
+          </a:extLst>
+        </p:cNvPr>
+        <p:cNvGrpSpPr/>
+        <p:nvPr/>
+      </p:nvGrpSpPr>
+      <p:grpSpPr>
+        <a:xfrm>
+          <a:off x="0" y="0"/>
+          <a:ext cx="0" cy="0"/>
+          <a:chOff x="0" y="0"/>
+          <a:chExt cx="0" cy="0"/>
+        </a:xfrm>
+      </p:grpSpPr>
+      <p:sp>
+        <p:nvSpPr>
+          <p:cNvPr id="2" name="Titel 1">
+            <a:extLst>
+              <a:ext uri="{FF2B5EF4-FFF2-40B4-BE49-F238E27FC236}">
+                <a16:creationId xmlns:a16="http://schemas.microsoft.com/office/drawing/2014/main" id="{178877A3-47E5-96A6-C8C4-B5259DDAAFBC}"/>
+              </a:ext>
+            </a:extLst>
+          </p:cNvPr>
+          <p:cNvSpPr>
+            <a:spLocks noGrp="1"/>
+          </p:cNvSpPr>
+          <p:nvPr>
+            <p:ph type="ctrTitle"/>
+          </p:nvPr>
+        </p:nvSpPr>
+        <p:spPr>
+          <a:xfrm>
+            <a:off x="1524000" y="2941638"/>
+            <a:ext cx="9144000" cy="2387600"/>
+          </a:xfrm>
+        </p:spPr>
+        <p:txBody>
+          <a:bodyPr/>
+          <a:lstStyle/>
+          <a:p>
+            <a:r>
+              <a:rPr lang="de-DE" dirty="0"/>
+              <a:t>Projektidee</a:t>
+            </a:r>
+            <a:endParaRPr lang="de-AT" dirty="0"/>
+          </a:p>
+        </p:txBody>
+      </p:sp>
+      <p:pic>
+        <p:nvPicPr>
+          <p:cNvPr id="4" name="Grafik 3">
+            <a:extLst>
+              <a:ext uri="{FF2B5EF4-FFF2-40B4-BE49-F238E27FC236}">
+                <a16:creationId xmlns:a16="http://schemas.microsoft.com/office/drawing/2014/main" id="{78DAF272-1DDF-2050-094F-7B086A56954D}"/>
+              </a:ext>
+            </a:extLst>
+          </p:cNvPr>
+          <p:cNvPicPr>
+            <a:picLocks noChangeAspect="1"/>
+          </p:cNvPicPr>
+          <p:nvPr/>
+        </p:nvPicPr>
+        <p:blipFill>
+          <a:blip r:embed="rId3"/>
+          <a:stretch>
+            <a:fillRect/>
+          </a:stretch>
+        </p:blipFill>
+        <p:spPr>
+          <a:xfrm>
+            <a:off x="4610100" y="742950"/>
+            <a:ext cx="2971800" cy="2971800"/>
+          </a:xfrm>
+          <a:prstGeom prst="rect">
+            <a:avLst/>
+          </a:prstGeom>
+        </p:spPr>
+      </p:pic>
+    </p:spTree>
+    <p:extLst>
+      <p:ext uri="{BB962C8B-B14F-4D97-AF65-F5344CB8AC3E}">
+        <p14:creationId xmlns:p14="http://schemas.microsoft.com/office/powerpoint/2010/main" val="2791688016"/>
+      </p:ext>
+    </p:extLst>
+  </p:cSld>
+  <p:clrMapOvr>
+    <a:masterClrMapping/>
+  </p:clrMapOvr>
+</p:sld>
+</file>
+
+<file path=ppt/slides/slide4.xml><?xml version="1.0" encoding="utf-8"?>
+<p:sld xmlns:a="http://schemas.openxmlformats.org/drawingml/2006/main" xmlns:r="http://schemas.openxmlformats.org/officeDocument/2006/relationships" xmlns:p="http://schemas.openxmlformats.org/presentationml/2006/main">
+  <p:cSld>
+    <p:spTree>
+      <p:nvGrpSpPr>
+        <p:cNvPr id="1" name=""/>
+        <p:cNvGrpSpPr/>
+        <p:nvPr/>
+      </p:nvGrpSpPr>
+      <p:grpSpPr>
+        <a:xfrm>
+          <a:off x="0" y="0"/>
+          <a:ext cx="0" cy="0"/>
+          <a:chOff x="0" y="0"/>
+          <a:chExt cx="0" cy="0"/>
+        </a:xfrm>
+      </p:grpSpPr>
+      <p:sp>
+        <p:nvSpPr>
+          <p:cNvPr id="2" name="Titel 1">
+            <a:extLst>
+              <a:ext uri="{FF2B5EF4-FFF2-40B4-BE49-F238E27FC236}">
+                <a16:creationId xmlns:a16="http://schemas.microsoft.com/office/drawing/2014/main" id="{56ED7327-DC3E-4116-C78D-64FA5312DDC3}"/>
+              </a:ext>
+            </a:extLst>
+          </p:cNvPr>
+          <p:cNvSpPr>
+            <a:spLocks noGrp="1"/>
+          </p:cNvSpPr>
+          <p:nvPr>
+            <p:ph type="title"/>
+          </p:nvPr>
+        </p:nvSpPr>
+        <p:spPr/>
+        <p:txBody>
+          <a:bodyPr/>
+          <a:lstStyle/>
+          <a:p>
+            <a:r>
+              <a:rPr lang="de-DE" dirty="0"/>
+              <a:t>Wie entsteht eine Projektidee?</a:t>
+            </a:r>
+            <a:endParaRPr lang="de-AT" dirty="0"/>
+          </a:p>
+        </p:txBody>
+      </p:sp>
+      <p:sp>
+        <p:nvSpPr>
+          <p:cNvPr id="6" name="Textfeld 5">
+            <a:extLst>
+              <a:ext uri="{FF2B5EF4-FFF2-40B4-BE49-F238E27FC236}">
+                <a16:creationId xmlns:a16="http://schemas.microsoft.com/office/drawing/2014/main" id="{13A66881-3AD4-C2B7-B92B-2B2360409EC9}"/>
+              </a:ext>
+            </a:extLst>
+          </p:cNvPr>
+          <p:cNvSpPr txBox="1"/>
+          <p:nvPr/>
+        </p:nvSpPr>
+        <p:spPr>
+          <a:xfrm>
+            <a:off x="1204686" y="2134962"/>
+            <a:ext cx="3991429" cy="523220"/>
+          </a:xfrm>
+          <a:prstGeom prst="rect">
+            <a:avLst/>
+          </a:prstGeom>
+          <a:noFill/>
+        </p:spPr>
+        <p:txBody>
+          <a:bodyPr wrap="square" rtlCol="0">
+            <a:spAutoFit/>
+          </a:bodyPr>
+          <a:lstStyle/>
+          <a:p>
+            <a:pPr algn="ctr"/>
+            <a:r>
+              <a:rPr lang="de-DE" sz="2800" dirty="0"/>
+              <a:t>Marktanforderungen</a:t>
+            </a:r>
+            <a:endParaRPr lang="de-AT" sz="2800" dirty="0"/>
+          </a:p>
+        </p:txBody>
+      </p:sp>
+      <p:sp>
+        <p:nvSpPr>
+          <p:cNvPr id="7" name="Textfeld 6">
+            <a:extLst>
+              <a:ext uri="{FF2B5EF4-FFF2-40B4-BE49-F238E27FC236}">
+                <a16:creationId xmlns:a16="http://schemas.microsoft.com/office/drawing/2014/main" id="{7F3C3CEE-513A-8E93-F066-F5ECBA50515D}"/>
+              </a:ext>
+            </a:extLst>
+          </p:cNvPr>
+          <p:cNvSpPr txBox="1"/>
+          <p:nvPr/>
+        </p:nvSpPr>
+        <p:spPr>
+          <a:xfrm>
+            <a:off x="6814458" y="2134962"/>
+            <a:ext cx="3991429" cy="523220"/>
+          </a:xfrm>
+          <a:prstGeom prst="rect">
+            <a:avLst/>
+          </a:prstGeom>
+          <a:noFill/>
+        </p:spPr>
+        <p:txBody>
+          <a:bodyPr wrap="square" rtlCol="0">
+            <a:spAutoFit/>
+          </a:bodyPr>
+          <a:lstStyle/>
+          <a:p>
+            <a:pPr algn="ctr"/>
+            <a:r>
+              <a:rPr lang="de-DE" sz="2800" dirty="0"/>
+              <a:t>Kundenwünsche</a:t>
+            </a:r>
+            <a:endParaRPr lang="de-AT" sz="2800" dirty="0"/>
+          </a:p>
+        </p:txBody>
+      </p:sp>
+      <p:sp>
+        <p:nvSpPr>
+          <p:cNvPr id="8" name="Textfeld 7">
+            <a:extLst>
+              <a:ext uri="{FF2B5EF4-FFF2-40B4-BE49-F238E27FC236}">
+                <a16:creationId xmlns:a16="http://schemas.microsoft.com/office/drawing/2014/main" id="{5D9E341A-E857-DF0D-748B-74F8D8C86A36}"/>
+              </a:ext>
+            </a:extLst>
+          </p:cNvPr>
+          <p:cNvSpPr txBox="1"/>
+          <p:nvPr/>
+        </p:nvSpPr>
+        <p:spPr>
+          <a:xfrm>
+            <a:off x="2809875" y="5018971"/>
+            <a:ext cx="6572250" cy="646331"/>
+          </a:xfrm>
+          <a:prstGeom prst="rect">
+            <a:avLst/>
+          </a:prstGeom>
+          <a:noFill/>
+        </p:spPr>
+        <p:txBody>
+          <a:bodyPr wrap="square" rtlCol="0">
+            <a:spAutoFit/>
+          </a:bodyPr>
+          <a:lstStyle/>
+          <a:p>
+            <a:pPr algn="ctr"/>
+            <a:r>
+              <a:rPr lang="de-DE" sz="3600" dirty="0"/>
+              <a:t>Kreativitätsmethoden</a:t>
+            </a:r>
+            <a:endParaRPr lang="de-AT" sz="3600" dirty="0"/>
+          </a:p>
+        </p:txBody>
+      </p:sp>
+      <p:sp>
+        <p:nvSpPr>
+          <p:cNvPr id="12" name="Pfeil: nach rechts 11">
+            <a:extLst>
+              <a:ext uri="{FF2B5EF4-FFF2-40B4-BE49-F238E27FC236}">
+                <a16:creationId xmlns:a16="http://schemas.microsoft.com/office/drawing/2014/main" id="{E0DE290E-1F88-6E55-BC42-CEA88828A55F}"/>
+              </a:ext>
+            </a:extLst>
+          </p:cNvPr>
+          <p:cNvSpPr/>
+          <p:nvPr/>
+        </p:nvSpPr>
+        <p:spPr>
+          <a:xfrm rot="13485727">
+            <a:off x="3079478" y="3449575"/>
+            <a:ext cx="2285439" cy="461665"/>
+          </a:xfrm>
+          <a:prstGeom prst="rightArrow">
+            <a:avLst/>
+          </a:prstGeom>
+          <a:solidFill>
+            <a:schemeClr val="accent2"/>
+          </a:solidFill>
+          <a:ln>
+            <a:noFill/>
+          </a:ln>
+          <a:effectLst/>
+        </p:spPr>
+        <p:style>
+          <a:lnRef idx="0">
+            <a:scrgbClr r="0" g="0" b="0"/>
+          </a:lnRef>
+          <a:fillRef idx="0">
+            <a:scrgbClr r="0" g="0" b="0"/>
+          </a:fillRef>
+          <a:effectRef idx="0">
+            <a:scrgbClr r="0" g="0" b="0"/>
+          </a:effectRef>
+          <a:fontRef idx="minor">
+            <a:schemeClr val="lt1"/>
+          </a:fontRef>
+        </p:style>
+        <p:txBody>
+          <a:bodyPr rtlCol="0" anchor="ctr"/>
+          <a:lstStyle/>
+          <a:p>
+            <a:pPr algn="ctr"/>
+            <a:endParaRPr lang="en-GB" b="1">
+              <a:ln w="22225">
+                <a:solidFill>
+                  <a:schemeClr val="accent2"/>
+                </a:solidFill>
+                <a:prstDash val="solid"/>
+              </a:ln>
+              <a:solidFill>
+                <a:schemeClr val="accent2">
+                  <a:lumMod val="40000"/>
+                  <a:lumOff val="60000"/>
+                </a:schemeClr>
+              </a:solidFill>
+            </a:endParaRPr>
+          </a:p>
+        </p:txBody>
+      </p:sp>
+      <p:sp>
+        <p:nvSpPr>
+          <p:cNvPr id="13" name="Pfeil: nach rechts 12">
+            <a:extLst>
+              <a:ext uri="{FF2B5EF4-FFF2-40B4-BE49-F238E27FC236}">
+                <a16:creationId xmlns:a16="http://schemas.microsoft.com/office/drawing/2014/main" id="{6405E48B-6A0E-A89B-3DB5-70CBC39A2221}"/>
+              </a:ext>
+            </a:extLst>
+          </p:cNvPr>
+          <p:cNvSpPr/>
+          <p:nvPr/>
+        </p:nvSpPr>
+        <p:spPr>
+          <a:xfrm rot="18836586">
+            <a:off x="6816443" y="3456722"/>
+            <a:ext cx="2225554" cy="461665"/>
+          </a:xfrm>
+          <a:prstGeom prst="rightArrow">
+            <a:avLst/>
+          </a:prstGeom>
+          <a:solidFill>
+            <a:schemeClr val="accent2"/>
+          </a:solidFill>
+          <a:ln>
+            <a:noFill/>
+          </a:ln>
+          <a:effectLst/>
+        </p:spPr>
+        <p:style>
+          <a:lnRef idx="0">
+            <a:scrgbClr r="0" g="0" b="0"/>
+          </a:lnRef>
+          <a:fillRef idx="0">
+            <a:scrgbClr r="0" g="0" b="0"/>
+          </a:fillRef>
+          <a:effectRef idx="0">
+            <a:scrgbClr r="0" g="0" b="0"/>
+          </a:effectRef>
+          <a:fontRef idx="minor">
+            <a:schemeClr val="lt1"/>
+          </a:fontRef>
+        </p:style>
+        <p:txBody>
+          <a:bodyPr rtlCol="0" anchor="ctr"/>
+          <a:lstStyle/>
+          <a:p>
+            <a:pPr algn="ctr"/>
+            <a:endParaRPr lang="en-GB" b="1">
+              <a:ln w="22225">
+                <a:solidFill>
+                  <a:schemeClr val="accent2"/>
+                </a:solidFill>
+                <a:prstDash val="solid"/>
+              </a:ln>
+              <a:solidFill>
+                <a:schemeClr val="accent2">
+                  <a:lumMod val="40000"/>
+                  <a:lumOff val="60000"/>
+                </a:schemeClr>
+              </a:solidFill>
+            </a:endParaRPr>
+          </a:p>
+        </p:txBody>
+      </p:sp>
+    </p:spTree>
+    <p:extLst>
+      <p:ext uri="{BB962C8B-B14F-4D97-AF65-F5344CB8AC3E}">
+        <p14:creationId xmlns:p14="http://schemas.microsoft.com/office/powerpoint/2010/main" val="3095031251"/>
+      </p:ext>
+    </p:extLst>
+  </p:cSld>
+  <p:clrMapOvr>
+    <a:masterClrMapping/>
+  </p:clrMapOvr>
+</p:sld>
+</file>
+
+<file path=ppt/slides/slide5.xml><?xml version="1.0" encoding="utf-8"?>
+<p:sld xmlns:a="http://schemas.openxmlformats.org/drawingml/2006/main" xmlns:r="http://schemas.openxmlformats.org/officeDocument/2006/relationships" xmlns:p="http://schemas.openxmlformats.org/presentationml/2006/main">
+  <p:cSld>
+    <p:spTree>
+      <p:nvGrpSpPr>
+        <p:cNvPr id="1" name=""/>
+        <p:cNvGrpSpPr/>
+        <p:nvPr/>
+      </p:nvGrpSpPr>
+      <p:grpSpPr>
+        <a:xfrm>
+          <a:off x="0" y="0"/>
+          <a:ext cx="0" cy="0"/>
+          <a:chOff x="0" y="0"/>
+          <a:chExt cx="0" cy="0"/>
+        </a:xfrm>
+      </p:grpSpPr>
+      <p:sp>
+        <p:nvSpPr>
+          <p:cNvPr id="2" name="Titel 1">
+            <a:extLst>
+              <a:ext uri="{FF2B5EF4-FFF2-40B4-BE49-F238E27FC236}">
+                <a16:creationId xmlns:a16="http://schemas.microsoft.com/office/drawing/2014/main" id="{E93FF43A-76B2-6816-40E7-408D4924D269}"/>
+              </a:ext>
+            </a:extLst>
+          </p:cNvPr>
+          <p:cNvSpPr>
+            <a:spLocks noGrp="1"/>
+          </p:cNvSpPr>
+          <p:nvPr>
+            <p:ph type="title"/>
+          </p:nvPr>
+        </p:nvSpPr>
+        <p:spPr/>
+        <p:txBody>
+          <a:bodyPr/>
+          <a:lstStyle/>
+          <a:p>
+            <a:r>
+              <a:rPr lang="de-DE" dirty="0"/>
+              <a:t>Kreativitätsmethoden</a:t>
+            </a:r>
+            <a:endParaRPr lang="de-AT" dirty="0"/>
+          </a:p>
+        </p:txBody>
+      </p:sp>
+      <p:sp>
+        <p:nvSpPr>
+          <p:cNvPr id="4" name="Textfeld 3">
+            <a:extLst>
+              <a:ext uri="{FF2B5EF4-FFF2-40B4-BE49-F238E27FC236}">
+                <a16:creationId xmlns:a16="http://schemas.microsoft.com/office/drawing/2014/main" id="{2335918D-C975-7746-BE73-E42C7FC45152}"/>
+              </a:ext>
+            </a:extLst>
+          </p:cNvPr>
+          <p:cNvSpPr txBox="1"/>
+          <p:nvPr/>
+        </p:nvSpPr>
+        <p:spPr>
+          <a:xfrm>
+            <a:off x="838200" y="1690688"/>
+            <a:ext cx="3095625" cy="461665"/>
+          </a:xfrm>
+          <a:prstGeom prst="rect">
+            <a:avLst/>
+          </a:prstGeom>
+          <a:noFill/>
+        </p:spPr>
+        <p:txBody>
+          <a:bodyPr wrap="square" rtlCol="0">
+            <a:spAutoFit/>
+          </a:bodyPr>
+          <a:lstStyle/>
+          <a:p>
+            <a:pPr algn="ctr"/>
+            <a:r>
+              <a:rPr lang="de-DE" sz="2400" dirty="0"/>
+              <a:t>Brainstorming</a:t>
+            </a:r>
+            <a:endParaRPr lang="de-AT" sz="2400" dirty="0"/>
+          </a:p>
+        </p:txBody>
+      </p:sp>
+      <p:sp>
+        <p:nvSpPr>
+          <p:cNvPr id="5" name="Textfeld 4">
+            <a:extLst>
+              <a:ext uri="{FF2B5EF4-FFF2-40B4-BE49-F238E27FC236}">
+                <a16:creationId xmlns:a16="http://schemas.microsoft.com/office/drawing/2014/main" id="{D5016C8D-1EA0-E47D-C175-8C895CA13607}"/>
+              </a:ext>
+            </a:extLst>
+          </p:cNvPr>
+          <p:cNvSpPr txBox="1"/>
+          <p:nvPr/>
+        </p:nvSpPr>
+        <p:spPr>
+          <a:xfrm>
+            <a:off x="4548187" y="1690687"/>
+            <a:ext cx="3095625" cy="461665"/>
+          </a:xfrm>
+          <a:prstGeom prst="rect">
+            <a:avLst/>
+          </a:prstGeom>
+          <a:noFill/>
+        </p:spPr>
+        <p:txBody>
+          <a:bodyPr wrap="square" rtlCol="0">
+            <a:spAutoFit/>
+          </a:bodyPr>
+          <a:lstStyle/>
+          <a:p>
+            <a:pPr algn="ctr"/>
+            <a:r>
+              <a:rPr lang="de-DE" sz="2400" dirty="0"/>
+              <a:t>Mindmapping</a:t>
+            </a:r>
+            <a:endParaRPr lang="de-AT" sz="2400" dirty="0"/>
+          </a:p>
+        </p:txBody>
+      </p:sp>
+      <p:sp>
+        <p:nvSpPr>
+          <p:cNvPr id="6" name="Textfeld 5">
+            <a:extLst>
+              <a:ext uri="{FF2B5EF4-FFF2-40B4-BE49-F238E27FC236}">
+                <a16:creationId xmlns:a16="http://schemas.microsoft.com/office/drawing/2014/main" id="{883C1DF9-884F-7662-00E2-92A29B8B7E31}"/>
+              </a:ext>
+            </a:extLst>
+          </p:cNvPr>
+          <p:cNvSpPr txBox="1"/>
+          <p:nvPr/>
+        </p:nvSpPr>
+        <p:spPr>
+          <a:xfrm>
+            <a:off x="8258174" y="1690687"/>
+            <a:ext cx="3095625" cy="830997"/>
+          </a:xfrm>
+          <a:prstGeom prst="rect">
+            <a:avLst/>
+          </a:prstGeom>
+          <a:noFill/>
+        </p:spPr>
+        <p:txBody>
+          <a:bodyPr wrap="square" rtlCol="0">
+            <a:spAutoFit/>
+          </a:bodyPr>
+          <a:lstStyle/>
+          <a:p>
+            <a:pPr algn="ctr"/>
+            <a:r>
+              <a:rPr lang="de-DE" sz="2400" dirty="0"/>
+              <a:t>Methode 6-3-5</a:t>
+            </a:r>
+          </a:p>
+          <a:p>
+            <a:pPr algn="ctr"/>
+            <a:r>
+              <a:rPr lang="de-DE" sz="2400" dirty="0"/>
+              <a:t>(Brainwriting)</a:t>
+            </a:r>
+            <a:endParaRPr lang="de-AT" sz="2400" dirty="0"/>
+          </a:p>
+        </p:txBody>
+      </p:sp>
+      <p:pic>
+        <p:nvPicPr>
+          <p:cNvPr id="1028" name="Picture 4" descr="Brainstorming - Kostenlose geschäft-Icons">
+            <a:extLst>
+              <a:ext uri="{FF2B5EF4-FFF2-40B4-BE49-F238E27FC236}">
+                <a16:creationId xmlns:a16="http://schemas.microsoft.com/office/drawing/2014/main" id="{9CB7D40E-7411-9A00-8D07-EADB4FCDB23B}"/>
+              </a:ext>
+            </a:extLst>
+          </p:cNvPr>
+          <p:cNvPicPr>
+            <a:picLocks noChangeAspect="1" noChangeArrowheads="1"/>
+          </p:cNvPicPr>
+          <p:nvPr/>
+        </p:nvPicPr>
+        <p:blipFill>
+          <a:blip r:embed="rId2">
+            <a:extLst>
+              <a:ext uri="{28A0092B-C50C-407E-A947-70E740481C1C}">
+                <a14:useLocalDpi xmlns:a14="http://schemas.microsoft.com/office/drawing/2010/main" val="0"/>
+              </a:ext>
+            </a:extLst>
+          </a:blip>
+          <a:srcRect/>
+          <a:stretch>
+            <a:fillRect/>
+          </a:stretch>
+        </p:blipFill>
+        <p:spPr bwMode="auto">
+          <a:xfrm>
+            <a:off x="1066650" y="2790527"/>
+            <a:ext cx="2638723" cy="2638723"/>
+          </a:xfrm>
+          <a:prstGeom prst="rect">
+            <a:avLst/>
+          </a:prstGeom>
+          <a:noFill/>
+          <a:extLst>
+            <a:ext uri="{909E8E84-426E-40DD-AFC4-6F175D3DCCD1}">
+              <a14:hiddenFill xmlns:a14="http://schemas.microsoft.com/office/drawing/2010/main">
+                <a:solidFill>
+                  <a:srgbClr val="FFFFFF"/>
+                </a:solidFill>
+              </a14:hiddenFill>
+            </a:ext>
+          </a:extLst>
+        </p:spPr>
+      </p:pic>
+      <p:pic>
+        <p:nvPicPr>
+          <p:cNvPr id="1030" name="Picture 6" descr="Tabellen – SELFHTML-Wiki">
+            <a:extLst>
+              <a:ext uri="{FF2B5EF4-FFF2-40B4-BE49-F238E27FC236}">
+                <a16:creationId xmlns:a16="http://schemas.microsoft.com/office/drawing/2014/main" id="{560B517A-A4A6-28DA-F910-E234C3AB3411}"/>
+              </a:ext>
+            </a:extLst>
+          </p:cNvPr>
+          <p:cNvPicPr>
+            <a:picLocks noChangeAspect="1" noChangeArrowheads="1"/>
+          </p:cNvPicPr>
+          <p:nvPr/>
+        </p:nvPicPr>
+        <p:blipFill>
+          <a:blip r:embed="rId3">
+            <a:extLst>
+              <a:ext uri="{28A0092B-C50C-407E-A947-70E740481C1C}">
+                <a14:useLocalDpi xmlns:a14="http://schemas.microsoft.com/office/drawing/2010/main" val="0"/>
+              </a:ext>
+            </a:extLst>
+          </a:blip>
+          <a:srcRect/>
+          <a:stretch>
+            <a:fillRect/>
+          </a:stretch>
+        </p:blipFill>
+        <p:spPr bwMode="auto">
+          <a:xfrm>
+            <a:off x="8611684" y="3040647"/>
+            <a:ext cx="2388603" cy="2388603"/>
+          </a:xfrm>
+          <a:prstGeom prst="rect">
+            <a:avLst/>
+          </a:prstGeom>
+          <a:noFill/>
+          <a:extLst>
+            <a:ext uri="{909E8E84-426E-40DD-AFC4-6F175D3DCCD1}">
+              <a14:hiddenFill xmlns:a14="http://schemas.microsoft.com/office/drawing/2010/main">
+                <a:solidFill>
+                  <a:srgbClr val="FFFFFF"/>
+                </a:solidFill>
+              </a14:hiddenFill>
+            </a:ext>
+          </a:extLst>
+        </p:spPr>
+      </p:pic>
+      <p:sp>
+        <p:nvSpPr>
+          <p:cNvPr id="7" name="AutoShape 10">
+            <a:extLst>
+              <a:ext uri="{FF2B5EF4-FFF2-40B4-BE49-F238E27FC236}">
+                <a16:creationId xmlns:a16="http://schemas.microsoft.com/office/drawing/2014/main" id="{750D6FB1-9E77-FE07-74E7-EF9B9120BCE8}"/>
+              </a:ext>
+            </a:extLst>
+          </p:cNvPr>
+          <p:cNvSpPr>
+            <a:spLocks noChangeAspect="1" noChangeArrowheads="1"/>
+          </p:cNvSpPr>
+          <p:nvPr/>
+        </p:nvSpPr>
+        <p:spPr bwMode="auto">
+          <a:xfrm>
+            <a:off x="5943600" y="3276600"/>
+            <a:ext cx="304800" cy="304800"/>
+          </a:xfrm>
+          <a:prstGeom prst="rect">
+            <a:avLst/>
+          </a:prstGeom>
+          <a:noFill/>
+          <a:extLst>
+            <a:ext uri="{909E8E84-426E-40DD-AFC4-6F175D3DCCD1}">
+              <a14:hiddenFill xmlns:a14="http://schemas.microsoft.com/office/drawing/2010/main">
+                <a:solidFill>
+                  <a:srgbClr val="FFFFFF"/>
+                </a:solidFill>
+              </a14:hiddenFill>
+            </a:ext>
+          </a:extLst>
+        </p:spPr>
+        <p:txBody>
+          <a:bodyPr vert="horz" wrap="square" lIns="91440" tIns="45720" rIns="91440" bIns="45720" numCol="1" anchor="t" anchorCtr="0" compatLnSpc="1">
+            <a:prstTxWarp prst="textNoShape">
+              <a:avLst/>
+            </a:prstTxWarp>
+          </a:bodyPr>
+          <a:lstStyle/>
+          <a:p>
+            <a:endParaRPr lang="de-AT"/>
+          </a:p>
+        </p:txBody>
+      </p:sp>
+      <p:pic>
+        <p:nvPicPr>
+          <p:cNvPr id="9" name="Grafik 8" descr="Ein Bild, das Screenshot, Grafiken, Design, Schrift enthält.&#10;&#10;KI-generierte Inhalte können fehlerhaft sein.">
+            <a:extLst>
+              <a:ext uri="{FF2B5EF4-FFF2-40B4-BE49-F238E27FC236}">
+                <a16:creationId xmlns:a16="http://schemas.microsoft.com/office/drawing/2014/main" id="{EC939914-A302-94FB-4A47-505DFB73C7C3}"/>
+              </a:ext>
+            </a:extLst>
+          </p:cNvPr>
+          <p:cNvPicPr>
+            <a:picLocks noChangeAspect="1"/>
+          </p:cNvPicPr>
+          <p:nvPr/>
+        </p:nvPicPr>
+        <p:blipFill>
+          <a:blip r:embed="rId4">
+            <a:extLst>
+              <a:ext uri="{28A0092B-C50C-407E-A947-70E740481C1C}">
+                <a14:useLocalDpi xmlns:a14="http://schemas.microsoft.com/office/drawing/2010/main" val="0"/>
+              </a:ext>
+            </a:extLst>
+          </a:blip>
+          <a:stretch>
+            <a:fillRect/>
+          </a:stretch>
+        </p:blipFill>
+        <p:spPr>
+          <a:xfrm>
+            <a:off x="4423290" y="2645807"/>
+            <a:ext cx="3345418" cy="3345418"/>
+          </a:xfrm>
+          <a:prstGeom prst="rect">
+            <a:avLst/>
+          </a:prstGeom>
+        </p:spPr>
+      </p:pic>
+    </p:spTree>
+    <p:extLst>
+      <p:ext uri="{BB962C8B-B14F-4D97-AF65-F5344CB8AC3E}">
+        <p14:creationId xmlns:p14="http://schemas.microsoft.com/office/powerpoint/2010/main" val="441122459"/>
+      </p:ext>
+    </p:extLst>
+  </p:cSld>
+  <p:clrMapOvr>
+    <a:masterClrMapping/>
+  </p:clrMapOvr>
+</p:sld>
+</file>
+
+<file path=ppt/slides/slide6.xml><?xml version="1.0" encoding="utf-8"?>
+<p:sld xmlns:a="http://schemas.openxmlformats.org/drawingml/2006/main" xmlns:r="http://schemas.openxmlformats.org/officeDocument/2006/relationships" xmlns:p="http://schemas.openxmlformats.org/presentationml/2006/main">
+  <p:cSld>
+    <p:spTree>
+      <p:nvGrpSpPr>
+        <p:cNvPr id="1" name=""/>
+        <p:cNvGrpSpPr/>
+        <p:nvPr/>
+      </p:nvGrpSpPr>
+      <p:grpSpPr>
+        <a:xfrm>
+          <a:off x="0" y="0"/>
+          <a:ext cx="0" cy="0"/>
+          <a:chOff x="0" y="0"/>
+          <a:chExt cx="0" cy="0"/>
+        </a:xfrm>
+      </p:grpSpPr>
+      <p:sp>
+        <p:nvSpPr>
+          <p:cNvPr id="2" name="Titel 1">
+            <a:extLst>
+              <a:ext uri="{FF2B5EF4-FFF2-40B4-BE49-F238E27FC236}">
+                <a16:creationId xmlns:a16="http://schemas.microsoft.com/office/drawing/2014/main" id="{DCE7CBCE-B122-1DD1-4A74-8B0E6621E448}"/>
+              </a:ext>
+            </a:extLst>
+          </p:cNvPr>
+          <p:cNvSpPr>
+            <a:spLocks noGrp="1"/>
+          </p:cNvSpPr>
+          <p:nvPr>
+            <p:ph type="title"/>
+          </p:nvPr>
+        </p:nvSpPr>
+        <p:spPr/>
+        <p:txBody>
+          <a:bodyPr/>
+          <a:lstStyle/>
+          <a:p>
+            <a:r>
+              <a:rPr lang="de-DE" dirty="0"/>
+              <a:t>Vorstudie</a:t>
+            </a:r>
+            <a:endParaRPr lang="de-AT" dirty="0"/>
+          </a:p>
+        </p:txBody>
+      </p:sp>
+      <p:sp>
+        <p:nvSpPr>
+          <p:cNvPr id="4" name="Textfeld 3">
+            <a:extLst>
+              <a:ext uri="{FF2B5EF4-FFF2-40B4-BE49-F238E27FC236}">
+                <a16:creationId xmlns:a16="http://schemas.microsoft.com/office/drawing/2014/main" id="{49C771F0-0641-CE5D-EA38-C7547391DCA1}"/>
+              </a:ext>
+            </a:extLst>
+          </p:cNvPr>
+          <p:cNvSpPr txBox="1"/>
+          <p:nvPr/>
+        </p:nvSpPr>
+        <p:spPr>
+          <a:xfrm>
+            <a:off x="838200" y="2050024"/>
+            <a:ext cx="10710672" cy="4524315"/>
+          </a:xfrm>
+          <a:prstGeom prst="rect">
+            <a:avLst/>
+          </a:prstGeom>
+          <a:noFill/>
+        </p:spPr>
+        <p:txBody>
+          <a:bodyPr wrap="square" rtlCol="0">
+            <a:spAutoFit/>
+          </a:bodyPr>
+          <a:lstStyle/>
+          <a:p>
+            <a:pPr marL="342900" indent="-342900">
+              <a:lnSpc>
+                <a:spcPct val="150000"/>
+              </a:lnSpc>
+              <a:buFont typeface="Arial" panose="020B0604020202020204" pitchFamily="34" charset="0"/>
+              <a:buChar char="•"/>
+            </a:pPr>
+            <a:r>
+              <a:rPr lang="de-DE" sz="2800" dirty="0"/>
+              <a:t>Handelt es sich Tatsächlich um ein „Projekt“</a:t>
+            </a:r>
+          </a:p>
+          <a:p>
+            <a:pPr marL="342900" indent="-342900">
+              <a:lnSpc>
+                <a:spcPct val="150000"/>
+              </a:lnSpc>
+              <a:buFont typeface="Arial" panose="020B0604020202020204" pitchFamily="34" charset="0"/>
+              <a:buChar char="•"/>
+            </a:pPr>
+            <a:r>
+              <a:rPr lang="de-DE" sz="2800" dirty="0"/>
+              <a:t>Wie gut lassen sich geplante Vorhaben umsetzen?</a:t>
+            </a:r>
+          </a:p>
+          <a:p>
+            <a:pPr marL="342900" indent="-342900">
+              <a:lnSpc>
+                <a:spcPct val="150000"/>
+              </a:lnSpc>
+              <a:buFont typeface="Arial" panose="020B0604020202020204" pitchFamily="34" charset="0"/>
+              <a:buChar char="•"/>
+            </a:pPr>
+            <a:r>
+              <a:rPr lang="de-DE" sz="2800" dirty="0"/>
+              <a:t>Welchen Aufwand wird das Projekt bedeuten?</a:t>
+            </a:r>
+          </a:p>
+          <a:p>
+            <a:pPr marL="342900" indent="-342900">
+              <a:lnSpc>
+                <a:spcPct val="150000"/>
+              </a:lnSpc>
+              <a:buFont typeface="Arial" panose="020B0604020202020204" pitchFamily="34" charset="0"/>
+              <a:buChar char="•"/>
+            </a:pPr>
+            <a:r>
+              <a:rPr lang="de-DE" sz="2800" dirty="0"/>
+              <a:t>Wer ist Beteiligt?</a:t>
+            </a:r>
+          </a:p>
+          <a:p>
+            <a:pPr marL="342900" indent="-342900">
+              <a:lnSpc>
+                <a:spcPct val="150000"/>
+              </a:lnSpc>
+              <a:buFont typeface="Arial" panose="020B0604020202020204" pitchFamily="34" charset="0"/>
+              <a:buChar char="•"/>
+            </a:pPr>
+            <a:r>
+              <a:rPr lang="de-DE" sz="2800" dirty="0"/>
+              <a:t>Welchen Beitrag hat das Projekt zur Gesamtstrategie?</a:t>
+            </a:r>
+          </a:p>
+          <a:p>
+            <a:endParaRPr lang="de-DE" dirty="0"/>
+          </a:p>
+          <a:p>
+            <a:endParaRPr lang="de-DE" dirty="0"/>
+          </a:p>
+        </p:txBody>
+      </p:sp>
+    </p:spTree>
+    <p:extLst>
+      <p:ext uri="{BB962C8B-B14F-4D97-AF65-F5344CB8AC3E}">
+        <p14:creationId xmlns:p14="http://schemas.microsoft.com/office/powerpoint/2010/main" val="1634961877"/>
+      </p:ext>
+    </p:extLst>
+  </p:cSld>
+  <p:clrMapOvr>
+    <a:masterClrMapping/>
+  </p:clrMapOvr>
+</p:sld>
+</file>
+
+<file path=ppt/slides/slide7.xml><?xml version="1.0" encoding="utf-8"?>
+<p:sld xmlns:a="http://schemas.openxmlformats.org/drawingml/2006/main" xmlns:r="http://schemas.openxmlformats.org/officeDocument/2006/relationships" xmlns:p="http://schemas.openxmlformats.org/presentationml/2006/main">
+  <p:cSld>
+    <p:spTree>
+      <p:nvGrpSpPr>
+        <p:cNvPr id="1" name="">
+          <a:extLst>
+            <a:ext uri="{FF2B5EF4-FFF2-40B4-BE49-F238E27FC236}">
+              <a16:creationId xmlns:a16="http://schemas.microsoft.com/office/drawing/2014/main" id="{A17F3F98-CED1-B23F-4146-C72AC33DAC72}"/>
+            </a:ext>
+          </a:extLst>
+        </p:cNvPr>
+        <p:cNvGrpSpPr/>
+        <p:nvPr/>
+      </p:nvGrpSpPr>
+      <p:grpSpPr>
+        <a:xfrm>
+          <a:off x="0" y="0"/>
+          <a:ext cx="0" cy="0"/>
+          <a:chOff x="0" y="0"/>
+          <a:chExt cx="0" cy="0"/>
+        </a:xfrm>
+      </p:grpSpPr>
+      <p:sp>
+        <p:nvSpPr>
+          <p:cNvPr id="2" name="Titel 1">
+            <a:extLst>
+              <a:ext uri="{FF2B5EF4-FFF2-40B4-BE49-F238E27FC236}">
+                <a16:creationId xmlns:a16="http://schemas.microsoft.com/office/drawing/2014/main" id="{968945FB-3E95-152C-A189-2268E13AB4B3}"/>
+              </a:ext>
+            </a:extLst>
+          </p:cNvPr>
+          <p:cNvSpPr>
+            <a:spLocks noGrp="1"/>
+          </p:cNvSpPr>
+          <p:nvPr>
+            <p:ph type="ctrTitle"/>
+          </p:nvPr>
+        </p:nvSpPr>
+        <p:spPr>
+          <a:xfrm>
+            <a:off x="1524000" y="2941638"/>
+            <a:ext cx="9144000" cy="2387600"/>
+          </a:xfrm>
+        </p:spPr>
+        <p:txBody>
+          <a:bodyPr/>
+          <a:lstStyle/>
+          <a:p>
+            <a:r>
+              <a:rPr lang="de-DE" dirty="0"/>
+              <a:t>Projektantrag</a:t>
+            </a:r>
+            <a:endParaRPr lang="de-AT" dirty="0"/>
+          </a:p>
+        </p:txBody>
+      </p:sp>
+      <p:pic>
+        <p:nvPicPr>
+          <p:cNvPr id="7" name="Grafik 6">
+            <a:extLst>
+              <a:ext uri="{FF2B5EF4-FFF2-40B4-BE49-F238E27FC236}">
+                <a16:creationId xmlns:a16="http://schemas.microsoft.com/office/drawing/2014/main" id="{C1667E1B-8F79-DB6D-8D90-5AD368F232E4}"/>
+              </a:ext>
+            </a:extLst>
+          </p:cNvPr>
+          <p:cNvPicPr>
+            <a:picLocks noChangeAspect="1"/>
+          </p:cNvPicPr>
+          <p:nvPr/>
+        </p:nvPicPr>
+        <p:blipFill>
+          <a:blip r:embed="rId3"/>
+          <a:stretch>
+            <a:fillRect/>
+          </a:stretch>
+        </p:blipFill>
+        <p:spPr>
+          <a:xfrm>
+            <a:off x="4757737" y="752475"/>
+            <a:ext cx="2676525" cy="2676525"/>
+          </a:xfrm>
+          <a:prstGeom prst="rect">
+            <a:avLst/>
+          </a:prstGeom>
+        </p:spPr>
+      </p:pic>
+    </p:spTree>
+    <p:extLst>
+      <p:ext uri="{BB962C8B-B14F-4D97-AF65-F5344CB8AC3E}">
+        <p14:creationId xmlns:p14="http://schemas.microsoft.com/office/powerpoint/2010/main" val="2714237219"/>
+      </p:ext>
+    </p:extLst>
+  </p:cSld>
+  <p:clrMapOvr>
+    <a:masterClrMapping/>
+  </p:clrMapOvr>
+</p:sld>
+</file>
+
+<file path=ppt/slides/slide8.xml><?xml version="1.0" encoding="utf-8"?>
+<p:sld xmlns:a="http://schemas.openxmlformats.org/drawingml/2006/main" xmlns:r="http://schemas.openxmlformats.org/officeDocument/2006/relationships" xmlns:p="http://schemas.openxmlformats.org/presentationml/2006/main">
+  <p:cSld>
+    <p:spTree>
+      <p:nvGrpSpPr>
+        <p:cNvPr id="1" name=""/>
+        <p:cNvGrpSpPr/>
+        <p:nvPr/>
+      </p:nvGrpSpPr>
+      <p:grpSpPr>
+        <a:xfrm>
+          <a:off x="0" y="0"/>
+          <a:ext cx="0" cy="0"/>
+          <a:chOff x="0" y="0"/>
+          <a:chExt cx="0" cy="0"/>
+        </a:xfrm>
+      </p:grpSpPr>
+      <p:sp>
+        <p:nvSpPr>
+          <p:cNvPr id="2" name="Titel 1">
+            <a:extLst>
+              <a:ext uri="{FF2B5EF4-FFF2-40B4-BE49-F238E27FC236}">
+                <a16:creationId xmlns:a16="http://schemas.microsoft.com/office/drawing/2014/main" id="{4157C79A-E3EA-33CE-4F04-1337A58476E8}"/>
+              </a:ext>
+            </a:extLst>
+          </p:cNvPr>
+          <p:cNvSpPr>
+            <a:spLocks noGrp="1"/>
+          </p:cNvSpPr>
+          <p:nvPr>
+            <p:ph type="title"/>
+          </p:nvPr>
+        </p:nvSpPr>
+        <p:spPr/>
+        <p:txBody>
+          <a:bodyPr/>
+          <a:lstStyle/>
+          <a:p>
+            <a:r>
+              <a:rPr lang="de-DE" dirty="0"/>
+              <a:t>Projektantrag</a:t>
+            </a:r>
+            <a:endParaRPr lang="de-AT" dirty="0"/>
+          </a:p>
+        </p:txBody>
+      </p:sp>
+      <p:sp>
+        <p:nvSpPr>
+          <p:cNvPr id="3" name="Inhaltsplatzhalter 2">
+            <a:extLst>
+              <a:ext uri="{FF2B5EF4-FFF2-40B4-BE49-F238E27FC236}">
+                <a16:creationId xmlns:a16="http://schemas.microsoft.com/office/drawing/2014/main" id="{3E3BE249-EB69-E5CD-49E4-3D755B404AF8}"/>
+              </a:ext>
+            </a:extLst>
+          </p:cNvPr>
+          <p:cNvSpPr>
+            <a:spLocks noGrp="1"/>
+          </p:cNvSpPr>
+          <p:nvPr>
+            <p:ph idx="1"/>
+          </p:nvPr>
+        </p:nvSpPr>
+        <p:spPr/>
+        <p:txBody>
+          <a:bodyPr/>
+          <a:lstStyle/>
+          <a:p>
+            <a:pPr marL="0" indent="0">
+              <a:buNone/>
+            </a:pPr>
+            <a:r>
+              <a:rPr lang="de-DE" dirty="0"/>
+              <a:t>Eine übersichtliche Darstellung eines Projekts, am besten auf </a:t>
+            </a:r>
+            <a:r>
+              <a:rPr lang="de-DE" u="sng" dirty="0"/>
+              <a:t>einer</a:t>
+            </a:r>
+            <a:r>
+              <a:rPr lang="de-DE" dirty="0"/>
+              <a:t> Seite.</a:t>
+            </a:r>
+            <a:endParaRPr lang="de-AT" dirty="0"/>
+          </a:p>
+        </p:txBody>
+      </p:sp>
+      <p:pic>
+        <p:nvPicPr>
+          <p:cNvPr id="3074" name="Picture 2" descr="So schreiben Sie einen Projektantrag [2024] • Asana">
+            <a:extLst>
+              <a:ext uri="{FF2B5EF4-FFF2-40B4-BE49-F238E27FC236}">
+                <a16:creationId xmlns:a16="http://schemas.microsoft.com/office/drawing/2014/main" id="{79212027-8D48-6104-DB8C-4372B16EB825}"/>
+              </a:ext>
+            </a:extLst>
+          </p:cNvPr>
+          <p:cNvPicPr>
+            <a:picLocks noChangeAspect="1" noChangeArrowheads="1"/>
+          </p:cNvPicPr>
+          <p:nvPr/>
+        </p:nvPicPr>
+        <p:blipFill>
+          <a:blip r:embed="rId2">
+            <a:extLst>
+              <a:ext uri="{28A0092B-C50C-407E-A947-70E740481C1C}">
+                <a14:useLocalDpi xmlns:a14="http://schemas.microsoft.com/office/drawing/2010/main" val="0"/>
+              </a:ext>
+            </a:extLst>
+          </a:blip>
+          <a:srcRect/>
+          <a:stretch>
+            <a:fillRect/>
+          </a:stretch>
+        </p:blipFill>
+        <p:spPr bwMode="auto">
+          <a:xfrm>
+            <a:off x="2574131" y="2856258"/>
+            <a:ext cx="7043738" cy="3188942"/>
+          </a:xfrm>
+          <a:custGeom>
+            <a:avLst/>
+            <a:gdLst>
+              <a:gd name="connsiteX0" fmla="*/ 0 w 7043738"/>
+              <a:gd name="connsiteY0" fmla="*/ 0 h 3188942"/>
+              <a:gd name="connsiteX1" fmla="*/ 446103 w 7043738"/>
+              <a:gd name="connsiteY1" fmla="*/ 0 h 3188942"/>
+              <a:gd name="connsiteX2" fmla="*/ 1033082 w 7043738"/>
+              <a:gd name="connsiteY2" fmla="*/ 0 h 3188942"/>
+              <a:gd name="connsiteX3" fmla="*/ 1479185 w 7043738"/>
+              <a:gd name="connsiteY3" fmla="*/ 0 h 3188942"/>
+              <a:gd name="connsiteX4" fmla="*/ 1854851 w 7043738"/>
+              <a:gd name="connsiteY4" fmla="*/ 0 h 3188942"/>
+              <a:gd name="connsiteX5" fmla="*/ 2441829 w 7043738"/>
+              <a:gd name="connsiteY5" fmla="*/ 0 h 3188942"/>
+              <a:gd name="connsiteX6" fmla="*/ 3099245 w 7043738"/>
+              <a:gd name="connsiteY6" fmla="*/ 0 h 3188942"/>
+              <a:gd name="connsiteX7" fmla="*/ 3756660 w 7043738"/>
+              <a:gd name="connsiteY7" fmla="*/ 0 h 3188942"/>
+              <a:gd name="connsiteX8" fmla="*/ 4343638 w 7043738"/>
+              <a:gd name="connsiteY8" fmla="*/ 0 h 3188942"/>
+              <a:gd name="connsiteX9" fmla="*/ 4860179 w 7043738"/>
+              <a:gd name="connsiteY9" fmla="*/ 0 h 3188942"/>
+              <a:gd name="connsiteX10" fmla="*/ 5235845 w 7043738"/>
+              <a:gd name="connsiteY10" fmla="*/ 0 h 3188942"/>
+              <a:gd name="connsiteX11" fmla="*/ 5681949 w 7043738"/>
+              <a:gd name="connsiteY11" fmla="*/ 0 h 3188942"/>
+              <a:gd name="connsiteX12" fmla="*/ 6198489 w 7043738"/>
+              <a:gd name="connsiteY12" fmla="*/ 0 h 3188942"/>
+              <a:gd name="connsiteX13" fmla="*/ 7043738 w 7043738"/>
+              <a:gd name="connsiteY13" fmla="*/ 0 h 3188942"/>
+              <a:gd name="connsiteX14" fmla="*/ 7043738 w 7043738"/>
+              <a:gd name="connsiteY14" fmla="*/ 563380 h 3188942"/>
+              <a:gd name="connsiteX15" fmla="*/ 7043738 w 7043738"/>
+              <a:gd name="connsiteY15" fmla="*/ 1126760 h 3188942"/>
+              <a:gd name="connsiteX16" fmla="*/ 7043738 w 7043738"/>
+              <a:gd name="connsiteY16" fmla="*/ 1690139 h 3188942"/>
+              <a:gd name="connsiteX17" fmla="*/ 7043738 w 7043738"/>
+              <a:gd name="connsiteY17" fmla="*/ 2157851 h 3188942"/>
+              <a:gd name="connsiteX18" fmla="*/ 7043738 w 7043738"/>
+              <a:gd name="connsiteY18" fmla="*/ 2593673 h 3188942"/>
+              <a:gd name="connsiteX19" fmla="*/ 7043738 w 7043738"/>
+              <a:gd name="connsiteY19" fmla="*/ 3188942 h 3188942"/>
+              <a:gd name="connsiteX20" fmla="*/ 6597635 w 7043738"/>
+              <a:gd name="connsiteY20" fmla="*/ 3188942 h 3188942"/>
+              <a:gd name="connsiteX21" fmla="*/ 6221969 w 7043738"/>
+              <a:gd name="connsiteY21" fmla="*/ 3188942 h 3188942"/>
+              <a:gd name="connsiteX22" fmla="*/ 5846303 w 7043738"/>
+              <a:gd name="connsiteY22" fmla="*/ 3188942 h 3188942"/>
+              <a:gd name="connsiteX23" fmla="*/ 5329762 w 7043738"/>
+              <a:gd name="connsiteY23" fmla="*/ 3188942 h 3188942"/>
+              <a:gd name="connsiteX24" fmla="*/ 4672346 w 7043738"/>
+              <a:gd name="connsiteY24" fmla="*/ 3188942 h 3188942"/>
+              <a:gd name="connsiteX25" fmla="*/ 4085368 w 7043738"/>
+              <a:gd name="connsiteY25" fmla="*/ 3188942 h 3188942"/>
+              <a:gd name="connsiteX26" fmla="*/ 3709702 w 7043738"/>
+              <a:gd name="connsiteY26" fmla="*/ 3188942 h 3188942"/>
+              <a:gd name="connsiteX27" fmla="*/ 3263599 w 7043738"/>
+              <a:gd name="connsiteY27" fmla="*/ 3188942 h 3188942"/>
+              <a:gd name="connsiteX28" fmla="*/ 2817495 w 7043738"/>
+              <a:gd name="connsiteY28" fmla="*/ 3188942 h 3188942"/>
+              <a:gd name="connsiteX29" fmla="*/ 2371392 w 7043738"/>
+              <a:gd name="connsiteY29" fmla="*/ 3188942 h 3188942"/>
+              <a:gd name="connsiteX30" fmla="*/ 1995726 w 7043738"/>
+              <a:gd name="connsiteY30" fmla="*/ 3188942 h 3188942"/>
+              <a:gd name="connsiteX31" fmla="*/ 1408748 w 7043738"/>
+              <a:gd name="connsiteY31" fmla="*/ 3188942 h 3188942"/>
+              <a:gd name="connsiteX32" fmla="*/ 821769 w 7043738"/>
+              <a:gd name="connsiteY32" fmla="*/ 3188942 h 3188942"/>
+              <a:gd name="connsiteX33" fmla="*/ 0 w 7043738"/>
+              <a:gd name="connsiteY33" fmla="*/ 3188942 h 3188942"/>
+              <a:gd name="connsiteX34" fmla="*/ 0 w 7043738"/>
+              <a:gd name="connsiteY34" fmla="*/ 2593673 h 3188942"/>
+              <a:gd name="connsiteX35" fmla="*/ 0 w 7043738"/>
+              <a:gd name="connsiteY35" fmla="*/ 2062182 h 3188942"/>
+              <a:gd name="connsiteX36" fmla="*/ 0 w 7043738"/>
+              <a:gd name="connsiteY36" fmla="*/ 1562582 h 3188942"/>
+              <a:gd name="connsiteX37" fmla="*/ 0 w 7043738"/>
+              <a:gd name="connsiteY37" fmla="*/ 967312 h 3188942"/>
+              <a:gd name="connsiteX38" fmla="*/ 0 w 7043738"/>
+              <a:gd name="connsiteY38" fmla="*/ 467711 h 3188942"/>
+              <a:gd name="connsiteX39" fmla="*/ 0 w 7043738"/>
+              <a:gd name="connsiteY39" fmla="*/ 0 h 3188942"/>
+            </a:gdLst>
+            <a:ahLst/>
+            <a:cxnLst>
+              <a:cxn ang="0">
+                <a:pos x="connsiteX0" y="connsiteY0"/>
+              </a:cxn>
+              <a:cxn ang="0">
+                <a:pos x="connsiteX1" y="connsiteY1"/>
+              </a:cxn>
+              <a:cxn ang="0">
+                <a:pos x="connsiteX2" y="connsiteY2"/>
+              </a:cxn>
+              <a:cxn ang="0">
+                <a:pos x="connsiteX3" y="connsiteY3"/>
+              </a:cxn>
+              <a:cxn ang="0">
+                <a:pos x="connsiteX4" y="connsiteY4"/>
+              </a:cxn>
+              <a:cxn ang="0">
+                <a:pos x="connsiteX5" y="connsiteY5"/>
+              </a:cxn>
+              <a:cxn ang="0">
+                <a:pos x="connsiteX6" y="connsiteY6"/>
+              </a:cxn>
+              <a:cxn ang="0">
+                <a:pos x="connsiteX7" y="connsiteY7"/>
+              </a:cxn>
+              <a:cxn ang="0">
+                <a:pos x="connsiteX8" y="connsiteY8"/>
+              </a:cxn>
+              <a:cxn ang="0">
+                <a:pos x="connsiteX9" y="connsiteY9"/>
+              </a:cxn>
+              <a:cxn ang="0">
+                <a:pos x="connsiteX10" y="connsiteY10"/>
+              </a:cxn>
+              <a:cxn ang="0">
+                <a:pos x="connsiteX11" y="connsiteY11"/>
+              </a:cxn>
+              <a:cxn ang="0">
+                <a:pos x="connsiteX12" y="connsiteY12"/>
+              </a:cxn>
+              <a:cxn ang="0">
+                <a:pos x="connsiteX13" y="connsiteY13"/>
+              </a:cxn>
+              <a:cxn ang="0">
+                <a:pos x="connsiteX14" y="connsiteY14"/>
+              </a:cxn>
+              <a:cxn ang="0">
+                <a:pos x="connsiteX15" y="connsiteY15"/>
+              </a:cxn>
+              <a:cxn ang="0">
+                <a:pos x="connsiteX16" y="connsiteY16"/>
+              </a:cxn>
+              <a:cxn ang="0">
+                <a:pos x="connsiteX17" y="connsiteY17"/>
+              </a:cxn>
+              <a:cxn ang="0">
+                <a:pos x="connsiteX18" y="connsiteY18"/>
+              </a:cxn>
+              <a:cxn ang="0">
+                <a:pos x="connsiteX19" y="connsiteY19"/>
+              </a:cxn>
+              <a:cxn ang="0">
+                <a:pos x="connsiteX20" y="connsiteY20"/>
+              </a:cxn>
+              <a:cxn ang="0">
+                <a:pos x="connsiteX21" y="connsiteY21"/>
+              </a:cxn>
+              <a:cxn ang="0">
+                <a:pos x="connsiteX22" y="connsiteY22"/>
+              </a:cxn>
+              <a:cxn ang="0">
+                <a:pos x="connsiteX23" y="connsiteY23"/>
+              </a:cxn>
+              <a:cxn ang="0">
+                <a:pos x="connsiteX24" y="connsiteY24"/>
+              </a:cxn>
+              <a:cxn ang="0">
+                <a:pos x="connsiteX25" y="connsiteY25"/>
+              </a:cxn>
+              <a:cxn ang="0">
+                <a:pos x="connsiteX26" y="connsiteY26"/>
+              </a:cxn>
+              <a:cxn ang="0">
+                <a:pos x="connsiteX27" y="connsiteY27"/>
+              </a:cxn>
+              <a:cxn ang="0">
+                <a:pos x="connsiteX28" y="connsiteY28"/>
+              </a:cxn>
+              <a:cxn ang="0">
+                <a:pos x="connsiteX29" y="connsiteY29"/>
+              </a:cxn>
+              <a:cxn ang="0">
+                <a:pos x="connsiteX30" y="connsiteY30"/>
+              </a:cxn>
+              <a:cxn ang="0">
+                <a:pos x="connsiteX31" y="connsiteY31"/>
+              </a:cxn>
+              <a:cxn ang="0">
+                <a:pos x="connsiteX32" y="connsiteY32"/>
+              </a:cxn>
+              <a:cxn ang="0">
+                <a:pos x="connsiteX33" y="connsiteY33"/>
+              </a:cxn>
+              <a:cxn ang="0">
+                <a:pos x="connsiteX34" y="connsiteY34"/>
+              </a:cxn>
+              <a:cxn ang="0">
+                <a:pos x="connsiteX35" y="connsiteY35"/>
+              </a:cxn>
+              <a:cxn ang="0">
+                <a:pos x="connsiteX36" y="connsiteY36"/>
+              </a:cxn>
+              <a:cxn ang="0">
+                <a:pos x="connsiteX37" y="connsiteY37"/>
+              </a:cxn>
+              <a:cxn ang="0">
+                <a:pos x="connsiteX38" y="connsiteY38"/>
+              </a:cxn>
+              <a:cxn ang="0">
+                <a:pos x="connsiteX39" y="connsiteY39"/>
+              </a:cxn>
+            </a:cxnLst>
+            <a:rect l="l" t="t" r="r" b="b"/>
+            <a:pathLst>
+              <a:path w="7043738" h="3188942" extrusionOk="0">
+                <a:moveTo>
+                  <a:pt x="0" y="0"/>
+                </a:moveTo>
+                <a:cubicBezTo>
+                  <a:pt x="126437" y="-48541"/>
+                  <a:pt x="331009" y="17716"/>
+                  <a:pt x="446103" y="0"/>
+                </a:cubicBezTo>
+                <a:cubicBezTo>
+                  <a:pt x="561197" y="-17716"/>
+                  <a:pt x="914404" y="33133"/>
+                  <a:pt x="1033082" y="0"/>
+                </a:cubicBezTo>
+                <a:cubicBezTo>
+                  <a:pt x="1151760" y="-33133"/>
+                  <a:pt x="1275649" y="13981"/>
+                  <a:pt x="1479185" y="0"/>
+                </a:cubicBezTo>
+                <a:cubicBezTo>
+                  <a:pt x="1682721" y="-13981"/>
+                  <a:pt x="1677069" y="31403"/>
+                  <a:pt x="1854851" y="0"/>
+                </a:cubicBezTo>
+                <a:cubicBezTo>
+                  <a:pt x="2032633" y="-31403"/>
+                  <a:pt x="2305039" y="66096"/>
+                  <a:pt x="2441829" y="0"/>
+                </a:cubicBezTo>
+                <a:cubicBezTo>
+                  <a:pt x="2578619" y="-66096"/>
+                  <a:pt x="2848376" y="3231"/>
+                  <a:pt x="3099245" y="0"/>
+                </a:cubicBezTo>
+                <a:cubicBezTo>
+                  <a:pt x="3350114" y="-3231"/>
+                  <a:pt x="3564027" y="74717"/>
+                  <a:pt x="3756660" y="0"/>
+                </a:cubicBezTo>
+                <a:cubicBezTo>
+                  <a:pt x="3949294" y="-74717"/>
+                  <a:pt x="4064358" y="19144"/>
+                  <a:pt x="4343638" y="0"/>
+                </a:cubicBezTo>
+                <a:cubicBezTo>
+                  <a:pt x="4622918" y="-19144"/>
+                  <a:pt x="4615414" y="22272"/>
+                  <a:pt x="4860179" y="0"/>
+                </a:cubicBezTo>
+                <a:cubicBezTo>
+                  <a:pt x="5104944" y="-22272"/>
+                  <a:pt x="5081656" y="11571"/>
+                  <a:pt x="5235845" y="0"/>
+                </a:cubicBezTo>
+                <a:cubicBezTo>
+                  <a:pt x="5390034" y="-11571"/>
+                  <a:pt x="5522272" y="31117"/>
+                  <a:pt x="5681949" y="0"/>
+                </a:cubicBezTo>
+                <a:cubicBezTo>
+                  <a:pt x="5841626" y="-31117"/>
+                  <a:pt x="5978366" y="124"/>
+                  <a:pt x="6198489" y="0"/>
+                </a:cubicBezTo>
+                <a:cubicBezTo>
+                  <a:pt x="6418612" y="-124"/>
+                  <a:pt x="6648665" y="35275"/>
+                  <a:pt x="7043738" y="0"/>
+                </a:cubicBezTo>
+                <a:cubicBezTo>
+                  <a:pt x="7090203" y="187943"/>
+                  <a:pt x="6978606" y="429188"/>
+                  <a:pt x="7043738" y="563380"/>
+                </a:cubicBezTo>
+                <a:cubicBezTo>
+                  <a:pt x="7108870" y="697572"/>
+                  <a:pt x="7037359" y="850044"/>
+                  <a:pt x="7043738" y="1126760"/>
+                </a:cubicBezTo>
+                <a:cubicBezTo>
+                  <a:pt x="7050117" y="1403476"/>
+                  <a:pt x="6987677" y="1435094"/>
+                  <a:pt x="7043738" y="1690139"/>
+                </a:cubicBezTo>
+                <a:cubicBezTo>
+                  <a:pt x="7099799" y="1945184"/>
+                  <a:pt x="7022216" y="1962306"/>
+                  <a:pt x="7043738" y="2157851"/>
+                </a:cubicBezTo>
+                <a:cubicBezTo>
+                  <a:pt x="7065260" y="2353396"/>
+                  <a:pt x="7037594" y="2417544"/>
+                  <a:pt x="7043738" y="2593673"/>
+                </a:cubicBezTo>
+                <a:cubicBezTo>
+                  <a:pt x="7049882" y="2769802"/>
+                  <a:pt x="6979305" y="3060255"/>
+                  <a:pt x="7043738" y="3188942"/>
+                </a:cubicBezTo>
+                <a:cubicBezTo>
+                  <a:pt x="6830602" y="3241603"/>
+                  <a:pt x="6784934" y="3157016"/>
+                  <a:pt x="6597635" y="3188942"/>
+                </a:cubicBezTo>
+                <a:cubicBezTo>
+                  <a:pt x="6410336" y="3220868"/>
+                  <a:pt x="6323998" y="3174188"/>
+                  <a:pt x="6221969" y="3188942"/>
+                </a:cubicBezTo>
+                <a:cubicBezTo>
+                  <a:pt x="6119940" y="3203696"/>
+                  <a:pt x="5984207" y="3157554"/>
+                  <a:pt x="5846303" y="3188942"/>
+                </a:cubicBezTo>
+                <a:cubicBezTo>
+                  <a:pt x="5708399" y="3220330"/>
+                  <a:pt x="5567729" y="3185590"/>
+                  <a:pt x="5329762" y="3188942"/>
+                </a:cubicBezTo>
+                <a:cubicBezTo>
+                  <a:pt x="5091795" y="3192294"/>
+                  <a:pt x="4888745" y="3126697"/>
+                  <a:pt x="4672346" y="3188942"/>
+                </a:cubicBezTo>
+                <a:cubicBezTo>
+                  <a:pt x="4455947" y="3251187"/>
+                  <a:pt x="4203309" y="3163910"/>
+                  <a:pt x="4085368" y="3188942"/>
+                </a:cubicBezTo>
+                <a:cubicBezTo>
+                  <a:pt x="3967427" y="3213974"/>
+                  <a:pt x="3820886" y="3175002"/>
+                  <a:pt x="3709702" y="3188942"/>
+                </a:cubicBezTo>
+                <a:cubicBezTo>
+                  <a:pt x="3598518" y="3202882"/>
+                  <a:pt x="3409697" y="3183889"/>
+                  <a:pt x="3263599" y="3188942"/>
+                </a:cubicBezTo>
+                <a:cubicBezTo>
+                  <a:pt x="3117501" y="3193995"/>
+                  <a:pt x="2914710" y="3139685"/>
+                  <a:pt x="2817495" y="3188942"/>
+                </a:cubicBezTo>
+                <a:cubicBezTo>
+                  <a:pt x="2720280" y="3238199"/>
+                  <a:pt x="2540091" y="3139751"/>
+                  <a:pt x="2371392" y="3188942"/>
+                </a:cubicBezTo>
+                <a:cubicBezTo>
+                  <a:pt x="2202693" y="3238133"/>
+                  <a:pt x="2153580" y="3184238"/>
+                  <a:pt x="1995726" y="3188942"/>
+                </a:cubicBezTo>
+                <a:cubicBezTo>
+                  <a:pt x="1837872" y="3193646"/>
+                  <a:pt x="1627452" y="3180688"/>
+                  <a:pt x="1408748" y="3188942"/>
+                </a:cubicBezTo>
+                <a:cubicBezTo>
+                  <a:pt x="1190044" y="3197196"/>
+                  <a:pt x="950998" y="3166694"/>
+                  <a:pt x="821769" y="3188942"/>
+                </a:cubicBezTo>
+                <a:cubicBezTo>
+                  <a:pt x="692540" y="3211190"/>
+                  <a:pt x="241196" y="3128513"/>
+                  <a:pt x="0" y="3188942"/>
+                </a:cubicBezTo>
+                <a:cubicBezTo>
+                  <a:pt x="-67488" y="2967041"/>
+                  <a:pt x="38073" y="2719939"/>
+                  <a:pt x="0" y="2593673"/>
+                </a:cubicBezTo>
+                <a:cubicBezTo>
+                  <a:pt x="-38073" y="2467407"/>
+                  <a:pt x="32790" y="2191146"/>
+                  <a:pt x="0" y="2062182"/>
+                </a:cubicBezTo>
+                <a:cubicBezTo>
+                  <a:pt x="-32790" y="1933218"/>
+                  <a:pt x="30755" y="1790783"/>
+                  <a:pt x="0" y="1562582"/>
+                </a:cubicBezTo>
+                <a:cubicBezTo>
+                  <a:pt x="-30755" y="1334381"/>
+                  <a:pt x="57239" y="1116559"/>
+                  <a:pt x="0" y="967312"/>
+                </a:cubicBezTo>
+                <a:cubicBezTo>
+                  <a:pt x="-57239" y="818065"/>
+                  <a:pt x="52597" y="691320"/>
+                  <a:pt x="0" y="467711"/>
+                </a:cubicBezTo>
+                <a:cubicBezTo>
+                  <a:pt x="-52597" y="244102"/>
+                  <a:pt x="30605" y="171098"/>
+                  <a:pt x="0" y="0"/>
+                </a:cubicBezTo>
+                <a:close/>
+              </a:path>
+            </a:pathLst>
+          </a:custGeom>
+          <a:noFill/>
+          <a:ln>
+            <a:solidFill>
+              <a:schemeClr val="tx1"/>
+            </a:solidFill>
+            <a:extLst>
+              <a:ext uri="{C807C97D-BFC1-408E-A445-0C87EB9F89A2}">
+                <ask:lineSketchStyleProps xmlns:ask="http://schemas.microsoft.com/office/drawing/2018/sketchyshapes" sd="4046935073">
+                  <a:prstGeom prst="rect">
+                    <a:avLst/>
+                  </a:prstGeom>
+                  <ask:type>
+                    <ask:lineSketchScribble/>
+                  </ask:type>
+                </ask:lineSketchStyleProps>
+              </a:ext>
+            </a:extLst>
+          </a:ln>
+          <a:extLst>
+            <a:ext uri="{909E8E84-426E-40DD-AFC4-6F175D3DCCD1}">
+              <a14:hiddenFill xmlns:a14="http://schemas.microsoft.com/office/drawing/2010/main">
+                <a:solidFill>
+                  <a:srgbClr val="FFFFFF"/>
+                </a:solidFill>
+              </a14:hiddenFill>
+            </a:ext>
+          </a:extLst>
+        </p:spPr>
+      </p:pic>
+    </p:spTree>
+    <p:extLst>
+      <p:ext uri="{BB962C8B-B14F-4D97-AF65-F5344CB8AC3E}">
+        <p14:creationId xmlns:p14="http://schemas.microsoft.com/office/powerpoint/2010/main" val="2645062413"/>
+      </p:ext>
+    </p:extLst>
+  </p:cSld>
+  <p:clrMapOvr>
+    <a:masterClrMapping/>
+  </p:clrMapOvr>
+</p:sld>
+</file>
+
+<file path=ppt/slides/slide9.xml><?xml version="1.0" encoding="utf-8"?>
+<p:sld xmlns:a="http://schemas.openxmlformats.org/drawingml/2006/main" xmlns:r="http://schemas.openxmlformats.org/officeDocument/2006/relationships" xmlns:p="http://schemas.openxmlformats.org/presentationml/2006/main">
+  <p:cSld>
+    <p:spTree>
+      <p:nvGrpSpPr>
+        <p:cNvPr id="1" name="">
+          <a:extLst>
+            <a:ext uri="{FF2B5EF4-FFF2-40B4-BE49-F238E27FC236}">
+              <a16:creationId xmlns:a16="http://schemas.microsoft.com/office/drawing/2014/main" id="{E0374BAF-6E7F-09EE-DBA7-DE9460D0E584}"/>
+            </a:ext>
+          </a:extLst>
+        </p:cNvPr>
+        <p:cNvGrpSpPr/>
+        <p:nvPr/>
+      </p:nvGrpSpPr>
+      <p:grpSpPr>
+        <a:xfrm>
+          <a:off x="0" y="0"/>
+          <a:ext cx="0" cy="0"/>
+          <a:chOff x="0" y="0"/>
+          <a:chExt cx="0" cy="0"/>
+        </a:xfrm>
+      </p:grpSpPr>
+      <p:sp>
+        <p:nvSpPr>
+          <p:cNvPr id="2" name="Titel 1">
+            <a:extLst>
+              <a:ext uri="{FF2B5EF4-FFF2-40B4-BE49-F238E27FC236}">
+                <a16:creationId xmlns:a16="http://schemas.microsoft.com/office/drawing/2014/main" id="{A614AA7D-8035-A963-7D8B-222C6E521AE2}"/>
+              </a:ext>
+            </a:extLst>
+          </p:cNvPr>
+          <p:cNvSpPr>
+            <a:spLocks noGrp="1"/>
+          </p:cNvSpPr>
+          <p:nvPr>
+            <p:ph type="ctrTitle"/>
+          </p:nvPr>
+        </p:nvSpPr>
+        <p:spPr>
+          <a:xfrm>
+            <a:off x="1524000" y="2941638"/>
+            <a:ext cx="9144000" cy="2387600"/>
+          </a:xfrm>
+        </p:spPr>
+        <p:txBody>
+          <a:bodyPr/>
+          <a:lstStyle/>
+          <a:p>
+            <a:r>
+              <a:rPr lang="de-DE" dirty="0"/>
+              <a:t>Machbarkeitsstudie</a:t>
+            </a:r>
+            <a:endParaRPr lang="de-AT" dirty="0"/>
+          </a:p>
+        </p:txBody>
+      </p:sp>
+      <p:pic>
+        <p:nvPicPr>
+          <p:cNvPr id="5" name="Grafik 4">
+            <a:extLst>
+              <a:ext uri="{FF2B5EF4-FFF2-40B4-BE49-F238E27FC236}">
+                <a16:creationId xmlns:a16="http://schemas.microsoft.com/office/drawing/2014/main" id="{F9B43359-9C8F-E79D-27A3-882A726519C6}"/>
+              </a:ext>
+            </a:extLst>
+          </p:cNvPr>
+          <p:cNvPicPr>
+            <a:picLocks noChangeAspect="1"/>
+          </p:cNvPicPr>
+          <p:nvPr/>
+        </p:nvPicPr>
+        <p:blipFill>
+          <a:blip r:embed="rId3"/>
+          <a:stretch>
+            <a:fillRect/>
+          </a:stretch>
+        </p:blipFill>
+        <p:spPr>
+          <a:xfrm>
+            <a:off x="4705350" y="952500"/>
+            <a:ext cx="2781300" cy="2781300"/>
+          </a:xfrm>
+          <a:prstGeom prst="rect">
+            <a:avLst/>
+          </a:prstGeom>
+        </p:spPr>
+      </p:pic>
+    </p:spTree>
+    <p:extLst>
+      <p:ext uri="{BB962C8B-B14F-4D97-AF65-F5344CB8AC3E}">
+        <p14:creationId xmlns:p14="http://schemas.microsoft.com/office/powerpoint/2010/main" val="3973806578"/>
+      </p:ext>
+    </p:extLst>
+  </p:cSld>
+  <p:clrMapOvr>
+    <a:masterClrMapping/>
+  </p:clrMapOvr>
+</p:sld>
+</file>
+
 <file path=ppt/theme/theme1.xml><?xml version="1.0" encoding="utf-8"?>
+<a:theme xmlns:a="http://schemas.openxmlformats.org/drawingml/2006/main" name="Office">
+  <a:themeElements>
+    <a:clrScheme name="Office">
+      <a:dk1>
+        <a:sysClr val="windowText" lastClr="000000"/>
+      </a:dk1>
+      <a:lt1>
+        <a:sysClr val="window" lastClr="FFFFFF"/>
+      </a:lt1>
+      <a:dk2>
+        <a:srgbClr val="0E2841"/>
+      </a:dk2>
+      <a:lt2>
+        <a:srgbClr val="E8E8E8"/>
+      </a:lt2>
+      <a:accent1>
+        <a:srgbClr val="156082"/>
+      </a:accent1>
+      <a:accent2>
+        <a:srgbClr val="E97132"/>
+      </a:accent2>
+      <a:accent3>
+        <a:srgbClr val="196B24"/>
+      </a:accent3>
+      <a:accent4>
+        <a:srgbClr val="0F9ED5"/>
+      </a:accent4>
+      <a:accent5>
+        <a:srgbClr val="A02B93"/>
+      </a:accent5>
+      <a:accent6>
+        <a:srgbClr val="4EA72E"/>
+      </a:accent6>
+      <a:hlink>
+        <a:srgbClr val="467886"/>
+      </a:hlink>
+      <a:folHlink>
+        <a:srgbClr val="96607D"/>
+      </a:folHlink>
+    </a:clrScheme>
+    <a:fontScheme name="Benutzerdefiniert 2">
+      <a:majorFont>
+        <a:latin typeface="Cascadia Code"/>
+        <a:ea typeface=""/>
+        <a:cs typeface=""/>
+      </a:majorFont>
+      <a:minorFont>
+        <a:latin typeface="Cascadia Code"/>
+        <a:ea typeface=""/>
+        <a:cs typeface=""/>
+      </a:minorFont>
+    </a:fontScheme>
+    <a:fmtScheme name="Office">
+      <a:fillStyleLst>
+        <a:solidFill>
+          <a:schemeClr val="phClr"/>
+        </a:solidFill>
+        <a:gradFill rotWithShape="1">
+          <a:gsLst>
+            <a:gs pos="0">
+              <a:schemeClr val="phClr">
+                <a:lumMod val="110000"/>
+                <a:satMod val="105000"/>
+                <a:tint val="67000"/>
+              </a:schemeClr>
+            </a:gs>
+            <a:gs pos="50000">
+              <a:schemeClr val="phClr">
+                <a:lumMod val="105000"/>
+                <a:satMod val="103000"/>
+                <a:tint val="73000"/>
+              </a:schemeClr>
+            </a:gs>
+            <a:gs pos="100000">
+              <a:schemeClr val="phClr">
+                <a:lumMod val="105000"/>
+                <a:satMod val="109000"/>
+                <a:tint val="81000"/>
+              </a:schemeClr>
+            </a:gs>
+          </a:gsLst>
+          <a:lin ang="5400000" scaled="0"/>
+        </a:gradFill>
+        <a:gradFill rotWithShape="1">
+          <a:gsLst>
+            <a:gs pos="0">
+              <a:schemeClr val="phClr">
+                <a:satMod val="103000"/>
+                <a:lumMod val="102000"/>
+                <a:tint val="94000"/>
+              </a:schemeClr>
+            </a:gs>
+            <a:gs pos="50000">
+              <a:schemeClr val="phClr">
+                <a:satMod val="110000"/>
+                <a:lumMod val="100000"/>
+                <a:shade val="100000"/>
+              </a:schemeClr>
+            </a:gs>
+            <a:gs pos="100000">
+              <a:schemeClr val="phClr">
+                <a:lumMod val="99000"/>
+                <a:satMod val="120000"/>
+                <a:shade val="78000"/>
+              </a:schemeClr>
+            </a:gs>
+          </a:gsLst>
+          <a:lin ang="5400000" scaled="0"/>
+        </a:gradFill>
+      </a:fillStyleLst>
+      <a:lnStyleLst>
+        <a:ln w="12700" cap="flat" cmpd="sng" algn="ctr">
+          <a:solidFill>
+            <a:schemeClr val="phClr"/>
+          </a:solidFill>
+          <a:prstDash val="solid"/>
+          <a:miter lim="800000"/>
+        </a:ln>
+        <a:ln w="19050" cap="flat" cmpd="sng" algn="ctr">
+          <a:solidFill>
+            <a:schemeClr val="phClr"/>
+          </a:solidFill>
+          <a:prstDash val="solid"/>
+          <a:miter lim="800000"/>
+        </a:ln>
+        <a:ln w="25400" cap="flat" cmpd="sng" algn="ctr">
+          <a:solidFill>
+            <a:schemeClr val="phClr"/>
+          </a:solidFill>
+          <a:prstDash val="solid"/>
+          <a:miter lim="800000"/>
+        </a:ln>
+      </a:lnStyleLst>
+      <a:effectStyleLst>
+        <a:effectStyle>
+          <a:effectLst/>
+        </a:effectStyle>
+        <a:effectStyle>
+          <a:effectLst/>
+        </a:effectStyle>
+        <a:effectStyle>
+          <a:effectLst>
+            <a:outerShdw blurRad="57150" dist="19050" dir="5400000" algn="ctr" rotWithShape="0">
+              <a:srgbClr val="000000">
+                <a:alpha val="63000"/>
+              </a:srgbClr>
+            </a:outerShdw>
+          </a:effectLst>
+        </a:effectStyle>
+      </a:effectStyleLst>
+      <a:bgFillStyleLst>
+        <a:solidFill>
+          <a:schemeClr val="phClr"/>
+        </a:solidFill>
+        <a:solidFill>
+          <a:schemeClr val="phClr">
+            <a:tint val="95000"/>
+            <a:satMod val="170000"/>
+          </a:schemeClr>
+        </a:solidFill>
+        <a:gradFill rotWithShape="1">
+          <a:gsLst>
+            <a:gs pos="0">
+              <a:schemeClr val="phClr">
+                <a:tint val="93000"/>
+                <a:satMod val="150000"/>
+                <a:shade val="98000"/>
+                <a:lumMod val="102000"/>
+              </a:schemeClr>
+            </a:gs>
+            <a:gs pos="50000">
+              <a:schemeClr val="phClr">
+                <a:tint val="98000"/>
+                <a:satMod val="130000"/>
+                <a:shade val="90000"/>
+                <a:lumMod val="103000"/>
+              </a:schemeClr>
+            </a:gs>
+            <a:gs pos="100000">
+              <a:schemeClr val="phClr">
+                <a:shade val="63000"/>
+                <a:satMod val="120000"/>
+              </a:schemeClr>
+            </a:gs>
+          </a:gsLst>
+          <a:lin ang="5400000" scaled="0"/>
+        </a:gradFill>
+      </a:bgFillStyleLst>
+    </a:fmtScheme>
+  </a:themeElements>
+  <a:objectDefaults>
+    <a:lnDef>
+      <a:spPr/>
+      <a:bodyPr/>
+      <a:lstStyle/>
+      <a:style>
+        <a:lnRef idx="2">
+          <a:schemeClr val="accent1"/>
+        </a:lnRef>
+        <a:fillRef idx="0">
+          <a:schemeClr val="accent1"/>
+        </a:fillRef>
+        <a:effectRef idx="1">
+          <a:schemeClr val="accent1"/>
+        </a:effectRef>
+        <a:fontRef idx="minor">
+          <a:schemeClr val="tx1"/>
+        </a:fontRef>
+      </a:style>
+    </a:lnDef>
+  </a:objectDefaults>
+  <a:extraClrSchemeLst/>
+  <a:extLst>
+    <a:ext uri="{05A4C25C-085E-4340-85A3-A5531E510DB2}">
+      <thm15:themeFamily xmlns:thm15="http://schemas.microsoft.com/office/thememl/2012/main" name="Office Theme" id="{2E142A2C-CD16-42D6-873A-C26D2A0506FA}" vid="{1BDDFF52-6CD6-40A5-AB3C-68EB2F1E4D0A}"/>
+    </a:ext>
+  </a:extLst>
+</a:theme>
+</file>
+
+<file path=ppt/theme/theme2.xml><?xml version="1.0" encoding="utf-8"?>
 <a:theme xmlns:a="http://schemas.openxmlformats.org/drawingml/2006/main" name="Office">
   <a:themeElements>
     <a:clrScheme name="Office">

--- a/ITP/Von der Projektidee zum Projektauftrag.pptx
+++ b/ITP/Von der Projektidee zum Projektauftrag.pptx
@@ -5,7 +5,7 @@
     <p:sldMasterId id="2147483648" r:id="rId1"/>
   </p:sldMasterIdLst>
   <p:notesMasterIdLst>
-    <p:notesMasterId r:id="rId21"/>
+    <p:notesMasterId r:id="rId22"/>
   </p:notesMasterIdLst>
   <p:sldIdLst>
     <p:sldId id="256" r:id="rId2"/>
@@ -27,6 +27,7 @@
     <p:sldId id="277" r:id="rId18"/>
     <p:sldId id="276" r:id="rId19"/>
     <p:sldId id="278" r:id="rId20"/>
+    <p:sldId id="279" r:id="rId21"/>
   </p:sldIdLst>
   <p:sldSz cx="12192000" cy="6858000"/>
   <p:notesSz cx="6858000" cy="9144000"/>
@@ -215,7 +216,7 @@
           <a:p>
             <a:fld id="{D22B782B-7635-4CFD-8DEB-E3047850B87B}" type="datetimeFigureOut">
               <a:rPr lang="de-AT" smtClean="0"/>
-              <a:t>04.03.2025</a:t>
+              <a:t>05.03.2025</a:t>
             </a:fld>
             <a:endParaRPr lang="de-AT"/>
           </a:p>
@@ -1015,6 +1016,174 @@
 </p:notes>
 </file>
 
+<file path=ppt/notesSlides/notesSlide6.xml><?xml version="1.0" encoding="utf-8"?>
+<p:notes xmlns:a="http://schemas.openxmlformats.org/drawingml/2006/main" xmlns:r="http://schemas.openxmlformats.org/officeDocument/2006/relationships" xmlns:p="http://schemas.openxmlformats.org/presentationml/2006/main">
+  <p:cSld>
+    <p:spTree>
+      <p:nvGrpSpPr>
+        <p:cNvPr id="1" name=""/>
+        <p:cNvGrpSpPr/>
+        <p:nvPr/>
+      </p:nvGrpSpPr>
+      <p:grpSpPr>
+        <a:xfrm>
+          <a:off x="0" y="0"/>
+          <a:ext cx="0" cy="0"/>
+          <a:chOff x="0" y="0"/>
+          <a:chExt cx="0" cy="0"/>
+        </a:xfrm>
+      </p:grpSpPr>
+      <p:sp>
+        <p:nvSpPr>
+          <p:cNvPr id="2" name="Folienbildplatzhalter 1"/>
+          <p:cNvSpPr>
+            <a:spLocks noGrp="1" noRot="1" noChangeAspect="1"/>
+          </p:cNvSpPr>
+          <p:nvPr>
+            <p:ph type="sldImg"/>
+          </p:nvPr>
+        </p:nvSpPr>
+        <p:spPr/>
+      </p:sp>
+      <p:sp>
+        <p:nvSpPr>
+          <p:cNvPr id="3" name="Notizenplatzhalter 2"/>
+          <p:cNvSpPr>
+            <a:spLocks noGrp="1"/>
+          </p:cNvSpPr>
+          <p:nvPr>
+            <p:ph type="body" idx="1"/>
+          </p:nvPr>
+        </p:nvSpPr>
+        <p:spPr/>
+        <p:txBody>
+          <a:bodyPr/>
+          <a:lstStyle/>
+          <a:p>
+            <a:endParaRPr lang="de-AT" dirty="0"/>
+          </a:p>
+        </p:txBody>
+      </p:sp>
+      <p:sp>
+        <p:nvSpPr>
+          <p:cNvPr id="4" name="Foliennummernplatzhalter 3"/>
+          <p:cNvSpPr>
+            <a:spLocks noGrp="1"/>
+          </p:cNvSpPr>
+          <p:nvPr>
+            <p:ph type="sldNum" sz="quarter" idx="5"/>
+          </p:nvPr>
+        </p:nvSpPr>
+        <p:spPr/>
+        <p:txBody>
+          <a:bodyPr/>
+          <a:lstStyle/>
+          <a:p>
+            <a:fld id="{42F1E68F-BF1A-45B0-841D-982DA2AC4570}" type="slidenum">
+              <a:rPr lang="de-AT" smtClean="0"/>
+              <a:t>15</a:t>
+            </a:fld>
+            <a:endParaRPr lang="de-AT"/>
+          </a:p>
+        </p:txBody>
+      </p:sp>
+    </p:spTree>
+    <p:extLst>
+      <p:ext uri="{BB962C8B-B14F-4D97-AF65-F5344CB8AC3E}">
+        <p14:creationId xmlns:p14="http://schemas.microsoft.com/office/powerpoint/2010/main" val="1474704522"/>
+      </p:ext>
+    </p:extLst>
+  </p:cSld>
+  <p:clrMapOvr>
+    <a:masterClrMapping/>
+  </p:clrMapOvr>
+</p:notes>
+</file>
+
+<file path=ppt/notesSlides/notesSlide7.xml><?xml version="1.0" encoding="utf-8"?>
+<p:notes xmlns:a="http://schemas.openxmlformats.org/drawingml/2006/main" xmlns:r="http://schemas.openxmlformats.org/officeDocument/2006/relationships" xmlns:p="http://schemas.openxmlformats.org/presentationml/2006/main">
+  <p:cSld>
+    <p:spTree>
+      <p:nvGrpSpPr>
+        <p:cNvPr id="1" name=""/>
+        <p:cNvGrpSpPr/>
+        <p:nvPr/>
+      </p:nvGrpSpPr>
+      <p:grpSpPr>
+        <a:xfrm>
+          <a:off x="0" y="0"/>
+          <a:ext cx="0" cy="0"/>
+          <a:chOff x="0" y="0"/>
+          <a:chExt cx="0" cy="0"/>
+        </a:xfrm>
+      </p:grpSpPr>
+      <p:sp>
+        <p:nvSpPr>
+          <p:cNvPr id="2" name="Folienbildplatzhalter 1"/>
+          <p:cNvSpPr>
+            <a:spLocks noGrp="1" noRot="1" noChangeAspect="1"/>
+          </p:cNvSpPr>
+          <p:nvPr>
+            <p:ph type="sldImg"/>
+          </p:nvPr>
+        </p:nvSpPr>
+        <p:spPr/>
+      </p:sp>
+      <p:sp>
+        <p:nvSpPr>
+          <p:cNvPr id="3" name="Notizenplatzhalter 2"/>
+          <p:cNvSpPr>
+            <a:spLocks noGrp="1"/>
+          </p:cNvSpPr>
+          <p:nvPr>
+            <p:ph type="body" idx="1"/>
+          </p:nvPr>
+        </p:nvSpPr>
+        <p:spPr/>
+        <p:txBody>
+          <a:bodyPr/>
+          <a:lstStyle/>
+          <a:p>
+            <a:endParaRPr lang="de-AT" dirty="0"/>
+          </a:p>
+        </p:txBody>
+      </p:sp>
+      <p:sp>
+        <p:nvSpPr>
+          <p:cNvPr id="4" name="Foliennummernplatzhalter 3"/>
+          <p:cNvSpPr>
+            <a:spLocks noGrp="1"/>
+          </p:cNvSpPr>
+          <p:nvPr>
+            <p:ph type="sldNum" sz="quarter" idx="5"/>
+          </p:nvPr>
+        </p:nvSpPr>
+        <p:spPr/>
+        <p:txBody>
+          <a:bodyPr/>
+          <a:lstStyle/>
+          <a:p>
+            <a:fld id="{42F1E68F-BF1A-45B0-841D-982DA2AC4570}" type="slidenum">
+              <a:rPr lang="de-AT" smtClean="0"/>
+              <a:t>16</a:t>
+            </a:fld>
+            <a:endParaRPr lang="de-AT"/>
+          </a:p>
+        </p:txBody>
+      </p:sp>
+    </p:spTree>
+    <p:extLst>
+      <p:ext uri="{BB962C8B-B14F-4D97-AF65-F5344CB8AC3E}">
+        <p14:creationId xmlns:p14="http://schemas.microsoft.com/office/powerpoint/2010/main" val="3494633258"/>
+      </p:ext>
+    </p:extLst>
+  </p:cSld>
+  <p:clrMapOvr>
+    <a:masterClrMapping/>
+  </p:clrMapOvr>
+</p:notes>
+</file>
+
 <file path=ppt/slideLayouts/slideLayout1.xml><?xml version="1.0" encoding="utf-8"?>
 <p:sldLayout xmlns:a="http://schemas.openxmlformats.org/drawingml/2006/main" xmlns:r="http://schemas.openxmlformats.org/officeDocument/2006/relationships" xmlns:p="http://schemas.openxmlformats.org/presentationml/2006/main" type="title" preserve="1">
   <p:cSld name="Titelfolie">
@@ -1162,9 +1331,9 @@
           <a:bodyPr/>
           <a:lstStyle/>
           <a:p>
-            <a:fld id="{92B27164-6474-4D1E-8CCC-2157E74E8803}" type="datetimeFigureOut">
+            <a:fld id="{F4B13AFC-D0EF-42CA-A9E1-58A372A8B7DA}" type="datetime1">
               <a:rPr lang="en-GB" smtClean="0"/>
-              <a:t>04/03/2025</a:t>
+              <a:t>05/03/2025</a:t>
             </a:fld>
             <a:endParaRPr lang="en-GB"/>
           </a:p>
@@ -1362,9 +1531,9 @@
           <a:bodyPr/>
           <a:lstStyle/>
           <a:p>
-            <a:fld id="{92B27164-6474-4D1E-8CCC-2157E74E8803}" type="datetimeFigureOut">
+            <a:fld id="{D91BC2AF-CECD-41EB-91D8-FC814B19D2BB}" type="datetime1">
               <a:rPr lang="en-GB" smtClean="0"/>
-              <a:t>04/03/2025</a:t>
+              <a:t>05/03/2025</a:t>
             </a:fld>
             <a:endParaRPr lang="en-GB"/>
           </a:p>
@@ -1572,9 +1741,9 @@
           <a:bodyPr/>
           <a:lstStyle/>
           <a:p>
-            <a:fld id="{92B27164-6474-4D1E-8CCC-2157E74E8803}" type="datetimeFigureOut">
+            <a:fld id="{9825354E-F563-4111-BF58-E038845F1B7E}" type="datetime1">
               <a:rPr lang="en-GB" smtClean="0"/>
-              <a:t>04/03/2025</a:t>
+              <a:t>05/03/2025</a:t>
             </a:fld>
             <a:endParaRPr lang="en-GB"/>
           </a:p>
@@ -1772,9 +1941,9 @@
           <a:bodyPr/>
           <a:lstStyle/>
           <a:p>
-            <a:fld id="{92B27164-6474-4D1E-8CCC-2157E74E8803}" type="datetimeFigureOut">
+            <a:fld id="{B2E8A175-7921-478E-BE30-519E05C548DB}" type="datetime1">
               <a:rPr lang="en-GB" smtClean="0"/>
-              <a:t>04/03/2025</a:t>
+              <a:t>05/03/2025</a:t>
             </a:fld>
             <a:endParaRPr lang="en-GB"/>
           </a:p>
@@ -2048,9 +2217,9 @@
           <a:bodyPr/>
           <a:lstStyle/>
           <a:p>
-            <a:fld id="{92B27164-6474-4D1E-8CCC-2157E74E8803}" type="datetimeFigureOut">
+            <a:fld id="{0E9F0052-14E0-4315-85A1-03492097AA66}" type="datetime1">
               <a:rPr lang="en-GB" smtClean="0"/>
-              <a:t>04/03/2025</a:t>
+              <a:t>05/03/2025</a:t>
             </a:fld>
             <a:endParaRPr lang="en-GB"/>
           </a:p>
@@ -2316,9 +2485,9 @@
           <a:bodyPr/>
           <a:lstStyle/>
           <a:p>
-            <a:fld id="{92B27164-6474-4D1E-8CCC-2157E74E8803}" type="datetimeFigureOut">
+            <a:fld id="{9F578F3E-2837-4FC3-A98E-88409A1BA321}" type="datetime1">
               <a:rPr lang="en-GB" smtClean="0"/>
-              <a:t>04/03/2025</a:t>
+              <a:t>05/03/2025</a:t>
             </a:fld>
             <a:endParaRPr lang="en-GB"/>
           </a:p>
@@ -2731,9 +2900,9 @@
           <a:bodyPr/>
           <a:lstStyle/>
           <a:p>
-            <a:fld id="{92B27164-6474-4D1E-8CCC-2157E74E8803}" type="datetimeFigureOut">
+            <a:fld id="{DD8E2323-7188-4091-9719-693FAB1EE299}" type="datetime1">
               <a:rPr lang="en-GB" smtClean="0"/>
-              <a:t>04/03/2025</a:t>
+              <a:t>05/03/2025</a:t>
             </a:fld>
             <a:endParaRPr lang="en-GB"/>
           </a:p>
@@ -2873,9 +3042,9 @@
           <a:bodyPr/>
           <a:lstStyle/>
           <a:p>
-            <a:fld id="{92B27164-6474-4D1E-8CCC-2157E74E8803}" type="datetimeFigureOut">
+            <a:fld id="{03B07AAD-9123-458D-9073-B61A0EAD2087}" type="datetime1">
               <a:rPr lang="en-GB" smtClean="0"/>
-              <a:t>04/03/2025</a:t>
+              <a:t>05/03/2025</a:t>
             </a:fld>
             <a:endParaRPr lang="en-GB"/>
           </a:p>
@@ -2986,9 +3155,9 @@
           <a:bodyPr/>
           <a:lstStyle/>
           <a:p>
-            <a:fld id="{92B27164-6474-4D1E-8CCC-2157E74E8803}" type="datetimeFigureOut">
+            <a:fld id="{1D1E95BF-9BCF-4C35-929E-D3124F7D5CDC}" type="datetime1">
               <a:rPr lang="en-GB" smtClean="0"/>
-              <a:t>04/03/2025</a:t>
+              <a:t>05/03/2025</a:t>
             </a:fld>
             <a:endParaRPr lang="en-GB"/>
           </a:p>
@@ -3299,9 +3468,9 @@
           <a:bodyPr/>
           <a:lstStyle/>
           <a:p>
-            <a:fld id="{92B27164-6474-4D1E-8CCC-2157E74E8803}" type="datetimeFigureOut">
+            <a:fld id="{CA6077BB-E0EC-46B9-9FE5-7928F75384FA}" type="datetime1">
               <a:rPr lang="en-GB" smtClean="0"/>
-              <a:t>04/03/2025</a:t>
+              <a:t>05/03/2025</a:t>
             </a:fld>
             <a:endParaRPr lang="en-GB"/>
           </a:p>
@@ -3588,9 +3757,9 @@
           <a:bodyPr/>
           <a:lstStyle/>
           <a:p>
-            <a:fld id="{92B27164-6474-4D1E-8CCC-2157E74E8803}" type="datetimeFigureOut">
+            <a:fld id="{1F4A9EC9-4DB4-4BE4-A4EA-242B40676557}" type="datetime1">
               <a:rPr lang="en-GB" smtClean="0"/>
-              <a:t>04/03/2025</a:t>
+              <a:t>05/03/2025</a:t>
             </a:fld>
             <a:endParaRPr lang="en-GB"/>
           </a:p>
@@ -3831,9 +4000,9 @@
             </a:lvl1pPr>
           </a:lstStyle>
           <a:p>
-            <a:fld id="{92B27164-6474-4D1E-8CCC-2157E74E8803}" type="datetimeFigureOut">
+            <a:fld id="{CA0D09B7-194B-45C4-ABD1-A6D48D52B8B9}" type="datetime1">
               <a:rPr lang="en-GB" smtClean="0"/>
-              <a:t>04/03/2025</a:t>
+              <a:t>05/03/2025</a:t>
             </a:fld>
             <a:endParaRPr lang="en-GB"/>
           </a:p>
@@ -3950,6 +4119,7 @@
     <p:sldLayoutId id="2147483658" r:id="rId10"/>
     <p:sldLayoutId id="2147483659" r:id="rId11"/>
   </p:sldLayoutIdLst>
+  <p:hf hdr="0" ftr="0" dt="0"/>
   <p:txStyles>
     <p:titleStyle>
       <a:lvl1pPr algn="l" defTabSz="914400" rtl="0" eaLnBrk="1" latinLnBrk="0" hangingPunct="1">
@@ -4838,6 +5008,35 @@
           </a:p>
         </p:txBody>
       </p:sp>
+      <p:sp>
+        <p:nvSpPr>
+          <p:cNvPr id="4" name="Foliennummernplatzhalter 3">
+            <a:extLst>
+              <a:ext uri="{FF2B5EF4-FFF2-40B4-BE49-F238E27FC236}">
+                <a16:creationId xmlns:a16="http://schemas.microsoft.com/office/drawing/2014/main" id="{FBE36111-3DBA-DAAB-77F7-8788F7EDE1CF}"/>
+              </a:ext>
+            </a:extLst>
+          </p:cNvPr>
+          <p:cNvSpPr>
+            <a:spLocks noGrp="1"/>
+          </p:cNvSpPr>
+          <p:nvPr>
+            <p:ph type="sldNum" sz="quarter" idx="12"/>
+          </p:nvPr>
+        </p:nvSpPr>
+        <p:spPr/>
+        <p:txBody>
+          <a:bodyPr/>
+          <a:lstStyle/>
+          <a:p>
+            <a:fld id="{1A401315-7350-4ECF-B456-363AC987C71C}" type="slidenum">
+              <a:rPr lang="en-GB" sz="1600" smtClean="0"/>
+              <a:t>1</a:t>
+            </a:fld>
+            <a:endParaRPr lang="en-GB" dirty="0"/>
+          </a:p>
+        </p:txBody>
+      </p:sp>
     </p:spTree>
     <p:extLst>
       <p:ext uri="{BB962C8B-B14F-4D97-AF65-F5344CB8AC3E}">
@@ -5266,6 +5465,35 @@
           </a:prstGeom>
         </p:spPr>
       </p:pic>
+      <p:sp>
+        <p:nvSpPr>
+          <p:cNvPr id="3" name="Foliennummernplatzhalter 2">
+            <a:extLst>
+              <a:ext uri="{FF2B5EF4-FFF2-40B4-BE49-F238E27FC236}">
+                <a16:creationId xmlns:a16="http://schemas.microsoft.com/office/drawing/2014/main" id="{BB5BF4A6-E404-ACE7-C528-0FD2604FF500}"/>
+              </a:ext>
+            </a:extLst>
+          </p:cNvPr>
+          <p:cNvSpPr>
+            <a:spLocks noGrp="1"/>
+          </p:cNvSpPr>
+          <p:nvPr>
+            <p:ph type="sldNum" sz="quarter" idx="12"/>
+          </p:nvPr>
+        </p:nvSpPr>
+        <p:spPr/>
+        <p:txBody>
+          <a:bodyPr/>
+          <a:lstStyle/>
+          <a:p>
+            <a:fld id="{1A401315-7350-4ECF-B456-363AC987C71C}" type="slidenum">
+              <a:rPr lang="en-GB" smtClean="0"/>
+              <a:t>10</a:t>
+            </a:fld>
+            <a:endParaRPr lang="en-GB"/>
+          </a:p>
+        </p:txBody>
+      </p:sp>
     </p:spTree>
     <p:extLst>
       <p:ext uri="{BB962C8B-B14F-4D97-AF65-F5344CB8AC3E}">
@@ -5276,6 +5504,486 @@
   <p:clrMapOvr>
     <a:masterClrMapping/>
   </p:clrMapOvr>
+  <p:transition spd="slow">
+    <p:push dir="u"/>
+  </p:transition>
+  <p:timing>
+    <p:tnLst>
+      <p:par>
+        <p:cTn id="1" dur="indefinite" restart="never" nodeType="tmRoot">
+          <p:childTnLst>
+            <p:seq concurrent="1" nextAc="seek">
+              <p:cTn id="2" dur="indefinite" nodeType="mainSeq">
+                <p:childTnLst>
+                  <p:par>
+                    <p:cTn id="3" fill="hold">
+                      <p:stCondLst>
+                        <p:cond delay="indefinite"/>
+                      </p:stCondLst>
+                      <p:childTnLst>
+                        <p:par>
+                          <p:cTn id="4" fill="hold">
+                            <p:stCondLst>
+                              <p:cond delay="0"/>
+                            </p:stCondLst>
+                            <p:childTnLst>
+                              <p:par>
+                                <p:cTn id="5" presetID="10" presetClass="entr" presetSubtype="0" fill="hold" grpId="0" nodeType="clickEffect">
+                                  <p:stCondLst>
+                                    <p:cond delay="0"/>
+                                  </p:stCondLst>
+                                  <p:childTnLst>
+                                    <p:set>
+                                      <p:cBhvr>
+                                        <p:cTn id="6" dur="1" fill="hold">
+                                          <p:stCondLst>
+                                            <p:cond delay="0"/>
+                                          </p:stCondLst>
+                                        </p:cTn>
+                                        <p:tgtEl>
+                                          <p:spTgt spid="4"/>
+                                        </p:tgtEl>
+                                        <p:attrNameLst>
+                                          <p:attrName>style.visibility</p:attrName>
+                                        </p:attrNameLst>
+                                      </p:cBhvr>
+                                      <p:to>
+                                        <p:strVal val="visible"/>
+                                      </p:to>
+                                    </p:set>
+                                    <p:animEffect transition="in" filter="fade">
+                                      <p:cBhvr>
+                                        <p:cTn id="7" dur="500"/>
+                                        <p:tgtEl>
+                                          <p:spTgt spid="4"/>
+                                        </p:tgtEl>
+                                      </p:cBhvr>
+                                    </p:animEffect>
+                                  </p:childTnLst>
+                                </p:cTn>
+                              </p:par>
+                              <p:par>
+                                <p:cTn id="8" presetID="10" presetClass="entr" presetSubtype="0" fill="hold" nodeType="withEffect">
+                                  <p:stCondLst>
+                                    <p:cond delay="0"/>
+                                  </p:stCondLst>
+                                  <p:childTnLst>
+                                    <p:set>
+                                      <p:cBhvr>
+                                        <p:cTn id="9" dur="1" fill="hold">
+                                          <p:stCondLst>
+                                            <p:cond delay="0"/>
+                                          </p:stCondLst>
+                                        </p:cTn>
+                                        <p:tgtEl>
+                                          <p:spTgt spid="4098"/>
+                                        </p:tgtEl>
+                                        <p:attrNameLst>
+                                          <p:attrName>style.visibility</p:attrName>
+                                        </p:attrNameLst>
+                                      </p:cBhvr>
+                                      <p:to>
+                                        <p:strVal val="visible"/>
+                                      </p:to>
+                                    </p:set>
+                                    <p:animEffect transition="in" filter="fade">
+                                      <p:cBhvr>
+                                        <p:cTn id="10" dur="500"/>
+                                        <p:tgtEl>
+                                          <p:spTgt spid="4098"/>
+                                        </p:tgtEl>
+                                      </p:cBhvr>
+                                    </p:animEffect>
+                                  </p:childTnLst>
+                                </p:cTn>
+                              </p:par>
+                            </p:childTnLst>
+                          </p:cTn>
+                        </p:par>
+                      </p:childTnLst>
+                    </p:cTn>
+                  </p:par>
+                  <p:par>
+                    <p:cTn id="11" fill="hold">
+                      <p:stCondLst>
+                        <p:cond delay="indefinite"/>
+                      </p:stCondLst>
+                      <p:childTnLst>
+                        <p:par>
+                          <p:cTn id="12" fill="hold">
+                            <p:stCondLst>
+                              <p:cond delay="0"/>
+                            </p:stCondLst>
+                            <p:childTnLst>
+                              <p:par>
+                                <p:cTn id="13" presetID="10" presetClass="entr" presetSubtype="0" fill="hold" grpId="0" nodeType="clickEffect">
+                                  <p:stCondLst>
+                                    <p:cond delay="0"/>
+                                  </p:stCondLst>
+                                  <p:childTnLst>
+                                    <p:set>
+                                      <p:cBhvr>
+                                        <p:cTn id="14" dur="1" fill="hold">
+                                          <p:stCondLst>
+                                            <p:cond delay="0"/>
+                                          </p:stCondLst>
+                                        </p:cTn>
+                                        <p:tgtEl>
+                                          <p:spTgt spid="6"/>
+                                        </p:tgtEl>
+                                        <p:attrNameLst>
+                                          <p:attrName>style.visibility</p:attrName>
+                                        </p:attrNameLst>
+                                      </p:cBhvr>
+                                      <p:to>
+                                        <p:strVal val="visible"/>
+                                      </p:to>
+                                    </p:set>
+                                    <p:animEffect transition="in" filter="fade">
+                                      <p:cBhvr>
+                                        <p:cTn id="15" dur="500"/>
+                                        <p:tgtEl>
+                                          <p:spTgt spid="6"/>
+                                        </p:tgtEl>
+                                      </p:cBhvr>
+                                    </p:animEffect>
+                                  </p:childTnLst>
+                                </p:cTn>
+                              </p:par>
+                              <p:par>
+                                <p:cTn id="16" presetID="10" presetClass="entr" presetSubtype="0" fill="hold" nodeType="withEffect">
+                                  <p:stCondLst>
+                                    <p:cond delay="0"/>
+                                  </p:stCondLst>
+                                  <p:childTnLst>
+                                    <p:set>
+                                      <p:cBhvr>
+                                        <p:cTn id="17" dur="1" fill="hold">
+                                          <p:stCondLst>
+                                            <p:cond delay="0"/>
+                                          </p:stCondLst>
+                                        </p:cTn>
+                                        <p:tgtEl>
+                                          <p:spTgt spid="12"/>
+                                        </p:tgtEl>
+                                        <p:attrNameLst>
+                                          <p:attrName>style.visibility</p:attrName>
+                                        </p:attrNameLst>
+                                      </p:cBhvr>
+                                      <p:to>
+                                        <p:strVal val="visible"/>
+                                      </p:to>
+                                    </p:set>
+                                    <p:animEffect transition="in" filter="fade">
+                                      <p:cBhvr>
+                                        <p:cTn id="18" dur="500"/>
+                                        <p:tgtEl>
+                                          <p:spTgt spid="12"/>
+                                        </p:tgtEl>
+                                      </p:cBhvr>
+                                    </p:animEffect>
+                                  </p:childTnLst>
+                                </p:cTn>
+                              </p:par>
+                            </p:childTnLst>
+                          </p:cTn>
+                        </p:par>
+                      </p:childTnLst>
+                    </p:cTn>
+                  </p:par>
+                  <p:par>
+                    <p:cTn id="19" fill="hold">
+                      <p:stCondLst>
+                        <p:cond delay="indefinite"/>
+                      </p:stCondLst>
+                      <p:childTnLst>
+                        <p:par>
+                          <p:cTn id="20" fill="hold">
+                            <p:stCondLst>
+                              <p:cond delay="0"/>
+                            </p:stCondLst>
+                            <p:childTnLst>
+                              <p:par>
+                                <p:cTn id="21" presetID="10" presetClass="entr" presetSubtype="0" fill="hold" grpId="0" nodeType="clickEffect">
+                                  <p:stCondLst>
+                                    <p:cond delay="0"/>
+                                  </p:stCondLst>
+                                  <p:childTnLst>
+                                    <p:set>
+                                      <p:cBhvr>
+                                        <p:cTn id="22" dur="1" fill="hold">
+                                          <p:stCondLst>
+                                            <p:cond delay="0"/>
+                                          </p:stCondLst>
+                                        </p:cTn>
+                                        <p:tgtEl>
+                                          <p:spTgt spid="7"/>
+                                        </p:tgtEl>
+                                        <p:attrNameLst>
+                                          <p:attrName>style.visibility</p:attrName>
+                                        </p:attrNameLst>
+                                      </p:cBhvr>
+                                      <p:to>
+                                        <p:strVal val="visible"/>
+                                      </p:to>
+                                    </p:set>
+                                    <p:animEffect transition="in" filter="fade">
+                                      <p:cBhvr>
+                                        <p:cTn id="23" dur="500"/>
+                                        <p:tgtEl>
+                                          <p:spTgt spid="7"/>
+                                        </p:tgtEl>
+                                      </p:cBhvr>
+                                    </p:animEffect>
+                                  </p:childTnLst>
+                                </p:cTn>
+                              </p:par>
+                              <p:par>
+                                <p:cTn id="24" presetID="10" presetClass="entr" presetSubtype="0" fill="hold" nodeType="withEffect">
+                                  <p:stCondLst>
+                                    <p:cond delay="0"/>
+                                  </p:stCondLst>
+                                  <p:childTnLst>
+                                    <p:set>
+                                      <p:cBhvr>
+                                        <p:cTn id="25" dur="1" fill="hold">
+                                          <p:stCondLst>
+                                            <p:cond delay="0"/>
+                                          </p:stCondLst>
+                                        </p:cTn>
+                                        <p:tgtEl>
+                                          <p:spTgt spid="4100"/>
+                                        </p:tgtEl>
+                                        <p:attrNameLst>
+                                          <p:attrName>style.visibility</p:attrName>
+                                        </p:attrNameLst>
+                                      </p:cBhvr>
+                                      <p:to>
+                                        <p:strVal val="visible"/>
+                                      </p:to>
+                                    </p:set>
+                                    <p:animEffect transition="in" filter="fade">
+                                      <p:cBhvr>
+                                        <p:cTn id="26" dur="500"/>
+                                        <p:tgtEl>
+                                          <p:spTgt spid="4100"/>
+                                        </p:tgtEl>
+                                      </p:cBhvr>
+                                    </p:animEffect>
+                                  </p:childTnLst>
+                                </p:cTn>
+                              </p:par>
+                            </p:childTnLst>
+                          </p:cTn>
+                        </p:par>
+                      </p:childTnLst>
+                    </p:cTn>
+                  </p:par>
+                  <p:par>
+                    <p:cTn id="27" fill="hold">
+                      <p:stCondLst>
+                        <p:cond delay="indefinite"/>
+                      </p:stCondLst>
+                      <p:childTnLst>
+                        <p:par>
+                          <p:cTn id="28" fill="hold">
+                            <p:stCondLst>
+                              <p:cond delay="0"/>
+                            </p:stCondLst>
+                            <p:childTnLst>
+                              <p:par>
+                                <p:cTn id="29" presetID="10" presetClass="entr" presetSubtype="0" fill="hold" grpId="0" nodeType="clickEffect">
+                                  <p:stCondLst>
+                                    <p:cond delay="0"/>
+                                  </p:stCondLst>
+                                  <p:childTnLst>
+                                    <p:set>
+                                      <p:cBhvr>
+                                        <p:cTn id="30" dur="1" fill="hold">
+                                          <p:stCondLst>
+                                            <p:cond delay="0"/>
+                                          </p:stCondLst>
+                                        </p:cTn>
+                                        <p:tgtEl>
+                                          <p:spTgt spid="5"/>
+                                        </p:tgtEl>
+                                        <p:attrNameLst>
+                                          <p:attrName>style.visibility</p:attrName>
+                                        </p:attrNameLst>
+                                      </p:cBhvr>
+                                      <p:to>
+                                        <p:strVal val="visible"/>
+                                      </p:to>
+                                    </p:set>
+                                    <p:animEffect transition="in" filter="fade">
+                                      <p:cBhvr>
+                                        <p:cTn id="31" dur="500"/>
+                                        <p:tgtEl>
+                                          <p:spTgt spid="5"/>
+                                        </p:tgtEl>
+                                      </p:cBhvr>
+                                    </p:animEffect>
+                                  </p:childTnLst>
+                                </p:cTn>
+                              </p:par>
+                              <p:par>
+                                <p:cTn id="32" presetID="10" presetClass="entr" presetSubtype="0" fill="hold" nodeType="withEffect">
+                                  <p:stCondLst>
+                                    <p:cond delay="0"/>
+                                  </p:stCondLst>
+                                  <p:childTnLst>
+                                    <p:set>
+                                      <p:cBhvr>
+                                        <p:cTn id="33" dur="1" fill="hold">
+                                          <p:stCondLst>
+                                            <p:cond delay="0"/>
+                                          </p:stCondLst>
+                                        </p:cTn>
+                                        <p:tgtEl>
+                                          <p:spTgt spid="14"/>
+                                        </p:tgtEl>
+                                        <p:attrNameLst>
+                                          <p:attrName>style.visibility</p:attrName>
+                                        </p:attrNameLst>
+                                      </p:cBhvr>
+                                      <p:to>
+                                        <p:strVal val="visible"/>
+                                      </p:to>
+                                    </p:set>
+                                    <p:animEffect transition="in" filter="fade">
+                                      <p:cBhvr>
+                                        <p:cTn id="34" dur="500"/>
+                                        <p:tgtEl>
+                                          <p:spTgt spid="14"/>
+                                        </p:tgtEl>
+                                      </p:cBhvr>
+                                    </p:animEffect>
+                                  </p:childTnLst>
+                                </p:cTn>
+                              </p:par>
+                            </p:childTnLst>
+                          </p:cTn>
+                        </p:par>
+                      </p:childTnLst>
+                    </p:cTn>
+                  </p:par>
+                  <p:par>
+                    <p:cTn id="35" fill="hold">
+                      <p:stCondLst>
+                        <p:cond delay="indefinite"/>
+                      </p:stCondLst>
+                      <p:childTnLst>
+                        <p:par>
+                          <p:cTn id="36" fill="hold">
+                            <p:stCondLst>
+                              <p:cond delay="0"/>
+                            </p:stCondLst>
+                            <p:childTnLst>
+                              <p:par>
+                                <p:cTn id="37" presetID="10" presetClass="entr" presetSubtype="0" fill="hold" grpId="0" nodeType="clickEffect">
+                                  <p:stCondLst>
+                                    <p:cond delay="0"/>
+                                  </p:stCondLst>
+                                  <p:childTnLst>
+                                    <p:set>
+                                      <p:cBhvr>
+                                        <p:cTn id="38" dur="1" fill="hold">
+                                          <p:stCondLst>
+                                            <p:cond delay="0"/>
+                                          </p:stCondLst>
+                                        </p:cTn>
+                                        <p:tgtEl>
+                                          <p:spTgt spid="8"/>
+                                        </p:tgtEl>
+                                        <p:attrNameLst>
+                                          <p:attrName>style.visibility</p:attrName>
+                                        </p:attrNameLst>
+                                      </p:cBhvr>
+                                      <p:to>
+                                        <p:strVal val="visible"/>
+                                      </p:to>
+                                    </p:set>
+                                    <p:animEffect transition="in" filter="fade">
+                                      <p:cBhvr>
+                                        <p:cTn id="39" dur="500"/>
+                                        <p:tgtEl>
+                                          <p:spTgt spid="8"/>
+                                        </p:tgtEl>
+                                      </p:cBhvr>
+                                    </p:animEffect>
+                                  </p:childTnLst>
+                                </p:cTn>
+                              </p:par>
+                              <p:par>
+                                <p:cTn id="40" presetID="10" presetClass="entr" presetSubtype="0" fill="hold" nodeType="withEffect">
+                                  <p:stCondLst>
+                                    <p:cond delay="0"/>
+                                  </p:stCondLst>
+                                  <p:childTnLst>
+                                    <p:set>
+                                      <p:cBhvr>
+                                        <p:cTn id="41" dur="1" fill="hold">
+                                          <p:stCondLst>
+                                            <p:cond delay="0"/>
+                                          </p:stCondLst>
+                                        </p:cTn>
+                                        <p:tgtEl>
+                                          <p:spTgt spid="10"/>
+                                        </p:tgtEl>
+                                        <p:attrNameLst>
+                                          <p:attrName>style.visibility</p:attrName>
+                                        </p:attrNameLst>
+                                      </p:cBhvr>
+                                      <p:to>
+                                        <p:strVal val="visible"/>
+                                      </p:to>
+                                    </p:set>
+                                    <p:animEffect transition="in" filter="fade">
+                                      <p:cBhvr>
+                                        <p:cTn id="42" dur="500"/>
+                                        <p:tgtEl>
+                                          <p:spTgt spid="10"/>
+                                        </p:tgtEl>
+                                      </p:cBhvr>
+                                    </p:animEffect>
+                                  </p:childTnLst>
+                                </p:cTn>
+                              </p:par>
+                            </p:childTnLst>
+                          </p:cTn>
+                        </p:par>
+                      </p:childTnLst>
+                    </p:cTn>
+                  </p:par>
+                </p:childTnLst>
+              </p:cTn>
+              <p:prevCondLst>
+                <p:cond evt="onPrev" delay="0">
+                  <p:tgtEl>
+                    <p:sldTgt/>
+                  </p:tgtEl>
+                </p:cond>
+              </p:prevCondLst>
+              <p:nextCondLst>
+                <p:cond evt="onNext" delay="0">
+                  <p:tgtEl>
+                    <p:sldTgt/>
+                  </p:tgtEl>
+                </p:cond>
+              </p:nextCondLst>
+            </p:seq>
+          </p:childTnLst>
+        </p:cTn>
+      </p:par>
+    </p:tnLst>
+    <p:bldLst>
+      <p:bldP spid="4" grpId="0"/>
+      <p:bldP spid="5" grpId="0"/>
+      <p:bldP spid="6" grpId="0"/>
+      <p:bldP spid="7" grpId="0"/>
+      <p:bldP spid="8" grpId="0"/>
+    </p:bldLst>
+  </p:timing>
 </p:sld>
 </file>
 
@@ -5533,6 +6241,35 @@
           </a:p>
         </p:txBody>
       </p:sp>
+      <p:sp>
+        <p:nvSpPr>
+          <p:cNvPr id="3" name="Foliennummernplatzhalter 2">
+            <a:extLst>
+              <a:ext uri="{FF2B5EF4-FFF2-40B4-BE49-F238E27FC236}">
+                <a16:creationId xmlns:a16="http://schemas.microsoft.com/office/drawing/2014/main" id="{D9223243-A397-AE58-2CF6-E5DBA1A2D86C}"/>
+              </a:ext>
+            </a:extLst>
+          </p:cNvPr>
+          <p:cNvSpPr>
+            <a:spLocks noGrp="1"/>
+          </p:cNvSpPr>
+          <p:nvPr>
+            <p:ph type="sldNum" sz="quarter" idx="12"/>
+          </p:nvPr>
+        </p:nvSpPr>
+        <p:spPr/>
+        <p:txBody>
+          <a:bodyPr/>
+          <a:lstStyle/>
+          <a:p>
+            <a:fld id="{1A401315-7350-4ECF-B456-363AC987C71C}" type="slidenum">
+              <a:rPr lang="en-GB" smtClean="0"/>
+              <a:t>11</a:t>
+            </a:fld>
+            <a:endParaRPr lang="en-GB"/>
+          </a:p>
+        </p:txBody>
+      </p:sp>
     </p:spTree>
     <p:extLst>
       <p:ext uri="{BB962C8B-B14F-4D97-AF65-F5344CB8AC3E}">
@@ -5543,6 +6280,326 @@
   <p:clrMapOvr>
     <a:masterClrMapping/>
   </p:clrMapOvr>
+  <p:transition spd="slow">
+    <p:push dir="r"/>
+  </p:transition>
+  <p:timing>
+    <p:tnLst>
+      <p:par>
+        <p:cTn id="1" dur="indefinite" restart="never" nodeType="tmRoot">
+          <p:childTnLst>
+            <p:seq concurrent="1" nextAc="seek">
+              <p:cTn id="2" dur="indefinite" nodeType="mainSeq">
+                <p:childTnLst>
+                  <p:par>
+                    <p:cTn id="3" fill="hold">
+                      <p:stCondLst>
+                        <p:cond delay="indefinite"/>
+                      </p:stCondLst>
+                      <p:childTnLst>
+                        <p:par>
+                          <p:cTn id="4" fill="hold">
+                            <p:stCondLst>
+                              <p:cond delay="0"/>
+                            </p:stCondLst>
+                            <p:childTnLst>
+                              <p:par>
+                                <p:cTn id="5" presetID="10" presetClass="entr" presetSubtype="0" fill="hold" nodeType="clickEffect">
+                                  <p:stCondLst>
+                                    <p:cond delay="0"/>
+                                  </p:stCondLst>
+                                  <p:childTnLst>
+                                    <p:set>
+                                      <p:cBhvr>
+                                        <p:cTn id="6" dur="1" fill="hold">
+                                          <p:stCondLst>
+                                            <p:cond delay="0"/>
+                                          </p:stCondLst>
+                                        </p:cTn>
+                                        <p:tgtEl>
+                                          <p:spTgt spid="5"/>
+                                        </p:tgtEl>
+                                        <p:attrNameLst>
+                                          <p:attrName>style.visibility</p:attrName>
+                                        </p:attrNameLst>
+                                      </p:cBhvr>
+                                      <p:to>
+                                        <p:strVal val="visible"/>
+                                      </p:to>
+                                    </p:set>
+                                    <p:animEffect transition="in" filter="fade">
+                                      <p:cBhvr>
+                                        <p:cTn id="7" dur="500"/>
+                                        <p:tgtEl>
+                                          <p:spTgt spid="5"/>
+                                        </p:tgtEl>
+                                      </p:cBhvr>
+                                    </p:animEffect>
+                                  </p:childTnLst>
+                                </p:cTn>
+                              </p:par>
+                              <p:par>
+                                <p:cTn id="8" presetID="10" presetClass="entr" presetSubtype="0" fill="hold" grpId="0" nodeType="withEffect">
+                                  <p:stCondLst>
+                                    <p:cond delay="0"/>
+                                  </p:stCondLst>
+                                  <p:childTnLst>
+                                    <p:set>
+                                      <p:cBhvr>
+                                        <p:cTn id="9" dur="1" fill="hold">
+                                          <p:stCondLst>
+                                            <p:cond delay="0"/>
+                                          </p:stCondLst>
+                                        </p:cTn>
+                                        <p:tgtEl>
+                                          <p:spTgt spid="10"/>
+                                        </p:tgtEl>
+                                        <p:attrNameLst>
+                                          <p:attrName>style.visibility</p:attrName>
+                                        </p:attrNameLst>
+                                      </p:cBhvr>
+                                      <p:to>
+                                        <p:strVal val="visible"/>
+                                      </p:to>
+                                    </p:set>
+                                    <p:animEffect transition="in" filter="fade">
+                                      <p:cBhvr>
+                                        <p:cTn id="10" dur="500"/>
+                                        <p:tgtEl>
+                                          <p:spTgt spid="10"/>
+                                        </p:tgtEl>
+                                      </p:cBhvr>
+                                    </p:animEffect>
+                                  </p:childTnLst>
+                                </p:cTn>
+                              </p:par>
+                            </p:childTnLst>
+                          </p:cTn>
+                        </p:par>
+                      </p:childTnLst>
+                    </p:cTn>
+                  </p:par>
+                  <p:par>
+                    <p:cTn id="11" fill="hold">
+                      <p:stCondLst>
+                        <p:cond delay="indefinite"/>
+                      </p:stCondLst>
+                      <p:childTnLst>
+                        <p:par>
+                          <p:cTn id="12" fill="hold">
+                            <p:stCondLst>
+                              <p:cond delay="0"/>
+                            </p:stCondLst>
+                            <p:childTnLst>
+                              <p:par>
+                                <p:cTn id="13" presetID="10" presetClass="entr" presetSubtype="0" fill="hold" nodeType="clickEffect">
+                                  <p:stCondLst>
+                                    <p:cond delay="0"/>
+                                  </p:stCondLst>
+                                  <p:childTnLst>
+                                    <p:set>
+                                      <p:cBhvr>
+                                        <p:cTn id="14" dur="1" fill="hold">
+                                          <p:stCondLst>
+                                            <p:cond delay="0"/>
+                                          </p:stCondLst>
+                                        </p:cTn>
+                                        <p:tgtEl>
+                                          <p:spTgt spid="7"/>
+                                        </p:tgtEl>
+                                        <p:attrNameLst>
+                                          <p:attrName>style.visibility</p:attrName>
+                                        </p:attrNameLst>
+                                      </p:cBhvr>
+                                      <p:to>
+                                        <p:strVal val="visible"/>
+                                      </p:to>
+                                    </p:set>
+                                    <p:animEffect transition="in" filter="fade">
+                                      <p:cBhvr>
+                                        <p:cTn id="15" dur="500"/>
+                                        <p:tgtEl>
+                                          <p:spTgt spid="7"/>
+                                        </p:tgtEl>
+                                      </p:cBhvr>
+                                    </p:animEffect>
+                                  </p:childTnLst>
+                                </p:cTn>
+                              </p:par>
+                            </p:childTnLst>
+                          </p:cTn>
+                        </p:par>
+                      </p:childTnLst>
+                    </p:cTn>
+                  </p:par>
+                  <p:par>
+                    <p:cTn id="16" fill="hold">
+                      <p:stCondLst>
+                        <p:cond delay="indefinite"/>
+                      </p:stCondLst>
+                      <p:childTnLst>
+                        <p:par>
+                          <p:cTn id="17" fill="hold">
+                            <p:stCondLst>
+                              <p:cond delay="0"/>
+                            </p:stCondLst>
+                            <p:childTnLst>
+                              <p:par>
+                                <p:cTn id="18" presetID="10" presetClass="entr" presetSubtype="0" fill="hold" grpId="0" nodeType="clickEffect">
+                                  <p:stCondLst>
+                                    <p:cond delay="0"/>
+                                  </p:stCondLst>
+                                  <p:childTnLst>
+                                    <p:set>
+                                      <p:cBhvr>
+                                        <p:cTn id="19" dur="1" fill="hold">
+                                          <p:stCondLst>
+                                            <p:cond delay="0"/>
+                                          </p:stCondLst>
+                                        </p:cTn>
+                                        <p:tgtEl>
+                                          <p:spTgt spid="12"/>
+                                        </p:tgtEl>
+                                        <p:attrNameLst>
+                                          <p:attrName>style.visibility</p:attrName>
+                                        </p:attrNameLst>
+                                      </p:cBhvr>
+                                      <p:to>
+                                        <p:strVal val="visible"/>
+                                      </p:to>
+                                    </p:set>
+                                    <p:animEffect transition="in" filter="fade">
+                                      <p:cBhvr>
+                                        <p:cTn id="20" dur="500"/>
+                                        <p:tgtEl>
+                                          <p:spTgt spid="12"/>
+                                        </p:tgtEl>
+                                      </p:cBhvr>
+                                    </p:animEffect>
+                                  </p:childTnLst>
+                                </p:cTn>
+                              </p:par>
+                            </p:childTnLst>
+                          </p:cTn>
+                        </p:par>
+                      </p:childTnLst>
+                    </p:cTn>
+                  </p:par>
+                  <p:par>
+                    <p:cTn id="21" fill="hold">
+                      <p:stCondLst>
+                        <p:cond delay="indefinite"/>
+                      </p:stCondLst>
+                      <p:childTnLst>
+                        <p:par>
+                          <p:cTn id="22" fill="hold">
+                            <p:stCondLst>
+                              <p:cond delay="0"/>
+                            </p:stCondLst>
+                            <p:childTnLst>
+                              <p:par>
+                                <p:cTn id="23" presetID="10" presetClass="entr" presetSubtype="0" fill="hold" nodeType="clickEffect">
+                                  <p:stCondLst>
+                                    <p:cond delay="0"/>
+                                  </p:stCondLst>
+                                  <p:childTnLst>
+                                    <p:set>
+                                      <p:cBhvr>
+                                        <p:cTn id="24" dur="1" fill="hold">
+                                          <p:stCondLst>
+                                            <p:cond delay="0"/>
+                                          </p:stCondLst>
+                                        </p:cTn>
+                                        <p:tgtEl>
+                                          <p:spTgt spid="9"/>
+                                        </p:tgtEl>
+                                        <p:attrNameLst>
+                                          <p:attrName>style.visibility</p:attrName>
+                                        </p:attrNameLst>
+                                      </p:cBhvr>
+                                      <p:to>
+                                        <p:strVal val="visible"/>
+                                      </p:to>
+                                    </p:set>
+                                    <p:animEffect transition="in" filter="fade">
+                                      <p:cBhvr>
+                                        <p:cTn id="25" dur="500"/>
+                                        <p:tgtEl>
+                                          <p:spTgt spid="9"/>
+                                        </p:tgtEl>
+                                      </p:cBhvr>
+                                    </p:animEffect>
+                                  </p:childTnLst>
+                                </p:cTn>
+                              </p:par>
+                              <p:par>
+                                <p:cTn id="26" presetID="10" presetClass="entr" presetSubtype="0" fill="hold" grpId="0" nodeType="withEffect">
+                                  <p:stCondLst>
+                                    <p:cond delay="0"/>
+                                  </p:stCondLst>
+                                  <p:childTnLst>
+                                    <p:set>
+                                      <p:cBhvr>
+                                        <p:cTn id="27" dur="1" fill="hold">
+                                          <p:stCondLst>
+                                            <p:cond delay="0"/>
+                                          </p:stCondLst>
+                                        </p:cTn>
+                                        <p:tgtEl>
+                                          <p:spTgt spid="13"/>
+                                        </p:tgtEl>
+                                        <p:attrNameLst>
+                                          <p:attrName>style.visibility</p:attrName>
+                                        </p:attrNameLst>
+                                      </p:cBhvr>
+                                      <p:to>
+                                        <p:strVal val="visible"/>
+                                      </p:to>
+                                    </p:set>
+                                    <p:animEffect transition="in" filter="fade">
+                                      <p:cBhvr>
+                                        <p:cTn id="28" dur="500"/>
+                                        <p:tgtEl>
+                                          <p:spTgt spid="13"/>
+                                        </p:tgtEl>
+                                      </p:cBhvr>
+                                    </p:animEffect>
+                                  </p:childTnLst>
+                                </p:cTn>
+                              </p:par>
+                            </p:childTnLst>
+                          </p:cTn>
+                        </p:par>
+                      </p:childTnLst>
+                    </p:cTn>
+                  </p:par>
+                </p:childTnLst>
+              </p:cTn>
+              <p:prevCondLst>
+                <p:cond evt="onPrev" delay="0">
+                  <p:tgtEl>
+                    <p:sldTgt/>
+                  </p:tgtEl>
+                </p:cond>
+              </p:prevCondLst>
+              <p:nextCondLst>
+                <p:cond evt="onNext" delay="0">
+                  <p:tgtEl>
+                    <p:sldTgt/>
+                  </p:tgtEl>
+                </p:cond>
+              </p:nextCondLst>
+            </p:seq>
+          </p:childTnLst>
+        </p:cTn>
+      </p:par>
+    </p:tnLst>
+    <p:bldLst>
+      <p:bldP spid="10" grpId="0"/>
+      <p:bldP spid="12" grpId="0"/>
+      <p:bldP spid="13" grpId="0"/>
+    </p:bldLst>
+  </p:timing>
 </p:sld>
 </file>
 
@@ -5627,6 +6684,35 @@
           </a:prstGeom>
         </p:spPr>
       </p:pic>
+      <p:sp>
+        <p:nvSpPr>
+          <p:cNvPr id="3" name="Foliennummernplatzhalter 2">
+            <a:extLst>
+              <a:ext uri="{FF2B5EF4-FFF2-40B4-BE49-F238E27FC236}">
+                <a16:creationId xmlns:a16="http://schemas.microsoft.com/office/drawing/2014/main" id="{20A180FE-4D8E-1B2A-169A-0FEB404EB3F5}"/>
+              </a:ext>
+            </a:extLst>
+          </p:cNvPr>
+          <p:cNvSpPr>
+            <a:spLocks noGrp="1"/>
+          </p:cNvSpPr>
+          <p:nvPr>
+            <p:ph type="sldNum" sz="quarter" idx="12"/>
+          </p:nvPr>
+        </p:nvSpPr>
+        <p:spPr/>
+        <p:txBody>
+          <a:bodyPr/>
+          <a:lstStyle/>
+          <a:p>
+            <a:fld id="{1A401315-7350-4ECF-B456-363AC987C71C}" type="slidenum">
+              <a:rPr lang="en-GB" smtClean="0"/>
+              <a:t>12</a:t>
+            </a:fld>
+            <a:endParaRPr lang="en-GB"/>
+          </a:p>
+        </p:txBody>
+      </p:sp>
     </p:spTree>
     <p:extLst>
       <p:ext uri="{BB962C8B-B14F-4D97-AF65-F5344CB8AC3E}">
@@ -5637,6 +6723,9 @@
   <p:clrMapOvr>
     <a:masterClrMapping/>
   </p:clrMapOvr>
+  <p:transition spd="slow">
+    <p:push dir="r"/>
+  </p:transition>
 </p:sld>
 </file>
 
@@ -6127,6 +7216,35 @@
           </a:p>
         </p:txBody>
       </p:sp>
+      <p:sp>
+        <p:nvSpPr>
+          <p:cNvPr id="3" name="Foliennummernplatzhalter 2">
+            <a:extLst>
+              <a:ext uri="{FF2B5EF4-FFF2-40B4-BE49-F238E27FC236}">
+                <a16:creationId xmlns:a16="http://schemas.microsoft.com/office/drawing/2014/main" id="{B5147559-4073-AC45-73CB-A7EEEB6F70B8}"/>
+              </a:ext>
+            </a:extLst>
+          </p:cNvPr>
+          <p:cNvSpPr>
+            <a:spLocks noGrp="1"/>
+          </p:cNvSpPr>
+          <p:nvPr>
+            <p:ph type="sldNum" sz="quarter" idx="12"/>
+          </p:nvPr>
+        </p:nvSpPr>
+        <p:spPr/>
+        <p:txBody>
+          <a:bodyPr/>
+          <a:lstStyle/>
+          <a:p>
+            <a:fld id="{1A401315-7350-4ECF-B456-363AC987C71C}" type="slidenum">
+              <a:rPr lang="en-GB" smtClean="0"/>
+              <a:t>13</a:t>
+            </a:fld>
+            <a:endParaRPr lang="en-GB"/>
+          </a:p>
+        </p:txBody>
+      </p:sp>
     </p:spTree>
     <p:extLst>
       <p:ext uri="{BB962C8B-B14F-4D97-AF65-F5344CB8AC3E}">
@@ -6227,6 +7345,35 @@
           </a:prstGeom>
         </p:spPr>
       </p:pic>
+      <p:sp>
+        <p:nvSpPr>
+          <p:cNvPr id="4" name="Foliennummernplatzhalter 3">
+            <a:extLst>
+              <a:ext uri="{FF2B5EF4-FFF2-40B4-BE49-F238E27FC236}">
+                <a16:creationId xmlns:a16="http://schemas.microsoft.com/office/drawing/2014/main" id="{BA6291B3-46AA-C7EB-BA74-3DCE7D4B62AC}"/>
+              </a:ext>
+            </a:extLst>
+          </p:cNvPr>
+          <p:cNvSpPr>
+            <a:spLocks noGrp="1"/>
+          </p:cNvSpPr>
+          <p:nvPr>
+            <p:ph type="sldNum" sz="quarter" idx="12"/>
+          </p:nvPr>
+        </p:nvSpPr>
+        <p:spPr/>
+        <p:txBody>
+          <a:bodyPr/>
+          <a:lstStyle/>
+          <a:p>
+            <a:fld id="{1A401315-7350-4ECF-B456-363AC987C71C}" type="slidenum">
+              <a:rPr lang="en-GB" smtClean="0"/>
+              <a:t>14</a:t>
+            </a:fld>
+            <a:endParaRPr lang="en-GB"/>
+          </a:p>
+        </p:txBody>
+      </p:sp>
     </p:spTree>
     <p:extLst>
       <p:ext uri="{BB962C8B-B14F-4D97-AF65-F5344CB8AC3E}">
@@ -6237,6 +7384,9 @@
   <p:clrMapOvr>
     <a:masterClrMapping/>
   </p:clrMapOvr>
+  <p:transition spd="slow">
+    <p:push dir="u"/>
+  </p:transition>
 </p:sld>
 </file>
 
@@ -6338,7 +7488,7 @@
           <p:nvPr/>
         </p:nvPicPr>
         <p:blipFill>
-          <a:blip r:embed="rId2"/>
+          <a:blip r:embed="rId3"/>
           <a:stretch>
             <a:fillRect/>
           </a:stretch>
@@ -6368,7 +7518,7 @@
           <p:nvPr/>
         </p:nvPicPr>
         <p:blipFill>
-          <a:blip r:embed="rId3"/>
+          <a:blip r:embed="rId4"/>
           <a:stretch>
             <a:fillRect/>
           </a:stretch>
@@ -6398,7 +7548,7 @@
           <p:nvPr/>
         </p:nvPicPr>
         <p:blipFill>
-          <a:blip r:embed="rId4"/>
+          <a:blip r:embed="rId5"/>
           <a:stretch>
             <a:fillRect/>
           </a:stretch>
@@ -6524,6 +7674,35 @@
           </a:p>
         </p:txBody>
       </p:sp>
+      <p:sp>
+        <p:nvSpPr>
+          <p:cNvPr id="4" name="Foliennummernplatzhalter 3">
+            <a:extLst>
+              <a:ext uri="{FF2B5EF4-FFF2-40B4-BE49-F238E27FC236}">
+                <a16:creationId xmlns:a16="http://schemas.microsoft.com/office/drawing/2014/main" id="{BF291867-B06A-AD15-4065-D4A3F2CDDB36}"/>
+              </a:ext>
+            </a:extLst>
+          </p:cNvPr>
+          <p:cNvSpPr>
+            <a:spLocks noGrp="1"/>
+          </p:cNvSpPr>
+          <p:nvPr>
+            <p:ph type="sldNum" sz="quarter" idx="12"/>
+          </p:nvPr>
+        </p:nvSpPr>
+        <p:spPr/>
+        <p:txBody>
+          <a:bodyPr/>
+          <a:lstStyle/>
+          <a:p>
+            <a:fld id="{1A401315-7350-4ECF-B456-363AC987C71C}" type="slidenum">
+              <a:rPr lang="en-GB" smtClean="0"/>
+              <a:t>15</a:t>
+            </a:fld>
+            <a:endParaRPr lang="en-GB"/>
+          </a:p>
+        </p:txBody>
+      </p:sp>
     </p:spTree>
     <p:extLst>
       <p:ext uri="{BB962C8B-B14F-4D97-AF65-F5344CB8AC3E}">
@@ -6534,6 +7713,9 @@
   <p:clrMapOvr>
     <a:masterClrMapping/>
   </p:clrMapOvr>
+  <p:transition spd="slow">
+    <p:push dir="u"/>
+  </p:transition>
 </p:sld>
 </file>
 
@@ -6936,14 +8118,14 @@
           <p:nvPr/>
         </p:nvPicPr>
         <p:blipFill>
-          <a:blip r:embed="rId2"/>
+          <a:blip r:embed="rId3"/>
           <a:stretch>
             <a:fillRect/>
           </a:stretch>
         </p:blipFill>
         <p:spPr>
           <a:xfrm>
-            <a:off x="2245954" y="1835765"/>
+            <a:off x="2346090" y="1881082"/>
             <a:ext cx="1074635" cy="1074635"/>
           </a:xfrm>
           <a:prstGeom prst="rect">
@@ -6966,14 +8148,14 @@
           <p:nvPr/>
         </p:nvPicPr>
         <p:blipFill>
-          <a:blip r:embed="rId3"/>
+          <a:blip r:embed="rId4"/>
           <a:stretch>
             <a:fillRect/>
           </a:stretch>
         </p:blipFill>
         <p:spPr>
           <a:xfrm>
-            <a:off x="5675650" y="1924057"/>
+            <a:off x="5642122" y="1908322"/>
             <a:ext cx="1074634" cy="1074634"/>
           </a:xfrm>
           <a:prstGeom prst="rect">
@@ -6996,7 +8178,7 @@
           <p:nvPr/>
         </p:nvPicPr>
         <p:blipFill>
-          <a:blip r:embed="rId4"/>
+          <a:blip r:embed="rId5"/>
           <a:stretch>
             <a:fillRect/>
           </a:stretch>
@@ -7026,14 +8208,14 @@
           <p:nvPr/>
         </p:nvPicPr>
         <p:blipFill>
-          <a:blip r:embed="rId5"/>
+          <a:blip r:embed="rId6"/>
           <a:stretch>
             <a:fillRect/>
           </a:stretch>
         </p:blipFill>
         <p:spPr>
           <a:xfrm>
-            <a:off x="2090354" y="3468699"/>
+            <a:off x="2237613" y="3438517"/>
             <a:ext cx="1196340" cy="1196340"/>
           </a:xfrm>
           <a:prstGeom prst="rect">
@@ -7056,7 +8238,7 @@
           <p:nvPr/>
         </p:nvPicPr>
         <p:blipFill>
-          <a:blip r:embed="rId6"/>
+          <a:blip r:embed="rId7"/>
           <a:stretch>
             <a:fillRect/>
           </a:stretch>
@@ -7086,14 +8268,14 @@
           <p:nvPr/>
         </p:nvPicPr>
         <p:blipFill>
-          <a:blip r:embed="rId7"/>
+          <a:blip r:embed="rId8"/>
           <a:stretch>
             <a:fillRect/>
           </a:stretch>
         </p:blipFill>
         <p:spPr>
           <a:xfrm>
-            <a:off x="2090354" y="5172151"/>
+            <a:off x="2274951" y="5095417"/>
             <a:ext cx="1121664" cy="1121664"/>
           </a:xfrm>
           <a:prstGeom prst="rect">
@@ -7116,14 +8298,14 @@
           <p:nvPr/>
         </p:nvPicPr>
         <p:blipFill>
-          <a:blip r:embed="rId8"/>
+          <a:blip r:embed="rId9"/>
           <a:stretch>
             <a:fillRect/>
           </a:stretch>
         </p:blipFill>
         <p:spPr>
           <a:xfrm>
-            <a:off x="5758761" y="5172151"/>
+            <a:off x="5698228" y="5157128"/>
             <a:ext cx="1131678" cy="1131678"/>
           </a:xfrm>
           <a:prstGeom prst="rect">
@@ -7146,7 +8328,7 @@
           <p:nvPr/>
         </p:nvPicPr>
         <p:blipFill>
-          <a:blip r:embed="rId9"/>
+          <a:blip r:embed="rId10"/>
           <a:stretch>
             <a:fillRect/>
           </a:stretch>
@@ -7176,14 +8358,14 @@
           <p:nvPr/>
         </p:nvPicPr>
         <p:blipFill>
-          <a:blip r:embed="rId10"/>
+          <a:blip r:embed="rId11"/>
           <a:stretch>
             <a:fillRect/>
           </a:stretch>
         </p:blipFill>
         <p:spPr>
           <a:xfrm>
-            <a:off x="5584685" y="3425730"/>
+            <a:off x="5662421" y="3375127"/>
             <a:ext cx="1196341" cy="1196341"/>
           </a:xfrm>
           <a:prstGeom prst="rect">
@@ -7191,6 +8373,35 @@
           </a:prstGeom>
         </p:spPr>
       </p:pic>
+      <p:sp>
+        <p:nvSpPr>
+          <p:cNvPr id="3" name="Foliennummernplatzhalter 2">
+            <a:extLst>
+              <a:ext uri="{FF2B5EF4-FFF2-40B4-BE49-F238E27FC236}">
+                <a16:creationId xmlns:a16="http://schemas.microsoft.com/office/drawing/2014/main" id="{FAA7553E-8B05-2ADF-A3EC-0AD266F36ACC}"/>
+              </a:ext>
+            </a:extLst>
+          </p:cNvPr>
+          <p:cNvSpPr>
+            <a:spLocks noGrp="1"/>
+          </p:cNvSpPr>
+          <p:nvPr>
+            <p:ph type="sldNum" sz="quarter" idx="12"/>
+          </p:nvPr>
+        </p:nvSpPr>
+        <p:spPr/>
+        <p:txBody>
+          <a:bodyPr/>
+          <a:lstStyle/>
+          <a:p>
+            <a:fld id="{1A401315-7350-4ECF-B456-363AC987C71C}" type="slidenum">
+              <a:rPr lang="en-GB" smtClean="0"/>
+              <a:t>16</a:t>
+            </a:fld>
+            <a:endParaRPr lang="en-GB"/>
+          </a:p>
+        </p:txBody>
+      </p:sp>
     </p:spTree>
     <p:extLst>
       <p:ext uri="{BB962C8B-B14F-4D97-AF65-F5344CB8AC3E}">
@@ -7201,6 +8412,734 @@
   <p:clrMapOvr>
     <a:masterClrMapping/>
   </p:clrMapOvr>
+  <p:transition spd="slow">
+    <p:push/>
+  </p:transition>
+  <p:timing>
+    <p:tnLst>
+      <p:par>
+        <p:cTn id="1" dur="indefinite" restart="never" nodeType="tmRoot">
+          <p:childTnLst>
+            <p:seq concurrent="1" nextAc="seek">
+              <p:cTn id="2" dur="indefinite" nodeType="mainSeq">
+                <p:childTnLst>
+                  <p:par>
+                    <p:cTn id="3" fill="hold">
+                      <p:stCondLst>
+                        <p:cond delay="indefinite"/>
+                      </p:stCondLst>
+                      <p:childTnLst>
+                        <p:par>
+                          <p:cTn id="4" fill="hold">
+                            <p:stCondLst>
+                              <p:cond delay="0"/>
+                            </p:stCondLst>
+                            <p:childTnLst>
+                              <p:par>
+                                <p:cTn id="5" presetID="10" presetClass="entr" presetSubtype="0" fill="hold" grpId="0" nodeType="clickEffect">
+                                  <p:stCondLst>
+                                    <p:cond delay="0"/>
+                                  </p:stCondLst>
+                                  <p:childTnLst>
+                                    <p:set>
+                                      <p:cBhvr>
+                                        <p:cTn id="6" dur="1" fill="hold">
+                                          <p:stCondLst>
+                                            <p:cond delay="0"/>
+                                          </p:stCondLst>
+                                        </p:cTn>
+                                        <p:tgtEl>
+                                          <p:spTgt spid="4"/>
+                                        </p:tgtEl>
+                                        <p:attrNameLst>
+                                          <p:attrName>style.visibility</p:attrName>
+                                        </p:attrNameLst>
+                                      </p:cBhvr>
+                                      <p:to>
+                                        <p:strVal val="visible"/>
+                                      </p:to>
+                                    </p:set>
+                                    <p:animEffect transition="in" filter="fade">
+                                      <p:cBhvr>
+                                        <p:cTn id="7" dur="500"/>
+                                        <p:tgtEl>
+                                          <p:spTgt spid="4"/>
+                                        </p:tgtEl>
+                                      </p:cBhvr>
+                                    </p:animEffect>
+                                  </p:childTnLst>
+                                </p:cTn>
+                              </p:par>
+                              <p:par>
+                                <p:cTn id="8" presetID="10" presetClass="entr" presetSubtype="0" fill="hold" grpId="0" nodeType="withEffect">
+                                  <p:stCondLst>
+                                    <p:cond delay="0"/>
+                                  </p:stCondLst>
+                                  <p:childTnLst>
+                                    <p:set>
+                                      <p:cBhvr>
+                                        <p:cTn id="9" dur="1" fill="hold">
+                                          <p:stCondLst>
+                                            <p:cond delay="0"/>
+                                          </p:stCondLst>
+                                        </p:cTn>
+                                        <p:tgtEl>
+                                          <p:spTgt spid="6"/>
+                                        </p:tgtEl>
+                                        <p:attrNameLst>
+                                          <p:attrName>style.visibility</p:attrName>
+                                        </p:attrNameLst>
+                                      </p:cBhvr>
+                                      <p:to>
+                                        <p:strVal val="visible"/>
+                                      </p:to>
+                                    </p:set>
+                                    <p:animEffect transition="in" filter="fade">
+                                      <p:cBhvr>
+                                        <p:cTn id="10" dur="500"/>
+                                        <p:tgtEl>
+                                          <p:spTgt spid="6"/>
+                                        </p:tgtEl>
+                                      </p:cBhvr>
+                                    </p:animEffect>
+                                  </p:childTnLst>
+                                </p:cTn>
+                              </p:par>
+                              <p:par>
+                                <p:cTn id="11" presetID="10" presetClass="entr" presetSubtype="0" fill="hold" grpId="0" nodeType="withEffect">
+                                  <p:stCondLst>
+                                    <p:cond delay="0"/>
+                                  </p:stCondLst>
+                                  <p:childTnLst>
+                                    <p:set>
+                                      <p:cBhvr>
+                                        <p:cTn id="12" dur="1" fill="hold">
+                                          <p:stCondLst>
+                                            <p:cond delay="0"/>
+                                          </p:stCondLst>
+                                        </p:cTn>
+                                        <p:tgtEl>
+                                          <p:spTgt spid="7"/>
+                                        </p:tgtEl>
+                                        <p:attrNameLst>
+                                          <p:attrName>style.visibility</p:attrName>
+                                        </p:attrNameLst>
+                                      </p:cBhvr>
+                                      <p:to>
+                                        <p:strVal val="visible"/>
+                                      </p:to>
+                                    </p:set>
+                                    <p:animEffect transition="in" filter="fade">
+                                      <p:cBhvr>
+                                        <p:cTn id="13" dur="500"/>
+                                        <p:tgtEl>
+                                          <p:spTgt spid="7"/>
+                                        </p:tgtEl>
+                                      </p:cBhvr>
+                                    </p:animEffect>
+                                  </p:childTnLst>
+                                </p:cTn>
+                              </p:par>
+                              <p:par>
+                                <p:cTn id="14" presetID="10" presetClass="entr" presetSubtype="0" fill="hold" nodeType="withEffect">
+                                  <p:stCondLst>
+                                    <p:cond delay="0"/>
+                                  </p:stCondLst>
+                                  <p:childTnLst>
+                                    <p:set>
+                                      <p:cBhvr>
+                                        <p:cTn id="15" dur="1" fill="hold">
+                                          <p:stCondLst>
+                                            <p:cond delay="0"/>
+                                          </p:stCondLst>
+                                        </p:cTn>
+                                        <p:tgtEl>
+                                          <p:spTgt spid="15"/>
+                                        </p:tgtEl>
+                                        <p:attrNameLst>
+                                          <p:attrName>style.visibility</p:attrName>
+                                        </p:attrNameLst>
+                                      </p:cBhvr>
+                                      <p:to>
+                                        <p:strVal val="visible"/>
+                                      </p:to>
+                                    </p:set>
+                                    <p:animEffect transition="in" filter="fade">
+                                      <p:cBhvr>
+                                        <p:cTn id="16" dur="500"/>
+                                        <p:tgtEl>
+                                          <p:spTgt spid="15"/>
+                                        </p:tgtEl>
+                                      </p:cBhvr>
+                                    </p:animEffect>
+                                  </p:childTnLst>
+                                </p:cTn>
+                              </p:par>
+                              <p:par>
+                                <p:cTn id="17" presetID="10" presetClass="entr" presetSubtype="0" fill="hold" nodeType="withEffect">
+                                  <p:stCondLst>
+                                    <p:cond delay="0"/>
+                                  </p:stCondLst>
+                                  <p:childTnLst>
+                                    <p:set>
+                                      <p:cBhvr>
+                                        <p:cTn id="18" dur="1" fill="hold">
+                                          <p:stCondLst>
+                                            <p:cond delay="0"/>
+                                          </p:stCondLst>
+                                        </p:cTn>
+                                        <p:tgtEl>
+                                          <p:spTgt spid="19"/>
+                                        </p:tgtEl>
+                                        <p:attrNameLst>
+                                          <p:attrName>style.visibility</p:attrName>
+                                        </p:attrNameLst>
+                                      </p:cBhvr>
+                                      <p:to>
+                                        <p:strVal val="visible"/>
+                                      </p:to>
+                                    </p:set>
+                                    <p:animEffect transition="in" filter="fade">
+                                      <p:cBhvr>
+                                        <p:cTn id="19" dur="500"/>
+                                        <p:tgtEl>
+                                          <p:spTgt spid="19"/>
+                                        </p:tgtEl>
+                                      </p:cBhvr>
+                                    </p:animEffect>
+                                  </p:childTnLst>
+                                </p:cTn>
+                              </p:par>
+                              <p:par>
+                                <p:cTn id="20" presetID="10" presetClass="entr" presetSubtype="0" fill="hold" nodeType="withEffect">
+                                  <p:stCondLst>
+                                    <p:cond delay="0"/>
+                                  </p:stCondLst>
+                                  <p:childTnLst>
+                                    <p:set>
+                                      <p:cBhvr>
+                                        <p:cTn id="21" dur="1" fill="hold">
+                                          <p:stCondLst>
+                                            <p:cond delay="0"/>
+                                          </p:stCondLst>
+                                        </p:cTn>
+                                        <p:tgtEl>
+                                          <p:spTgt spid="21"/>
+                                        </p:tgtEl>
+                                        <p:attrNameLst>
+                                          <p:attrName>style.visibility</p:attrName>
+                                        </p:attrNameLst>
+                                      </p:cBhvr>
+                                      <p:to>
+                                        <p:strVal val="visible"/>
+                                      </p:to>
+                                    </p:set>
+                                    <p:animEffect transition="in" filter="fade">
+                                      <p:cBhvr>
+                                        <p:cTn id="22" dur="500"/>
+                                        <p:tgtEl>
+                                          <p:spTgt spid="21"/>
+                                        </p:tgtEl>
+                                      </p:cBhvr>
+                                    </p:animEffect>
+                                  </p:childTnLst>
+                                </p:cTn>
+                              </p:par>
+                            </p:childTnLst>
+                          </p:cTn>
+                        </p:par>
+                      </p:childTnLst>
+                    </p:cTn>
+                  </p:par>
+                  <p:par>
+                    <p:cTn id="23" fill="hold">
+                      <p:stCondLst>
+                        <p:cond delay="indefinite"/>
+                      </p:stCondLst>
+                      <p:childTnLst>
+                        <p:par>
+                          <p:cTn id="24" fill="hold">
+                            <p:stCondLst>
+                              <p:cond delay="0"/>
+                            </p:stCondLst>
+                            <p:childTnLst>
+                              <p:par>
+                                <p:cTn id="25" presetID="10" presetClass="entr" presetSubtype="0" fill="hold" grpId="0" nodeType="clickEffect">
+                                  <p:stCondLst>
+                                    <p:cond delay="0"/>
+                                  </p:stCondLst>
+                                  <p:childTnLst>
+                                    <p:set>
+                                      <p:cBhvr>
+                                        <p:cTn id="26" dur="1" fill="hold">
+                                          <p:stCondLst>
+                                            <p:cond delay="0"/>
+                                          </p:stCondLst>
+                                        </p:cTn>
+                                        <p:tgtEl>
+                                          <p:spTgt spid="8"/>
+                                        </p:tgtEl>
+                                        <p:attrNameLst>
+                                          <p:attrName>style.visibility</p:attrName>
+                                        </p:attrNameLst>
+                                      </p:cBhvr>
+                                      <p:to>
+                                        <p:strVal val="visible"/>
+                                      </p:to>
+                                    </p:set>
+                                    <p:animEffect transition="in" filter="fade">
+                                      <p:cBhvr>
+                                        <p:cTn id="27" dur="500"/>
+                                        <p:tgtEl>
+                                          <p:spTgt spid="8"/>
+                                        </p:tgtEl>
+                                      </p:cBhvr>
+                                    </p:animEffect>
+                                  </p:childTnLst>
+                                </p:cTn>
+                              </p:par>
+                              <p:par>
+                                <p:cTn id="28" presetID="10" presetClass="entr" presetSubtype="0" fill="hold" grpId="0" nodeType="withEffect">
+                                  <p:stCondLst>
+                                    <p:cond delay="0"/>
+                                  </p:stCondLst>
+                                  <p:childTnLst>
+                                    <p:set>
+                                      <p:cBhvr>
+                                        <p:cTn id="29" dur="1" fill="hold">
+                                          <p:stCondLst>
+                                            <p:cond delay="0"/>
+                                          </p:stCondLst>
+                                        </p:cTn>
+                                        <p:tgtEl>
+                                          <p:spTgt spid="9"/>
+                                        </p:tgtEl>
+                                        <p:attrNameLst>
+                                          <p:attrName>style.visibility</p:attrName>
+                                        </p:attrNameLst>
+                                      </p:cBhvr>
+                                      <p:to>
+                                        <p:strVal val="visible"/>
+                                      </p:to>
+                                    </p:set>
+                                    <p:animEffect transition="in" filter="fade">
+                                      <p:cBhvr>
+                                        <p:cTn id="30" dur="500"/>
+                                        <p:tgtEl>
+                                          <p:spTgt spid="9"/>
+                                        </p:tgtEl>
+                                      </p:cBhvr>
+                                    </p:animEffect>
+                                  </p:childTnLst>
+                                </p:cTn>
+                              </p:par>
+                              <p:par>
+                                <p:cTn id="31" presetID="10" presetClass="entr" presetSubtype="0" fill="hold" grpId="0" nodeType="withEffect">
+                                  <p:stCondLst>
+                                    <p:cond delay="0"/>
+                                  </p:stCondLst>
+                                  <p:childTnLst>
+                                    <p:set>
+                                      <p:cBhvr>
+                                        <p:cTn id="32" dur="1" fill="hold">
+                                          <p:stCondLst>
+                                            <p:cond delay="0"/>
+                                          </p:stCondLst>
+                                        </p:cTn>
+                                        <p:tgtEl>
+                                          <p:spTgt spid="10"/>
+                                        </p:tgtEl>
+                                        <p:attrNameLst>
+                                          <p:attrName>style.visibility</p:attrName>
+                                        </p:attrNameLst>
+                                      </p:cBhvr>
+                                      <p:to>
+                                        <p:strVal val="visible"/>
+                                      </p:to>
+                                    </p:set>
+                                    <p:animEffect transition="in" filter="fade">
+                                      <p:cBhvr>
+                                        <p:cTn id="33" dur="500"/>
+                                        <p:tgtEl>
+                                          <p:spTgt spid="10"/>
+                                        </p:tgtEl>
+                                      </p:cBhvr>
+                                    </p:animEffect>
+                                  </p:childTnLst>
+                                </p:cTn>
+                              </p:par>
+                              <p:par>
+                                <p:cTn id="34" presetID="10" presetClass="entr" presetSubtype="0" fill="hold" nodeType="withEffect">
+                                  <p:stCondLst>
+                                    <p:cond delay="0"/>
+                                  </p:stCondLst>
+                                  <p:childTnLst>
+                                    <p:set>
+                                      <p:cBhvr>
+                                        <p:cTn id="35" dur="1" fill="hold">
+                                          <p:stCondLst>
+                                            <p:cond delay="0"/>
+                                          </p:stCondLst>
+                                        </p:cTn>
+                                        <p:tgtEl>
+                                          <p:spTgt spid="23"/>
+                                        </p:tgtEl>
+                                        <p:attrNameLst>
+                                          <p:attrName>style.visibility</p:attrName>
+                                        </p:attrNameLst>
+                                      </p:cBhvr>
+                                      <p:to>
+                                        <p:strVal val="visible"/>
+                                      </p:to>
+                                    </p:set>
+                                    <p:animEffect transition="in" filter="fade">
+                                      <p:cBhvr>
+                                        <p:cTn id="36" dur="500"/>
+                                        <p:tgtEl>
+                                          <p:spTgt spid="23"/>
+                                        </p:tgtEl>
+                                      </p:cBhvr>
+                                    </p:animEffect>
+                                  </p:childTnLst>
+                                </p:cTn>
+                              </p:par>
+                              <p:par>
+                                <p:cTn id="37" presetID="10" presetClass="entr" presetSubtype="0" fill="hold" nodeType="withEffect">
+                                  <p:stCondLst>
+                                    <p:cond delay="0"/>
+                                  </p:stCondLst>
+                                  <p:childTnLst>
+                                    <p:set>
+                                      <p:cBhvr>
+                                        <p:cTn id="38" dur="1" fill="hold">
+                                          <p:stCondLst>
+                                            <p:cond delay="0"/>
+                                          </p:stCondLst>
+                                        </p:cTn>
+                                        <p:tgtEl>
+                                          <p:spTgt spid="27"/>
+                                        </p:tgtEl>
+                                        <p:attrNameLst>
+                                          <p:attrName>style.visibility</p:attrName>
+                                        </p:attrNameLst>
+                                      </p:cBhvr>
+                                      <p:to>
+                                        <p:strVal val="visible"/>
+                                      </p:to>
+                                    </p:set>
+                                    <p:animEffect transition="in" filter="fade">
+                                      <p:cBhvr>
+                                        <p:cTn id="39" dur="500"/>
+                                        <p:tgtEl>
+                                          <p:spTgt spid="27"/>
+                                        </p:tgtEl>
+                                      </p:cBhvr>
+                                    </p:animEffect>
+                                  </p:childTnLst>
+                                </p:cTn>
+                              </p:par>
+                              <p:par>
+                                <p:cTn id="40" presetID="10" presetClass="entr" presetSubtype="0" fill="hold" nodeType="withEffect">
+                                  <p:stCondLst>
+                                    <p:cond delay="0"/>
+                                  </p:stCondLst>
+                                  <p:childTnLst>
+                                    <p:set>
+                                      <p:cBhvr>
+                                        <p:cTn id="41" dur="1" fill="hold">
+                                          <p:stCondLst>
+                                            <p:cond delay="0"/>
+                                          </p:stCondLst>
+                                        </p:cTn>
+                                        <p:tgtEl>
+                                          <p:spTgt spid="35"/>
+                                        </p:tgtEl>
+                                        <p:attrNameLst>
+                                          <p:attrName>style.visibility</p:attrName>
+                                        </p:attrNameLst>
+                                      </p:cBhvr>
+                                      <p:to>
+                                        <p:strVal val="visible"/>
+                                      </p:to>
+                                    </p:set>
+                                    <p:animEffect transition="in" filter="fade">
+                                      <p:cBhvr>
+                                        <p:cTn id="42" dur="500"/>
+                                        <p:tgtEl>
+                                          <p:spTgt spid="35"/>
+                                        </p:tgtEl>
+                                      </p:cBhvr>
+                                    </p:animEffect>
+                                  </p:childTnLst>
+                                </p:cTn>
+                              </p:par>
+                            </p:childTnLst>
+                          </p:cTn>
+                        </p:par>
+                      </p:childTnLst>
+                    </p:cTn>
+                  </p:par>
+                  <p:par>
+                    <p:cTn id="43" fill="hold">
+                      <p:stCondLst>
+                        <p:cond delay="indefinite"/>
+                      </p:stCondLst>
+                      <p:childTnLst>
+                        <p:par>
+                          <p:cTn id="44" fill="hold">
+                            <p:stCondLst>
+                              <p:cond delay="0"/>
+                            </p:stCondLst>
+                            <p:childTnLst>
+                              <p:par>
+                                <p:cTn id="45" presetID="10" presetClass="entr" presetSubtype="0" fill="hold" grpId="0" nodeType="clickEffect">
+                                  <p:stCondLst>
+                                    <p:cond delay="0"/>
+                                  </p:stCondLst>
+                                  <p:childTnLst>
+                                    <p:set>
+                                      <p:cBhvr>
+                                        <p:cTn id="46" dur="1" fill="hold">
+                                          <p:stCondLst>
+                                            <p:cond delay="0"/>
+                                          </p:stCondLst>
+                                        </p:cTn>
+                                        <p:tgtEl>
+                                          <p:spTgt spid="11"/>
+                                        </p:tgtEl>
+                                        <p:attrNameLst>
+                                          <p:attrName>style.visibility</p:attrName>
+                                        </p:attrNameLst>
+                                      </p:cBhvr>
+                                      <p:to>
+                                        <p:strVal val="visible"/>
+                                      </p:to>
+                                    </p:set>
+                                    <p:animEffect transition="in" filter="fade">
+                                      <p:cBhvr>
+                                        <p:cTn id="47" dur="500"/>
+                                        <p:tgtEl>
+                                          <p:spTgt spid="11"/>
+                                        </p:tgtEl>
+                                      </p:cBhvr>
+                                    </p:animEffect>
+                                  </p:childTnLst>
+                                </p:cTn>
+                              </p:par>
+                              <p:par>
+                                <p:cTn id="48" presetID="10" presetClass="entr" presetSubtype="0" fill="hold" grpId="0" nodeType="withEffect">
+                                  <p:stCondLst>
+                                    <p:cond delay="0"/>
+                                  </p:stCondLst>
+                                  <p:childTnLst>
+                                    <p:set>
+                                      <p:cBhvr>
+                                        <p:cTn id="49" dur="1" fill="hold">
+                                          <p:stCondLst>
+                                            <p:cond delay="0"/>
+                                          </p:stCondLst>
+                                        </p:cTn>
+                                        <p:tgtEl>
+                                          <p:spTgt spid="12"/>
+                                        </p:tgtEl>
+                                        <p:attrNameLst>
+                                          <p:attrName>style.visibility</p:attrName>
+                                        </p:attrNameLst>
+                                      </p:cBhvr>
+                                      <p:to>
+                                        <p:strVal val="visible"/>
+                                      </p:to>
+                                    </p:set>
+                                    <p:animEffect transition="in" filter="fade">
+                                      <p:cBhvr>
+                                        <p:cTn id="50" dur="500"/>
+                                        <p:tgtEl>
+                                          <p:spTgt spid="12"/>
+                                        </p:tgtEl>
+                                      </p:cBhvr>
+                                    </p:animEffect>
+                                  </p:childTnLst>
+                                </p:cTn>
+                              </p:par>
+                              <p:par>
+                                <p:cTn id="51" presetID="10" presetClass="entr" presetSubtype="0" fill="hold" grpId="0" nodeType="withEffect">
+                                  <p:stCondLst>
+                                    <p:cond delay="0"/>
+                                  </p:stCondLst>
+                                  <p:childTnLst>
+                                    <p:set>
+                                      <p:cBhvr>
+                                        <p:cTn id="52" dur="1" fill="hold">
+                                          <p:stCondLst>
+                                            <p:cond delay="0"/>
+                                          </p:stCondLst>
+                                        </p:cTn>
+                                        <p:tgtEl>
+                                          <p:spTgt spid="13"/>
+                                        </p:tgtEl>
+                                        <p:attrNameLst>
+                                          <p:attrName>style.visibility</p:attrName>
+                                        </p:attrNameLst>
+                                      </p:cBhvr>
+                                      <p:to>
+                                        <p:strVal val="visible"/>
+                                      </p:to>
+                                    </p:set>
+                                    <p:animEffect transition="in" filter="fade">
+                                      <p:cBhvr>
+                                        <p:cTn id="53" dur="500"/>
+                                        <p:tgtEl>
+                                          <p:spTgt spid="13"/>
+                                        </p:tgtEl>
+                                      </p:cBhvr>
+                                    </p:animEffect>
+                                  </p:childTnLst>
+                                </p:cTn>
+                              </p:par>
+                              <p:par>
+                                <p:cTn id="54" presetID="10" presetClass="entr" presetSubtype="0" fill="hold" nodeType="withEffect">
+                                  <p:stCondLst>
+                                    <p:cond delay="0"/>
+                                  </p:stCondLst>
+                                  <p:childTnLst>
+                                    <p:set>
+                                      <p:cBhvr>
+                                        <p:cTn id="55" dur="1" fill="hold">
+                                          <p:stCondLst>
+                                            <p:cond delay="0"/>
+                                          </p:stCondLst>
+                                        </p:cTn>
+                                        <p:tgtEl>
+                                          <p:spTgt spid="29"/>
+                                        </p:tgtEl>
+                                        <p:attrNameLst>
+                                          <p:attrName>style.visibility</p:attrName>
+                                        </p:attrNameLst>
+                                      </p:cBhvr>
+                                      <p:to>
+                                        <p:strVal val="visible"/>
+                                      </p:to>
+                                    </p:set>
+                                    <p:animEffect transition="in" filter="fade">
+                                      <p:cBhvr>
+                                        <p:cTn id="56" dur="500"/>
+                                        <p:tgtEl>
+                                          <p:spTgt spid="29"/>
+                                        </p:tgtEl>
+                                      </p:cBhvr>
+                                    </p:animEffect>
+                                  </p:childTnLst>
+                                </p:cTn>
+                              </p:par>
+                              <p:par>
+                                <p:cTn id="57" presetID="10" presetClass="entr" presetSubtype="0" fill="hold" nodeType="withEffect">
+                                  <p:stCondLst>
+                                    <p:cond delay="0"/>
+                                  </p:stCondLst>
+                                  <p:childTnLst>
+                                    <p:set>
+                                      <p:cBhvr>
+                                        <p:cTn id="58" dur="1" fill="hold">
+                                          <p:stCondLst>
+                                            <p:cond delay="0"/>
+                                          </p:stCondLst>
+                                        </p:cTn>
+                                        <p:tgtEl>
+                                          <p:spTgt spid="31"/>
+                                        </p:tgtEl>
+                                        <p:attrNameLst>
+                                          <p:attrName>style.visibility</p:attrName>
+                                        </p:attrNameLst>
+                                      </p:cBhvr>
+                                      <p:to>
+                                        <p:strVal val="visible"/>
+                                      </p:to>
+                                    </p:set>
+                                    <p:animEffect transition="in" filter="fade">
+                                      <p:cBhvr>
+                                        <p:cTn id="59" dur="500"/>
+                                        <p:tgtEl>
+                                          <p:spTgt spid="31"/>
+                                        </p:tgtEl>
+                                      </p:cBhvr>
+                                    </p:animEffect>
+                                  </p:childTnLst>
+                                </p:cTn>
+                              </p:par>
+                              <p:par>
+                                <p:cTn id="60" presetID="10" presetClass="entr" presetSubtype="0" fill="hold" nodeType="withEffect">
+                                  <p:stCondLst>
+                                    <p:cond delay="0"/>
+                                  </p:stCondLst>
+                                  <p:childTnLst>
+                                    <p:set>
+                                      <p:cBhvr>
+                                        <p:cTn id="61" dur="1" fill="hold">
+                                          <p:stCondLst>
+                                            <p:cond delay="0"/>
+                                          </p:stCondLst>
+                                        </p:cTn>
+                                        <p:tgtEl>
+                                          <p:spTgt spid="33"/>
+                                        </p:tgtEl>
+                                        <p:attrNameLst>
+                                          <p:attrName>style.visibility</p:attrName>
+                                        </p:attrNameLst>
+                                      </p:cBhvr>
+                                      <p:to>
+                                        <p:strVal val="visible"/>
+                                      </p:to>
+                                    </p:set>
+                                    <p:animEffect transition="in" filter="fade">
+                                      <p:cBhvr>
+                                        <p:cTn id="62" dur="500"/>
+                                        <p:tgtEl>
+                                          <p:spTgt spid="33"/>
+                                        </p:tgtEl>
+                                      </p:cBhvr>
+                                    </p:animEffect>
+                                  </p:childTnLst>
+                                </p:cTn>
+                              </p:par>
+                            </p:childTnLst>
+                          </p:cTn>
+                        </p:par>
+                      </p:childTnLst>
+                    </p:cTn>
+                  </p:par>
+                </p:childTnLst>
+              </p:cTn>
+              <p:prevCondLst>
+                <p:cond evt="onPrev" delay="0">
+                  <p:tgtEl>
+                    <p:sldTgt/>
+                  </p:tgtEl>
+                </p:cond>
+              </p:prevCondLst>
+              <p:nextCondLst>
+                <p:cond evt="onNext" delay="0">
+                  <p:tgtEl>
+                    <p:sldTgt/>
+                  </p:tgtEl>
+                </p:cond>
+              </p:nextCondLst>
+            </p:seq>
+          </p:childTnLst>
+        </p:cTn>
+      </p:par>
+    </p:tnLst>
+    <p:bldLst>
+      <p:bldP spid="4" grpId="0"/>
+      <p:bldP spid="6" grpId="0"/>
+      <p:bldP spid="7" grpId="0"/>
+      <p:bldP spid="8" grpId="0"/>
+      <p:bldP spid="9" grpId="0"/>
+      <p:bldP spid="10" grpId="0"/>
+      <p:bldP spid="11" grpId="0"/>
+      <p:bldP spid="12" grpId="0"/>
+      <p:bldP spid="13" grpId="0"/>
+    </p:bldLst>
+  </p:timing>
 </p:sld>
 </file>
 
@@ -7518,6 +9457,35 @@
           </a:prstGeom>
         </p:spPr>
       </p:pic>
+      <p:sp>
+        <p:nvSpPr>
+          <p:cNvPr id="3" name="Foliennummernplatzhalter 2">
+            <a:extLst>
+              <a:ext uri="{FF2B5EF4-FFF2-40B4-BE49-F238E27FC236}">
+                <a16:creationId xmlns:a16="http://schemas.microsoft.com/office/drawing/2014/main" id="{3AD01783-13B5-B155-86C0-A08DEC0F883B}"/>
+              </a:ext>
+            </a:extLst>
+          </p:cNvPr>
+          <p:cNvSpPr>
+            <a:spLocks noGrp="1"/>
+          </p:cNvSpPr>
+          <p:nvPr>
+            <p:ph type="sldNum" sz="quarter" idx="12"/>
+          </p:nvPr>
+        </p:nvSpPr>
+        <p:spPr/>
+        <p:txBody>
+          <a:bodyPr/>
+          <a:lstStyle/>
+          <a:p>
+            <a:fld id="{1A401315-7350-4ECF-B456-363AC987C71C}" type="slidenum">
+              <a:rPr lang="en-GB" smtClean="0"/>
+              <a:t>17</a:t>
+            </a:fld>
+            <a:endParaRPr lang="en-GB"/>
+          </a:p>
+        </p:txBody>
+      </p:sp>
     </p:spTree>
     <p:extLst>
       <p:ext uri="{BB962C8B-B14F-4D97-AF65-F5344CB8AC3E}">
@@ -7528,6 +9496,9 @@
   <p:clrMapOvr>
     <a:masterClrMapping/>
   </p:clrMapOvr>
+  <p:transition spd="slow">
+    <p:push/>
+  </p:transition>
 </p:sld>
 </file>
 
@@ -7778,6 +9749,35 @@
           </a:prstGeom>
         </p:spPr>
       </p:pic>
+      <p:sp>
+        <p:nvSpPr>
+          <p:cNvPr id="3" name="Foliennummernplatzhalter 2">
+            <a:extLst>
+              <a:ext uri="{FF2B5EF4-FFF2-40B4-BE49-F238E27FC236}">
+                <a16:creationId xmlns:a16="http://schemas.microsoft.com/office/drawing/2014/main" id="{D8EDA6F6-6D77-D342-95F9-341A5CD66105}"/>
+              </a:ext>
+            </a:extLst>
+          </p:cNvPr>
+          <p:cNvSpPr>
+            <a:spLocks noGrp="1"/>
+          </p:cNvSpPr>
+          <p:nvPr>
+            <p:ph type="sldNum" sz="quarter" idx="12"/>
+          </p:nvPr>
+        </p:nvSpPr>
+        <p:spPr/>
+        <p:txBody>
+          <a:bodyPr/>
+          <a:lstStyle/>
+          <a:p>
+            <a:fld id="{1A401315-7350-4ECF-B456-363AC987C71C}" type="slidenum">
+              <a:rPr lang="en-GB" smtClean="0"/>
+              <a:t>18</a:t>
+            </a:fld>
+            <a:endParaRPr lang="en-GB"/>
+          </a:p>
+        </p:txBody>
+      </p:sp>
     </p:spTree>
     <p:extLst>
       <p:ext uri="{BB962C8B-B14F-4D97-AF65-F5344CB8AC3E}">
@@ -7788,6 +9788,9 @@
   <p:clrMapOvr>
     <a:masterClrMapping/>
   </p:clrMapOvr>
+  <p:transition spd="slow">
+    <p:push/>
+  </p:transition>
 </p:sld>
 </file>
 
@@ -8247,6 +10250,35 @@
           </a:extLst>
         </p:spPr>
       </p:pic>
+      <p:sp>
+        <p:nvSpPr>
+          <p:cNvPr id="3" name="Foliennummernplatzhalter 2">
+            <a:extLst>
+              <a:ext uri="{FF2B5EF4-FFF2-40B4-BE49-F238E27FC236}">
+                <a16:creationId xmlns:a16="http://schemas.microsoft.com/office/drawing/2014/main" id="{C68DC895-61A9-4703-E844-85BD84062B83}"/>
+              </a:ext>
+            </a:extLst>
+          </p:cNvPr>
+          <p:cNvSpPr>
+            <a:spLocks noGrp="1"/>
+          </p:cNvSpPr>
+          <p:nvPr>
+            <p:ph type="sldNum" sz="quarter" idx="12"/>
+          </p:nvPr>
+        </p:nvSpPr>
+        <p:spPr/>
+        <p:txBody>
+          <a:bodyPr/>
+          <a:lstStyle/>
+          <a:p>
+            <a:fld id="{1A401315-7350-4ECF-B456-363AC987C71C}" type="slidenum">
+              <a:rPr lang="en-GB" smtClean="0"/>
+              <a:t>19</a:t>
+            </a:fld>
+            <a:endParaRPr lang="en-GB"/>
+          </a:p>
+        </p:txBody>
+      </p:sp>
     </p:spTree>
     <p:extLst>
       <p:ext uri="{BB962C8B-B14F-4D97-AF65-F5344CB8AC3E}">
@@ -8257,6 +10289,18 @@
   <p:clrMapOvr>
     <a:masterClrMapping/>
   </p:clrMapOvr>
+  <mc:AlternateContent xmlns:mc="http://schemas.openxmlformats.org/markup-compatibility/2006">
+    <mc:Choice xmlns:p15="http://schemas.microsoft.com/office/powerpoint/2012/main" Requires="p15">
+      <p:transition xmlns:p14="http://schemas.microsoft.com/office/powerpoint/2010/main" spd="slow" p14:dur="6000">
+        <p15:prstTrans prst="curtains"/>
+      </p:transition>
+    </mc:Choice>
+    <mc:Fallback>
+      <p:transition spd="slow">
+        <p:fade/>
+      </p:transition>
+    </mc:Fallback>
+  </mc:AlternateContent>
   <p:timing>
     <p:tnLst>
       <p:par>
@@ -8523,10 +10567,314 @@
           </a:prstGeom>
         </p:spPr>
       </p:pic>
+      <p:sp>
+        <p:nvSpPr>
+          <p:cNvPr id="3" name="Foliennummernplatzhalter 2">
+            <a:extLst>
+              <a:ext uri="{FF2B5EF4-FFF2-40B4-BE49-F238E27FC236}">
+                <a16:creationId xmlns:a16="http://schemas.microsoft.com/office/drawing/2014/main" id="{F28C2B74-4F9F-2C59-09FA-AE6C5608615B}"/>
+              </a:ext>
+            </a:extLst>
+          </p:cNvPr>
+          <p:cNvSpPr>
+            <a:spLocks noGrp="1"/>
+          </p:cNvSpPr>
+          <p:nvPr>
+            <p:ph type="sldNum" sz="quarter" idx="12"/>
+          </p:nvPr>
+        </p:nvSpPr>
+        <p:spPr/>
+        <p:txBody>
+          <a:bodyPr/>
+          <a:lstStyle/>
+          <a:p>
+            <a:fld id="{1A401315-7350-4ECF-B456-363AC987C71C}" type="slidenum">
+              <a:rPr lang="en-GB" smtClean="0"/>
+              <a:t>2</a:t>
+            </a:fld>
+            <a:endParaRPr lang="en-GB" dirty="0"/>
+          </a:p>
+        </p:txBody>
+      </p:sp>
     </p:spTree>
     <p:extLst>
       <p:ext uri="{BB962C8B-B14F-4D97-AF65-F5344CB8AC3E}">
         <p14:creationId xmlns:p14="http://schemas.microsoft.com/office/powerpoint/2010/main" val="1006519718"/>
+      </p:ext>
+    </p:extLst>
+  </p:cSld>
+  <p:clrMapOvr>
+    <a:masterClrMapping/>
+  </p:clrMapOvr>
+  <p:transition spd="slow">
+    <p:push dir="u"/>
+  </p:transition>
+</p:sld>
+</file>
+
+<file path=ppt/slides/slide20.xml><?xml version="1.0" encoding="utf-8"?>
+<p:sld xmlns:a="http://schemas.openxmlformats.org/drawingml/2006/main" xmlns:r="http://schemas.openxmlformats.org/officeDocument/2006/relationships" xmlns:p="http://schemas.openxmlformats.org/presentationml/2006/main">
+  <p:cSld>
+    <p:spTree>
+      <p:nvGrpSpPr>
+        <p:cNvPr id="1" name=""/>
+        <p:cNvGrpSpPr/>
+        <p:nvPr/>
+      </p:nvGrpSpPr>
+      <p:grpSpPr>
+        <a:xfrm>
+          <a:off x="0" y="0"/>
+          <a:ext cx="0" cy="0"/>
+          <a:chOff x="0" y="0"/>
+          <a:chExt cx="0" cy="0"/>
+        </a:xfrm>
+      </p:grpSpPr>
+      <p:sp>
+        <p:nvSpPr>
+          <p:cNvPr id="2" name="Titel 1">
+            <a:extLst>
+              <a:ext uri="{FF2B5EF4-FFF2-40B4-BE49-F238E27FC236}">
+                <a16:creationId xmlns:a16="http://schemas.microsoft.com/office/drawing/2014/main" id="{AC8AECF0-4FDD-3190-E4A9-15E12EF5E3B2}"/>
+              </a:ext>
+            </a:extLst>
+          </p:cNvPr>
+          <p:cNvSpPr>
+            <a:spLocks noGrp="1"/>
+          </p:cNvSpPr>
+          <p:nvPr>
+            <p:ph type="title"/>
+          </p:nvPr>
+        </p:nvSpPr>
+        <p:spPr/>
+        <p:txBody>
+          <a:bodyPr/>
+          <a:lstStyle/>
+          <a:p>
+            <a:r>
+              <a:rPr lang="de-DE" dirty="0"/>
+              <a:t>Quellen</a:t>
+            </a:r>
+            <a:endParaRPr lang="de-AT" dirty="0"/>
+          </a:p>
+        </p:txBody>
+      </p:sp>
+      <p:sp>
+        <p:nvSpPr>
+          <p:cNvPr id="3" name="Inhaltsplatzhalter 2">
+            <a:extLst>
+              <a:ext uri="{FF2B5EF4-FFF2-40B4-BE49-F238E27FC236}">
+                <a16:creationId xmlns:a16="http://schemas.microsoft.com/office/drawing/2014/main" id="{71E4871D-D773-A862-D083-5391CDF6C232}"/>
+              </a:ext>
+            </a:extLst>
+          </p:cNvPr>
+          <p:cNvSpPr>
+            <a:spLocks noGrp="1"/>
+          </p:cNvSpPr>
+          <p:nvPr>
+            <p:ph idx="1"/>
+          </p:nvPr>
+        </p:nvSpPr>
+        <p:spPr/>
+        <p:txBody>
+          <a:bodyPr>
+            <a:normAutofit/>
+          </a:bodyPr>
+          <a:lstStyle/>
+          <a:p>
+            <a:pPr>
+              <a:lnSpc>
+                <a:spcPct val="115000"/>
+              </a:lnSpc>
+              <a:spcAft>
+                <a:spcPts val="800"/>
+              </a:spcAft>
+            </a:pPr>
+            <a:r>
+              <a:rPr lang="de-DE" sz="2000" u="sng" kern="100" dirty="0">
+                <a:solidFill>
+                  <a:srgbClr val="467886"/>
+                </a:solidFill>
+                <a:effectLst/>
+                <a:latin typeface="Aptos" panose="020B0004020202020204" pitchFamily="34" charset="0"/>
+                <a:ea typeface="Aptos" panose="020B0004020202020204" pitchFamily="34" charset="0"/>
+                <a:cs typeface="Times New Roman" panose="02020603050405020304" pitchFamily="18" charset="0"/>
+                <a:hlinkClick r:id="rId2"/>
+              </a:rPr>
+              <a:t>https://media.daa-pm.de/ufv_wirtschaftslexikon/Html/P/PDF/Projektidee-Projektauftrag.pdf</a:t>
+            </a:r>
+            <a:endParaRPr lang="de-AT" sz="2000" kern="100" dirty="0">
+              <a:effectLst/>
+              <a:latin typeface="Aptos" panose="020B0004020202020204" pitchFamily="34" charset="0"/>
+              <a:ea typeface="Aptos" panose="020B0004020202020204" pitchFamily="34" charset="0"/>
+              <a:cs typeface="Times New Roman" panose="02020603050405020304" pitchFamily="18" charset="0"/>
+            </a:endParaRPr>
+          </a:p>
+          <a:p>
+            <a:pPr>
+              <a:lnSpc>
+                <a:spcPct val="115000"/>
+              </a:lnSpc>
+              <a:spcAft>
+                <a:spcPts val="800"/>
+              </a:spcAft>
+            </a:pPr>
+            <a:r>
+              <a:rPr lang="de-DE" sz="2000" u="sng" kern="100" dirty="0">
+                <a:solidFill>
+                  <a:srgbClr val="467886"/>
+                </a:solidFill>
+                <a:effectLst/>
+                <a:latin typeface="Aptos" panose="020B0004020202020204" pitchFamily="34" charset="0"/>
+                <a:ea typeface="Aptos" panose="020B0004020202020204" pitchFamily="34" charset="0"/>
+                <a:cs typeface="Times New Roman" panose="02020603050405020304" pitchFamily="18" charset="0"/>
+                <a:hlinkClick r:id="rId3"/>
+              </a:rPr>
+              <a:t>https://projekte-leicht-gemacht.de/blog/methoden/projektstart/der-projektsteckbrief-und-welcher-wichtige-punkt-oft-vergessen-wird/</a:t>
+            </a:r>
+            <a:endParaRPr lang="de-AT" sz="2000" kern="100" dirty="0">
+              <a:effectLst/>
+              <a:latin typeface="Aptos" panose="020B0004020202020204" pitchFamily="34" charset="0"/>
+              <a:ea typeface="Aptos" panose="020B0004020202020204" pitchFamily="34" charset="0"/>
+              <a:cs typeface="Times New Roman" panose="02020603050405020304" pitchFamily="18" charset="0"/>
+            </a:endParaRPr>
+          </a:p>
+          <a:p>
+            <a:pPr>
+              <a:lnSpc>
+                <a:spcPct val="115000"/>
+              </a:lnSpc>
+              <a:spcAft>
+                <a:spcPts val="800"/>
+              </a:spcAft>
+            </a:pPr>
+            <a:r>
+              <a:rPr lang="de-DE" sz="2000" u="sng" kern="100" dirty="0">
+                <a:solidFill>
+                  <a:srgbClr val="467886"/>
+                </a:solidFill>
+                <a:effectLst/>
+                <a:latin typeface="Aptos" panose="020B0004020202020204" pitchFamily="34" charset="0"/>
+                <a:ea typeface="Aptos" panose="020B0004020202020204" pitchFamily="34" charset="0"/>
+                <a:cs typeface="Times New Roman" panose="02020603050405020304" pitchFamily="18" charset="0"/>
+                <a:hlinkClick r:id="rId4"/>
+              </a:rPr>
+              <a:t>https://asana.com/de/resources/feasibility-study</a:t>
+            </a:r>
+            <a:endParaRPr lang="de-AT" sz="2000" kern="100" dirty="0">
+              <a:effectLst/>
+              <a:latin typeface="Aptos" panose="020B0004020202020204" pitchFamily="34" charset="0"/>
+              <a:ea typeface="Aptos" panose="020B0004020202020204" pitchFamily="34" charset="0"/>
+              <a:cs typeface="Times New Roman" panose="02020603050405020304" pitchFamily="18" charset="0"/>
+            </a:endParaRPr>
+          </a:p>
+          <a:p>
+            <a:pPr>
+              <a:lnSpc>
+                <a:spcPct val="115000"/>
+              </a:lnSpc>
+              <a:spcAft>
+                <a:spcPts val="800"/>
+              </a:spcAft>
+            </a:pPr>
+            <a:r>
+              <a:rPr lang="de-DE" sz="2000" u="sng" kern="100" dirty="0">
+                <a:solidFill>
+                  <a:srgbClr val="467886"/>
+                </a:solidFill>
+                <a:effectLst/>
+                <a:latin typeface="Aptos" panose="020B0004020202020204" pitchFamily="34" charset="0"/>
+                <a:ea typeface="Aptos" panose="020B0004020202020204" pitchFamily="34" charset="0"/>
+                <a:cs typeface="Times New Roman" panose="02020603050405020304" pitchFamily="18" charset="0"/>
+                <a:hlinkClick r:id="rId5"/>
+              </a:rPr>
+              <a:t>https://blog.mindmanager.com/de/die-strategische-rolle-des-projektauftrags-verstehen/</a:t>
+            </a:r>
+            <a:endParaRPr lang="de-AT" sz="2000" kern="100" dirty="0">
+              <a:effectLst/>
+              <a:latin typeface="Aptos" panose="020B0004020202020204" pitchFamily="34" charset="0"/>
+              <a:ea typeface="Aptos" panose="020B0004020202020204" pitchFamily="34" charset="0"/>
+              <a:cs typeface="Times New Roman" panose="02020603050405020304" pitchFamily="18" charset="0"/>
+            </a:endParaRPr>
+          </a:p>
+          <a:p>
+            <a:pPr>
+              <a:lnSpc>
+                <a:spcPct val="115000"/>
+              </a:lnSpc>
+              <a:spcAft>
+                <a:spcPts val="800"/>
+              </a:spcAft>
+            </a:pPr>
+            <a:r>
+              <a:rPr lang="de-AT" sz="2000" kern="100" dirty="0">
+                <a:effectLst/>
+                <a:latin typeface="Aptos" panose="020B0004020202020204" pitchFamily="34" charset="0"/>
+                <a:ea typeface="Aptos" panose="020B0004020202020204" pitchFamily="34" charset="0"/>
+                <a:cs typeface="Times New Roman" panose="02020603050405020304" pitchFamily="18" charset="0"/>
+              </a:rPr>
+              <a:t>Systemplanung und Projektentwicklung HTL III</a:t>
+            </a:r>
+          </a:p>
+          <a:p>
+            <a:pPr>
+              <a:lnSpc>
+                <a:spcPct val="115000"/>
+              </a:lnSpc>
+              <a:spcAft>
+                <a:spcPts val="800"/>
+              </a:spcAft>
+            </a:pPr>
+            <a:r>
+              <a:rPr lang="de-DE" sz="2000" kern="100" dirty="0">
+                <a:effectLst/>
+                <a:latin typeface="Aptos" panose="020B0004020202020204" pitchFamily="34" charset="0"/>
+                <a:ea typeface="Aptos" panose="020B0004020202020204" pitchFamily="34" charset="0"/>
+                <a:cs typeface="Times New Roman" panose="02020603050405020304" pitchFamily="18" charset="0"/>
+              </a:rPr>
+              <a:t>DeepSeek: Zusammenfassung der Seiten 37-77 aus Systemplanung und Projektentwicklung HTL III</a:t>
+            </a:r>
+            <a:endParaRPr lang="de-AT" sz="2000" kern="100" dirty="0">
+              <a:effectLst/>
+              <a:latin typeface="Aptos" panose="020B0004020202020204" pitchFamily="34" charset="0"/>
+              <a:ea typeface="Aptos" panose="020B0004020202020204" pitchFamily="34" charset="0"/>
+              <a:cs typeface="Times New Roman" panose="02020603050405020304" pitchFamily="18" charset="0"/>
+            </a:endParaRPr>
+          </a:p>
+        </p:txBody>
+      </p:sp>
+      <p:sp>
+        <p:nvSpPr>
+          <p:cNvPr id="4" name="Foliennummernplatzhalter 3">
+            <a:extLst>
+              <a:ext uri="{FF2B5EF4-FFF2-40B4-BE49-F238E27FC236}">
+                <a16:creationId xmlns:a16="http://schemas.microsoft.com/office/drawing/2014/main" id="{B6789AE2-4A6E-A1D9-6792-C63CCCEFB4AE}"/>
+              </a:ext>
+            </a:extLst>
+          </p:cNvPr>
+          <p:cNvSpPr>
+            <a:spLocks noGrp="1"/>
+          </p:cNvSpPr>
+          <p:nvPr>
+            <p:ph type="sldNum" sz="quarter" idx="12"/>
+          </p:nvPr>
+        </p:nvSpPr>
+        <p:spPr/>
+        <p:txBody>
+          <a:bodyPr/>
+          <a:lstStyle/>
+          <a:p>
+            <a:fld id="{1A401315-7350-4ECF-B456-363AC987C71C}" type="slidenum">
+              <a:rPr lang="en-GB" smtClean="0"/>
+              <a:t>20</a:t>
+            </a:fld>
+            <a:endParaRPr lang="en-GB"/>
+          </a:p>
+        </p:txBody>
+      </p:sp>
+    </p:spTree>
+    <p:extLst>
+      <p:ext uri="{BB962C8B-B14F-4D97-AF65-F5344CB8AC3E}">
+        <p14:creationId xmlns:p14="http://schemas.microsoft.com/office/powerpoint/2010/main" val="198922460"/>
       </p:ext>
     </p:extLst>
   </p:cSld>
@@ -8623,6 +10971,35 @@
           </a:prstGeom>
         </p:spPr>
       </p:pic>
+      <p:sp>
+        <p:nvSpPr>
+          <p:cNvPr id="3" name="Foliennummernplatzhalter 2">
+            <a:extLst>
+              <a:ext uri="{FF2B5EF4-FFF2-40B4-BE49-F238E27FC236}">
+                <a16:creationId xmlns:a16="http://schemas.microsoft.com/office/drawing/2014/main" id="{E760F03F-C6CE-0B65-BDBC-7CEE2D9617F8}"/>
+              </a:ext>
+            </a:extLst>
+          </p:cNvPr>
+          <p:cNvSpPr>
+            <a:spLocks noGrp="1"/>
+          </p:cNvSpPr>
+          <p:nvPr>
+            <p:ph type="sldNum" sz="quarter" idx="12"/>
+          </p:nvPr>
+        </p:nvSpPr>
+        <p:spPr/>
+        <p:txBody>
+          <a:bodyPr/>
+          <a:lstStyle/>
+          <a:p>
+            <a:fld id="{1A401315-7350-4ECF-B456-363AC987C71C}" type="slidenum">
+              <a:rPr lang="en-GB" smtClean="0"/>
+              <a:t>3</a:t>
+            </a:fld>
+            <a:endParaRPr lang="en-GB"/>
+          </a:p>
+        </p:txBody>
+      </p:sp>
     </p:spTree>
     <p:extLst>
       <p:ext uri="{BB962C8B-B14F-4D97-AF65-F5344CB8AC3E}">
@@ -8633,6 +11010,9 @@
   <p:clrMapOvr>
     <a:masterClrMapping/>
   </p:clrMapOvr>
+  <p:transition spd="slow">
+    <p:push/>
+  </p:transition>
 </p:sld>
 </file>
 
@@ -8921,6 +11301,35 @@
           </a:p>
         </p:txBody>
       </p:sp>
+      <p:sp>
+        <p:nvSpPr>
+          <p:cNvPr id="3" name="Foliennummernplatzhalter 2">
+            <a:extLst>
+              <a:ext uri="{FF2B5EF4-FFF2-40B4-BE49-F238E27FC236}">
+                <a16:creationId xmlns:a16="http://schemas.microsoft.com/office/drawing/2014/main" id="{8F8D4A22-414A-B752-466F-4D5AF37BF79D}"/>
+              </a:ext>
+            </a:extLst>
+          </p:cNvPr>
+          <p:cNvSpPr>
+            <a:spLocks noGrp="1"/>
+          </p:cNvSpPr>
+          <p:nvPr>
+            <p:ph type="sldNum" sz="quarter" idx="12"/>
+          </p:nvPr>
+        </p:nvSpPr>
+        <p:spPr/>
+        <p:txBody>
+          <a:bodyPr/>
+          <a:lstStyle/>
+          <a:p>
+            <a:fld id="{1A401315-7350-4ECF-B456-363AC987C71C}" type="slidenum">
+              <a:rPr lang="en-GB" smtClean="0"/>
+              <a:t>4</a:t>
+            </a:fld>
+            <a:endParaRPr lang="en-GB"/>
+          </a:p>
+        </p:txBody>
+      </p:sp>
     </p:spTree>
     <p:extLst>
       <p:ext uri="{BB962C8B-B14F-4D97-AF65-F5344CB8AC3E}">
@@ -8931,6 +11340,167 @@
   <p:clrMapOvr>
     <a:masterClrMapping/>
   </p:clrMapOvr>
+  <p:transition spd="slow">
+    <p:push dir="d"/>
+  </p:transition>
+  <p:timing>
+    <p:tnLst>
+      <p:par>
+        <p:cTn id="1" dur="indefinite" restart="never" nodeType="tmRoot">
+          <p:childTnLst>
+            <p:seq concurrent="1" nextAc="seek">
+              <p:cTn id="2" dur="indefinite" nodeType="mainSeq">
+                <p:childTnLst>
+                  <p:par>
+                    <p:cTn id="3" fill="hold">
+                      <p:stCondLst>
+                        <p:cond delay="indefinite"/>
+                      </p:stCondLst>
+                      <p:childTnLst>
+                        <p:par>
+                          <p:cTn id="4" fill="hold">
+                            <p:stCondLst>
+                              <p:cond delay="0"/>
+                            </p:stCondLst>
+                            <p:childTnLst>
+                              <p:par>
+                                <p:cTn id="5" presetID="10" presetClass="entr" presetSubtype="0" fill="hold" grpId="0" nodeType="clickEffect">
+                                  <p:stCondLst>
+                                    <p:cond delay="0"/>
+                                  </p:stCondLst>
+                                  <p:childTnLst>
+                                    <p:set>
+                                      <p:cBhvr>
+                                        <p:cTn id="6" dur="1" fill="hold">
+                                          <p:stCondLst>
+                                            <p:cond delay="0"/>
+                                          </p:stCondLst>
+                                        </p:cTn>
+                                        <p:tgtEl>
+                                          <p:spTgt spid="8"/>
+                                        </p:tgtEl>
+                                        <p:attrNameLst>
+                                          <p:attrName>style.visibility</p:attrName>
+                                        </p:attrNameLst>
+                                      </p:cBhvr>
+                                      <p:to>
+                                        <p:strVal val="visible"/>
+                                      </p:to>
+                                    </p:set>
+                                    <p:animEffect transition="in" filter="fade">
+                                      <p:cBhvr>
+                                        <p:cTn id="7" dur="500"/>
+                                        <p:tgtEl>
+                                          <p:spTgt spid="8"/>
+                                        </p:tgtEl>
+                                      </p:cBhvr>
+                                    </p:animEffect>
+                                  </p:childTnLst>
+                                </p:cTn>
+                              </p:par>
+                              <p:par>
+                                <p:cTn id="8" presetID="10" presetClass="entr" presetSubtype="0" fill="hold" grpId="0" nodeType="withEffect">
+                                  <p:stCondLst>
+                                    <p:cond delay="0"/>
+                                  </p:stCondLst>
+                                  <p:childTnLst>
+                                    <p:set>
+                                      <p:cBhvr>
+                                        <p:cTn id="9" dur="1" fill="hold">
+                                          <p:stCondLst>
+                                            <p:cond delay="0"/>
+                                          </p:stCondLst>
+                                        </p:cTn>
+                                        <p:tgtEl>
+                                          <p:spTgt spid="12"/>
+                                        </p:tgtEl>
+                                        <p:attrNameLst>
+                                          <p:attrName>style.visibility</p:attrName>
+                                        </p:attrNameLst>
+                                      </p:cBhvr>
+                                      <p:to>
+                                        <p:strVal val="visible"/>
+                                      </p:to>
+                                    </p:set>
+                                    <p:animEffect transition="in" filter="fade">
+                                      <p:cBhvr>
+                                        <p:cTn id="10" dur="500"/>
+                                        <p:tgtEl>
+                                          <p:spTgt spid="12"/>
+                                        </p:tgtEl>
+                                      </p:cBhvr>
+                                    </p:animEffect>
+                                  </p:childTnLst>
+                                </p:cTn>
+                              </p:par>
+                              <p:par>
+                                <p:cTn id="11" presetID="10" presetClass="entr" presetSubtype="0" fill="hold" grpId="0" nodeType="withEffect">
+                                  <p:stCondLst>
+                                    <p:cond delay="0"/>
+                                  </p:stCondLst>
+                                  <p:childTnLst>
+                                    <p:set>
+                                      <p:cBhvr>
+                                        <p:cTn id="12" dur="1" fill="hold">
+                                          <p:stCondLst>
+                                            <p:cond delay="0"/>
+                                          </p:stCondLst>
+                                        </p:cTn>
+                                        <p:tgtEl>
+                                          <p:spTgt spid="13"/>
+                                        </p:tgtEl>
+                                        <p:attrNameLst>
+                                          <p:attrName>style.visibility</p:attrName>
+                                        </p:attrNameLst>
+                                      </p:cBhvr>
+                                      <p:to>
+                                        <p:strVal val="visible"/>
+                                      </p:to>
+                                    </p:set>
+                                    <p:animEffect transition="in" filter="fade">
+                                      <p:cBhvr>
+                                        <p:cTn id="13" dur="500"/>
+                                        <p:tgtEl>
+                                          <p:spTgt spid="13"/>
+                                        </p:tgtEl>
+                                      </p:cBhvr>
+                                    </p:animEffect>
+                                  </p:childTnLst>
+                                </p:cTn>
+                              </p:par>
+                            </p:childTnLst>
+                          </p:cTn>
+                        </p:par>
+                      </p:childTnLst>
+                    </p:cTn>
+                  </p:par>
+                </p:childTnLst>
+              </p:cTn>
+              <p:prevCondLst>
+                <p:cond evt="onPrev" delay="0">
+                  <p:tgtEl>
+                    <p:sldTgt/>
+                  </p:tgtEl>
+                </p:cond>
+              </p:prevCondLst>
+              <p:nextCondLst>
+                <p:cond evt="onNext" delay="0">
+                  <p:tgtEl>
+                    <p:sldTgt/>
+                  </p:tgtEl>
+                </p:cond>
+              </p:nextCondLst>
+            </p:seq>
+          </p:childTnLst>
+        </p:cTn>
+      </p:par>
+    </p:tnLst>
+    <p:bldLst>
+      <p:bldP spid="8" grpId="0"/>
+      <p:bldP spid="12" grpId="0" animBg="1"/>
+      <p:bldP spid="13" grpId="0" animBg="1"/>
+    </p:bldLst>
+  </p:timing>
 </p:sld>
 </file>
 
@@ -9273,6 +11843,35 @@
           </a:prstGeom>
         </p:spPr>
       </p:pic>
+      <p:sp>
+        <p:nvSpPr>
+          <p:cNvPr id="3" name="Foliennummernplatzhalter 2">
+            <a:extLst>
+              <a:ext uri="{FF2B5EF4-FFF2-40B4-BE49-F238E27FC236}">
+                <a16:creationId xmlns:a16="http://schemas.microsoft.com/office/drawing/2014/main" id="{B00E68F8-56D4-FD72-995B-CB71FAE00FD1}"/>
+              </a:ext>
+            </a:extLst>
+          </p:cNvPr>
+          <p:cNvSpPr>
+            <a:spLocks noGrp="1"/>
+          </p:cNvSpPr>
+          <p:nvPr>
+            <p:ph type="sldNum" sz="quarter" idx="12"/>
+          </p:nvPr>
+        </p:nvSpPr>
+        <p:spPr/>
+        <p:txBody>
+          <a:bodyPr/>
+          <a:lstStyle/>
+          <a:p>
+            <a:fld id="{1A401315-7350-4ECF-B456-363AC987C71C}" type="slidenum">
+              <a:rPr lang="en-GB" smtClean="0"/>
+              <a:t>5</a:t>
+            </a:fld>
+            <a:endParaRPr lang="en-GB"/>
+          </a:p>
+        </p:txBody>
+      </p:sp>
     </p:spTree>
     <p:extLst>
       <p:ext uri="{BB962C8B-B14F-4D97-AF65-F5344CB8AC3E}">
@@ -9283,6 +11882,349 @@
   <p:clrMapOvr>
     <a:masterClrMapping/>
   </p:clrMapOvr>
+  <p:transition spd="slow">
+    <p:push/>
+  </p:transition>
+  <p:timing>
+    <p:tnLst>
+      <p:par>
+        <p:cTn id="1" dur="indefinite" restart="never" nodeType="tmRoot">
+          <p:childTnLst>
+            <p:seq concurrent="1" nextAc="seek">
+              <p:cTn id="2" dur="indefinite" nodeType="mainSeq">
+                <p:childTnLst>
+                  <p:par>
+                    <p:cTn id="3" fill="hold">
+                      <p:stCondLst>
+                        <p:cond delay="indefinite"/>
+                      </p:stCondLst>
+                      <p:childTnLst>
+                        <p:par>
+                          <p:cTn id="4" fill="hold">
+                            <p:stCondLst>
+                              <p:cond delay="0"/>
+                            </p:stCondLst>
+                            <p:childTnLst>
+                              <p:par>
+                                <p:cTn id="5" presetID="10" presetClass="entr" presetSubtype="0" fill="hold" grpId="0" nodeType="clickEffect">
+                                  <p:stCondLst>
+                                    <p:cond delay="0"/>
+                                  </p:stCondLst>
+                                  <p:childTnLst>
+                                    <p:set>
+                                      <p:cBhvr>
+                                        <p:cTn id="6" dur="1" fill="hold">
+                                          <p:stCondLst>
+                                            <p:cond delay="0"/>
+                                          </p:stCondLst>
+                                        </p:cTn>
+                                        <p:tgtEl>
+                                          <p:spTgt spid="4"/>
+                                        </p:tgtEl>
+                                        <p:attrNameLst>
+                                          <p:attrName>style.visibility</p:attrName>
+                                        </p:attrNameLst>
+                                      </p:cBhvr>
+                                      <p:to>
+                                        <p:strVal val="visible"/>
+                                      </p:to>
+                                    </p:set>
+                                    <p:animEffect transition="in" filter="fade">
+                                      <p:cBhvr>
+                                        <p:cTn id="7" dur="500"/>
+                                        <p:tgtEl>
+                                          <p:spTgt spid="4"/>
+                                        </p:tgtEl>
+                                      </p:cBhvr>
+                                    </p:animEffect>
+                                  </p:childTnLst>
+                                </p:cTn>
+                              </p:par>
+                              <p:par>
+                                <p:cTn id="8" presetID="10" presetClass="entr" presetSubtype="0" fill="hold" nodeType="withEffect">
+                                  <p:stCondLst>
+                                    <p:cond delay="0"/>
+                                  </p:stCondLst>
+                                  <p:childTnLst>
+                                    <p:set>
+                                      <p:cBhvr>
+                                        <p:cTn id="9" dur="1" fill="hold">
+                                          <p:stCondLst>
+                                            <p:cond delay="0"/>
+                                          </p:stCondLst>
+                                        </p:cTn>
+                                        <p:tgtEl>
+                                          <p:spTgt spid="1028"/>
+                                        </p:tgtEl>
+                                        <p:attrNameLst>
+                                          <p:attrName>style.visibility</p:attrName>
+                                        </p:attrNameLst>
+                                      </p:cBhvr>
+                                      <p:to>
+                                        <p:strVal val="visible"/>
+                                      </p:to>
+                                    </p:set>
+                                    <p:animEffect transition="in" filter="fade">
+                                      <p:cBhvr>
+                                        <p:cTn id="10" dur="500"/>
+                                        <p:tgtEl>
+                                          <p:spTgt spid="1028"/>
+                                        </p:tgtEl>
+                                      </p:cBhvr>
+                                    </p:animEffect>
+                                  </p:childTnLst>
+                                </p:cTn>
+                              </p:par>
+                            </p:childTnLst>
+                          </p:cTn>
+                        </p:par>
+                      </p:childTnLst>
+                    </p:cTn>
+                  </p:par>
+                  <p:par>
+                    <p:cTn id="11" fill="hold">
+                      <p:stCondLst>
+                        <p:cond delay="indefinite"/>
+                      </p:stCondLst>
+                      <p:childTnLst>
+                        <p:par>
+                          <p:cTn id="12" fill="hold">
+                            <p:stCondLst>
+                              <p:cond delay="0"/>
+                            </p:stCondLst>
+                            <p:childTnLst>
+                              <p:par>
+                                <p:cTn id="13" presetID="10" presetClass="entr" presetSubtype="0" fill="hold" grpId="0" nodeType="clickEffect">
+                                  <p:stCondLst>
+                                    <p:cond delay="0"/>
+                                  </p:stCondLst>
+                                  <p:childTnLst>
+                                    <p:set>
+                                      <p:cBhvr>
+                                        <p:cTn id="14" dur="1" fill="hold">
+                                          <p:stCondLst>
+                                            <p:cond delay="0"/>
+                                          </p:stCondLst>
+                                        </p:cTn>
+                                        <p:tgtEl>
+                                          <p:spTgt spid="6"/>
+                                        </p:tgtEl>
+                                        <p:attrNameLst>
+                                          <p:attrName>style.visibility</p:attrName>
+                                        </p:attrNameLst>
+                                      </p:cBhvr>
+                                      <p:to>
+                                        <p:strVal val="visible"/>
+                                      </p:to>
+                                    </p:set>
+                                    <p:animEffect transition="in" filter="fade">
+                                      <p:cBhvr>
+                                        <p:cTn id="15" dur="500"/>
+                                        <p:tgtEl>
+                                          <p:spTgt spid="6"/>
+                                        </p:tgtEl>
+                                      </p:cBhvr>
+                                    </p:animEffect>
+                                  </p:childTnLst>
+                                </p:cTn>
+                              </p:par>
+                              <p:par>
+                                <p:cTn id="16" presetID="10" presetClass="entr" presetSubtype="0" fill="hold" nodeType="withEffect">
+                                  <p:stCondLst>
+                                    <p:cond delay="0"/>
+                                  </p:stCondLst>
+                                  <p:childTnLst>
+                                    <p:set>
+                                      <p:cBhvr>
+                                        <p:cTn id="17" dur="1" fill="hold">
+                                          <p:stCondLst>
+                                            <p:cond delay="0"/>
+                                          </p:stCondLst>
+                                        </p:cTn>
+                                        <p:tgtEl>
+                                          <p:spTgt spid="1030"/>
+                                        </p:tgtEl>
+                                        <p:attrNameLst>
+                                          <p:attrName>style.visibility</p:attrName>
+                                        </p:attrNameLst>
+                                      </p:cBhvr>
+                                      <p:to>
+                                        <p:strVal val="visible"/>
+                                      </p:to>
+                                    </p:set>
+                                    <p:animEffect transition="in" filter="fade">
+                                      <p:cBhvr>
+                                        <p:cTn id="18" dur="500"/>
+                                        <p:tgtEl>
+                                          <p:spTgt spid="1030"/>
+                                        </p:tgtEl>
+                                      </p:cBhvr>
+                                    </p:animEffect>
+                                  </p:childTnLst>
+                                </p:cTn>
+                              </p:par>
+                            </p:childTnLst>
+                          </p:cTn>
+                        </p:par>
+                      </p:childTnLst>
+                    </p:cTn>
+                  </p:par>
+                  <p:par>
+                    <p:cTn id="19" fill="hold">
+                      <p:stCondLst>
+                        <p:cond delay="indefinite"/>
+                      </p:stCondLst>
+                      <p:childTnLst>
+                        <p:par>
+                          <p:cTn id="20" fill="hold">
+                            <p:stCondLst>
+                              <p:cond delay="0"/>
+                            </p:stCondLst>
+                            <p:childTnLst>
+                              <p:par>
+                                <p:cTn id="21" presetID="10" presetClass="entr" presetSubtype="0" fill="hold" grpId="0" nodeType="clickEffect">
+                                  <p:stCondLst>
+                                    <p:cond delay="0"/>
+                                  </p:stCondLst>
+                                  <p:childTnLst>
+                                    <p:set>
+                                      <p:cBhvr>
+                                        <p:cTn id="22" dur="1" fill="hold">
+                                          <p:stCondLst>
+                                            <p:cond delay="0"/>
+                                          </p:stCondLst>
+                                        </p:cTn>
+                                        <p:tgtEl>
+                                          <p:spTgt spid="5"/>
+                                        </p:tgtEl>
+                                        <p:attrNameLst>
+                                          <p:attrName>style.visibility</p:attrName>
+                                        </p:attrNameLst>
+                                      </p:cBhvr>
+                                      <p:to>
+                                        <p:strVal val="visible"/>
+                                      </p:to>
+                                    </p:set>
+                                    <p:animEffect transition="in" filter="fade">
+                                      <p:cBhvr>
+                                        <p:cTn id="23" dur="500"/>
+                                        <p:tgtEl>
+                                          <p:spTgt spid="5"/>
+                                        </p:tgtEl>
+                                      </p:cBhvr>
+                                    </p:animEffect>
+                                  </p:childTnLst>
+                                </p:cTn>
+                              </p:par>
+                              <p:par>
+                                <p:cTn id="24" presetID="10" presetClass="entr" presetSubtype="0" fill="hold" grpId="0" nodeType="withEffect" nodePh="1">
+                                  <p:stCondLst>
+                                    <p:cond delay="0"/>
+                                  </p:stCondLst>
+                                  <p:endCondLst>
+                                    <p:cond evt="begin" delay="0">
+                                      <p:tn val="24"/>
+                                    </p:cond>
+                                  </p:endCondLst>
+                                  <p:childTnLst>
+                                    <p:set>
+                                      <p:cBhvr>
+                                        <p:cTn id="25" dur="1" fill="hold">
+                                          <p:stCondLst>
+                                            <p:cond delay="0"/>
+                                          </p:stCondLst>
+                                        </p:cTn>
+                                        <p:tgtEl>
+                                          <p:spTgt spid="7"/>
+                                        </p:tgtEl>
+                                        <p:attrNameLst>
+                                          <p:attrName>style.visibility</p:attrName>
+                                        </p:attrNameLst>
+                                      </p:cBhvr>
+                                      <p:to>
+                                        <p:strVal val="visible"/>
+                                      </p:to>
+                                    </p:set>
+                                    <p:animEffect transition="in" filter="fade">
+                                      <p:cBhvr>
+                                        <p:cTn id="26" dur="500"/>
+                                        <p:tgtEl>
+                                          <p:spTgt spid="7"/>
+                                        </p:tgtEl>
+                                      </p:cBhvr>
+                                    </p:animEffect>
+                                  </p:childTnLst>
+                                </p:cTn>
+                              </p:par>
+                              <p:par>
+                                <p:cTn id="27" presetID="10" presetClass="entr" presetSubtype="0" fill="hold" nodeType="withEffect">
+                                  <p:stCondLst>
+                                    <p:cond delay="0"/>
+                                  </p:stCondLst>
+                                  <p:childTnLst>
+                                    <p:set>
+                                      <p:cBhvr>
+                                        <p:cTn id="28" dur="1" fill="hold">
+                                          <p:stCondLst>
+                                            <p:cond delay="0"/>
+                                          </p:stCondLst>
+                                        </p:cTn>
+                                        <p:tgtEl>
+                                          <p:spTgt spid="9"/>
+                                        </p:tgtEl>
+                                        <p:attrNameLst>
+                                          <p:attrName>style.visibility</p:attrName>
+                                        </p:attrNameLst>
+                                      </p:cBhvr>
+                                      <p:to>
+                                        <p:strVal val="visible"/>
+                                      </p:to>
+                                    </p:set>
+                                    <p:animEffect transition="in" filter="fade">
+                                      <p:cBhvr>
+                                        <p:cTn id="29" dur="500"/>
+                                        <p:tgtEl>
+                                          <p:spTgt spid="9"/>
+                                        </p:tgtEl>
+                                      </p:cBhvr>
+                                    </p:animEffect>
+                                  </p:childTnLst>
+                                </p:cTn>
+                              </p:par>
+                            </p:childTnLst>
+                          </p:cTn>
+                        </p:par>
+                      </p:childTnLst>
+                    </p:cTn>
+                  </p:par>
+                </p:childTnLst>
+              </p:cTn>
+              <p:prevCondLst>
+                <p:cond evt="onPrev" delay="0">
+                  <p:tgtEl>
+                    <p:sldTgt/>
+                  </p:tgtEl>
+                </p:cond>
+              </p:prevCondLst>
+              <p:nextCondLst>
+                <p:cond evt="onNext" delay="0">
+                  <p:tgtEl>
+                    <p:sldTgt/>
+                  </p:tgtEl>
+                </p:cond>
+              </p:nextCondLst>
+            </p:seq>
+          </p:childTnLst>
+        </p:cTn>
+      </p:par>
+    </p:tnLst>
+    <p:bldLst>
+      <p:bldP spid="4" grpId="0"/>
+      <p:bldP spid="5" grpId="0"/>
+      <p:bldP spid="6" grpId="0"/>
+      <p:bldP spid="7" grpId="0"/>
+    </p:bldLst>
+  </p:timing>
 </p:sld>
 </file>
 
@@ -9432,6 +12374,35 @@
           </a:p>
         </p:txBody>
       </p:sp>
+      <p:sp>
+        <p:nvSpPr>
+          <p:cNvPr id="3" name="Foliennummernplatzhalter 2">
+            <a:extLst>
+              <a:ext uri="{FF2B5EF4-FFF2-40B4-BE49-F238E27FC236}">
+                <a16:creationId xmlns:a16="http://schemas.microsoft.com/office/drawing/2014/main" id="{D6DB1271-71E5-0679-3207-8FE9AC0D8D55}"/>
+              </a:ext>
+            </a:extLst>
+          </p:cNvPr>
+          <p:cNvSpPr>
+            <a:spLocks noGrp="1"/>
+          </p:cNvSpPr>
+          <p:nvPr>
+            <p:ph type="sldNum" sz="quarter" idx="12"/>
+          </p:nvPr>
+        </p:nvSpPr>
+        <p:spPr/>
+        <p:txBody>
+          <a:bodyPr/>
+          <a:lstStyle/>
+          <a:p>
+            <a:fld id="{1A401315-7350-4ECF-B456-363AC987C71C}" type="slidenum">
+              <a:rPr lang="en-GB" smtClean="0"/>
+              <a:t>6</a:t>
+            </a:fld>
+            <a:endParaRPr lang="en-GB"/>
+          </a:p>
+        </p:txBody>
+      </p:sp>
     </p:spTree>
     <p:extLst>
       <p:ext uri="{BB962C8B-B14F-4D97-AF65-F5344CB8AC3E}">
@@ -9442,6 +12413,9 @@
   <p:clrMapOvr>
     <a:masterClrMapping/>
   </p:clrMapOvr>
+  <p:transition spd="slow">
+    <p:push dir="r"/>
+  </p:transition>
 </p:sld>
 </file>
 
@@ -9532,6 +12506,35 @@
           </a:prstGeom>
         </p:spPr>
       </p:pic>
+      <p:sp>
+        <p:nvSpPr>
+          <p:cNvPr id="3" name="Foliennummernplatzhalter 2">
+            <a:extLst>
+              <a:ext uri="{FF2B5EF4-FFF2-40B4-BE49-F238E27FC236}">
+                <a16:creationId xmlns:a16="http://schemas.microsoft.com/office/drawing/2014/main" id="{B37D47D1-2E6B-1019-1210-043EC74CFB58}"/>
+              </a:ext>
+            </a:extLst>
+          </p:cNvPr>
+          <p:cNvSpPr>
+            <a:spLocks noGrp="1"/>
+          </p:cNvSpPr>
+          <p:nvPr>
+            <p:ph type="sldNum" sz="quarter" idx="12"/>
+          </p:nvPr>
+        </p:nvSpPr>
+        <p:spPr/>
+        <p:txBody>
+          <a:bodyPr/>
+          <a:lstStyle/>
+          <a:p>
+            <a:fld id="{1A401315-7350-4ECF-B456-363AC987C71C}" type="slidenum">
+              <a:rPr lang="en-GB" smtClean="0"/>
+              <a:t>7</a:t>
+            </a:fld>
+            <a:endParaRPr lang="en-GB"/>
+          </a:p>
+        </p:txBody>
+      </p:sp>
     </p:spTree>
     <p:extLst>
       <p:ext uri="{BB962C8B-B14F-4D97-AF65-F5344CB8AC3E}">
@@ -9542,6 +12545,9 @@
   <p:clrMapOvr>
     <a:masterClrMapping/>
   </p:clrMapOvr>
+  <p:transition spd="slow">
+    <p:push dir="r"/>
+  </p:transition>
 </p:sld>
 </file>
 
@@ -10104,6 +13110,35 @@
           </a:extLst>
         </p:spPr>
       </p:pic>
+      <p:sp>
+        <p:nvSpPr>
+          <p:cNvPr id="4" name="Foliennummernplatzhalter 3">
+            <a:extLst>
+              <a:ext uri="{FF2B5EF4-FFF2-40B4-BE49-F238E27FC236}">
+                <a16:creationId xmlns:a16="http://schemas.microsoft.com/office/drawing/2014/main" id="{3A408A6B-9012-B1E7-BEFA-F24EF16B0970}"/>
+              </a:ext>
+            </a:extLst>
+          </p:cNvPr>
+          <p:cNvSpPr>
+            <a:spLocks noGrp="1"/>
+          </p:cNvSpPr>
+          <p:nvPr>
+            <p:ph type="sldNum" sz="quarter" idx="12"/>
+          </p:nvPr>
+        </p:nvSpPr>
+        <p:spPr/>
+        <p:txBody>
+          <a:bodyPr/>
+          <a:lstStyle/>
+          <a:p>
+            <a:fld id="{1A401315-7350-4ECF-B456-363AC987C71C}" type="slidenum">
+              <a:rPr lang="en-GB" smtClean="0"/>
+              <a:t>8</a:t>
+            </a:fld>
+            <a:endParaRPr lang="en-GB"/>
+          </a:p>
+        </p:txBody>
+      </p:sp>
     </p:spTree>
     <p:extLst>
       <p:ext uri="{BB962C8B-B14F-4D97-AF65-F5344CB8AC3E}">
@@ -10114,6 +13149,9 @@
   <p:clrMapOvr>
     <a:masterClrMapping/>
   </p:clrMapOvr>
+  <p:transition spd="slow">
+    <p:push dir="u"/>
+  </p:transition>
 </p:sld>
 </file>
 
@@ -10204,6 +13242,35 @@
           </a:prstGeom>
         </p:spPr>
       </p:pic>
+      <p:sp>
+        <p:nvSpPr>
+          <p:cNvPr id="3" name="Foliennummernplatzhalter 2">
+            <a:extLst>
+              <a:ext uri="{FF2B5EF4-FFF2-40B4-BE49-F238E27FC236}">
+                <a16:creationId xmlns:a16="http://schemas.microsoft.com/office/drawing/2014/main" id="{E33AB3DA-26D9-13F9-2B64-58502D4B7850}"/>
+              </a:ext>
+            </a:extLst>
+          </p:cNvPr>
+          <p:cNvSpPr>
+            <a:spLocks noGrp="1"/>
+          </p:cNvSpPr>
+          <p:nvPr>
+            <p:ph type="sldNum" sz="quarter" idx="12"/>
+          </p:nvPr>
+        </p:nvSpPr>
+        <p:spPr/>
+        <p:txBody>
+          <a:bodyPr/>
+          <a:lstStyle/>
+          <a:p>
+            <a:fld id="{1A401315-7350-4ECF-B456-363AC987C71C}" type="slidenum">
+              <a:rPr lang="en-GB" smtClean="0"/>
+              <a:t>9</a:t>
+            </a:fld>
+            <a:endParaRPr lang="en-GB"/>
+          </a:p>
+        </p:txBody>
+      </p:sp>
     </p:spTree>
     <p:extLst>
       <p:ext uri="{BB962C8B-B14F-4D97-AF65-F5344CB8AC3E}">
@@ -10214,6 +13281,9 @@
   <p:clrMapOvr>
     <a:masterClrMapping/>
   </p:clrMapOvr>
+  <p:transition spd="slow">
+    <p:push dir="u"/>
+  </p:transition>
 </p:sld>
 </file>
 

--- a/ITP/Von der Projektidee zum Projektauftrag.pptx
+++ b/ITP/Von der Projektidee zum Projektauftrag.pptx
@@ -216,7 +216,7 @@
           <a:p>
             <a:fld id="{D22B782B-7635-4CFD-8DEB-E3047850B87B}" type="datetimeFigureOut">
               <a:rPr lang="de-AT" smtClean="0"/>
-              <a:t>05.03.2025</a:t>
+              <a:t>13.03.2025</a:t>
             </a:fld>
             <a:endParaRPr lang="de-AT"/>
           </a:p>
@@ -1333,7 +1333,7 @@
           <a:p>
             <a:fld id="{F4B13AFC-D0EF-42CA-A9E1-58A372A8B7DA}" type="datetime1">
               <a:rPr lang="en-GB" smtClean="0"/>
-              <a:t>05/03/2025</a:t>
+              <a:t>13/03/2025</a:t>
             </a:fld>
             <a:endParaRPr lang="en-GB"/>
           </a:p>
@@ -1533,7 +1533,7 @@
           <a:p>
             <a:fld id="{D91BC2AF-CECD-41EB-91D8-FC814B19D2BB}" type="datetime1">
               <a:rPr lang="en-GB" smtClean="0"/>
-              <a:t>05/03/2025</a:t>
+              <a:t>13/03/2025</a:t>
             </a:fld>
             <a:endParaRPr lang="en-GB"/>
           </a:p>
@@ -1743,7 +1743,7 @@
           <a:p>
             <a:fld id="{9825354E-F563-4111-BF58-E038845F1B7E}" type="datetime1">
               <a:rPr lang="en-GB" smtClean="0"/>
-              <a:t>05/03/2025</a:t>
+              <a:t>13/03/2025</a:t>
             </a:fld>
             <a:endParaRPr lang="en-GB"/>
           </a:p>
@@ -1943,7 +1943,7 @@
           <a:p>
             <a:fld id="{B2E8A175-7921-478E-BE30-519E05C548DB}" type="datetime1">
               <a:rPr lang="en-GB" smtClean="0"/>
-              <a:t>05/03/2025</a:t>
+              <a:t>13/03/2025</a:t>
             </a:fld>
             <a:endParaRPr lang="en-GB"/>
           </a:p>
@@ -2219,7 +2219,7 @@
           <a:p>
             <a:fld id="{0E9F0052-14E0-4315-85A1-03492097AA66}" type="datetime1">
               <a:rPr lang="en-GB" smtClean="0"/>
-              <a:t>05/03/2025</a:t>
+              <a:t>13/03/2025</a:t>
             </a:fld>
             <a:endParaRPr lang="en-GB"/>
           </a:p>
@@ -2487,7 +2487,7 @@
           <a:p>
             <a:fld id="{9F578F3E-2837-4FC3-A98E-88409A1BA321}" type="datetime1">
               <a:rPr lang="en-GB" smtClean="0"/>
-              <a:t>05/03/2025</a:t>
+              <a:t>13/03/2025</a:t>
             </a:fld>
             <a:endParaRPr lang="en-GB"/>
           </a:p>
@@ -2902,7 +2902,7 @@
           <a:p>
             <a:fld id="{DD8E2323-7188-4091-9719-693FAB1EE299}" type="datetime1">
               <a:rPr lang="en-GB" smtClean="0"/>
-              <a:t>05/03/2025</a:t>
+              <a:t>13/03/2025</a:t>
             </a:fld>
             <a:endParaRPr lang="en-GB"/>
           </a:p>
@@ -3044,7 +3044,7 @@
           <a:p>
             <a:fld id="{03B07AAD-9123-458D-9073-B61A0EAD2087}" type="datetime1">
               <a:rPr lang="en-GB" smtClean="0"/>
-              <a:t>05/03/2025</a:t>
+              <a:t>13/03/2025</a:t>
             </a:fld>
             <a:endParaRPr lang="en-GB"/>
           </a:p>
@@ -3157,7 +3157,7 @@
           <a:p>
             <a:fld id="{1D1E95BF-9BCF-4C35-929E-D3124F7D5CDC}" type="datetime1">
               <a:rPr lang="en-GB" smtClean="0"/>
-              <a:t>05/03/2025</a:t>
+              <a:t>13/03/2025</a:t>
             </a:fld>
             <a:endParaRPr lang="en-GB"/>
           </a:p>
@@ -3470,7 +3470,7 @@
           <a:p>
             <a:fld id="{CA6077BB-E0EC-46B9-9FE5-7928F75384FA}" type="datetime1">
               <a:rPr lang="en-GB" smtClean="0"/>
-              <a:t>05/03/2025</a:t>
+              <a:t>13/03/2025</a:t>
             </a:fld>
             <a:endParaRPr lang="en-GB"/>
           </a:p>
@@ -3759,7 +3759,7 @@
           <a:p>
             <a:fld id="{1F4A9EC9-4DB4-4BE4-A4EA-242B40676557}" type="datetime1">
               <a:rPr lang="en-GB" smtClean="0"/>
-              <a:t>05/03/2025</a:t>
+              <a:t>13/03/2025</a:t>
             </a:fld>
             <a:endParaRPr lang="en-GB"/>
           </a:p>
@@ -4002,7 +4002,7 @@
           <a:p>
             <a:fld id="{CA0D09B7-194B-45C4-ABD1-A6D48D52B8B9}" type="datetime1">
               <a:rPr lang="en-GB" smtClean="0"/>
-              <a:t>05/03/2025</a:t>
+              <a:t>13/03/2025</a:t>
             </a:fld>
             <a:endParaRPr lang="en-GB"/>
           </a:p>
@@ -6426,33 +6426,15 @@
                                   </p:childTnLst>
                                 </p:cTn>
                               </p:par>
-                            </p:childTnLst>
-                          </p:cTn>
-                        </p:par>
-                      </p:childTnLst>
-                    </p:cTn>
-                  </p:par>
-                  <p:par>
-                    <p:cTn id="16" fill="hold">
-                      <p:stCondLst>
-                        <p:cond delay="indefinite"/>
-                      </p:stCondLst>
-                      <p:childTnLst>
-                        <p:par>
-                          <p:cTn id="17" fill="hold">
-                            <p:stCondLst>
-                              <p:cond delay="0"/>
-                            </p:stCondLst>
-                            <p:childTnLst>
                               <p:par>
-                                <p:cTn id="18" presetID="10" presetClass="entr" presetSubtype="0" fill="hold" grpId="0" nodeType="clickEffect">
+                                <p:cTn id="16" presetID="10" presetClass="entr" presetSubtype="0" fill="hold" grpId="0" nodeType="withEffect">
                                   <p:stCondLst>
                                     <p:cond delay="0"/>
                                   </p:stCondLst>
                                   <p:childTnLst>
                                     <p:set>
                                       <p:cBhvr>
-                                        <p:cTn id="19" dur="1" fill="hold">
+                                        <p:cTn id="17" dur="1" fill="hold">
                                           <p:stCondLst>
                                             <p:cond delay="0"/>
                                           </p:stCondLst>
@@ -6470,7 +6452,7 @@
                                     </p:set>
                                     <p:animEffect transition="in" filter="fade">
                                       <p:cBhvr>
-                                        <p:cTn id="20" dur="500"/>
+                                        <p:cTn id="18" dur="500"/>
                                         <p:tgtEl>
                                           <p:spTgt spid="12"/>
                                         </p:tgtEl>
@@ -6486,26 +6468,26 @@
                     </p:cTn>
                   </p:par>
                   <p:par>
-                    <p:cTn id="21" fill="hold">
+                    <p:cTn id="19" fill="hold">
                       <p:stCondLst>
                         <p:cond delay="indefinite"/>
                       </p:stCondLst>
                       <p:childTnLst>
                         <p:par>
-                          <p:cTn id="22" fill="hold">
+                          <p:cTn id="20" fill="hold">
                             <p:stCondLst>
                               <p:cond delay="0"/>
                             </p:stCondLst>
                             <p:childTnLst>
                               <p:par>
-                                <p:cTn id="23" presetID="10" presetClass="entr" presetSubtype="0" fill="hold" nodeType="clickEffect">
+                                <p:cTn id="21" presetID="10" presetClass="entr" presetSubtype="0" fill="hold" nodeType="clickEffect">
                                   <p:stCondLst>
                                     <p:cond delay="0"/>
                                   </p:stCondLst>
                                   <p:childTnLst>
                                     <p:set>
                                       <p:cBhvr>
-                                        <p:cTn id="24" dur="1" fill="hold">
+                                        <p:cTn id="22" dur="1" fill="hold">
                                           <p:stCondLst>
                                             <p:cond delay="0"/>
                                           </p:stCondLst>
@@ -6523,7 +6505,7 @@
                                     </p:set>
                                     <p:animEffect transition="in" filter="fade">
                                       <p:cBhvr>
-                                        <p:cTn id="25" dur="500"/>
+                                        <p:cTn id="23" dur="500"/>
                                         <p:tgtEl>
                                           <p:spTgt spid="9"/>
                                         </p:tgtEl>
@@ -6533,14 +6515,14 @@
                                 </p:cTn>
                               </p:par>
                               <p:par>
-                                <p:cTn id="26" presetID="10" presetClass="entr" presetSubtype="0" fill="hold" grpId="0" nodeType="withEffect">
+                                <p:cTn id="24" presetID="10" presetClass="entr" presetSubtype="0" fill="hold" grpId="0" nodeType="withEffect">
                                   <p:stCondLst>
                                     <p:cond delay="0"/>
                                   </p:stCondLst>
                                   <p:childTnLst>
                                     <p:set>
                                       <p:cBhvr>
-                                        <p:cTn id="27" dur="1" fill="hold">
+                                        <p:cTn id="25" dur="1" fill="hold">
                                           <p:stCondLst>
                                             <p:cond delay="0"/>
                                           </p:stCondLst>
@@ -6558,7 +6540,7 @@
                                     </p:set>
                                     <p:animEffect transition="in" filter="fade">
                                       <p:cBhvr>
-                                        <p:cTn id="28" dur="500"/>
+                                        <p:cTn id="26" dur="500"/>
                                         <p:tgtEl>
                                           <p:spTgt spid="13"/>
                                         </p:tgtEl>
@@ -10289,13 +10271,13 @@
   <p:clrMapOvr>
     <a:masterClrMapping/>
   </p:clrMapOvr>
-  <mc:AlternateContent xmlns:mc="http://schemas.openxmlformats.org/markup-compatibility/2006">
-    <mc:Choice xmlns:p15="http://schemas.microsoft.com/office/powerpoint/2012/main" Requires="p15">
+  <mc:AlternateContent xmlns:mc="http://schemas.openxmlformats.org/markup-compatibility/2006" xmlns:p15="http://schemas.microsoft.com/office/powerpoint/2012/main">
+    <mc:Choice Requires="p15">
       <p:transition xmlns:p14="http://schemas.microsoft.com/office/powerpoint/2010/main" spd="slow" p14:dur="6000">
         <p15:prstTrans prst="curtains"/>
       </p:transition>
     </mc:Choice>
-    <mc:Fallback>
+    <mc:Fallback xmlns="">
       <p:transition spd="slow">
         <p:fade/>
       </p:transition>

--- a/ITP/Von der Projektidee zum Projektauftrag.pptx
+++ b/ITP/Von der Projektidee zum Projektauftrag.pptx
@@ -216,7 +216,7 @@
           <a:p>
             <a:fld id="{D22B782B-7635-4CFD-8DEB-E3047850B87B}" type="datetimeFigureOut">
               <a:rPr lang="de-AT" smtClean="0"/>
-              <a:t>13.03.2025</a:t>
+              <a:t>20.03.2025</a:t>
             </a:fld>
             <a:endParaRPr lang="de-AT"/>
           </a:p>
@@ -694,6 +694,90 @@
   <p:cSld>
     <p:spTree>
       <p:nvGrpSpPr>
+        <p:cNvPr id="1" name=""/>
+        <p:cNvGrpSpPr/>
+        <p:nvPr/>
+      </p:nvGrpSpPr>
+      <p:grpSpPr>
+        <a:xfrm>
+          <a:off x="0" y="0"/>
+          <a:ext cx="0" cy="0"/>
+          <a:chOff x="0" y="0"/>
+          <a:chExt cx="0" cy="0"/>
+        </a:xfrm>
+      </p:grpSpPr>
+      <p:sp>
+        <p:nvSpPr>
+          <p:cNvPr id="2" name="Folienbildplatzhalter 1"/>
+          <p:cNvSpPr>
+            <a:spLocks noGrp="1" noRot="1" noChangeAspect="1"/>
+          </p:cNvSpPr>
+          <p:nvPr>
+            <p:ph type="sldImg"/>
+          </p:nvPr>
+        </p:nvSpPr>
+        <p:spPr/>
+      </p:sp>
+      <p:sp>
+        <p:nvSpPr>
+          <p:cNvPr id="3" name="Notizenplatzhalter 2"/>
+          <p:cNvSpPr>
+            <a:spLocks noGrp="1"/>
+          </p:cNvSpPr>
+          <p:nvPr>
+            <p:ph type="body" idx="1"/>
+          </p:nvPr>
+        </p:nvSpPr>
+        <p:spPr/>
+        <p:txBody>
+          <a:bodyPr/>
+          <a:lstStyle/>
+          <a:p>
+            <a:endParaRPr lang="en-GB"/>
+          </a:p>
+        </p:txBody>
+      </p:sp>
+      <p:sp>
+        <p:nvSpPr>
+          <p:cNvPr id="4" name="Foliennummernplatzhalter 3"/>
+          <p:cNvSpPr>
+            <a:spLocks noGrp="1"/>
+          </p:cNvSpPr>
+          <p:nvPr>
+            <p:ph type="sldNum" sz="quarter" idx="5"/>
+          </p:nvPr>
+        </p:nvSpPr>
+        <p:spPr/>
+        <p:txBody>
+          <a:bodyPr/>
+          <a:lstStyle/>
+          <a:p>
+            <a:fld id="{42F1E68F-BF1A-45B0-841D-982DA2AC4570}" type="slidenum">
+              <a:rPr lang="de-AT" smtClean="0"/>
+              <a:t>5</a:t>
+            </a:fld>
+            <a:endParaRPr lang="de-AT"/>
+          </a:p>
+        </p:txBody>
+      </p:sp>
+    </p:spTree>
+    <p:extLst>
+      <p:ext uri="{BB962C8B-B14F-4D97-AF65-F5344CB8AC3E}">
+        <p14:creationId xmlns:p14="http://schemas.microsoft.com/office/powerpoint/2010/main" val="1770040532"/>
+      </p:ext>
+    </p:extLst>
+  </p:cSld>
+  <p:clrMapOvr>
+    <a:masterClrMapping/>
+  </p:clrMapOvr>
+</p:notes>
+</file>
+
+<file path=ppt/notesSlides/notesSlide4.xml><?xml version="1.0" encoding="utf-8"?>
+<p:notes xmlns:a="http://schemas.openxmlformats.org/drawingml/2006/main" xmlns:r="http://schemas.openxmlformats.org/officeDocument/2006/relationships" xmlns:p="http://schemas.openxmlformats.org/presentationml/2006/main">
+  <p:cSld>
+    <p:spTree>
+      <p:nvGrpSpPr>
         <p:cNvPr id="1" name="">
           <a:extLst>
             <a:ext uri="{FF2B5EF4-FFF2-40B4-BE49-F238E27FC236}">
@@ -806,7 +890,7 @@
 </p:notes>
 </file>
 
-<file path=ppt/notesSlides/notesSlide4.xml><?xml version="1.0" encoding="utf-8"?>
+<file path=ppt/notesSlides/notesSlide5.xml><?xml version="1.0" encoding="utf-8"?>
 <p:notes xmlns:a="http://schemas.openxmlformats.org/drawingml/2006/main" xmlns:r="http://schemas.openxmlformats.org/officeDocument/2006/relationships" xmlns:p="http://schemas.openxmlformats.org/presentationml/2006/main">
   <p:cSld>
     <p:spTree>
@@ -899,7 +983,7 @@
 </p:notes>
 </file>
 
-<file path=ppt/notesSlides/notesSlide5.xml><?xml version="1.0" encoding="utf-8"?>
+<file path=ppt/notesSlides/notesSlide6.xml><?xml version="1.0" encoding="utf-8"?>
 <p:notes xmlns:a="http://schemas.openxmlformats.org/drawingml/2006/main" xmlns:r="http://schemas.openxmlformats.org/officeDocument/2006/relationships" xmlns:p="http://schemas.openxmlformats.org/presentationml/2006/main">
   <p:cSld>
     <p:spTree>
@@ -1016,7 +1100,7 @@
 </p:notes>
 </file>
 
-<file path=ppt/notesSlides/notesSlide6.xml><?xml version="1.0" encoding="utf-8"?>
+<file path=ppt/notesSlides/notesSlide7.xml><?xml version="1.0" encoding="utf-8"?>
 <p:notes xmlns:a="http://schemas.openxmlformats.org/drawingml/2006/main" xmlns:r="http://schemas.openxmlformats.org/officeDocument/2006/relationships" xmlns:p="http://schemas.openxmlformats.org/presentationml/2006/main">
   <p:cSld>
     <p:spTree>
@@ -1100,7 +1184,7 @@
 </p:notes>
 </file>
 
-<file path=ppt/notesSlides/notesSlide7.xml><?xml version="1.0" encoding="utf-8"?>
+<file path=ppt/notesSlides/notesSlide8.xml><?xml version="1.0" encoding="utf-8"?>
 <p:notes xmlns:a="http://schemas.openxmlformats.org/drawingml/2006/main" xmlns:r="http://schemas.openxmlformats.org/officeDocument/2006/relationships" xmlns:p="http://schemas.openxmlformats.org/presentationml/2006/main">
   <p:cSld>
     <p:spTree>
@@ -1333,7 +1417,7 @@
           <a:p>
             <a:fld id="{F4B13AFC-D0EF-42CA-A9E1-58A372A8B7DA}" type="datetime1">
               <a:rPr lang="en-GB" smtClean="0"/>
-              <a:t>13/03/2025</a:t>
+              <a:t>20/03/2025</a:t>
             </a:fld>
             <a:endParaRPr lang="en-GB"/>
           </a:p>
@@ -1533,7 +1617,7 @@
           <a:p>
             <a:fld id="{D91BC2AF-CECD-41EB-91D8-FC814B19D2BB}" type="datetime1">
               <a:rPr lang="en-GB" smtClean="0"/>
-              <a:t>13/03/2025</a:t>
+              <a:t>20/03/2025</a:t>
             </a:fld>
             <a:endParaRPr lang="en-GB"/>
           </a:p>
@@ -1743,7 +1827,7 @@
           <a:p>
             <a:fld id="{9825354E-F563-4111-BF58-E038845F1B7E}" type="datetime1">
               <a:rPr lang="en-GB" smtClean="0"/>
-              <a:t>13/03/2025</a:t>
+              <a:t>20/03/2025</a:t>
             </a:fld>
             <a:endParaRPr lang="en-GB"/>
           </a:p>
@@ -1943,7 +2027,7 @@
           <a:p>
             <a:fld id="{B2E8A175-7921-478E-BE30-519E05C548DB}" type="datetime1">
               <a:rPr lang="en-GB" smtClean="0"/>
-              <a:t>13/03/2025</a:t>
+              <a:t>20/03/2025</a:t>
             </a:fld>
             <a:endParaRPr lang="en-GB"/>
           </a:p>
@@ -2219,7 +2303,7 @@
           <a:p>
             <a:fld id="{0E9F0052-14E0-4315-85A1-03492097AA66}" type="datetime1">
               <a:rPr lang="en-GB" smtClean="0"/>
-              <a:t>13/03/2025</a:t>
+              <a:t>20/03/2025</a:t>
             </a:fld>
             <a:endParaRPr lang="en-GB"/>
           </a:p>
@@ -2487,7 +2571,7 @@
           <a:p>
             <a:fld id="{9F578F3E-2837-4FC3-A98E-88409A1BA321}" type="datetime1">
               <a:rPr lang="en-GB" smtClean="0"/>
-              <a:t>13/03/2025</a:t>
+              <a:t>20/03/2025</a:t>
             </a:fld>
             <a:endParaRPr lang="en-GB"/>
           </a:p>
@@ -2902,7 +2986,7 @@
           <a:p>
             <a:fld id="{DD8E2323-7188-4091-9719-693FAB1EE299}" type="datetime1">
               <a:rPr lang="en-GB" smtClean="0"/>
-              <a:t>13/03/2025</a:t>
+              <a:t>20/03/2025</a:t>
             </a:fld>
             <a:endParaRPr lang="en-GB"/>
           </a:p>
@@ -3044,7 +3128,7 @@
           <a:p>
             <a:fld id="{03B07AAD-9123-458D-9073-B61A0EAD2087}" type="datetime1">
               <a:rPr lang="en-GB" smtClean="0"/>
-              <a:t>13/03/2025</a:t>
+              <a:t>20/03/2025</a:t>
             </a:fld>
             <a:endParaRPr lang="en-GB"/>
           </a:p>
@@ -3157,7 +3241,7 @@
           <a:p>
             <a:fld id="{1D1E95BF-9BCF-4C35-929E-D3124F7D5CDC}" type="datetime1">
               <a:rPr lang="en-GB" smtClean="0"/>
-              <a:t>13/03/2025</a:t>
+              <a:t>20/03/2025</a:t>
             </a:fld>
             <a:endParaRPr lang="en-GB"/>
           </a:p>
@@ -3470,7 +3554,7 @@
           <a:p>
             <a:fld id="{CA6077BB-E0EC-46B9-9FE5-7928F75384FA}" type="datetime1">
               <a:rPr lang="en-GB" smtClean="0"/>
-              <a:t>13/03/2025</a:t>
+              <a:t>20/03/2025</a:t>
             </a:fld>
             <a:endParaRPr lang="en-GB"/>
           </a:p>
@@ -3759,7 +3843,7 @@
           <a:p>
             <a:fld id="{1F4A9EC9-4DB4-4BE4-A4EA-242B40676557}" type="datetime1">
               <a:rPr lang="en-GB" smtClean="0"/>
-              <a:t>13/03/2025</a:t>
+              <a:t>20/03/2025</a:t>
             </a:fld>
             <a:endParaRPr lang="en-GB"/>
           </a:p>
@@ -4002,7 +4086,7 @@
           <a:p>
             <a:fld id="{CA0D09B7-194B-45C4-ABD1-A6D48D52B8B9}" type="datetime1">
               <a:rPr lang="en-GB" smtClean="0"/>
-              <a:t>13/03/2025</a:t>
+              <a:t>20/03/2025</a:t>
             </a:fld>
             <a:endParaRPr lang="en-GB"/>
           </a:p>
@@ -9801,88 +9885,77 @@
           <a:chExt cx="0" cy="0"/>
         </a:xfrm>
       </p:grpSpPr>
-      <p:sp useBgFill="1">
-        <p:nvSpPr>
-          <p:cNvPr id="5136" name="Rectangle 5135">
-            <a:extLst>
-              <a:ext uri="{FF2B5EF4-FFF2-40B4-BE49-F238E27FC236}">
-                <a16:creationId xmlns:a16="http://schemas.microsoft.com/office/drawing/2014/main" id="{FFCDD23B-75C8-427B-BD08-53C8156CD7CD}"/>
-              </a:ext>
-              <a:ext uri="{C183D7F6-B498-43B3-948B-1728B52AA6E4}">
-                <adec:decorative xmlns:adec="http://schemas.microsoft.com/office/drawing/2017/decorative" val="1"/>
-              </a:ext>
-            </a:extLst>
-          </p:cNvPr>
-          <p:cNvSpPr>
-            <a:spLocks noGrp="1" noRot="1" noChangeAspect="1" noMove="1" noResize="1" noEditPoints="1" noAdjustHandles="1" noChangeArrowheads="1" noChangeShapeType="1" noTextEdit="1"/>
-          </p:cNvSpPr>
-          <p:nvPr>
-            <p:extLst>
-              <p:ext uri="{386F3935-93C4-4BCD-93E2-E3B085C9AB24}">
-                <p16:designElem xmlns:p16="http://schemas.microsoft.com/office/powerpoint/2015/main" val="1"/>
-              </p:ext>
-            </p:extLst>
+      <p:sp>
+        <p:nvSpPr>
+          <p:cNvPr id="2" name="Titel 1">
+            <a:extLst>
+              <a:ext uri="{FF2B5EF4-FFF2-40B4-BE49-F238E27FC236}">
+                <a16:creationId xmlns:a16="http://schemas.microsoft.com/office/drawing/2014/main" id="{60993971-D976-35BC-95C2-636643BEE66D}"/>
+              </a:ext>
+            </a:extLst>
+          </p:cNvPr>
+          <p:cNvSpPr>
+            <a:spLocks noGrp="1"/>
+          </p:cNvSpPr>
+          <p:nvPr>
+            <p:ph type="ctrTitle"/>
           </p:nvPr>
         </p:nvSpPr>
         <p:spPr>
           <a:xfrm>
-            <a:off x="-2" y="0"/>
-            <a:ext cx="12192000" cy="6858000"/>
+            <a:off x="762001" y="5074024"/>
+            <a:ext cx="10109199" cy="598032"/>
+          </a:xfrm>
+        </p:spPr>
+        <p:txBody>
+          <a:bodyPr vert="horz" lIns="91440" tIns="45720" rIns="91440" bIns="45720" rtlCol="0" anchor="ctr">
+            <a:normAutofit/>
+          </a:bodyPr>
+          <a:lstStyle/>
+          <a:p>
+            <a:pPr algn="l"/>
+            <a:r>
+              <a:rPr lang="en-US" sz="3600"/>
+              <a:t>Vielen Dank für eure Aufmerksamkeit!</a:t>
+            </a:r>
+          </a:p>
+        </p:txBody>
+      </p:sp>
+      <p:pic>
+        <p:nvPicPr>
+          <p:cNvPr id="4" name="Grafik 3" descr="Ein Bild, das draußen enthält.&#10;&#10;KI-generierte Inhalte können fehlerhaft sein.">
+            <a:extLst>
+              <a:ext uri="{FF2B5EF4-FFF2-40B4-BE49-F238E27FC236}">
+                <a16:creationId xmlns:a16="http://schemas.microsoft.com/office/drawing/2014/main" id="{DC72D1F9-BAD2-6820-65C8-89209131B823}"/>
+              </a:ext>
+            </a:extLst>
+          </p:cNvPr>
+          <p:cNvPicPr>
+            <a:picLocks noChangeAspect="1"/>
+          </p:cNvPicPr>
+          <p:nvPr/>
+        </p:nvPicPr>
+        <p:blipFill>
+          <a:blip r:embed="rId2"/>
+          <a:srcRect l="2842" r="-3" b="-3"/>
+          <a:stretch/>
+        </p:blipFill>
+        <p:spPr>
+          <a:xfrm>
+            <a:off x="20" y="3"/>
+            <a:ext cx="4062634" cy="4172786"/>
           </a:xfrm>
           <a:prstGeom prst="rect">
             <a:avLst/>
           </a:prstGeom>
-          <a:ln w="12700" cap="flat" cmpd="sng" algn="ctr">
-            <a:noFill/>
-            <a:prstDash val="solid"/>
-            <a:miter lim="800000"/>
-          </a:ln>
-          <a:effectLst/>
-          <a:extLst>
-            <a:ext uri="{91240B29-F687-4F45-9708-019B960494DF}">
-              <a14:hiddenLine xmlns:a14="http://schemas.microsoft.com/office/drawing/2010/main" w="12700" cap="flat" cmpd="sng" algn="ctr">
-                <a:solidFill>
-                  <a:schemeClr val="accent1">
-                    <a:shade val="50000"/>
-                  </a:schemeClr>
-                </a:solidFill>
-                <a:prstDash val="solid"/>
-                <a:miter lim="800000"/>
-              </a14:hiddenLine>
-            </a:ext>
-          </a:extLst>
         </p:spPr>
-        <p:style>
-          <a:lnRef idx="2">
-            <a:schemeClr val="accent1">
-              <a:shade val="50000"/>
-            </a:schemeClr>
-          </a:lnRef>
-          <a:fillRef idx="1">
-            <a:schemeClr val="accent1"/>
-          </a:fillRef>
-          <a:effectRef idx="0">
-            <a:schemeClr val="accent1"/>
-          </a:effectRef>
-          <a:fontRef idx="minor">
-            <a:schemeClr val="lt1"/>
-          </a:fontRef>
-        </p:style>
-        <p:txBody>
-          <a:bodyPr rtlCol="0" anchor="ctr"/>
-          <a:lstStyle/>
-          <a:p>
-            <a:pPr algn="ctr"/>
-            <a:endParaRPr lang="en-US"/>
-          </a:p>
-        </p:txBody>
-      </p:sp>
+      </p:pic>
       <p:pic>
         <p:nvPicPr>
-          <p:cNvPr id="5122" name="Picture 2" descr="Vielen dank für eure aufmerksamkeit -Fotos und -Bildmaterial in hoher  Auflösung – Alamy">
-            <a:extLst>
-              <a:ext uri="{FF2B5EF4-FFF2-40B4-BE49-F238E27FC236}">
-                <a16:creationId xmlns:a16="http://schemas.microsoft.com/office/drawing/2014/main" id="{1539A5E9-3318-6B83-0CA0-DD1E7A5E48B9}"/>
+          <p:cNvPr id="5124" name="Picture 4" descr="Poster, Print Portrait of a Sleazy Businessman Showing Contract, 40x33.9 cm">
+            <a:extLst>
+              <a:ext uri="{FF2B5EF4-FFF2-40B4-BE49-F238E27FC236}">
+                <a16:creationId xmlns:a16="http://schemas.microsoft.com/office/drawing/2014/main" id="{56ECA197-22ED-7560-10CD-E0A689A33AB5}"/>
               </a:ext>
             </a:extLst>
           </p:cNvPr>
@@ -9892,20 +9965,20 @@
           <p:nvPr/>
         </p:nvPicPr>
         <p:blipFill>
-          <a:blip r:embed="rId2">
+          <a:blip r:embed="rId3">
             <a:extLst>
               <a:ext uri="{28A0092B-C50C-407E-A947-70E740481C1C}">
                 <a14:useLocalDpi xmlns:a14="http://schemas.microsoft.com/office/drawing/2010/main" val="0"/>
               </a:ext>
             </a:extLst>
           </a:blip>
-          <a:srcRect t="3873" r="-1" b="15766"/>
+          <a:srcRect l="12493" r="4993" b="-1"/>
           <a:stretch/>
         </p:blipFill>
         <p:spPr bwMode="auto">
           <a:xfrm>
-            <a:off x="-1" y="190"/>
-            <a:ext cx="8128855" cy="5291194"/>
+            <a:off x="4061976" y="10"/>
+            <a:ext cx="4062654" cy="4172778"/>
           </a:xfrm>
           <a:prstGeom prst="rect">
             <a:avLst/>
@@ -9922,277 +9995,12 @@
           </a:extLst>
         </p:spPr>
       </p:pic>
-      <p:sp>
-        <p:nvSpPr>
-          <p:cNvPr id="5138" name="Rectangle 5137">
-            <a:extLst>
-              <a:ext uri="{FF2B5EF4-FFF2-40B4-BE49-F238E27FC236}">
-                <a16:creationId xmlns:a16="http://schemas.microsoft.com/office/drawing/2014/main" id="{AFFC87AC-C919-4FE5-BAC3-39509E001152}"/>
-              </a:ext>
-              <a:ext uri="{C183D7F6-B498-43B3-948B-1728B52AA6E4}">
-                <adec:decorative xmlns:adec="http://schemas.microsoft.com/office/drawing/2017/decorative" val="1"/>
-              </a:ext>
-            </a:extLst>
-          </p:cNvPr>
-          <p:cNvSpPr>
-            <a:spLocks noGrp="1" noRot="1" noChangeAspect="1" noMove="1" noResize="1" noEditPoints="1" noAdjustHandles="1" noChangeArrowheads="1" noChangeShapeType="1" noTextEdit="1"/>
-          </p:cNvSpPr>
-          <p:nvPr>
-            <p:extLst>
-              <p:ext uri="{386F3935-93C4-4BCD-93E2-E3B085C9AB24}">
-                <p16:designElem xmlns:p16="http://schemas.microsoft.com/office/powerpoint/2015/main" val="1"/>
-              </p:ext>
-            </p:extLst>
-          </p:nvPr>
-        </p:nvSpPr>
-        <p:spPr>
-          <a:xfrm flipH="1">
-            <a:off x="-264" y="5282206"/>
-            <a:ext cx="12192264" cy="1163844"/>
-          </a:xfrm>
-          <a:prstGeom prst="rect">
-            <a:avLst/>
-          </a:prstGeom>
-          <a:gradFill>
-            <a:gsLst>
-              <a:gs pos="28000">
-                <a:schemeClr val="accent1">
-                  <a:lumMod val="75000"/>
-                  <a:alpha val="11000"/>
-                </a:schemeClr>
-              </a:gs>
-              <a:gs pos="100000">
-                <a:srgbClr val="000000">
-                  <a:alpha val="77000"/>
-                </a:srgbClr>
-              </a:gs>
-            </a:gsLst>
-            <a:lin ang="12600000" scaled="0"/>
-          </a:gradFill>
-          <a:ln>
-            <a:noFill/>
-          </a:ln>
-        </p:spPr>
-        <p:style>
-          <a:lnRef idx="2">
-            <a:schemeClr val="accent1">
-              <a:shade val="50000"/>
-            </a:schemeClr>
-          </a:lnRef>
-          <a:fillRef idx="1">
-            <a:schemeClr val="accent1"/>
-          </a:fillRef>
-          <a:effectRef idx="0">
-            <a:schemeClr val="accent1"/>
-          </a:effectRef>
-          <a:fontRef idx="minor">
-            <a:schemeClr val="lt1"/>
-          </a:fontRef>
-        </p:style>
-        <p:txBody>
-          <a:bodyPr rtlCol="0" anchor="ctr"/>
-          <a:lstStyle/>
-          <a:p>
-            <a:pPr algn="ctr"/>
-            <a:endParaRPr lang="en-US" dirty="0"/>
-          </a:p>
-        </p:txBody>
-      </p:sp>
-      <p:sp>
-        <p:nvSpPr>
-          <p:cNvPr id="5140" name="Rectangle 5139">
-            <a:extLst>
-              <a:ext uri="{FF2B5EF4-FFF2-40B4-BE49-F238E27FC236}">
-                <a16:creationId xmlns:a16="http://schemas.microsoft.com/office/drawing/2014/main" id="{AB5E08C4-8CDD-4623-A5B8-E998C6DEE3B7}"/>
-              </a:ext>
-              <a:ext uri="{C183D7F6-B498-43B3-948B-1728B52AA6E4}">
-                <adec:decorative xmlns:adec="http://schemas.microsoft.com/office/drawing/2017/decorative" val="1"/>
-              </a:ext>
-            </a:extLst>
-          </p:cNvPr>
-          <p:cNvSpPr>
-            <a:spLocks noGrp="1" noRot="1" noChangeAspect="1" noMove="1" noResize="1" noEditPoints="1" noAdjustHandles="1" noChangeArrowheads="1" noChangeShapeType="1" noTextEdit="1"/>
-          </p:cNvSpPr>
-          <p:nvPr>
-            <p:extLst>
-              <p:ext uri="{386F3935-93C4-4BCD-93E2-E3B085C9AB24}">
-                <p16:designElem xmlns:p16="http://schemas.microsoft.com/office/powerpoint/2015/main" val="1"/>
-              </p:ext>
-            </p:extLst>
-          </p:nvPr>
-        </p:nvSpPr>
-        <p:spPr>
-          <a:xfrm flipH="1">
-            <a:off x="2" y="5282206"/>
-            <a:ext cx="12191998" cy="1586485"/>
-          </a:xfrm>
-          <a:prstGeom prst="rect">
-            <a:avLst/>
-          </a:prstGeom>
-          <a:gradFill>
-            <a:gsLst>
-              <a:gs pos="0">
-                <a:srgbClr val="000000">
-                  <a:alpha val="96000"/>
-                </a:srgbClr>
-              </a:gs>
-              <a:gs pos="100000">
-                <a:schemeClr val="accent1"/>
-              </a:gs>
-            </a:gsLst>
-            <a:lin ang="8400000" scaled="0"/>
-          </a:gradFill>
-          <a:ln>
-            <a:noFill/>
-          </a:ln>
-        </p:spPr>
-        <p:style>
-          <a:lnRef idx="2">
-            <a:schemeClr val="accent1">
-              <a:shade val="50000"/>
-            </a:schemeClr>
-          </a:lnRef>
-          <a:fillRef idx="1">
-            <a:schemeClr val="accent1"/>
-          </a:fillRef>
-          <a:effectRef idx="0">
-            <a:schemeClr val="accent1"/>
-          </a:effectRef>
-          <a:fontRef idx="minor">
-            <a:schemeClr val="lt1"/>
-          </a:fontRef>
-        </p:style>
-        <p:txBody>
-          <a:bodyPr rtlCol="0" anchor="ctr"/>
-          <a:lstStyle/>
-          <a:p>
-            <a:pPr algn="ctr"/>
-            <a:endParaRPr lang="en-US"/>
-          </a:p>
-        </p:txBody>
-      </p:sp>
-      <p:sp>
-        <p:nvSpPr>
-          <p:cNvPr id="2" name="Titel 1">
-            <a:extLst>
-              <a:ext uri="{FF2B5EF4-FFF2-40B4-BE49-F238E27FC236}">
-                <a16:creationId xmlns:a16="http://schemas.microsoft.com/office/drawing/2014/main" id="{60993971-D976-35BC-95C2-636643BEE66D}"/>
-              </a:ext>
-            </a:extLst>
-          </p:cNvPr>
-          <p:cNvSpPr>
-            <a:spLocks noGrp="1"/>
-          </p:cNvSpPr>
-          <p:nvPr>
-            <p:ph type="ctrTitle"/>
-          </p:nvPr>
-        </p:nvSpPr>
-        <p:spPr>
-          <a:xfrm>
-            <a:off x="699715" y="5635366"/>
-            <a:ext cx="7091299" cy="898581"/>
-          </a:xfrm>
-        </p:spPr>
-        <p:txBody>
-          <a:bodyPr vert="horz" lIns="91440" tIns="45720" rIns="91440" bIns="45720" rtlCol="0" anchor="ctr">
-            <a:normAutofit fontScale="90000"/>
-          </a:bodyPr>
-          <a:lstStyle/>
-          <a:p>
-            <a:pPr algn="l"/>
-            <a:r>
-              <a:rPr lang="en-US" sz="3400">
-                <a:solidFill>
-                  <a:srgbClr val="FFFFFF"/>
-                </a:solidFill>
-              </a:rPr>
-              <a:t>Vielen Dank für eure Aufmerksamkeit!</a:t>
-            </a:r>
-          </a:p>
-        </p:txBody>
-      </p:sp>
-      <p:sp>
-        <p:nvSpPr>
-          <p:cNvPr id="5142" name="Rectangle 5141">
-            <a:extLst>
-              <a:ext uri="{FF2B5EF4-FFF2-40B4-BE49-F238E27FC236}">
-                <a16:creationId xmlns:a16="http://schemas.microsoft.com/office/drawing/2014/main" id="{15F33878-D502-4FFA-8ACE-F2AECDB2A23F}"/>
-              </a:ext>
-              <a:ext uri="{C183D7F6-B498-43B3-948B-1728B52AA6E4}">
-                <adec:decorative xmlns:adec="http://schemas.microsoft.com/office/drawing/2017/decorative" val="1"/>
-              </a:ext>
-            </a:extLst>
-          </p:cNvPr>
-          <p:cNvSpPr>
-            <a:spLocks noGrp="1" noRot="1" noChangeAspect="1" noMove="1" noResize="1" noEditPoints="1" noAdjustHandles="1" noChangeArrowheads="1" noChangeShapeType="1" noTextEdit="1"/>
-          </p:cNvSpPr>
-          <p:nvPr>
-            <p:extLst>
-              <p:ext uri="{386F3935-93C4-4BCD-93E2-E3B085C9AB24}">
-                <p16:designElem xmlns:p16="http://schemas.microsoft.com/office/powerpoint/2015/main" val="1"/>
-              </p:ext>
-            </p:extLst>
-          </p:nvPr>
-        </p:nvSpPr>
-        <p:spPr>
-          <a:xfrm rot="10800000" flipH="1">
-            <a:off x="8128857" y="5282206"/>
-            <a:ext cx="4063143" cy="1576412"/>
-          </a:xfrm>
-          <a:prstGeom prst="rect">
-            <a:avLst/>
-          </a:prstGeom>
-          <a:gradFill>
-            <a:gsLst>
-              <a:gs pos="19000">
-                <a:schemeClr val="accent1">
-                  <a:lumMod val="50000"/>
-                  <a:alpha val="68000"/>
-                </a:schemeClr>
-              </a:gs>
-              <a:gs pos="100000">
-                <a:schemeClr val="accent1">
-                  <a:alpha val="79000"/>
-                </a:schemeClr>
-              </a:gs>
-            </a:gsLst>
-            <a:lin ang="19200000" scaled="0"/>
-          </a:gradFill>
-          <a:ln>
-            <a:noFill/>
-          </a:ln>
-        </p:spPr>
-        <p:style>
-          <a:lnRef idx="2">
-            <a:schemeClr val="accent1">
-              <a:shade val="50000"/>
-            </a:schemeClr>
-          </a:lnRef>
-          <a:fillRef idx="1">
-            <a:schemeClr val="accent1"/>
-          </a:fillRef>
-          <a:effectRef idx="0">
-            <a:schemeClr val="accent1"/>
-          </a:effectRef>
-          <a:fontRef idx="minor">
-            <a:schemeClr val="lt1"/>
-          </a:fontRef>
-        </p:style>
-        <p:txBody>
-          <a:bodyPr rtlCol="0" anchor="ctr"/>
-          <a:lstStyle/>
-          <a:p>
-            <a:pPr algn="ctr"/>
-            <a:endParaRPr lang="en-US"/>
-          </a:p>
-        </p:txBody>
-      </p:sp>
       <p:pic>
         <p:nvPicPr>
-          <p:cNvPr id="5124" name="Picture 4" descr="Poster, Print Portrait of a Sleazy Businessman Showing Contract, 40x33.9 cm">
-            <a:extLst>
-              <a:ext uri="{FF2B5EF4-FFF2-40B4-BE49-F238E27FC236}">
-                <a16:creationId xmlns:a16="http://schemas.microsoft.com/office/drawing/2014/main" id="{56ECA197-22ED-7560-10CD-E0A689A33AB5}"/>
+          <p:cNvPr id="5122" name="Picture 2" descr="Vielen dank für eure aufmerksamkeit -Fotos und -Bildmaterial in hoher  Auflösung – Alamy">
+            <a:extLst>
+              <a:ext uri="{FF2B5EF4-FFF2-40B4-BE49-F238E27FC236}">
+                <a16:creationId xmlns:a16="http://schemas.microsoft.com/office/drawing/2014/main" id="{1539A5E9-3318-6B83-0CA0-DD1E7A5E48B9}"/>
               </a:ext>
             </a:extLst>
           </p:cNvPr>
@@ -10202,20 +10010,20 @@
           <p:nvPr/>
         </p:nvPicPr>
         <p:blipFill>
-          <a:blip r:embed="rId3">
+          <a:blip r:embed="rId4">
             <a:extLst>
               <a:ext uri="{28A0092B-C50C-407E-A947-70E740481C1C}">
                 <a14:useLocalDpi xmlns:a14="http://schemas.microsoft.com/office/drawing/2010/main" val="0"/>
               </a:ext>
             </a:extLst>
           </a:blip>
-          <a:srcRect l="21211" r="13712" b="1"/>
+          <a:srcRect l="10710" r="10336"/>
           <a:stretch/>
         </p:blipFill>
         <p:spPr bwMode="auto">
           <a:xfrm>
-            <a:off x="8128856" y="1"/>
-            <a:ext cx="4063143" cy="5291384"/>
+            <a:off x="8124630" y="-1"/>
+            <a:ext cx="4067370" cy="4172787"/>
           </a:xfrm>
           <a:prstGeom prst="rect">
             <a:avLst/>
@@ -10232,6 +10040,58 @@
           </a:extLst>
         </p:spPr>
       </p:pic>
+      <p:cxnSp>
+        <p:nvCxnSpPr>
+          <p:cNvPr id="5147" name="Straight Connector 5146">
+            <a:extLst>
+              <a:ext uri="{FF2B5EF4-FFF2-40B4-BE49-F238E27FC236}">
+                <a16:creationId xmlns:a16="http://schemas.microsoft.com/office/drawing/2014/main" id="{7667AA61-5C27-F30F-D229-06CBE5709F33}"/>
+              </a:ext>
+              <a:ext uri="{C183D7F6-B498-43B3-948B-1728B52AA6E4}">
+                <adec:decorative xmlns:adec="http://schemas.microsoft.com/office/drawing/2017/decorative" val="1"/>
+              </a:ext>
+            </a:extLst>
+          </p:cNvPr>
+          <p:cNvCxnSpPr>
+            <a:cxnSpLocks noGrp="1" noRot="1" noChangeAspect="1" noMove="1" noResize="1" noEditPoints="1" noAdjustHandles="1" noChangeArrowheads="1" noChangeShapeType="1"/>
+          </p:cNvCxnSpPr>
+          <p:nvPr>
+            <p:extLst>
+              <p:ext uri="{386F3935-93C4-4BCD-93E2-E3B085C9AB24}">
+                <p16:designElem xmlns:p16="http://schemas.microsoft.com/office/powerpoint/2015/main" val="1"/>
+              </p:ext>
+            </p:extLst>
+          </p:nvPr>
+        </p:nvCxnSpPr>
+        <p:spPr>
+          <a:xfrm>
+            <a:off x="865141" y="4811517"/>
+            <a:ext cx="736939" cy="0"/>
+          </a:xfrm>
+          <a:prstGeom prst="line">
+            <a:avLst/>
+          </a:prstGeom>
+          <a:ln w="57150">
+            <a:solidFill>
+              <a:schemeClr val="accent4"/>
+            </a:solidFill>
+          </a:ln>
+        </p:spPr>
+        <p:style>
+          <a:lnRef idx="1">
+            <a:schemeClr val="accent1"/>
+          </a:lnRef>
+          <a:fillRef idx="0">
+            <a:schemeClr val="accent1"/>
+          </a:fillRef>
+          <a:effectRef idx="0">
+            <a:schemeClr val="accent1"/>
+          </a:effectRef>
+          <a:fontRef idx="minor">
+            <a:schemeClr val="tx1"/>
+          </a:fontRef>
+        </p:style>
+      </p:cxnSp>
       <p:sp>
         <p:nvSpPr>
           <p:cNvPr id="3" name="Foliennummernplatzhalter 2">
@@ -10248,13 +10108,30 @@
             <p:ph type="sldNum" sz="quarter" idx="12"/>
           </p:nvPr>
         </p:nvSpPr>
-        <p:spPr/>
-        <p:txBody>
-          <a:bodyPr/>
-          <a:lstStyle/>
-          <a:p>
+        <p:spPr>
+          <a:xfrm>
+            <a:off x="8610600" y="6356350"/>
+            <a:ext cx="2743200" cy="365125"/>
+          </a:xfrm>
+        </p:spPr>
+        <p:txBody>
+          <a:bodyPr>
+            <a:normAutofit/>
+          </a:bodyPr>
+          <a:lstStyle/>
+          <a:p>
+            <a:pPr>
+              <a:spcAft>
+                <a:spcPts val="600"/>
+              </a:spcAft>
+            </a:pPr>
             <a:fld id="{1A401315-7350-4ECF-B456-363AC987C71C}" type="slidenum">
               <a:rPr lang="en-GB" smtClean="0"/>
+              <a:pPr>
+                <a:spcAft>
+                  <a:spcPts val="600"/>
+                </a:spcAft>
+              </a:pPr>
               <a:t>19</a:t>
             </a:fld>
             <a:endParaRPr lang="en-GB"/>
@@ -10982,6 +10859,60 @@
           </a:p>
         </p:txBody>
       </p:sp>
+      <p:pic>
+        <p:nvPicPr>
+          <p:cNvPr id="5" name="Grafik 4">
+            <a:extLst>
+              <a:ext uri="{FF2B5EF4-FFF2-40B4-BE49-F238E27FC236}">
+                <a16:creationId xmlns:a16="http://schemas.microsoft.com/office/drawing/2014/main" id="{E19D9352-A728-A33C-406C-62A38443614F}"/>
+              </a:ext>
+            </a:extLst>
+          </p:cNvPr>
+          <p:cNvPicPr>
+            <a:picLocks noChangeAspect="1"/>
+          </p:cNvPicPr>
+          <p:nvPr/>
+        </p:nvPicPr>
+        <p:blipFill>
+          <a:blip r:embed="rId4"/>
+          <a:stretch>
+            <a:fillRect/>
+          </a:stretch>
+        </p:blipFill>
+        <p:spPr>
+          <a:xfrm>
+            <a:off x="500344" y="5160578"/>
+            <a:ext cx="1381204" cy="1378333"/>
+          </a:xfrm>
+          <a:prstGeom prst="roundRect">
+            <a:avLst>
+              <a:gd name="adj" fmla="val 16667"/>
+            </a:avLst>
+          </a:prstGeom>
+          <a:ln>
+            <a:noFill/>
+          </a:ln>
+          <a:effectLst>
+            <a:outerShdw blurRad="152400" dist="12000" dir="900000" sy="98000" kx="110000" ky="200000" algn="tl" rotWithShape="0">
+              <a:srgbClr val="000000">
+                <a:alpha val="30000"/>
+              </a:srgbClr>
+            </a:outerShdw>
+          </a:effectLst>
+          <a:scene3d>
+            <a:camera prst="perspectiveRelaxed">
+              <a:rot lat="19800000" lon="1200000" rev="20820000"/>
+            </a:camera>
+            <a:lightRig rig="threePt" dir="t"/>
+          </a:scene3d>
+          <a:sp3d contourW="6350" prstMaterial="matte">
+            <a:bevelT w="101600" h="101600"/>
+            <a:contourClr>
+              <a:srgbClr val="969696"/>
+            </a:contourClr>
+          </a:sp3d>
+        </p:spPr>
+      </p:pic>
     </p:spTree>
     <p:extLst>
       <p:ext uri="{BB962C8B-B14F-4D97-AF65-F5344CB8AC3E}">
@@ -10995,6 +10926,125 @@
   <p:transition spd="slow">
     <p:push/>
   </p:transition>
+  <p:timing>
+    <p:tnLst>
+      <p:par>
+        <p:cTn id="1" dur="indefinite" restart="never" nodeType="tmRoot">
+          <p:childTnLst>
+            <p:seq concurrent="1" nextAc="seek">
+              <p:cTn id="2" dur="indefinite" nodeType="mainSeq">
+                <p:childTnLst>
+                  <p:par>
+                    <p:cTn id="3" fill="hold">
+                      <p:stCondLst>
+                        <p:cond delay="indefinite"/>
+                      </p:stCondLst>
+                      <p:childTnLst>
+                        <p:par>
+                          <p:cTn id="4" fill="hold">
+                            <p:stCondLst>
+                              <p:cond delay="0"/>
+                            </p:stCondLst>
+                            <p:childTnLst>
+                              <p:par>
+                                <p:cTn id="5" presetID="1" presetClass="entr" presetSubtype="0" fill="hold" nodeType="clickEffect">
+                                  <p:stCondLst>
+                                    <p:cond delay="0"/>
+                                  </p:stCondLst>
+                                  <p:childTnLst>
+                                    <p:set>
+                                      <p:cBhvr>
+                                        <p:cTn id="6" dur="1" fill="hold">
+                                          <p:stCondLst>
+                                            <p:cond delay="0"/>
+                                          </p:stCondLst>
+                                        </p:cTn>
+                                        <p:tgtEl>
+                                          <p:spTgt spid="5"/>
+                                        </p:tgtEl>
+                                        <p:attrNameLst>
+                                          <p:attrName>style.visibility</p:attrName>
+                                        </p:attrNameLst>
+                                      </p:cBhvr>
+                                      <p:to>
+                                        <p:strVal val="visible"/>
+                                      </p:to>
+                                    </p:set>
+                                  </p:childTnLst>
+                                </p:cTn>
+                              </p:par>
+                            </p:childTnLst>
+                          </p:cTn>
+                        </p:par>
+                        <p:par>
+                          <p:cTn id="7" fill="hold">
+                            <p:stCondLst>
+                              <p:cond delay="0"/>
+                            </p:stCondLst>
+                            <p:childTnLst>
+                              <p:par>
+                                <p:cTn id="8" presetID="10" presetClass="exit" presetSubtype="0" fill="hold" nodeType="afterEffect">
+                                  <p:stCondLst>
+                                    <p:cond delay="200"/>
+                                  </p:stCondLst>
+                                  <p:childTnLst>
+                                    <p:animEffect transition="out" filter="fade">
+                                      <p:cBhvr>
+                                        <p:cTn id="9" dur="750"/>
+                                        <p:tgtEl>
+                                          <p:spTgt spid="5"/>
+                                        </p:tgtEl>
+                                      </p:cBhvr>
+                                    </p:animEffect>
+                                    <p:set>
+                                      <p:cBhvr>
+                                        <p:cTn id="10" dur="1" fill="hold">
+                                          <p:stCondLst>
+                                            <p:cond delay="749"/>
+                                          </p:stCondLst>
+                                        </p:cTn>
+                                        <p:tgtEl>
+                                          <p:spTgt spid="5"/>
+                                        </p:tgtEl>
+                                        <p:attrNameLst>
+                                          <p:attrName>style.visibility</p:attrName>
+                                        </p:attrNameLst>
+                                      </p:cBhvr>
+                                      <p:to>
+                                        <p:strVal val="hidden"/>
+                                      </p:to>
+                                    </p:set>
+                                  </p:childTnLst>
+                                </p:cTn>
+                              </p:par>
+                            </p:childTnLst>
+                          </p:cTn>
+                        </p:par>
+                      </p:childTnLst>
+                    </p:cTn>
+                  </p:par>
+                </p:childTnLst>
+              </p:cTn>
+              <p:prevCondLst>
+                <p:cond evt="onPrev" delay="0">
+                  <p:tgtEl>
+                    <p:sldTgt/>
+                  </p:tgtEl>
+                </p:cond>
+              </p:prevCondLst>
+              <p:nextCondLst>
+                <p:cond evt="onNext" delay="0">
+                  <p:tgtEl>
+                    <p:sldTgt/>
+                  </p:tgtEl>
+                </p:cond>
+              </p:nextCondLst>
+            </p:seq>
+          </p:childTnLst>
+        </p:cTn>
+      </p:par>
+    </p:tnLst>
+  </p:timing>
 </p:sld>
 </file>
 
@@ -11665,7 +11715,7 @@
           <p:nvPr/>
         </p:nvPicPr>
         <p:blipFill>
-          <a:blip r:embed="rId2">
+          <a:blip r:embed="rId3">
             <a:extLst>
               <a:ext uri="{28A0092B-C50C-407E-A947-70E740481C1C}">
                 <a14:useLocalDpi xmlns:a14="http://schemas.microsoft.com/office/drawing/2010/main" val="0"/>
@@ -11712,7 +11762,7 @@
           <p:nvPr/>
         </p:nvPicPr>
         <p:blipFill>
-          <a:blip r:embed="rId3">
+          <a:blip r:embed="rId4">
             <a:extLst>
               <a:ext uri="{28A0092B-C50C-407E-A947-70E740481C1C}">
                 <a14:useLocalDpi xmlns:a14="http://schemas.microsoft.com/office/drawing/2010/main" val="0"/>
@@ -11804,7 +11854,7 @@
           <p:nvPr/>
         </p:nvPicPr>
         <p:blipFill>
-          <a:blip r:embed="rId4">
+          <a:blip r:embed="rId5">
             <a:extLst>
               <a:ext uri="{28A0092B-C50C-407E-A947-70E740481C1C}">
                 <a14:useLocalDpi xmlns:a14="http://schemas.microsoft.com/office/drawing/2010/main" val="0"/>
